--- a/docs/diagrams.pptx
+++ b/docs/diagrams.pptx
@@ -5,12 +5,12 @@
     <p:sldMasterId id="2147483648" r:id="rId1"/>
   </p:sldMasterIdLst>
   <p:sldIdLst>
-    <p:sldId id="257" r:id="rId2"/>
-    <p:sldId id="258" r:id="rId3"/>
-    <p:sldId id="256" r:id="rId4"/>
-    <p:sldId id="259" r:id="rId5"/>
-    <p:sldId id="260" r:id="rId6"/>
-    <p:sldId id="261" r:id="rId7"/>
+    <p:sldId id="256" r:id="rId2"/>
+    <p:sldId id="259" r:id="rId3"/>
+    <p:sldId id="260" r:id="rId4"/>
+    <p:sldId id="261" r:id="rId5"/>
+    <p:sldId id="262" r:id="rId6"/>
+    <p:sldId id="263" r:id="rId7"/>
   </p:sldIdLst>
   <p:sldSz cx="12192000" cy="6858000"/>
   <p:notesSz cx="6858000" cy="9144000"/>
@@ -266,7 +266,7 @@
           <a:p>
             <a:fld id="{4AC07DEF-3650-42BF-8068-D2C0F3E6665F}" type="datetimeFigureOut">
               <a:rPr lang="es-ES" smtClean="0"/>
-              <a:t>12/12/2023</a:t>
+              <a:t>13/12/2023</a:t>
             </a:fld>
             <a:endParaRPr lang="es-ES"/>
           </a:p>
@@ -466,7 +466,7 @@
           <a:p>
             <a:fld id="{4AC07DEF-3650-42BF-8068-D2C0F3E6665F}" type="datetimeFigureOut">
               <a:rPr lang="es-ES" smtClean="0"/>
-              <a:t>12/12/2023</a:t>
+              <a:t>13/12/2023</a:t>
             </a:fld>
             <a:endParaRPr lang="es-ES"/>
           </a:p>
@@ -676,7 +676,7 @@
           <a:p>
             <a:fld id="{4AC07DEF-3650-42BF-8068-D2C0F3E6665F}" type="datetimeFigureOut">
               <a:rPr lang="es-ES" smtClean="0"/>
-              <a:t>12/12/2023</a:t>
+              <a:t>13/12/2023</a:t>
             </a:fld>
             <a:endParaRPr lang="es-ES"/>
           </a:p>
@@ -876,7 +876,7 @@
           <a:p>
             <a:fld id="{4AC07DEF-3650-42BF-8068-D2C0F3E6665F}" type="datetimeFigureOut">
               <a:rPr lang="es-ES" smtClean="0"/>
-              <a:t>12/12/2023</a:t>
+              <a:t>13/12/2023</a:t>
             </a:fld>
             <a:endParaRPr lang="es-ES"/>
           </a:p>
@@ -1152,7 +1152,7 @@
           <a:p>
             <a:fld id="{4AC07DEF-3650-42BF-8068-D2C0F3E6665F}" type="datetimeFigureOut">
               <a:rPr lang="es-ES" smtClean="0"/>
-              <a:t>12/12/2023</a:t>
+              <a:t>13/12/2023</a:t>
             </a:fld>
             <a:endParaRPr lang="es-ES"/>
           </a:p>
@@ -1420,7 +1420,7 @@
           <a:p>
             <a:fld id="{4AC07DEF-3650-42BF-8068-D2C0F3E6665F}" type="datetimeFigureOut">
               <a:rPr lang="es-ES" smtClean="0"/>
-              <a:t>12/12/2023</a:t>
+              <a:t>13/12/2023</a:t>
             </a:fld>
             <a:endParaRPr lang="es-ES"/>
           </a:p>
@@ -1835,7 +1835,7 @@
           <a:p>
             <a:fld id="{4AC07DEF-3650-42BF-8068-D2C0F3E6665F}" type="datetimeFigureOut">
               <a:rPr lang="es-ES" smtClean="0"/>
-              <a:t>12/12/2023</a:t>
+              <a:t>13/12/2023</a:t>
             </a:fld>
             <a:endParaRPr lang="es-ES"/>
           </a:p>
@@ -1977,7 +1977,7 @@
           <a:p>
             <a:fld id="{4AC07DEF-3650-42BF-8068-D2C0F3E6665F}" type="datetimeFigureOut">
               <a:rPr lang="es-ES" smtClean="0"/>
-              <a:t>12/12/2023</a:t>
+              <a:t>13/12/2023</a:t>
             </a:fld>
             <a:endParaRPr lang="es-ES"/>
           </a:p>
@@ -2090,7 +2090,7 @@
           <a:p>
             <a:fld id="{4AC07DEF-3650-42BF-8068-D2C0F3E6665F}" type="datetimeFigureOut">
               <a:rPr lang="es-ES" smtClean="0"/>
-              <a:t>12/12/2023</a:t>
+              <a:t>13/12/2023</a:t>
             </a:fld>
             <a:endParaRPr lang="es-ES"/>
           </a:p>
@@ -2403,7 +2403,7 @@
           <a:p>
             <a:fld id="{4AC07DEF-3650-42BF-8068-D2C0F3E6665F}" type="datetimeFigureOut">
               <a:rPr lang="es-ES" smtClean="0"/>
-              <a:t>12/12/2023</a:t>
+              <a:t>13/12/2023</a:t>
             </a:fld>
             <a:endParaRPr lang="es-ES"/>
           </a:p>
@@ -2692,7 +2692,7 @@
           <a:p>
             <a:fld id="{4AC07DEF-3650-42BF-8068-D2C0F3E6665F}" type="datetimeFigureOut">
               <a:rPr lang="es-ES" smtClean="0"/>
-              <a:t>12/12/2023</a:t>
+              <a:t>13/12/2023</a:t>
             </a:fld>
             <a:endParaRPr lang="es-ES"/>
           </a:p>
@@ -2935,7 +2935,7 @@
           <a:p>
             <a:fld id="{4AC07DEF-3650-42BF-8068-D2C0F3E6665F}" type="datetimeFigureOut">
               <a:rPr lang="es-ES" smtClean="0"/>
-              <a:t>12/12/2023</a:t>
+              <a:t>13/12/2023</a:t>
             </a:fld>
             <a:endParaRPr lang="es-ES"/>
           </a:p>
@@ -3354,365 +3354,6 @@
       </p:grpSpPr>
       <p:pic>
         <p:nvPicPr>
-          <p:cNvPr id="2050" name="Picture 2" descr="NGINX Ingress Controller for Kubernetes | NGINX">
-            <a:extLst>
-              <a:ext uri="{FF2B5EF4-FFF2-40B4-BE49-F238E27FC236}">
-                <a16:creationId xmlns:a16="http://schemas.microsoft.com/office/drawing/2014/main" id="{E86E5892-3297-B762-D018-1F81D7F0A070}"/>
-              </a:ext>
-            </a:extLst>
-          </p:cNvPr>
-          <p:cNvPicPr>
-            <a:picLocks noChangeAspect="1" noChangeArrowheads="1"/>
-          </p:cNvPicPr>
-          <p:nvPr/>
-        </p:nvPicPr>
-        <p:blipFill rotWithShape="1">
-          <a:blip r:embed="rId2">
-            <a:extLst>
-              <a:ext uri="{28A0092B-C50C-407E-A947-70E740481C1C}">
-                <a14:useLocalDpi xmlns:a14="http://schemas.microsoft.com/office/drawing/2010/main" val="0"/>
-              </a:ext>
-            </a:extLst>
-          </a:blip>
-          <a:srcRect l="16415"/>
-          <a:stretch/>
-        </p:blipFill>
-        <p:spPr bwMode="auto">
-          <a:xfrm>
-            <a:off x="5146663" y="2194559"/>
-            <a:ext cx="3391235" cy="2343617"/>
-          </a:xfrm>
-          <a:prstGeom prst="rect">
-            <a:avLst/>
-          </a:prstGeom>
-          <a:noFill/>
-          <a:extLst>
-            <a:ext uri="{909E8E84-426E-40DD-AFC4-6F175D3DCCD1}">
-              <a14:hiddenFill xmlns:a14="http://schemas.microsoft.com/office/drawing/2010/main">
-                <a:solidFill>
-                  <a:srgbClr val="FFFFFF"/>
-                </a:solidFill>
-              </a14:hiddenFill>
-            </a:ext>
-          </a:extLst>
-        </p:spPr>
-      </p:pic>
-      <p:pic>
-        <p:nvPicPr>
-          <p:cNvPr id="2" name="Picture 6" descr="Browser window, blank web page vector template By Microvector ...">
-            <a:extLst>
-              <a:ext uri="{FF2B5EF4-FFF2-40B4-BE49-F238E27FC236}">
-                <a16:creationId xmlns:a16="http://schemas.microsoft.com/office/drawing/2014/main" id="{9CF9C1EB-1951-DE09-19BD-E75B576F015B}"/>
-              </a:ext>
-            </a:extLst>
-          </p:cNvPr>
-          <p:cNvPicPr>
-            <a:picLocks noChangeAspect="1" noChangeArrowheads="1"/>
-          </p:cNvPicPr>
-          <p:nvPr/>
-        </p:nvPicPr>
-        <p:blipFill rotWithShape="1">
-          <a:blip r:embed="rId3">
-            <a:extLst>
-              <a:ext uri="{BEBA8EAE-BF5A-486C-A8C5-ECC9F3942E4B}">
-                <a14:imgProps xmlns:a14="http://schemas.microsoft.com/office/drawing/2010/main">
-                  <a14:imgLayer r:embed="rId4">
-                    <a14:imgEffect>
-                      <a14:saturation sat="400000"/>
-                    </a14:imgEffect>
-                    <a14:imgEffect>
-                      <a14:brightnessContrast contrast="-40000"/>
-                    </a14:imgEffect>
-                  </a14:imgLayer>
-                </a14:imgProps>
-              </a:ext>
-              <a:ext uri="{28A0092B-C50C-407E-A947-70E740481C1C}">
-                <a14:useLocalDpi xmlns:a14="http://schemas.microsoft.com/office/drawing/2010/main" val="0"/>
-              </a:ext>
-            </a:extLst>
-          </a:blip>
-          <a:srcRect l="10207" t="19062" r="10174" b="20464"/>
-          <a:stretch/>
-        </p:blipFill>
-        <p:spPr bwMode="auto">
-          <a:xfrm>
-            <a:off x="4149123" y="2987528"/>
-            <a:ext cx="997540" cy="757677"/>
-          </a:xfrm>
-          <a:prstGeom prst="rect">
-            <a:avLst/>
-          </a:prstGeom>
-          <a:noFill/>
-          <a:extLst>
-            <a:ext uri="{909E8E84-426E-40DD-AFC4-6F175D3DCCD1}">
-              <a14:hiddenFill xmlns:a14="http://schemas.microsoft.com/office/drawing/2010/main">
-                <a:solidFill>
-                  <a:srgbClr val="FFFFFF"/>
-                </a:solidFill>
-              </a14:hiddenFill>
-            </a:ext>
-          </a:extLst>
-        </p:spPr>
-      </p:pic>
-      <p:sp>
-        <p:nvSpPr>
-          <p:cNvPr id="3" name="TextBox 2">
-            <a:extLst>
-              <a:ext uri="{FF2B5EF4-FFF2-40B4-BE49-F238E27FC236}">
-                <a16:creationId xmlns:a16="http://schemas.microsoft.com/office/drawing/2014/main" id="{D05EB8AE-BBEE-FB95-836C-0EC674155187}"/>
-              </a:ext>
-            </a:extLst>
-          </p:cNvPr>
-          <p:cNvSpPr txBox="1"/>
-          <p:nvPr/>
-        </p:nvSpPr>
-        <p:spPr>
-          <a:xfrm>
-            <a:off x="1307592" y="841248"/>
-            <a:ext cx="2496966" cy="369332"/>
-          </a:xfrm>
-          <a:prstGeom prst="rect">
-            <a:avLst/>
-          </a:prstGeom>
-          <a:noFill/>
-        </p:spPr>
-        <p:txBody>
-          <a:bodyPr wrap="none" rtlCol="0">
-            <a:spAutoFit/>
-          </a:bodyPr>
-          <a:lstStyle/>
-          <a:p>
-            <a:r>
-              <a:rPr lang="es-ES" dirty="0"/>
-              <a:t>General NIC </a:t>
-            </a:r>
-            <a:r>
-              <a:rPr lang="es-ES" dirty="0" err="1"/>
-              <a:t>architecture</a:t>
-            </a:r>
-            <a:endParaRPr lang="es-ES" dirty="0"/>
-          </a:p>
-        </p:txBody>
-      </p:sp>
-    </p:spTree>
-    <p:extLst>
-      <p:ext uri="{BB962C8B-B14F-4D97-AF65-F5344CB8AC3E}">
-        <p14:creationId xmlns:p14="http://schemas.microsoft.com/office/powerpoint/2010/main" val="2773490685"/>
-      </p:ext>
-    </p:extLst>
-  </p:cSld>
-  <p:clrMapOvr>
-    <a:masterClrMapping/>
-  </p:clrMapOvr>
-</p:sld>
-</file>
-
-<file path=ppt/slides/slide2.xml><?xml version="1.0" encoding="utf-8"?>
-<p:sld xmlns:a="http://schemas.openxmlformats.org/drawingml/2006/main" xmlns:r="http://schemas.openxmlformats.org/officeDocument/2006/relationships" xmlns:p="http://schemas.openxmlformats.org/presentationml/2006/main">
-  <p:cSld>
-    <p:spTree>
-      <p:nvGrpSpPr>
-        <p:cNvPr id="1" name=""/>
-        <p:cNvGrpSpPr/>
-        <p:nvPr/>
-      </p:nvGrpSpPr>
-      <p:grpSpPr>
-        <a:xfrm>
-          <a:off x="0" y="0"/>
-          <a:ext cx="0" cy="0"/>
-          <a:chOff x="0" y="0"/>
-          <a:chExt cx="0" cy="0"/>
-        </a:xfrm>
-      </p:grpSpPr>
-      <p:pic>
-        <p:nvPicPr>
-          <p:cNvPr id="2050" name="Picture 2" descr="NGINX Ingress Controller for Kubernetes | NGINX">
-            <a:extLst>
-              <a:ext uri="{FF2B5EF4-FFF2-40B4-BE49-F238E27FC236}">
-                <a16:creationId xmlns:a16="http://schemas.microsoft.com/office/drawing/2014/main" id="{E86E5892-3297-B762-D018-1F81D7F0A070}"/>
-              </a:ext>
-            </a:extLst>
-          </p:cNvPr>
-          <p:cNvPicPr>
-            <a:picLocks noChangeAspect="1" noChangeArrowheads="1"/>
-          </p:cNvPicPr>
-          <p:nvPr/>
-        </p:nvPicPr>
-        <p:blipFill rotWithShape="1">
-          <a:blip r:embed="rId2">
-            <a:extLst>
-              <a:ext uri="{28A0092B-C50C-407E-A947-70E740481C1C}">
-                <a14:useLocalDpi xmlns:a14="http://schemas.microsoft.com/office/drawing/2010/main" val="0"/>
-              </a:ext>
-            </a:extLst>
-          </a:blip>
-          <a:srcRect l="16415"/>
-          <a:stretch/>
-        </p:blipFill>
-        <p:spPr bwMode="auto">
-          <a:xfrm>
-            <a:off x="5146663" y="2194559"/>
-            <a:ext cx="3391235" cy="2343617"/>
-          </a:xfrm>
-          <a:prstGeom prst="rect">
-            <a:avLst/>
-          </a:prstGeom>
-          <a:noFill/>
-          <a:extLst>
-            <a:ext uri="{909E8E84-426E-40DD-AFC4-6F175D3DCCD1}">
-              <a14:hiddenFill xmlns:a14="http://schemas.microsoft.com/office/drawing/2010/main">
-                <a:solidFill>
-                  <a:srgbClr val="FFFFFF"/>
-                </a:solidFill>
-              </a14:hiddenFill>
-            </a:ext>
-          </a:extLst>
-        </p:spPr>
-      </p:pic>
-      <p:pic>
-        <p:nvPicPr>
-          <p:cNvPr id="2" name="Picture 6" descr="Browser window, blank web page vector template By Microvector ...">
-            <a:extLst>
-              <a:ext uri="{FF2B5EF4-FFF2-40B4-BE49-F238E27FC236}">
-                <a16:creationId xmlns:a16="http://schemas.microsoft.com/office/drawing/2014/main" id="{9CF9C1EB-1951-DE09-19BD-E75B576F015B}"/>
-              </a:ext>
-            </a:extLst>
-          </p:cNvPr>
-          <p:cNvPicPr>
-            <a:picLocks noChangeAspect="1" noChangeArrowheads="1"/>
-          </p:cNvPicPr>
-          <p:nvPr/>
-        </p:nvPicPr>
-        <p:blipFill rotWithShape="1">
-          <a:blip r:embed="rId3">
-            <a:extLst>
-              <a:ext uri="{BEBA8EAE-BF5A-486C-A8C5-ECC9F3942E4B}">
-                <a14:imgProps xmlns:a14="http://schemas.microsoft.com/office/drawing/2010/main">
-                  <a14:imgLayer r:embed="rId4">
-                    <a14:imgEffect>
-                      <a14:saturation sat="400000"/>
-                    </a14:imgEffect>
-                    <a14:imgEffect>
-                      <a14:brightnessContrast contrast="-40000"/>
-                    </a14:imgEffect>
-                  </a14:imgLayer>
-                </a14:imgProps>
-              </a:ext>
-              <a:ext uri="{28A0092B-C50C-407E-A947-70E740481C1C}">
-                <a14:useLocalDpi xmlns:a14="http://schemas.microsoft.com/office/drawing/2010/main" val="0"/>
-              </a:ext>
-            </a:extLst>
-          </a:blip>
-          <a:srcRect l="10207" t="19062" r="10174" b="20464"/>
-          <a:stretch/>
-        </p:blipFill>
-        <p:spPr bwMode="auto">
-          <a:xfrm>
-            <a:off x="4149123" y="2987528"/>
-            <a:ext cx="997540" cy="757677"/>
-          </a:xfrm>
-          <a:prstGeom prst="rect">
-            <a:avLst/>
-          </a:prstGeom>
-          <a:noFill/>
-          <a:extLst>
-            <a:ext uri="{909E8E84-426E-40DD-AFC4-6F175D3DCCD1}">
-              <a14:hiddenFill xmlns:a14="http://schemas.microsoft.com/office/drawing/2010/main">
-                <a:solidFill>
-                  <a:srgbClr val="FFFFFF"/>
-                </a:solidFill>
-              </a14:hiddenFill>
-            </a:ext>
-          </a:extLst>
-        </p:spPr>
-      </p:pic>
-      <p:sp>
-        <p:nvSpPr>
-          <p:cNvPr id="3" name="TextBox 2">
-            <a:extLst>
-              <a:ext uri="{FF2B5EF4-FFF2-40B4-BE49-F238E27FC236}">
-                <a16:creationId xmlns:a16="http://schemas.microsoft.com/office/drawing/2014/main" id="{D05EB8AE-BBEE-FB95-836C-0EC674155187}"/>
-              </a:ext>
-            </a:extLst>
-          </p:cNvPr>
-          <p:cNvSpPr txBox="1"/>
-          <p:nvPr/>
-        </p:nvSpPr>
-        <p:spPr>
-          <a:xfrm>
-            <a:off x="1307592" y="841248"/>
-            <a:ext cx="2859629" cy="369332"/>
-          </a:xfrm>
-          <a:prstGeom prst="rect">
-            <a:avLst/>
-          </a:prstGeom>
-          <a:noFill/>
-        </p:spPr>
-        <p:txBody>
-          <a:bodyPr wrap="none" rtlCol="0">
-            <a:spAutoFit/>
-          </a:bodyPr>
-          <a:lstStyle/>
-          <a:p>
-            <a:r>
-              <a:rPr lang="es-ES" dirty="0" err="1"/>
-              <a:t>Adding</a:t>
-            </a:r>
-            <a:r>
-              <a:rPr lang="es-ES" dirty="0"/>
-              <a:t> </a:t>
-            </a:r>
-            <a:r>
-              <a:rPr lang="es-ES" dirty="0" err="1"/>
-              <a:t>authorization</a:t>
-            </a:r>
-            <a:r>
-              <a:rPr lang="es-ES" dirty="0"/>
-              <a:t> </a:t>
-            </a:r>
-            <a:r>
-              <a:rPr lang="es-ES" dirty="0" err="1"/>
-              <a:t>to</a:t>
-            </a:r>
-            <a:r>
-              <a:rPr lang="es-ES" dirty="0"/>
-              <a:t> NIC</a:t>
-            </a:r>
-          </a:p>
-        </p:txBody>
-      </p:sp>
-    </p:spTree>
-    <p:extLst>
-      <p:ext uri="{BB962C8B-B14F-4D97-AF65-F5344CB8AC3E}">
-        <p14:creationId xmlns:p14="http://schemas.microsoft.com/office/powerpoint/2010/main" val="878765419"/>
-      </p:ext>
-    </p:extLst>
-  </p:cSld>
-  <p:clrMapOvr>
-    <a:masterClrMapping/>
-  </p:clrMapOvr>
-</p:sld>
-</file>
-
-<file path=ppt/slides/slide3.xml><?xml version="1.0" encoding="utf-8"?>
-<p:sld xmlns:a="http://schemas.openxmlformats.org/drawingml/2006/main" xmlns:r="http://schemas.openxmlformats.org/officeDocument/2006/relationships" xmlns:p="http://schemas.openxmlformats.org/presentationml/2006/main">
-  <p:cSld>
-    <p:spTree>
-      <p:nvGrpSpPr>
-        <p:cNvPr id="1" name=""/>
-        <p:cNvGrpSpPr/>
-        <p:nvPr/>
-      </p:nvGrpSpPr>
-      <p:grpSpPr>
-        <a:xfrm>
-          <a:off x="0" y="0"/>
-          <a:ext cx="0" cy="0"/>
-          <a:chOff x="0" y="0"/>
-          <a:chExt cx="0" cy="0"/>
-        </a:xfrm>
-      </p:grpSpPr>
-      <p:pic>
-        <p:nvPicPr>
           <p:cNvPr id="1026" name="Picture 2" descr="KubeCon Europe 2017 Impressions · Chris Hager">
             <a:extLst>
               <a:ext uri="{FF2B5EF4-FFF2-40B4-BE49-F238E27FC236}">
@@ -4168,6 +3809,51 @@
           </a:prstGeom>
         </p:spPr>
       </p:pic>
+      <p:pic>
+        <p:nvPicPr>
+          <p:cNvPr id="11" name="Picture 2" descr="NGINX Ingress Controller for Kubernetes | NGINX">
+            <a:extLst>
+              <a:ext uri="{FF2B5EF4-FFF2-40B4-BE49-F238E27FC236}">
+                <a16:creationId xmlns:a16="http://schemas.microsoft.com/office/drawing/2014/main" id="{2B59CA2E-CAEC-09C4-2657-F1CCCC7DB37D}"/>
+              </a:ext>
+            </a:extLst>
+          </p:cNvPr>
+          <p:cNvPicPr>
+            <a:picLocks noChangeAspect="1" noChangeArrowheads="1"/>
+          </p:cNvPicPr>
+          <p:nvPr/>
+        </p:nvPicPr>
+        <p:blipFill rotWithShape="1">
+          <a:blip r:embed="rId7">
+            <a:extLst>
+              <a:ext uri="{28A0092B-C50C-407E-A947-70E740481C1C}">
+                <a14:useLocalDpi xmlns:a14="http://schemas.microsoft.com/office/drawing/2010/main" val="0"/>
+              </a:ext>
+            </a:extLst>
+          </a:blip>
+          <a:srcRect l="16415"/>
+          <a:stretch/>
+        </p:blipFill>
+        <p:spPr bwMode="auto">
+          <a:xfrm>
+            <a:off x="7770991" y="3761123"/>
+            <a:ext cx="3391235" cy="2343617"/>
+          </a:xfrm>
+          <a:prstGeom prst="rect">
+            <a:avLst/>
+          </a:prstGeom>
+          <a:noFill/>
+          <a:extLst>
+            <a:ext uri="{909E8E84-426E-40DD-AFC4-6F175D3DCCD1}">
+              <a14:hiddenFill xmlns:a14="http://schemas.microsoft.com/office/drawing/2010/main">
+                <a:solidFill>
+                  <a:srgbClr val="FFFFFF"/>
+                </a:solidFill>
+              </a14:hiddenFill>
+            </a:ext>
+          </a:extLst>
+        </p:spPr>
+      </p:pic>
     </p:spTree>
     <p:extLst>
       <p:ext uri="{BB962C8B-B14F-4D97-AF65-F5344CB8AC3E}">
@@ -4181,7 +3867,7 @@
 </p:sld>
 </file>
 
-<file path=ppt/slides/slide4.xml><?xml version="1.0" encoding="utf-8"?>
+<file path=ppt/slides/slide2.xml><?xml version="1.0" encoding="utf-8"?>
 <p:sld xmlns:a="http://schemas.openxmlformats.org/drawingml/2006/main" xmlns:r="http://schemas.openxmlformats.org/officeDocument/2006/relationships" xmlns:p="http://schemas.openxmlformats.org/presentationml/2006/main">
   <p:cSld>
     <p:spTree>
@@ -4211,7 +3897,7 @@
 </p:sld>
 </file>
 
-<file path=ppt/slides/slide5.xml><?xml version="1.0" encoding="utf-8"?>
+<file path=ppt/slides/slide3.xml><?xml version="1.0" encoding="utf-8"?>
 <p:sld xmlns:a="http://schemas.openxmlformats.org/drawingml/2006/main" xmlns:r="http://schemas.openxmlformats.org/officeDocument/2006/relationships" xmlns:p="http://schemas.openxmlformats.org/presentationml/2006/main">
   <p:cSld>
     <p:spTree>
@@ -5081,7 +4767,7 @@
 </p:sld>
 </file>
 
-<file path=ppt/slides/slide6.xml><?xml version="1.0" encoding="utf-8"?>
+<file path=ppt/slides/slide4.xml><?xml version="1.0" encoding="utf-8"?>
 <p:sld xmlns:a="http://schemas.openxmlformats.org/drawingml/2006/main" xmlns:r="http://schemas.openxmlformats.org/officeDocument/2006/relationships" xmlns:p="http://schemas.openxmlformats.org/presentationml/2006/main">
   <p:cSld>
     <p:spTree>
@@ -5785,6 +5471,1960 @@
     <p:extLst>
       <p:ext uri="{BB962C8B-B14F-4D97-AF65-F5344CB8AC3E}">
         <p14:creationId xmlns:p14="http://schemas.microsoft.com/office/powerpoint/2010/main" val="247945748"/>
+      </p:ext>
+    </p:extLst>
+  </p:cSld>
+  <p:clrMapOvr>
+    <a:masterClrMapping/>
+  </p:clrMapOvr>
+</p:sld>
+</file>
+
+<file path=ppt/slides/slide5.xml><?xml version="1.0" encoding="utf-8"?>
+<p:sld xmlns:a="http://schemas.openxmlformats.org/drawingml/2006/main" xmlns:r="http://schemas.openxmlformats.org/officeDocument/2006/relationships" xmlns:p="http://schemas.openxmlformats.org/presentationml/2006/main">
+  <p:cSld>
+    <p:spTree>
+      <p:nvGrpSpPr>
+        <p:cNvPr id="1" name=""/>
+        <p:cNvGrpSpPr/>
+        <p:nvPr/>
+      </p:nvGrpSpPr>
+      <p:grpSpPr>
+        <a:xfrm>
+          <a:off x="0" y="0"/>
+          <a:ext cx="0" cy="0"/>
+          <a:chOff x="0" y="0"/>
+          <a:chExt cx="0" cy="0"/>
+        </a:xfrm>
+      </p:grpSpPr>
+      <p:sp>
+        <p:nvSpPr>
+          <p:cNvPr id="2" name="Rectangle: Rounded Corners 1">
+            <a:extLst>
+              <a:ext uri="{FF2B5EF4-FFF2-40B4-BE49-F238E27FC236}">
+                <a16:creationId xmlns:a16="http://schemas.microsoft.com/office/drawing/2014/main" id="{39EA2E18-AFFA-593F-DA50-1FAE729004F0}"/>
+              </a:ext>
+            </a:extLst>
+          </p:cNvPr>
+          <p:cNvSpPr/>
+          <p:nvPr/>
+        </p:nvSpPr>
+        <p:spPr>
+          <a:xfrm>
+            <a:off x="3448050" y="1353312"/>
+            <a:ext cx="5724525" cy="4437888"/>
+          </a:xfrm>
+          <a:prstGeom prst="roundRect">
+            <a:avLst>
+              <a:gd name="adj" fmla="val 4427"/>
+            </a:avLst>
+          </a:prstGeom>
+          <a:noFill/>
+          <a:ln>
+            <a:prstDash val="dash"/>
+          </a:ln>
+        </p:spPr>
+        <p:style>
+          <a:lnRef idx="2">
+            <a:schemeClr val="accent1">
+              <a:shade val="15000"/>
+            </a:schemeClr>
+          </a:lnRef>
+          <a:fillRef idx="1">
+            <a:schemeClr val="accent1"/>
+          </a:fillRef>
+          <a:effectRef idx="0">
+            <a:schemeClr val="accent1"/>
+          </a:effectRef>
+          <a:fontRef idx="minor">
+            <a:schemeClr val="lt1"/>
+          </a:fontRef>
+        </p:style>
+        <p:txBody>
+          <a:bodyPr rtlCol="0" anchor="ctr"/>
+          <a:lstStyle/>
+          <a:p>
+            <a:pPr algn="ctr"/>
+            <a:endParaRPr lang="es-ES"/>
+          </a:p>
+        </p:txBody>
+      </p:sp>
+      <p:grpSp>
+        <p:nvGrpSpPr>
+          <p:cNvPr id="3" name="Group 2">
+            <a:extLst>
+              <a:ext uri="{FF2B5EF4-FFF2-40B4-BE49-F238E27FC236}">
+                <a16:creationId xmlns:a16="http://schemas.microsoft.com/office/drawing/2014/main" id="{90A73C92-8D85-4F2C-877F-5F275F4390B3}"/>
+              </a:ext>
+            </a:extLst>
+          </p:cNvPr>
+          <p:cNvGrpSpPr/>
+          <p:nvPr/>
+        </p:nvGrpSpPr>
+        <p:grpSpPr>
+          <a:xfrm>
+            <a:off x="2728912" y="2463456"/>
+            <a:ext cx="2047875" cy="1314450"/>
+            <a:chOff x="2424112" y="2314575"/>
+            <a:chExt cx="2047875" cy="1314450"/>
+          </a:xfrm>
+        </p:grpSpPr>
+        <p:sp>
+          <p:nvSpPr>
+            <p:cNvPr id="4" name="Rectangle: Rounded Corners 3">
+              <a:extLst>
+                <a:ext uri="{FF2B5EF4-FFF2-40B4-BE49-F238E27FC236}">
+                  <a16:creationId xmlns:a16="http://schemas.microsoft.com/office/drawing/2014/main" id="{4A21BE45-ED38-57E7-5ECC-B6D9188A12F2}"/>
+                </a:ext>
+              </a:extLst>
+            </p:cNvPr>
+            <p:cNvSpPr/>
+            <p:nvPr/>
+          </p:nvSpPr>
+          <p:spPr>
+            <a:xfrm>
+              <a:off x="2424112" y="2314575"/>
+              <a:ext cx="2047875" cy="1314450"/>
+            </a:xfrm>
+            <a:prstGeom prst="roundRect">
+              <a:avLst>
+                <a:gd name="adj" fmla="val 11979"/>
+              </a:avLst>
+            </a:prstGeom>
+            <a:solidFill>
+              <a:schemeClr val="bg1"/>
+            </a:solidFill>
+          </p:spPr>
+          <p:style>
+            <a:lnRef idx="2">
+              <a:schemeClr val="accent1">
+                <a:shade val="15000"/>
+              </a:schemeClr>
+            </a:lnRef>
+            <a:fillRef idx="1">
+              <a:schemeClr val="accent1"/>
+            </a:fillRef>
+            <a:effectRef idx="0">
+              <a:schemeClr val="accent1"/>
+            </a:effectRef>
+            <a:fontRef idx="minor">
+              <a:schemeClr val="lt1"/>
+            </a:fontRef>
+          </p:style>
+          <p:txBody>
+            <a:bodyPr rtlCol="0" anchor="ctr"/>
+            <a:lstStyle/>
+            <a:p>
+              <a:pPr algn="ctr"/>
+              <a:endParaRPr lang="es-ES"/>
+            </a:p>
+          </p:txBody>
+        </p:sp>
+        <p:pic>
+          <p:nvPicPr>
+            <p:cNvPr id="5" name="Picture 4">
+              <a:extLst>
+                <a:ext uri="{FF2B5EF4-FFF2-40B4-BE49-F238E27FC236}">
+                  <a16:creationId xmlns:a16="http://schemas.microsoft.com/office/drawing/2014/main" id="{D20EFBD1-74D7-1198-5369-DDA8821885DA}"/>
+                </a:ext>
+              </a:extLst>
+            </p:cNvPr>
+            <p:cNvPicPr>
+              <a:picLocks noChangeAspect="1"/>
+            </p:cNvPicPr>
+            <p:nvPr/>
+          </p:nvPicPr>
+          <p:blipFill>
+            <a:blip r:embed="rId2">
+              <a:clrChange>
+                <a:clrFrom>
+                  <a:srgbClr val="FFFFFF"/>
+                </a:clrFrom>
+                <a:clrTo>
+                  <a:srgbClr val="FFFFFF">
+                    <a:alpha val="0"/>
+                  </a:srgbClr>
+                </a:clrTo>
+              </a:clrChange>
+            </a:blip>
+            <a:stretch>
+              <a:fillRect/>
+            </a:stretch>
+          </p:blipFill>
+          <p:spPr>
+            <a:xfrm>
+              <a:off x="2929999" y="2409825"/>
+              <a:ext cx="1036101" cy="1143000"/>
+            </a:xfrm>
+            <a:prstGeom prst="rect">
+              <a:avLst/>
+            </a:prstGeom>
+          </p:spPr>
+        </p:pic>
+      </p:grpSp>
+      <p:grpSp>
+        <p:nvGrpSpPr>
+          <p:cNvPr id="6" name="Group 5">
+            <a:extLst>
+              <a:ext uri="{FF2B5EF4-FFF2-40B4-BE49-F238E27FC236}">
+                <a16:creationId xmlns:a16="http://schemas.microsoft.com/office/drawing/2014/main" id="{8CB3D5AD-3A44-340F-5A35-D4E7BFB44C59}"/>
+              </a:ext>
+            </a:extLst>
+          </p:cNvPr>
+          <p:cNvGrpSpPr/>
+          <p:nvPr/>
+        </p:nvGrpSpPr>
+        <p:grpSpPr>
+          <a:xfrm>
+            <a:off x="4264821" y="4361110"/>
+            <a:ext cx="1388064" cy="1034490"/>
+            <a:chOff x="2165088" y="4352925"/>
+            <a:chExt cx="1388064" cy="1034490"/>
+          </a:xfrm>
+        </p:grpSpPr>
+        <p:sp>
+          <p:nvSpPr>
+            <p:cNvPr id="7" name="Rectangle: Rounded Corners 6">
+              <a:extLst>
+                <a:ext uri="{FF2B5EF4-FFF2-40B4-BE49-F238E27FC236}">
+                  <a16:creationId xmlns:a16="http://schemas.microsoft.com/office/drawing/2014/main" id="{31B8AAA2-090E-A8C0-5A2E-415F5ABDA1AB}"/>
+                </a:ext>
+              </a:extLst>
+            </p:cNvPr>
+            <p:cNvSpPr/>
+            <p:nvPr/>
+          </p:nvSpPr>
+          <p:spPr>
+            <a:xfrm>
+              <a:off x="2165088" y="4352925"/>
+              <a:ext cx="1388064" cy="1034490"/>
+            </a:xfrm>
+            <a:prstGeom prst="roundRect">
+              <a:avLst>
+                <a:gd name="adj" fmla="val 11979"/>
+              </a:avLst>
+            </a:prstGeom>
+            <a:solidFill>
+              <a:schemeClr val="bg1"/>
+            </a:solidFill>
+          </p:spPr>
+          <p:style>
+            <a:lnRef idx="2">
+              <a:schemeClr val="accent1">
+                <a:shade val="15000"/>
+              </a:schemeClr>
+            </a:lnRef>
+            <a:fillRef idx="1">
+              <a:schemeClr val="accent1"/>
+            </a:fillRef>
+            <a:effectRef idx="0">
+              <a:schemeClr val="accent1"/>
+            </a:effectRef>
+            <a:fontRef idx="minor">
+              <a:schemeClr val="lt1"/>
+            </a:fontRef>
+          </p:style>
+          <p:txBody>
+            <a:bodyPr rtlCol="0" anchor="ctr"/>
+            <a:lstStyle/>
+            <a:p>
+              <a:pPr algn="ctr"/>
+              <a:endParaRPr lang="es-ES"/>
+            </a:p>
+          </p:txBody>
+        </p:sp>
+        <p:pic>
+          <p:nvPicPr>
+            <p:cNvPr id="8" name="Picture 7">
+              <a:extLst>
+                <a:ext uri="{FF2B5EF4-FFF2-40B4-BE49-F238E27FC236}">
+                  <a16:creationId xmlns:a16="http://schemas.microsoft.com/office/drawing/2014/main" id="{D491B9D2-D404-7715-EA4A-820DAFB24245}"/>
+                </a:ext>
+              </a:extLst>
+            </p:cNvPr>
+            <p:cNvPicPr>
+              <a:picLocks noChangeAspect="1"/>
+            </p:cNvPicPr>
+            <p:nvPr/>
+          </p:nvPicPr>
+          <p:blipFill>
+            <a:blip r:embed="rId3">
+              <a:clrChange>
+                <a:clrFrom>
+                  <a:srgbClr val="FFFFFF"/>
+                </a:clrFrom>
+                <a:clrTo>
+                  <a:srgbClr val="FFFFFF">
+                    <a:alpha val="0"/>
+                  </a:srgbClr>
+                </a:clrTo>
+              </a:clrChange>
+            </a:blip>
+            <a:stretch>
+              <a:fillRect/>
+            </a:stretch>
+          </p:blipFill>
+          <p:spPr>
+            <a:xfrm>
+              <a:off x="2494993" y="4492904"/>
+              <a:ext cx="728254" cy="754531"/>
+            </a:xfrm>
+            <a:prstGeom prst="rect">
+              <a:avLst/>
+            </a:prstGeom>
+          </p:spPr>
+        </p:pic>
+      </p:grpSp>
+      <p:pic>
+        <p:nvPicPr>
+          <p:cNvPr id="9" name="Picture 2" descr="KubeCon Europe 2017 Impressions · Chris Hager">
+            <a:extLst>
+              <a:ext uri="{FF2B5EF4-FFF2-40B4-BE49-F238E27FC236}">
+                <a16:creationId xmlns:a16="http://schemas.microsoft.com/office/drawing/2014/main" id="{39064DC7-E027-EAB9-2095-9D36E43024DF}"/>
+              </a:ext>
+            </a:extLst>
+          </p:cNvPr>
+          <p:cNvPicPr>
+            <a:picLocks noChangeAspect="1" noChangeArrowheads="1"/>
+          </p:cNvPicPr>
+          <p:nvPr/>
+        </p:nvPicPr>
+        <p:blipFill rotWithShape="1">
+          <a:blip r:embed="rId4">
+            <a:clrChange>
+              <a:clrFrom>
+                <a:srgbClr val="000000">
+                  <a:alpha val="0"/>
+                </a:srgbClr>
+              </a:clrFrom>
+              <a:clrTo>
+                <a:srgbClr val="000000">
+                  <a:alpha val="0"/>
+                </a:srgbClr>
+              </a:clrTo>
+            </a:clrChange>
+            <a:extLst>
+              <a:ext uri="{28A0092B-C50C-407E-A947-70E740481C1C}">
+                <a14:useLocalDpi xmlns:a14="http://schemas.microsoft.com/office/drawing/2010/main" val="0"/>
+              </a:ext>
+            </a:extLst>
+          </a:blip>
+          <a:srcRect l="6237" t="6775" r="6520" b="7478"/>
+          <a:stretch/>
+        </p:blipFill>
+        <p:spPr bwMode="auto">
+          <a:xfrm>
+            <a:off x="8477249" y="5142875"/>
+            <a:ext cx="514265" cy="505449"/>
+          </a:xfrm>
+          <a:prstGeom prst="rect">
+            <a:avLst/>
+          </a:prstGeom>
+          <a:noFill/>
+          <a:extLst>
+            <a:ext uri="{909E8E84-426E-40DD-AFC4-6F175D3DCCD1}">
+              <a14:hiddenFill xmlns:a14="http://schemas.microsoft.com/office/drawing/2010/main">
+                <a:solidFill>
+                  <a:srgbClr val="FFFFFF"/>
+                </a:solidFill>
+              </a14:hiddenFill>
+            </a:ext>
+          </a:extLst>
+        </p:spPr>
+      </p:pic>
+      <p:cxnSp>
+        <p:nvCxnSpPr>
+          <p:cNvPr id="10" name="Connector: Elbow 9">
+            <a:extLst>
+              <a:ext uri="{FF2B5EF4-FFF2-40B4-BE49-F238E27FC236}">
+                <a16:creationId xmlns:a16="http://schemas.microsoft.com/office/drawing/2014/main" id="{E54F9D76-DF29-24D6-28D9-15A514FC2F6E}"/>
+              </a:ext>
+            </a:extLst>
+          </p:cNvPr>
+          <p:cNvCxnSpPr>
+            <a:cxnSpLocks/>
+          </p:cNvCxnSpPr>
+          <p:nvPr/>
+        </p:nvCxnSpPr>
+        <p:spPr>
+          <a:xfrm rot="16200000" flipH="1">
+            <a:off x="3597503" y="4098627"/>
+            <a:ext cx="975066" cy="371728"/>
+          </a:xfrm>
+          <a:prstGeom prst="bentConnector3">
+            <a:avLst>
+              <a:gd name="adj1" fmla="val 99820"/>
+            </a:avLst>
+          </a:prstGeom>
+          <a:ln>
+            <a:tailEnd type="triangle"/>
+          </a:ln>
+        </p:spPr>
+        <p:style>
+          <a:lnRef idx="1">
+            <a:schemeClr val="accent1"/>
+          </a:lnRef>
+          <a:fillRef idx="0">
+            <a:schemeClr val="accent1"/>
+          </a:fillRef>
+          <a:effectRef idx="0">
+            <a:schemeClr val="accent1"/>
+          </a:effectRef>
+          <a:fontRef idx="minor">
+            <a:schemeClr val="tx1"/>
+          </a:fontRef>
+        </p:style>
+      </p:cxnSp>
+      <p:cxnSp>
+        <p:nvCxnSpPr>
+          <p:cNvPr id="11" name="Connector: Elbow 10">
+            <a:extLst>
+              <a:ext uri="{FF2B5EF4-FFF2-40B4-BE49-F238E27FC236}">
+                <a16:creationId xmlns:a16="http://schemas.microsoft.com/office/drawing/2014/main" id="{360EBDAE-F35A-84ED-435C-DBB11AB3C7D7}"/>
+              </a:ext>
+            </a:extLst>
+          </p:cNvPr>
+          <p:cNvCxnSpPr>
+            <a:cxnSpLocks/>
+          </p:cNvCxnSpPr>
+          <p:nvPr/>
+        </p:nvCxnSpPr>
+        <p:spPr>
+          <a:xfrm rot="16200000" flipH="1">
+            <a:off x="3289941" y="4075859"/>
+            <a:ext cx="1272836" cy="676923"/>
+          </a:xfrm>
+          <a:prstGeom prst="bentConnector3">
+            <a:avLst>
+              <a:gd name="adj1" fmla="val 100138"/>
+            </a:avLst>
+          </a:prstGeom>
+          <a:ln>
+            <a:headEnd type="triangle" w="med" len="med"/>
+            <a:tailEnd type="none" w="med" len="med"/>
+          </a:ln>
+        </p:spPr>
+        <p:style>
+          <a:lnRef idx="1">
+            <a:schemeClr val="accent1"/>
+          </a:lnRef>
+          <a:fillRef idx="0">
+            <a:schemeClr val="accent1"/>
+          </a:fillRef>
+          <a:effectRef idx="0">
+            <a:schemeClr val="accent1"/>
+          </a:effectRef>
+          <a:fontRef idx="minor">
+            <a:schemeClr val="tx1"/>
+          </a:fontRef>
+        </p:style>
+      </p:cxnSp>
+      <p:sp>
+        <p:nvSpPr>
+          <p:cNvPr id="12" name="Rectangle: Top Corners Snipped 11">
+            <a:extLst>
+              <a:ext uri="{FF2B5EF4-FFF2-40B4-BE49-F238E27FC236}">
+                <a16:creationId xmlns:a16="http://schemas.microsoft.com/office/drawing/2014/main" id="{6F5237BF-5424-2DDC-7EE2-06FA623DE314}"/>
+              </a:ext>
+            </a:extLst>
+          </p:cNvPr>
+          <p:cNvSpPr/>
+          <p:nvPr/>
+        </p:nvSpPr>
+        <p:spPr>
+          <a:xfrm rot="16200000">
+            <a:off x="5806018" y="3673106"/>
+            <a:ext cx="881062" cy="622952"/>
+          </a:xfrm>
+          <a:prstGeom prst="snip2SameRect">
+            <a:avLst/>
+          </a:prstGeom>
+        </p:spPr>
+        <p:style>
+          <a:lnRef idx="2">
+            <a:schemeClr val="accent1">
+              <a:shade val="15000"/>
+            </a:schemeClr>
+          </a:lnRef>
+          <a:fillRef idx="1">
+            <a:schemeClr val="accent1"/>
+          </a:fillRef>
+          <a:effectRef idx="0">
+            <a:schemeClr val="accent1"/>
+          </a:effectRef>
+          <a:fontRef idx="minor">
+            <a:schemeClr val="lt1"/>
+          </a:fontRef>
+        </p:style>
+        <p:txBody>
+          <a:bodyPr rtlCol="0" anchor="ctr"/>
+          <a:lstStyle/>
+          <a:p>
+            <a:pPr algn="ctr"/>
+            <a:r>
+              <a:rPr lang="es-ES" sz="1200" dirty="0"/>
+              <a:t>Service</a:t>
+            </a:r>
+          </a:p>
+        </p:txBody>
+      </p:sp>
+      <p:sp>
+        <p:nvSpPr>
+          <p:cNvPr id="13" name="Rectangle: Rounded Corners 12">
+            <a:extLst>
+              <a:ext uri="{FF2B5EF4-FFF2-40B4-BE49-F238E27FC236}">
+                <a16:creationId xmlns:a16="http://schemas.microsoft.com/office/drawing/2014/main" id="{DE88DA35-90D5-2913-BAC7-8A3DFC95B6C4}"/>
+              </a:ext>
+            </a:extLst>
+          </p:cNvPr>
+          <p:cNvSpPr/>
+          <p:nvPr/>
+        </p:nvSpPr>
+        <p:spPr>
+          <a:xfrm>
+            <a:off x="7097551" y="1509598"/>
+            <a:ext cx="1266825" cy="847725"/>
+          </a:xfrm>
+          <a:prstGeom prst="roundRect">
+            <a:avLst>
+              <a:gd name="adj" fmla="val 11979"/>
+            </a:avLst>
+          </a:prstGeom>
+          <a:solidFill>
+            <a:schemeClr val="bg1"/>
+          </a:solidFill>
+        </p:spPr>
+        <p:style>
+          <a:lnRef idx="2">
+            <a:schemeClr val="accent1">
+              <a:shade val="15000"/>
+            </a:schemeClr>
+          </a:lnRef>
+          <a:fillRef idx="1">
+            <a:schemeClr val="accent1"/>
+          </a:fillRef>
+          <a:effectRef idx="0">
+            <a:schemeClr val="accent1"/>
+          </a:effectRef>
+          <a:fontRef idx="minor">
+            <a:schemeClr val="lt1"/>
+          </a:fontRef>
+        </p:style>
+        <p:txBody>
+          <a:bodyPr rtlCol="0" anchor="ctr"/>
+          <a:lstStyle/>
+          <a:p>
+            <a:pPr algn="ctr"/>
+            <a:r>
+              <a:rPr lang="es-ES" sz="1400" dirty="0" err="1">
+                <a:solidFill>
+                  <a:schemeClr val="tx1"/>
+                </a:solidFill>
+              </a:rPr>
+              <a:t>Nginx</a:t>
+            </a:r>
+            <a:r>
+              <a:rPr lang="es-ES" sz="1400" dirty="0">
+                <a:solidFill>
+                  <a:schemeClr val="tx1"/>
+                </a:solidFill>
+              </a:rPr>
+              <a:t> </a:t>
+            </a:r>
+            <a:r>
+              <a:rPr lang="es-ES" sz="1400" dirty="0" err="1">
+                <a:solidFill>
+                  <a:schemeClr val="tx1"/>
+                </a:solidFill>
+              </a:rPr>
+              <a:t>serving</a:t>
+            </a:r>
+            <a:r>
+              <a:rPr lang="es-ES" sz="1400" dirty="0">
+                <a:solidFill>
+                  <a:schemeClr val="tx1"/>
+                </a:solidFill>
+              </a:rPr>
+              <a:t> </a:t>
+            </a:r>
+            <a:r>
+              <a:rPr lang="es-ES" sz="1400" dirty="0" err="1">
+                <a:solidFill>
+                  <a:schemeClr val="tx1"/>
+                </a:solidFill>
+              </a:rPr>
+              <a:t>with</a:t>
+            </a:r>
+            <a:r>
+              <a:rPr lang="es-ES" sz="1400" dirty="0">
+                <a:solidFill>
+                  <a:schemeClr val="tx1"/>
+                </a:solidFill>
+              </a:rPr>
+              <a:t> </a:t>
+            </a:r>
+            <a:r>
+              <a:rPr lang="es-ES" sz="1400" dirty="0" err="1">
+                <a:solidFill>
+                  <a:schemeClr val="tx1"/>
+                </a:solidFill>
+              </a:rPr>
+              <a:t>static</a:t>
+            </a:r>
+            <a:r>
+              <a:rPr lang="es-ES" sz="1400" dirty="0">
+                <a:solidFill>
+                  <a:schemeClr val="tx1"/>
+                </a:solidFill>
+              </a:rPr>
+              <a:t> SPA</a:t>
+            </a:r>
+          </a:p>
+        </p:txBody>
+      </p:sp>
+      <p:sp>
+        <p:nvSpPr>
+          <p:cNvPr id="14" name="Rectangle: Rounded Corners 13">
+            <a:extLst>
+              <a:ext uri="{FF2B5EF4-FFF2-40B4-BE49-F238E27FC236}">
+                <a16:creationId xmlns:a16="http://schemas.microsoft.com/office/drawing/2014/main" id="{3F443E67-6593-A074-FAF6-2B1477B022B9}"/>
+              </a:ext>
+            </a:extLst>
+          </p:cNvPr>
+          <p:cNvSpPr/>
+          <p:nvPr/>
+        </p:nvSpPr>
+        <p:spPr>
+          <a:xfrm>
+            <a:off x="7210425" y="4076815"/>
+            <a:ext cx="982600" cy="504329"/>
+          </a:xfrm>
+          <a:prstGeom prst="roundRect">
+            <a:avLst>
+              <a:gd name="adj" fmla="val 11979"/>
+            </a:avLst>
+          </a:prstGeom>
+          <a:solidFill>
+            <a:schemeClr val="bg1"/>
+          </a:solidFill>
+        </p:spPr>
+        <p:style>
+          <a:lnRef idx="2">
+            <a:schemeClr val="accent1">
+              <a:shade val="15000"/>
+            </a:schemeClr>
+          </a:lnRef>
+          <a:fillRef idx="1">
+            <a:schemeClr val="accent1"/>
+          </a:fillRef>
+          <a:effectRef idx="0">
+            <a:schemeClr val="accent1"/>
+          </a:effectRef>
+          <a:fontRef idx="minor">
+            <a:schemeClr val="lt1"/>
+          </a:fontRef>
+        </p:style>
+        <p:txBody>
+          <a:bodyPr rtlCol="0" anchor="ctr"/>
+          <a:lstStyle/>
+          <a:p>
+            <a:pPr algn="ctr"/>
+            <a:r>
+              <a:rPr lang="es-ES" dirty="0">
+                <a:solidFill>
+                  <a:schemeClr val="tx1"/>
+                </a:solidFill>
+              </a:rPr>
+              <a:t>API</a:t>
+            </a:r>
+          </a:p>
+        </p:txBody>
+      </p:sp>
+      <p:cxnSp>
+        <p:nvCxnSpPr>
+          <p:cNvPr id="15" name="Connector: Elbow 14">
+            <a:extLst>
+              <a:ext uri="{FF2B5EF4-FFF2-40B4-BE49-F238E27FC236}">
+                <a16:creationId xmlns:a16="http://schemas.microsoft.com/office/drawing/2014/main" id="{39A6E181-3EB0-F6C2-88CA-9DA1814F2AFE}"/>
+              </a:ext>
+            </a:extLst>
+          </p:cNvPr>
+          <p:cNvCxnSpPr>
+            <a:cxnSpLocks/>
+            <a:stCxn id="4" idx="3"/>
+            <a:endCxn id="13" idx="1"/>
+          </p:cNvCxnSpPr>
+          <p:nvPr/>
+        </p:nvCxnSpPr>
+        <p:spPr>
+          <a:xfrm flipV="1">
+            <a:off x="4776787" y="1933461"/>
+            <a:ext cx="2320764" cy="1187220"/>
+          </a:xfrm>
+          <a:prstGeom prst="straightConnector1">
+            <a:avLst/>
+          </a:prstGeom>
+          <a:ln>
+            <a:tailEnd type="triangle"/>
+          </a:ln>
+        </p:spPr>
+        <p:style>
+          <a:lnRef idx="1">
+            <a:schemeClr val="accent1"/>
+          </a:lnRef>
+          <a:fillRef idx="0">
+            <a:schemeClr val="accent1"/>
+          </a:fillRef>
+          <a:effectRef idx="0">
+            <a:schemeClr val="accent1"/>
+          </a:effectRef>
+          <a:fontRef idx="minor">
+            <a:schemeClr val="tx1"/>
+          </a:fontRef>
+        </p:style>
+      </p:cxnSp>
+      <p:cxnSp>
+        <p:nvCxnSpPr>
+          <p:cNvPr id="16" name="Connector: Elbow 15">
+            <a:extLst>
+              <a:ext uri="{FF2B5EF4-FFF2-40B4-BE49-F238E27FC236}">
+                <a16:creationId xmlns:a16="http://schemas.microsoft.com/office/drawing/2014/main" id="{2E7C5AD8-5A29-B3EC-2329-5AC5E53D1458}"/>
+              </a:ext>
+            </a:extLst>
+          </p:cNvPr>
+          <p:cNvCxnSpPr>
+            <a:cxnSpLocks/>
+            <a:stCxn id="12" idx="1"/>
+            <a:endCxn id="14" idx="1"/>
+          </p:cNvCxnSpPr>
+          <p:nvPr/>
+        </p:nvCxnSpPr>
+        <p:spPr>
+          <a:xfrm>
+            <a:off x="6558025" y="3984582"/>
+            <a:ext cx="652400" cy="344398"/>
+          </a:xfrm>
+          <a:prstGeom prst="straightConnector1">
+            <a:avLst/>
+          </a:prstGeom>
+          <a:ln>
+            <a:tailEnd type="triangle"/>
+          </a:ln>
+        </p:spPr>
+        <p:style>
+          <a:lnRef idx="1">
+            <a:schemeClr val="accent1"/>
+          </a:lnRef>
+          <a:fillRef idx="0">
+            <a:schemeClr val="accent1"/>
+          </a:fillRef>
+          <a:effectRef idx="0">
+            <a:schemeClr val="accent1"/>
+          </a:effectRef>
+          <a:fontRef idx="minor">
+            <a:schemeClr val="tx1"/>
+          </a:fontRef>
+        </p:style>
+      </p:cxnSp>
+      <p:cxnSp>
+        <p:nvCxnSpPr>
+          <p:cNvPr id="17" name="Connector: Elbow 25">
+            <a:extLst>
+              <a:ext uri="{FF2B5EF4-FFF2-40B4-BE49-F238E27FC236}">
+                <a16:creationId xmlns:a16="http://schemas.microsoft.com/office/drawing/2014/main" id="{9C8E0810-A486-0536-48A0-C62A7B969CB3}"/>
+              </a:ext>
+            </a:extLst>
+          </p:cNvPr>
+          <p:cNvCxnSpPr>
+            <a:cxnSpLocks/>
+            <a:stCxn id="4" idx="3"/>
+            <a:endCxn id="12" idx="3"/>
+          </p:cNvCxnSpPr>
+          <p:nvPr/>
+        </p:nvCxnSpPr>
+        <p:spPr>
+          <a:xfrm>
+            <a:off x="4776787" y="3120681"/>
+            <a:ext cx="1158286" cy="863901"/>
+          </a:xfrm>
+          <a:prstGeom prst="straightConnector1">
+            <a:avLst/>
+          </a:prstGeom>
+          <a:ln>
+            <a:tailEnd type="triangle"/>
+          </a:ln>
+        </p:spPr>
+        <p:style>
+          <a:lnRef idx="1">
+            <a:schemeClr val="accent1"/>
+          </a:lnRef>
+          <a:fillRef idx="0">
+            <a:schemeClr val="accent1"/>
+          </a:fillRef>
+          <a:effectRef idx="0">
+            <a:schemeClr val="accent1"/>
+          </a:effectRef>
+          <a:fontRef idx="minor">
+            <a:schemeClr val="tx1"/>
+          </a:fontRef>
+        </p:style>
+      </p:cxnSp>
+      <p:pic>
+        <p:nvPicPr>
+          <p:cNvPr id="18" name="Picture 6" descr="Browser window, blank web page vector template By Microvector ...">
+            <a:extLst>
+              <a:ext uri="{FF2B5EF4-FFF2-40B4-BE49-F238E27FC236}">
+                <a16:creationId xmlns:a16="http://schemas.microsoft.com/office/drawing/2014/main" id="{F383F405-EAE7-DCE8-F519-878DD5A3A367}"/>
+              </a:ext>
+            </a:extLst>
+          </p:cNvPr>
+          <p:cNvPicPr>
+            <a:picLocks noChangeAspect="1" noChangeArrowheads="1"/>
+          </p:cNvPicPr>
+          <p:nvPr/>
+        </p:nvPicPr>
+        <p:blipFill rotWithShape="1">
+          <a:blip r:embed="rId5">
+            <a:extLst>
+              <a:ext uri="{BEBA8EAE-BF5A-486C-A8C5-ECC9F3942E4B}">
+                <a14:imgProps xmlns:a14="http://schemas.microsoft.com/office/drawing/2010/main">
+                  <a14:imgLayer r:embed="rId6">
+                    <a14:imgEffect>
+                      <a14:saturation sat="400000"/>
+                    </a14:imgEffect>
+                    <a14:imgEffect>
+                      <a14:brightnessContrast bright="-20000" contrast="40000"/>
+                    </a14:imgEffect>
+                  </a14:imgLayer>
+                </a14:imgProps>
+              </a:ext>
+              <a:ext uri="{28A0092B-C50C-407E-A947-70E740481C1C}">
+                <a14:useLocalDpi xmlns:a14="http://schemas.microsoft.com/office/drawing/2010/main" val="0"/>
+              </a:ext>
+            </a:extLst>
+          </a:blip>
+          <a:srcRect l="10207" t="19062" r="10174" b="20464"/>
+          <a:stretch/>
+        </p:blipFill>
+        <p:spPr bwMode="auto">
+          <a:xfrm>
+            <a:off x="1287372" y="3905652"/>
+            <a:ext cx="997540" cy="757677"/>
+          </a:xfrm>
+          <a:prstGeom prst="rect">
+            <a:avLst/>
+          </a:prstGeom>
+          <a:noFill/>
+          <a:extLst>
+            <a:ext uri="{909E8E84-426E-40DD-AFC4-6F175D3DCCD1}">
+              <a14:hiddenFill xmlns:a14="http://schemas.microsoft.com/office/drawing/2010/main">
+                <a:solidFill>
+                  <a:srgbClr val="FFFFFF"/>
+                </a:solidFill>
+              </a14:hiddenFill>
+            </a:ext>
+          </a:extLst>
+        </p:spPr>
+      </p:pic>
+      <p:cxnSp>
+        <p:nvCxnSpPr>
+          <p:cNvPr id="19" name="Connector: Elbow 25">
+            <a:extLst>
+              <a:ext uri="{FF2B5EF4-FFF2-40B4-BE49-F238E27FC236}">
+                <a16:creationId xmlns:a16="http://schemas.microsoft.com/office/drawing/2014/main" id="{7647B06E-FFD0-F231-4546-FC840B1C3093}"/>
+              </a:ext>
+            </a:extLst>
+          </p:cNvPr>
+          <p:cNvCxnSpPr>
+            <a:cxnSpLocks/>
+            <a:stCxn id="18" idx="0"/>
+            <a:endCxn id="4" idx="1"/>
+          </p:cNvCxnSpPr>
+          <p:nvPr/>
+        </p:nvCxnSpPr>
+        <p:spPr>
+          <a:xfrm rot="5400000" flipH="1" flipV="1">
+            <a:off x="1865042" y="3041782"/>
+            <a:ext cx="784971" cy="942770"/>
+          </a:xfrm>
+          <a:prstGeom prst="bentConnector2">
+            <a:avLst/>
+          </a:prstGeom>
+          <a:ln>
+            <a:tailEnd type="triangle"/>
+          </a:ln>
+        </p:spPr>
+        <p:style>
+          <a:lnRef idx="1">
+            <a:schemeClr val="accent1"/>
+          </a:lnRef>
+          <a:fillRef idx="0">
+            <a:schemeClr val="accent1"/>
+          </a:fillRef>
+          <a:effectRef idx="0">
+            <a:schemeClr val="accent1"/>
+          </a:effectRef>
+          <a:fontRef idx="minor">
+            <a:schemeClr val="tx1"/>
+          </a:fontRef>
+        </p:style>
+      </p:cxnSp>
+      <p:sp>
+        <p:nvSpPr>
+          <p:cNvPr id="21" name="TextBox 20">
+            <a:extLst>
+              <a:ext uri="{FF2B5EF4-FFF2-40B4-BE49-F238E27FC236}">
+                <a16:creationId xmlns:a16="http://schemas.microsoft.com/office/drawing/2014/main" id="{6060D670-91F5-441B-102E-62FB5DCD1CB9}"/>
+              </a:ext>
+            </a:extLst>
+          </p:cNvPr>
+          <p:cNvSpPr txBox="1"/>
+          <p:nvPr/>
+        </p:nvSpPr>
+        <p:spPr>
+          <a:xfrm>
+            <a:off x="506305" y="361539"/>
+            <a:ext cx="1987557" cy="369332"/>
+          </a:xfrm>
+          <a:prstGeom prst="rect">
+            <a:avLst/>
+          </a:prstGeom>
+          <a:noFill/>
+        </p:spPr>
+        <p:txBody>
+          <a:bodyPr wrap="square">
+            <a:spAutoFit/>
+          </a:bodyPr>
+          <a:lstStyle/>
+          <a:p>
+            <a:pPr algn="ctr"/>
+            <a:r>
+              <a:rPr lang="es-ES" dirty="0">
+                <a:solidFill>
+                  <a:schemeClr val="tx1"/>
+                </a:solidFill>
+              </a:rPr>
+              <a:t>SPA app</a:t>
+            </a:r>
+          </a:p>
+        </p:txBody>
+      </p:sp>
+      <p:sp>
+        <p:nvSpPr>
+          <p:cNvPr id="27" name="Rectangle: Rounded Corners 26">
+            <a:extLst>
+              <a:ext uri="{FF2B5EF4-FFF2-40B4-BE49-F238E27FC236}">
+                <a16:creationId xmlns:a16="http://schemas.microsoft.com/office/drawing/2014/main" id="{A49B3ACC-9AF0-D354-47EC-3FD2A29EB773}"/>
+              </a:ext>
+            </a:extLst>
+          </p:cNvPr>
+          <p:cNvSpPr/>
+          <p:nvPr/>
+        </p:nvSpPr>
+        <p:spPr>
+          <a:xfrm>
+            <a:off x="7215739" y="3429000"/>
+            <a:ext cx="982600" cy="504329"/>
+          </a:xfrm>
+          <a:prstGeom prst="roundRect">
+            <a:avLst>
+              <a:gd name="adj" fmla="val 11979"/>
+            </a:avLst>
+          </a:prstGeom>
+          <a:solidFill>
+            <a:schemeClr val="bg1"/>
+          </a:solidFill>
+        </p:spPr>
+        <p:style>
+          <a:lnRef idx="2">
+            <a:schemeClr val="accent1">
+              <a:shade val="15000"/>
+            </a:schemeClr>
+          </a:lnRef>
+          <a:fillRef idx="1">
+            <a:schemeClr val="accent1"/>
+          </a:fillRef>
+          <a:effectRef idx="0">
+            <a:schemeClr val="accent1"/>
+          </a:effectRef>
+          <a:fontRef idx="minor">
+            <a:schemeClr val="lt1"/>
+          </a:fontRef>
+        </p:style>
+        <p:txBody>
+          <a:bodyPr rtlCol="0" anchor="ctr"/>
+          <a:lstStyle/>
+          <a:p>
+            <a:pPr algn="ctr"/>
+            <a:r>
+              <a:rPr lang="es-ES" dirty="0">
+                <a:solidFill>
+                  <a:schemeClr val="tx1"/>
+                </a:solidFill>
+              </a:rPr>
+              <a:t>API</a:t>
+            </a:r>
+          </a:p>
+        </p:txBody>
+      </p:sp>
+      <p:cxnSp>
+        <p:nvCxnSpPr>
+          <p:cNvPr id="30" name="Connector: Elbow 29">
+            <a:extLst>
+              <a:ext uri="{FF2B5EF4-FFF2-40B4-BE49-F238E27FC236}">
+                <a16:creationId xmlns:a16="http://schemas.microsoft.com/office/drawing/2014/main" id="{E771BFEB-B6DA-F637-5943-C8E2A096271A}"/>
+              </a:ext>
+            </a:extLst>
+          </p:cNvPr>
+          <p:cNvCxnSpPr>
+            <a:cxnSpLocks/>
+            <a:stCxn id="12" idx="1"/>
+            <a:endCxn id="27" idx="1"/>
+          </p:cNvCxnSpPr>
+          <p:nvPr/>
+        </p:nvCxnSpPr>
+        <p:spPr>
+          <a:xfrm flipV="1">
+            <a:off x="6558025" y="3681165"/>
+            <a:ext cx="657714" cy="303417"/>
+          </a:xfrm>
+          <a:prstGeom prst="straightConnector1">
+            <a:avLst/>
+          </a:prstGeom>
+          <a:ln>
+            <a:tailEnd type="triangle"/>
+          </a:ln>
+        </p:spPr>
+        <p:style>
+          <a:lnRef idx="1">
+            <a:schemeClr val="accent1"/>
+          </a:lnRef>
+          <a:fillRef idx="0">
+            <a:schemeClr val="accent1"/>
+          </a:fillRef>
+          <a:effectRef idx="0">
+            <a:schemeClr val="accent1"/>
+          </a:effectRef>
+          <a:fontRef idx="minor">
+            <a:schemeClr val="tx1"/>
+          </a:fontRef>
+        </p:style>
+      </p:cxnSp>
+    </p:spTree>
+    <p:extLst>
+      <p:ext uri="{BB962C8B-B14F-4D97-AF65-F5344CB8AC3E}">
+        <p14:creationId xmlns:p14="http://schemas.microsoft.com/office/powerpoint/2010/main" val="1091738206"/>
+      </p:ext>
+    </p:extLst>
+  </p:cSld>
+  <p:clrMapOvr>
+    <a:masterClrMapping/>
+  </p:clrMapOvr>
+</p:sld>
+</file>
+
+<file path=ppt/slides/slide6.xml><?xml version="1.0" encoding="utf-8"?>
+<p:sld xmlns:a="http://schemas.openxmlformats.org/drawingml/2006/main" xmlns:r="http://schemas.openxmlformats.org/officeDocument/2006/relationships" xmlns:p="http://schemas.openxmlformats.org/presentationml/2006/main">
+  <p:cSld>
+    <p:spTree>
+      <p:nvGrpSpPr>
+        <p:cNvPr id="1" name=""/>
+        <p:cNvGrpSpPr/>
+        <p:nvPr/>
+      </p:nvGrpSpPr>
+      <p:grpSpPr>
+        <a:xfrm>
+          <a:off x="0" y="0"/>
+          <a:ext cx="0" cy="0"/>
+          <a:chOff x="0" y="0"/>
+          <a:chExt cx="0" cy="0"/>
+        </a:xfrm>
+      </p:grpSpPr>
+      <p:sp>
+        <p:nvSpPr>
+          <p:cNvPr id="2" name="Rectangle: Rounded Corners 1">
+            <a:extLst>
+              <a:ext uri="{FF2B5EF4-FFF2-40B4-BE49-F238E27FC236}">
+                <a16:creationId xmlns:a16="http://schemas.microsoft.com/office/drawing/2014/main" id="{39EA2E18-AFFA-593F-DA50-1FAE729004F0}"/>
+              </a:ext>
+            </a:extLst>
+          </p:cNvPr>
+          <p:cNvSpPr/>
+          <p:nvPr/>
+        </p:nvSpPr>
+        <p:spPr>
+          <a:xfrm>
+            <a:off x="3448051" y="2203704"/>
+            <a:ext cx="5430774" cy="3346704"/>
+          </a:xfrm>
+          <a:prstGeom prst="roundRect">
+            <a:avLst>
+              <a:gd name="adj" fmla="val 4427"/>
+            </a:avLst>
+          </a:prstGeom>
+          <a:noFill/>
+          <a:ln>
+            <a:prstDash val="dash"/>
+          </a:ln>
+        </p:spPr>
+        <p:style>
+          <a:lnRef idx="2">
+            <a:schemeClr val="accent1">
+              <a:shade val="15000"/>
+            </a:schemeClr>
+          </a:lnRef>
+          <a:fillRef idx="1">
+            <a:schemeClr val="accent1"/>
+          </a:fillRef>
+          <a:effectRef idx="0">
+            <a:schemeClr val="accent1"/>
+          </a:effectRef>
+          <a:fontRef idx="minor">
+            <a:schemeClr val="lt1"/>
+          </a:fontRef>
+        </p:style>
+        <p:txBody>
+          <a:bodyPr rtlCol="0" anchor="ctr"/>
+          <a:lstStyle/>
+          <a:p>
+            <a:pPr algn="ctr"/>
+            <a:endParaRPr lang="es-ES"/>
+          </a:p>
+        </p:txBody>
+      </p:sp>
+      <p:grpSp>
+        <p:nvGrpSpPr>
+          <p:cNvPr id="3" name="Group 2">
+            <a:extLst>
+              <a:ext uri="{FF2B5EF4-FFF2-40B4-BE49-F238E27FC236}">
+                <a16:creationId xmlns:a16="http://schemas.microsoft.com/office/drawing/2014/main" id="{90A73C92-8D85-4F2C-877F-5F275F4390B3}"/>
+              </a:ext>
+            </a:extLst>
+          </p:cNvPr>
+          <p:cNvGrpSpPr/>
+          <p:nvPr/>
+        </p:nvGrpSpPr>
+        <p:grpSpPr>
+          <a:xfrm>
+            <a:off x="2728912" y="2463456"/>
+            <a:ext cx="2047875" cy="1314450"/>
+            <a:chOff x="2424112" y="2314575"/>
+            <a:chExt cx="2047875" cy="1314450"/>
+          </a:xfrm>
+        </p:grpSpPr>
+        <p:sp>
+          <p:nvSpPr>
+            <p:cNvPr id="4" name="Rectangle: Rounded Corners 3">
+              <a:extLst>
+                <a:ext uri="{FF2B5EF4-FFF2-40B4-BE49-F238E27FC236}">
+                  <a16:creationId xmlns:a16="http://schemas.microsoft.com/office/drawing/2014/main" id="{4A21BE45-ED38-57E7-5ECC-B6D9188A12F2}"/>
+                </a:ext>
+              </a:extLst>
+            </p:cNvPr>
+            <p:cNvSpPr/>
+            <p:nvPr/>
+          </p:nvSpPr>
+          <p:spPr>
+            <a:xfrm>
+              <a:off x="2424112" y="2314575"/>
+              <a:ext cx="2047875" cy="1314450"/>
+            </a:xfrm>
+            <a:prstGeom prst="roundRect">
+              <a:avLst>
+                <a:gd name="adj" fmla="val 11979"/>
+              </a:avLst>
+            </a:prstGeom>
+            <a:solidFill>
+              <a:schemeClr val="bg1"/>
+            </a:solidFill>
+          </p:spPr>
+          <p:style>
+            <a:lnRef idx="2">
+              <a:schemeClr val="accent1">
+                <a:shade val="15000"/>
+              </a:schemeClr>
+            </a:lnRef>
+            <a:fillRef idx="1">
+              <a:schemeClr val="accent1"/>
+            </a:fillRef>
+            <a:effectRef idx="0">
+              <a:schemeClr val="accent1"/>
+            </a:effectRef>
+            <a:fontRef idx="minor">
+              <a:schemeClr val="lt1"/>
+            </a:fontRef>
+          </p:style>
+          <p:txBody>
+            <a:bodyPr rtlCol="0" anchor="ctr"/>
+            <a:lstStyle/>
+            <a:p>
+              <a:pPr algn="ctr"/>
+              <a:endParaRPr lang="es-ES"/>
+            </a:p>
+          </p:txBody>
+        </p:sp>
+        <p:pic>
+          <p:nvPicPr>
+            <p:cNvPr id="5" name="Picture 4">
+              <a:extLst>
+                <a:ext uri="{FF2B5EF4-FFF2-40B4-BE49-F238E27FC236}">
+                  <a16:creationId xmlns:a16="http://schemas.microsoft.com/office/drawing/2014/main" id="{D20EFBD1-74D7-1198-5369-DDA8821885DA}"/>
+                </a:ext>
+              </a:extLst>
+            </p:cNvPr>
+            <p:cNvPicPr>
+              <a:picLocks noChangeAspect="1"/>
+            </p:cNvPicPr>
+            <p:nvPr/>
+          </p:nvPicPr>
+          <p:blipFill>
+            <a:blip r:embed="rId2">
+              <a:clrChange>
+                <a:clrFrom>
+                  <a:srgbClr val="FFFFFF"/>
+                </a:clrFrom>
+                <a:clrTo>
+                  <a:srgbClr val="FFFFFF">
+                    <a:alpha val="0"/>
+                  </a:srgbClr>
+                </a:clrTo>
+              </a:clrChange>
+            </a:blip>
+            <a:stretch>
+              <a:fillRect/>
+            </a:stretch>
+          </p:blipFill>
+          <p:spPr>
+            <a:xfrm>
+              <a:off x="2929999" y="2409825"/>
+              <a:ext cx="1036101" cy="1143000"/>
+            </a:xfrm>
+            <a:prstGeom prst="rect">
+              <a:avLst/>
+            </a:prstGeom>
+          </p:spPr>
+        </p:pic>
+      </p:grpSp>
+      <p:grpSp>
+        <p:nvGrpSpPr>
+          <p:cNvPr id="6" name="Group 5">
+            <a:extLst>
+              <a:ext uri="{FF2B5EF4-FFF2-40B4-BE49-F238E27FC236}">
+                <a16:creationId xmlns:a16="http://schemas.microsoft.com/office/drawing/2014/main" id="{8CB3D5AD-3A44-340F-5A35-D4E7BFB44C59}"/>
+              </a:ext>
+            </a:extLst>
+          </p:cNvPr>
+          <p:cNvGrpSpPr/>
+          <p:nvPr/>
+        </p:nvGrpSpPr>
+        <p:grpSpPr>
+          <a:xfrm>
+            <a:off x="4264821" y="4361110"/>
+            <a:ext cx="1388064" cy="1034490"/>
+            <a:chOff x="2165088" y="4352925"/>
+            <a:chExt cx="1388064" cy="1034490"/>
+          </a:xfrm>
+        </p:grpSpPr>
+        <p:sp>
+          <p:nvSpPr>
+            <p:cNvPr id="7" name="Rectangle: Rounded Corners 6">
+              <a:extLst>
+                <a:ext uri="{FF2B5EF4-FFF2-40B4-BE49-F238E27FC236}">
+                  <a16:creationId xmlns:a16="http://schemas.microsoft.com/office/drawing/2014/main" id="{31B8AAA2-090E-A8C0-5A2E-415F5ABDA1AB}"/>
+                </a:ext>
+              </a:extLst>
+            </p:cNvPr>
+            <p:cNvSpPr/>
+            <p:nvPr/>
+          </p:nvSpPr>
+          <p:spPr>
+            <a:xfrm>
+              <a:off x="2165088" y="4352925"/>
+              <a:ext cx="1388064" cy="1034490"/>
+            </a:xfrm>
+            <a:prstGeom prst="roundRect">
+              <a:avLst>
+                <a:gd name="adj" fmla="val 11979"/>
+              </a:avLst>
+            </a:prstGeom>
+            <a:solidFill>
+              <a:schemeClr val="bg1"/>
+            </a:solidFill>
+          </p:spPr>
+          <p:style>
+            <a:lnRef idx="2">
+              <a:schemeClr val="accent1">
+                <a:shade val="15000"/>
+              </a:schemeClr>
+            </a:lnRef>
+            <a:fillRef idx="1">
+              <a:schemeClr val="accent1"/>
+            </a:fillRef>
+            <a:effectRef idx="0">
+              <a:schemeClr val="accent1"/>
+            </a:effectRef>
+            <a:fontRef idx="minor">
+              <a:schemeClr val="lt1"/>
+            </a:fontRef>
+          </p:style>
+          <p:txBody>
+            <a:bodyPr rtlCol="0" anchor="ctr"/>
+            <a:lstStyle/>
+            <a:p>
+              <a:pPr algn="ctr"/>
+              <a:endParaRPr lang="es-ES"/>
+            </a:p>
+          </p:txBody>
+        </p:sp>
+        <p:pic>
+          <p:nvPicPr>
+            <p:cNvPr id="8" name="Picture 7">
+              <a:extLst>
+                <a:ext uri="{FF2B5EF4-FFF2-40B4-BE49-F238E27FC236}">
+                  <a16:creationId xmlns:a16="http://schemas.microsoft.com/office/drawing/2014/main" id="{D491B9D2-D404-7715-EA4A-820DAFB24245}"/>
+                </a:ext>
+              </a:extLst>
+            </p:cNvPr>
+            <p:cNvPicPr>
+              <a:picLocks noChangeAspect="1"/>
+            </p:cNvPicPr>
+            <p:nvPr/>
+          </p:nvPicPr>
+          <p:blipFill>
+            <a:blip r:embed="rId3">
+              <a:clrChange>
+                <a:clrFrom>
+                  <a:srgbClr val="FFFFFF"/>
+                </a:clrFrom>
+                <a:clrTo>
+                  <a:srgbClr val="FFFFFF">
+                    <a:alpha val="0"/>
+                  </a:srgbClr>
+                </a:clrTo>
+              </a:clrChange>
+            </a:blip>
+            <a:stretch>
+              <a:fillRect/>
+            </a:stretch>
+          </p:blipFill>
+          <p:spPr>
+            <a:xfrm>
+              <a:off x="2494993" y="4492904"/>
+              <a:ext cx="728254" cy="754531"/>
+            </a:xfrm>
+            <a:prstGeom prst="rect">
+              <a:avLst/>
+            </a:prstGeom>
+          </p:spPr>
+        </p:pic>
+      </p:grpSp>
+      <p:pic>
+        <p:nvPicPr>
+          <p:cNvPr id="9" name="Picture 2" descr="KubeCon Europe 2017 Impressions · Chris Hager">
+            <a:extLst>
+              <a:ext uri="{FF2B5EF4-FFF2-40B4-BE49-F238E27FC236}">
+                <a16:creationId xmlns:a16="http://schemas.microsoft.com/office/drawing/2014/main" id="{39064DC7-E027-EAB9-2095-9D36E43024DF}"/>
+              </a:ext>
+            </a:extLst>
+          </p:cNvPr>
+          <p:cNvPicPr>
+            <a:picLocks noChangeAspect="1" noChangeArrowheads="1"/>
+          </p:cNvPicPr>
+          <p:nvPr/>
+        </p:nvPicPr>
+        <p:blipFill rotWithShape="1">
+          <a:blip r:embed="rId4">
+            <a:clrChange>
+              <a:clrFrom>
+                <a:srgbClr val="000000">
+                  <a:alpha val="0"/>
+                </a:srgbClr>
+              </a:clrFrom>
+              <a:clrTo>
+                <a:srgbClr val="000000">
+                  <a:alpha val="0"/>
+                </a:srgbClr>
+              </a:clrTo>
+            </a:clrChange>
+            <a:extLst>
+              <a:ext uri="{28A0092B-C50C-407E-A947-70E740481C1C}">
+                <a14:useLocalDpi xmlns:a14="http://schemas.microsoft.com/office/drawing/2010/main" val="0"/>
+              </a:ext>
+            </a:extLst>
+          </a:blip>
+          <a:srcRect l="6237" t="6775" r="6520" b="7478"/>
+          <a:stretch/>
+        </p:blipFill>
+        <p:spPr bwMode="auto">
+          <a:xfrm>
+            <a:off x="8272380" y="4890151"/>
+            <a:ext cx="514265" cy="505449"/>
+          </a:xfrm>
+          <a:prstGeom prst="rect">
+            <a:avLst/>
+          </a:prstGeom>
+          <a:noFill/>
+          <a:extLst>
+            <a:ext uri="{909E8E84-426E-40DD-AFC4-6F175D3DCCD1}">
+              <a14:hiddenFill xmlns:a14="http://schemas.microsoft.com/office/drawing/2010/main">
+                <a:solidFill>
+                  <a:srgbClr val="FFFFFF"/>
+                </a:solidFill>
+              </a14:hiddenFill>
+            </a:ext>
+          </a:extLst>
+        </p:spPr>
+      </p:pic>
+      <p:cxnSp>
+        <p:nvCxnSpPr>
+          <p:cNvPr id="10" name="Connector: Elbow 9">
+            <a:extLst>
+              <a:ext uri="{FF2B5EF4-FFF2-40B4-BE49-F238E27FC236}">
+                <a16:creationId xmlns:a16="http://schemas.microsoft.com/office/drawing/2014/main" id="{E54F9D76-DF29-24D6-28D9-15A514FC2F6E}"/>
+              </a:ext>
+            </a:extLst>
+          </p:cNvPr>
+          <p:cNvCxnSpPr>
+            <a:cxnSpLocks/>
+          </p:cNvCxnSpPr>
+          <p:nvPr/>
+        </p:nvCxnSpPr>
+        <p:spPr>
+          <a:xfrm rot="16200000" flipH="1">
+            <a:off x="3597503" y="4098627"/>
+            <a:ext cx="975066" cy="371728"/>
+          </a:xfrm>
+          <a:prstGeom prst="bentConnector3">
+            <a:avLst>
+              <a:gd name="adj1" fmla="val 99820"/>
+            </a:avLst>
+          </a:prstGeom>
+          <a:ln>
+            <a:tailEnd type="triangle"/>
+          </a:ln>
+        </p:spPr>
+        <p:style>
+          <a:lnRef idx="1">
+            <a:schemeClr val="accent1"/>
+          </a:lnRef>
+          <a:fillRef idx="0">
+            <a:schemeClr val="accent1"/>
+          </a:fillRef>
+          <a:effectRef idx="0">
+            <a:schemeClr val="accent1"/>
+          </a:effectRef>
+          <a:fontRef idx="minor">
+            <a:schemeClr val="tx1"/>
+          </a:fontRef>
+        </p:style>
+      </p:cxnSp>
+      <p:cxnSp>
+        <p:nvCxnSpPr>
+          <p:cNvPr id="11" name="Connector: Elbow 10">
+            <a:extLst>
+              <a:ext uri="{FF2B5EF4-FFF2-40B4-BE49-F238E27FC236}">
+                <a16:creationId xmlns:a16="http://schemas.microsoft.com/office/drawing/2014/main" id="{360EBDAE-F35A-84ED-435C-DBB11AB3C7D7}"/>
+              </a:ext>
+            </a:extLst>
+          </p:cNvPr>
+          <p:cNvCxnSpPr>
+            <a:cxnSpLocks/>
+          </p:cNvCxnSpPr>
+          <p:nvPr/>
+        </p:nvCxnSpPr>
+        <p:spPr>
+          <a:xfrm rot="16200000" flipH="1">
+            <a:off x="3289941" y="4075859"/>
+            <a:ext cx="1272836" cy="676923"/>
+          </a:xfrm>
+          <a:prstGeom prst="bentConnector3">
+            <a:avLst>
+              <a:gd name="adj1" fmla="val 100138"/>
+            </a:avLst>
+          </a:prstGeom>
+          <a:ln>
+            <a:headEnd type="triangle" w="med" len="med"/>
+            <a:tailEnd type="none" w="med" len="med"/>
+          </a:ln>
+        </p:spPr>
+        <p:style>
+          <a:lnRef idx="1">
+            <a:schemeClr val="accent1"/>
+          </a:lnRef>
+          <a:fillRef idx="0">
+            <a:schemeClr val="accent1"/>
+          </a:fillRef>
+          <a:effectRef idx="0">
+            <a:schemeClr val="accent1"/>
+          </a:effectRef>
+          <a:fontRef idx="minor">
+            <a:schemeClr val="tx1"/>
+          </a:fontRef>
+        </p:style>
+      </p:cxnSp>
+      <p:sp>
+        <p:nvSpPr>
+          <p:cNvPr id="13" name="Rectangle: Rounded Corners 12">
+            <a:extLst>
+              <a:ext uri="{FF2B5EF4-FFF2-40B4-BE49-F238E27FC236}">
+                <a16:creationId xmlns:a16="http://schemas.microsoft.com/office/drawing/2014/main" id="{DE88DA35-90D5-2913-BAC7-8A3DFC95B6C4}"/>
+              </a:ext>
+            </a:extLst>
+          </p:cNvPr>
+          <p:cNvSpPr/>
+          <p:nvPr/>
+        </p:nvSpPr>
+        <p:spPr>
+          <a:xfrm>
+            <a:off x="6464138" y="2696818"/>
+            <a:ext cx="1266825" cy="847725"/>
+          </a:xfrm>
+          <a:prstGeom prst="roundRect">
+            <a:avLst>
+              <a:gd name="adj" fmla="val 11979"/>
+            </a:avLst>
+          </a:prstGeom>
+          <a:solidFill>
+            <a:schemeClr val="bg1"/>
+          </a:solidFill>
+        </p:spPr>
+        <p:style>
+          <a:lnRef idx="2">
+            <a:schemeClr val="accent1">
+              <a:shade val="15000"/>
+            </a:schemeClr>
+          </a:lnRef>
+          <a:fillRef idx="1">
+            <a:schemeClr val="accent1"/>
+          </a:fillRef>
+          <a:effectRef idx="0">
+            <a:schemeClr val="accent1"/>
+          </a:effectRef>
+          <a:fontRef idx="minor">
+            <a:schemeClr val="lt1"/>
+          </a:fontRef>
+        </p:style>
+        <p:txBody>
+          <a:bodyPr rtlCol="0" anchor="ctr"/>
+          <a:lstStyle/>
+          <a:p>
+            <a:pPr algn="ctr"/>
+            <a:r>
+              <a:rPr lang="es-ES" sz="1400" dirty="0">
+                <a:solidFill>
+                  <a:schemeClr val="tx1"/>
+                </a:solidFill>
+              </a:rPr>
+              <a:t>/</a:t>
+            </a:r>
+            <a:r>
+              <a:rPr lang="es-ES" sz="1400" dirty="0" err="1">
+                <a:solidFill>
+                  <a:schemeClr val="tx1"/>
+                </a:solidFill>
+              </a:rPr>
+              <a:t>public</a:t>
+            </a:r>
+            <a:endParaRPr lang="es-ES" sz="1400" dirty="0">
+              <a:solidFill>
+                <a:schemeClr val="tx1"/>
+              </a:solidFill>
+            </a:endParaRPr>
+          </a:p>
+          <a:p>
+            <a:pPr algn="ctr"/>
+            <a:endParaRPr lang="es-ES" sz="1400" dirty="0">
+              <a:solidFill>
+                <a:schemeClr val="tx1"/>
+              </a:solidFill>
+            </a:endParaRPr>
+          </a:p>
+          <a:p>
+            <a:pPr algn="ctr"/>
+            <a:r>
+              <a:rPr lang="es-ES" sz="1400" dirty="0">
+                <a:solidFill>
+                  <a:schemeClr val="tx1"/>
+                </a:solidFill>
+              </a:rPr>
+              <a:t>/</a:t>
+            </a:r>
+            <a:r>
+              <a:rPr lang="es-ES" sz="1400" dirty="0" err="1">
+                <a:solidFill>
+                  <a:schemeClr val="tx1"/>
+                </a:solidFill>
+              </a:rPr>
+              <a:t>admin</a:t>
+            </a:r>
+            <a:endParaRPr lang="es-ES" sz="1400" dirty="0">
+              <a:solidFill>
+                <a:schemeClr val="tx1"/>
+              </a:solidFill>
+            </a:endParaRPr>
+          </a:p>
+        </p:txBody>
+      </p:sp>
+      <p:cxnSp>
+        <p:nvCxnSpPr>
+          <p:cNvPr id="15" name="Connector: Elbow 14">
+            <a:extLst>
+              <a:ext uri="{FF2B5EF4-FFF2-40B4-BE49-F238E27FC236}">
+                <a16:creationId xmlns:a16="http://schemas.microsoft.com/office/drawing/2014/main" id="{39A6E181-3EB0-F6C2-88CA-9DA1814F2AFE}"/>
+              </a:ext>
+            </a:extLst>
+          </p:cNvPr>
+          <p:cNvCxnSpPr>
+            <a:cxnSpLocks/>
+            <a:stCxn id="4" idx="3"/>
+            <a:endCxn id="13" idx="1"/>
+          </p:cNvCxnSpPr>
+          <p:nvPr/>
+        </p:nvCxnSpPr>
+        <p:spPr>
+          <a:xfrm>
+            <a:off x="4776787" y="3120681"/>
+            <a:ext cx="1687351" cy="0"/>
+          </a:xfrm>
+          <a:prstGeom prst="straightConnector1">
+            <a:avLst/>
+          </a:prstGeom>
+          <a:ln>
+            <a:headEnd type="none" w="med" len="med"/>
+            <a:tailEnd type="none" w="med" len="med"/>
+          </a:ln>
+        </p:spPr>
+        <p:style>
+          <a:lnRef idx="1">
+            <a:schemeClr val="accent1"/>
+          </a:lnRef>
+          <a:fillRef idx="0">
+            <a:schemeClr val="accent1"/>
+          </a:fillRef>
+          <a:effectRef idx="0">
+            <a:schemeClr val="accent1"/>
+          </a:effectRef>
+          <a:fontRef idx="minor">
+            <a:schemeClr val="tx1"/>
+          </a:fontRef>
+        </p:style>
+      </p:cxnSp>
+      <p:pic>
+        <p:nvPicPr>
+          <p:cNvPr id="18" name="Picture 6" descr="Browser window, blank web page vector template By Microvector ...">
+            <a:extLst>
+              <a:ext uri="{FF2B5EF4-FFF2-40B4-BE49-F238E27FC236}">
+                <a16:creationId xmlns:a16="http://schemas.microsoft.com/office/drawing/2014/main" id="{F383F405-EAE7-DCE8-F519-878DD5A3A367}"/>
+              </a:ext>
+            </a:extLst>
+          </p:cNvPr>
+          <p:cNvPicPr>
+            <a:picLocks noChangeAspect="1" noChangeArrowheads="1"/>
+          </p:cNvPicPr>
+          <p:nvPr/>
+        </p:nvPicPr>
+        <p:blipFill rotWithShape="1">
+          <a:blip r:embed="rId5">
+            <a:extLst>
+              <a:ext uri="{BEBA8EAE-BF5A-486C-A8C5-ECC9F3942E4B}">
+                <a14:imgProps xmlns:a14="http://schemas.microsoft.com/office/drawing/2010/main">
+                  <a14:imgLayer r:embed="rId6">
+                    <a14:imgEffect>
+                      <a14:saturation sat="400000"/>
+                    </a14:imgEffect>
+                    <a14:imgEffect>
+                      <a14:brightnessContrast bright="-20000" contrast="40000"/>
+                    </a14:imgEffect>
+                  </a14:imgLayer>
+                </a14:imgProps>
+              </a:ext>
+              <a:ext uri="{28A0092B-C50C-407E-A947-70E740481C1C}">
+                <a14:useLocalDpi xmlns:a14="http://schemas.microsoft.com/office/drawing/2010/main" val="0"/>
+              </a:ext>
+            </a:extLst>
+          </a:blip>
+          <a:srcRect l="10207" t="19062" r="10174" b="20464"/>
+          <a:stretch/>
+        </p:blipFill>
+        <p:spPr bwMode="auto">
+          <a:xfrm>
+            <a:off x="1287372" y="3905652"/>
+            <a:ext cx="997540" cy="757677"/>
+          </a:xfrm>
+          <a:prstGeom prst="rect">
+            <a:avLst/>
+          </a:prstGeom>
+          <a:noFill/>
+          <a:extLst>
+            <a:ext uri="{909E8E84-426E-40DD-AFC4-6F175D3DCCD1}">
+              <a14:hiddenFill xmlns:a14="http://schemas.microsoft.com/office/drawing/2010/main">
+                <a:solidFill>
+                  <a:srgbClr val="FFFFFF"/>
+                </a:solidFill>
+              </a14:hiddenFill>
+            </a:ext>
+          </a:extLst>
+        </p:spPr>
+      </p:pic>
+      <p:cxnSp>
+        <p:nvCxnSpPr>
+          <p:cNvPr id="19" name="Connector: Elbow 25">
+            <a:extLst>
+              <a:ext uri="{FF2B5EF4-FFF2-40B4-BE49-F238E27FC236}">
+                <a16:creationId xmlns:a16="http://schemas.microsoft.com/office/drawing/2014/main" id="{7647B06E-FFD0-F231-4546-FC840B1C3093}"/>
+              </a:ext>
+            </a:extLst>
+          </p:cNvPr>
+          <p:cNvCxnSpPr>
+            <a:cxnSpLocks/>
+            <a:stCxn id="18" idx="0"/>
+            <a:endCxn id="4" idx="1"/>
+          </p:cNvCxnSpPr>
+          <p:nvPr/>
+        </p:nvCxnSpPr>
+        <p:spPr>
+          <a:xfrm rot="5400000" flipH="1" flipV="1">
+            <a:off x="1865042" y="3041782"/>
+            <a:ext cx="784971" cy="942770"/>
+          </a:xfrm>
+          <a:prstGeom prst="bentConnector2">
+            <a:avLst/>
+          </a:prstGeom>
+          <a:ln>
+            <a:tailEnd type="triangle"/>
+          </a:ln>
+        </p:spPr>
+        <p:style>
+          <a:lnRef idx="1">
+            <a:schemeClr val="accent1"/>
+          </a:lnRef>
+          <a:fillRef idx="0">
+            <a:schemeClr val="accent1"/>
+          </a:fillRef>
+          <a:effectRef idx="0">
+            <a:schemeClr val="accent1"/>
+          </a:effectRef>
+          <a:fontRef idx="minor">
+            <a:schemeClr val="tx1"/>
+          </a:fontRef>
+        </p:style>
+      </p:cxnSp>
+      <p:sp>
+        <p:nvSpPr>
+          <p:cNvPr id="21" name="TextBox 20">
+            <a:extLst>
+              <a:ext uri="{FF2B5EF4-FFF2-40B4-BE49-F238E27FC236}">
+                <a16:creationId xmlns:a16="http://schemas.microsoft.com/office/drawing/2014/main" id="{6060D670-91F5-441B-102E-62FB5DCD1CB9}"/>
+              </a:ext>
+            </a:extLst>
+          </p:cNvPr>
+          <p:cNvSpPr txBox="1"/>
+          <p:nvPr/>
+        </p:nvSpPr>
+        <p:spPr>
+          <a:xfrm>
+            <a:off x="506305" y="361539"/>
+            <a:ext cx="1987557" cy="369332"/>
+          </a:xfrm>
+          <a:prstGeom prst="rect">
+            <a:avLst/>
+          </a:prstGeom>
+          <a:noFill/>
+        </p:spPr>
+        <p:txBody>
+          <a:bodyPr wrap="square">
+            <a:spAutoFit/>
+          </a:bodyPr>
+          <a:lstStyle/>
+          <a:p>
+            <a:pPr algn="ctr"/>
+            <a:r>
+              <a:rPr lang="es-ES" dirty="0" err="1">
+                <a:solidFill>
+                  <a:schemeClr val="tx1"/>
+                </a:solidFill>
+              </a:rPr>
+              <a:t>basic</a:t>
+            </a:r>
+            <a:r>
+              <a:rPr lang="es-ES" dirty="0">
+                <a:solidFill>
+                  <a:schemeClr val="tx1"/>
+                </a:solidFill>
+              </a:rPr>
+              <a:t> app</a:t>
+            </a:r>
+          </a:p>
+        </p:txBody>
+      </p:sp>
+      <p:sp>
+        <p:nvSpPr>
+          <p:cNvPr id="22" name="TextBox 21">
+            <a:extLst>
+              <a:ext uri="{FF2B5EF4-FFF2-40B4-BE49-F238E27FC236}">
+                <a16:creationId xmlns:a16="http://schemas.microsoft.com/office/drawing/2014/main" id="{61BFB1B0-75E3-032E-6303-408D6FB767E8}"/>
+              </a:ext>
+            </a:extLst>
+          </p:cNvPr>
+          <p:cNvSpPr txBox="1"/>
+          <p:nvPr/>
+        </p:nvSpPr>
+        <p:spPr>
+          <a:xfrm>
+            <a:off x="6737184" y="3513167"/>
+            <a:ext cx="1987557" cy="415498"/>
+          </a:xfrm>
+          <a:prstGeom prst="rect">
+            <a:avLst/>
+          </a:prstGeom>
+          <a:noFill/>
+        </p:spPr>
+        <p:txBody>
+          <a:bodyPr wrap="square">
+            <a:spAutoFit/>
+          </a:bodyPr>
+          <a:lstStyle/>
+          <a:p>
+            <a:pPr algn="ctr"/>
+            <a:r>
+              <a:rPr lang="es-ES" sz="1050" dirty="0">
+                <a:solidFill>
+                  <a:schemeClr val="tx1"/>
+                </a:solidFill>
+              </a:rPr>
+              <a:t>Web server </a:t>
+            </a:r>
+            <a:r>
+              <a:rPr lang="es-ES" sz="1050" dirty="0" err="1">
+                <a:solidFill>
+                  <a:schemeClr val="tx1"/>
+                </a:solidFill>
+              </a:rPr>
+              <a:t>pod</a:t>
+            </a:r>
+            <a:endParaRPr lang="es-ES" sz="1050" dirty="0">
+              <a:solidFill>
+                <a:schemeClr val="tx1"/>
+              </a:solidFill>
+            </a:endParaRPr>
+          </a:p>
+          <a:p>
+            <a:pPr algn="ctr"/>
+            <a:r>
+              <a:rPr lang="es-ES" sz="1050" dirty="0">
+                <a:solidFill>
+                  <a:schemeClr val="tx1"/>
+                </a:solidFill>
+              </a:rPr>
+              <a:t>(apache, </a:t>
+            </a:r>
+            <a:r>
+              <a:rPr lang="es-ES" sz="1050" dirty="0" err="1">
+                <a:solidFill>
+                  <a:schemeClr val="tx1"/>
+                </a:solidFill>
+              </a:rPr>
+              <a:t>nginx</a:t>
+            </a:r>
+            <a:r>
+              <a:rPr lang="es-ES" sz="1050" dirty="0">
+                <a:solidFill>
+                  <a:schemeClr val="tx1"/>
+                </a:solidFill>
+              </a:rPr>
+              <a:t>…)</a:t>
+            </a:r>
+          </a:p>
+        </p:txBody>
+      </p:sp>
+      <p:cxnSp>
+        <p:nvCxnSpPr>
+          <p:cNvPr id="23" name="Connector: Elbow 14">
+            <a:extLst>
+              <a:ext uri="{FF2B5EF4-FFF2-40B4-BE49-F238E27FC236}">
+                <a16:creationId xmlns:a16="http://schemas.microsoft.com/office/drawing/2014/main" id="{D7DAC04C-E129-9EB1-365A-4FCB45D5060B}"/>
+              </a:ext>
+            </a:extLst>
+          </p:cNvPr>
+          <p:cNvCxnSpPr>
+            <a:cxnSpLocks/>
+            <a:stCxn id="13" idx="1"/>
+          </p:cNvCxnSpPr>
+          <p:nvPr/>
+        </p:nvCxnSpPr>
+        <p:spPr>
+          <a:xfrm flipV="1">
+            <a:off x="6464138" y="2898648"/>
+            <a:ext cx="287468" cy="222033"/>
+          </a:xfrm>
+          <a:prstGeom prst="straightConnector1">
+            <a:avLst/>
+          </a:prstGeom>
+          <a:ln>
+            <a:tailEnd type="triangle"/>
+          </a:ln>
+        </p:spPr>
+        <p:style>
+          <a:lnRef idx="1">
+            <a:schemeClr val="accent1"/>
+          </a:lnRef>
+          <a:fillRef idx="0">
+            <a:schemeClr val="accent1"/>
+          </a:fillRef>
+          <a:effectRef idx="0">
+            <a:schemeClr val="accent1"/>
+          </a:effectRef>
+          <a:fontRef idx="minor">
+            <a:schemeClr val="tx1"/>
+          </a:fontRef>
+        </p:style>
+      </p:cxnSp>
+      <p:cxnSp>
+        <p:nvCxnSpPr>
+          <p:cNvPr id="26" name="Connector: Elbow 14">
+            <a:extLst>
+              <a:ext uri="{FF2B5EF4-FFF2-40B4-BE49-F238E27FC236}">
+                <a16:creationId xmlns:a16="http://schemas.microsoft.com/office/drawing/2014/main" id="{08037114-C614-297C-F01B-696B02EE7DB1}"/>
+              </a:ext>
+            </a:extLst>
+          </p:cNvPr>
+          <p:cNvCxnSpPr>
+            <a:cxnSpLocks/>
+            <a:stCxn id="13" idx="1"/>
+          </p:cNvCxnSpPr>
+          <p:nvPr/>
+        </p:nvCxnSpPr>
+        <p:spPr>
+          <a:xfrm>
+            <a:off x="6464138" y="3120681"/>
+            <a:ext cx="287468" cy="224152"/>
+          </a:xfrm>
+          <a:prstGeom prst="straightConnector1">
+            <a:avLst/>
+          </a:prstGeom>
+          <a:ln>
+            <a:tailEnd type="triangle"/>
+          </a:ln>
+        </p:spPr>
+        <p:style>
+          <a:lnRef idx="1">
+            <a:schemeClr val="accent1"/>
+          </a:lnRef>
+          <a:fillRef idx="0">
+            <a:schemeClr val="accent1"/>
+          </a:fillRef>
+          <a:effectRef idx="0">
+            <a:schemeClr val="accent1"/>
+          </a:effectRef>
+          <a:fontRef idx="minor">
+            <a:schemeClr val="tx1"/>
+          </a:fontRef>
+        </p:style>
+      </p:cxnSp>
+    </p:spTree>
+    <p:extLst>
+      <p:ext uri="{BB962C8B-B14F-4D97-AF65-F5344CB8AC3E}">
+        <p14:creationId xmlns:p14="http://schemas.microsoft.com/office/powerpoint/2010/main" val="2984650839"/>
       </p:ext>
     </p:extLst>
   </p:cSld>

--- a/docs/diagrams.pptx
+++ b/docs/diagrams.pptx
@@ -8,9 +8,10 @@
     <p:sldId id="256" r:id="rId2"/>
     <p:sldId id="259" r:id="rId3"/>
     <p:sldId id="260" r:id="rId4"/>
-    <p:sldId id="261" r:id="rId5"/>
-    <p:sldId id="262" r:id="rId6"/>
-    <p:sldId id="263" r:id="rId7"/>
+    <p:sldId id="262" r:id="rId5"/>
+    <p:sldId id="263" r:id="rId6"/>
+    <p:sldId id="261" r:id="rId7"/>
+    <p:sldId id="264" r:id="rId8"/>
   </p:sldIdLst>
   <p:sldSz cx="12192000" cy="6858000"/>
   <p:notesSz cx="6858000" cy="9144000"/>
@@ -266,7 +267,7 @@
           <a:p>
             <a:fld id="{4AC07DEF-3650-42BF-8068-D2C0F3E6665F}" type="datetimeFigureOut">
               <a:rPr lang="es-ES" smtClean="0"/>
-              <a:t>13/12/2023</a:t>
+              <a:t>14/12/2023</a:t>
             </a:fld>
             <a:endParaRPr lang="es-ES"/>
           </a:p>
@@ -466,7 +467,7 @@
           <a:p>
             <a:fld id="{4AC07DEF-3650-42BF-8068-D2C0F3E6665F}" type="datetimeFigureOut">
               <a:rPr lang="es-ES" smtClean="0"/>
-              <a:t>13/12/2023</a:t>
+              <a:t>14/12/2023</a:t>
             </a:fld>
             <a:endParaRPr lang="es-ES"/>
           </a:p>
@@ -676,7 +677,7 @@
           <a:p>
             <a:fld id="{4AC07DEF-3650-42BF-8068-D2C0F3E6665F}" type="datetimeFigureOut">
               <a:rPr lang="es-ES" smtClean="0"/>
-              <a:t>13/12/2023</a:t>
+              <a:t>14/12/2023</a:t>
             </a:fld>
             <a:endParaRPr lang="es-ES"/>
           </a:p>
@@ -876,7 +877,7 @@
           <a:p>
             <a:fld id="{4AC07DEF-3650-42BF-8068-D2C0F3E6665F}" type="datetimeFigureOut">
               <a:rPr lang="es-ES" smtClean="0"/>
-              <a:t>13/12/2023</a:t>
+              <a:t>14/12/2023</a:t>
             </a:fld>
             <a:endParaRPr lang="es-ES"/>
           </a:p>
@@ -1152,7 +1153,7 @@
           <a:p>
             <a:fld id="{4AC07DEF-3650-42BF-8068-D2C0F3E6665F}" type="datetimeFigureOut">
               <a:rPr lang="es-ES" smtClean="0"/>
-              <a:t>13/12/2023</a:t>
+              <a:t>14/12/2023</a:t>
             </a:fld>
             <a:endParaRPr lang="es-ES"/>
           </a:p>
@@ -1420,7 +1421,7 @@
           <a:p>
             <a:fld id="{4AC07DEF-3650-42BF-8068-D2C0F3E6665F}" type="datetimeFigureOut">
               <a:rPr lang="es-ES" smtClean="0"/>
-              <a:t>13/12/2023</a:t>
+              <a:t>14/12/2023</a:t>
             </a:fld>
             <a:endParaRPr lang="es-ES"/>
           </a:p>
@@ -1835,7 +1836,7 @@
           <a:p>
             <a:fld id="{4AC07DEF-3650-42BF-8068-D2C0F3E6665F}" type="datetimeFigureOut">
               <a:rPr lang="es-ES" smtClean="0"/>
-              <a:t>13/12/2023</a:t>
+              <a:t>14/12/2023</a:t>
             </a:fld>
             <a:endParaRPr lang="es-ES"/>
           </a:p>
@@ -1977,7 +1978,7 @@
           <a:p>
             <a:fld id="{4AC07DEF-3650-42BF-8068-D2C0F3E6665F}" type="datetimeFigureOut">
               <a:rPr lang="es-ES" smtClean="0"/>
-              <a:t>13/12/2023</a:t>
+              <a:t>14/12/2023</a:t>
             </a:fld>
             <a:endParaRPr lang="es-ES"/>
           </a:p>
@@ -2090,7 +2091,7 @@
           <a:p>
             <a:fld id="{4AC07DEF-3650-42BF-8068-D2C0F3E6665F}" type="datetimeFigureOut">
               <a:rPr lang="es-ES" smtClean="0"/>
-              <a:t>13/12/2023</a:t>
+              <a:t>14/12/2023</a:t>
             </a:fld>
             <a:endParaRPr lang="es-ES"/>
           </a:p>
@@ -2403,7 +2404,7 @@
           <a:p>
             <a:fld id="{4AC07DEF-3650-42BF-8068-D2C0F3E6665F}" type="datetimeFigureOut">
               <a:rPr lang="es-ES" smtClean="0"/>
-              <a:t>13/12/2023</a:t>
+              <a:t>14/12/2023</a:t>
             </a:fld>
             <a:endParaRPr lang="es-ES"/>
           </a:p>
@@ -2692,7 +2693,7 @@
           <a:p>
             <a:fld id="{4AC07DEF-3650-42BF-8068-D2C0F3E6665F}" type="datetimeFigureOut">
               <a:rPr lang="es-ES" smtClean="0"/>
-              <a:t>13/12/2023</a:t>
+              <a:t>14/12/2023</a:t>
             </a:fld>
             <a:endParaRPr lang="es-ES"/>
           </a:p>
@@ -2935,7 +2936,7 @@
           <a:p>
             <a:fld id="{4AC07DEF-3650-42BF-8068-D2C0F3E6665F}" type="datetimeFigureOut">
               <a:rPr lang="es-ES" smtClean="0"/>
-              <a:t>13/12/2023</a:t>
+              <a:t>14/12/2023</a:t>
             </a:fld>
             <a:endParaRPr lang="es-ES"/>
           </a:p>
@@ -4789,6 +4790,1960 @@
           <p:cNvPr id="2" name="Rectangle: Rounded Corners 1">
             <a:extLst>
               <a:ext uri="{FF2B5EF4-FFF2-40B4-BE49-F238E27FC236}">
+                <a16:creationId xmlns:a16="http://schemas.microsoft.com/office/drawing/2014/main" id="{39EA2E18-AFFA-593F-DA50-1FAE729004F0}"/>
+              </a:ext>
+            </a:extLst>
+          </p:cNvPr>
+          <p:cNvSpPr/>
+          <p:nvPr/>
+        </p:nvSpPr>
+        <p:spPr>
+          <a:xfrm>
+            <a:off x="3448050" y="1353312"/>
+            <a:ext cx="5724525" cy="4437888"/>
+          </a:xfrm>
+          <a:prstGeom prst="roundRect">
+            <a:avLst>
+              <a:gd name="adj" fmla="val 4427"/>
+            </a:avLst>
+          </a:prstGeom>
+          <a:noFill/>
+          <a:ln>
+            <a:prstDash val="dash"/>
+          </a:ln>
+        </p:spPr>
+        <p:style>
+          <a:lnRef idx="2">
+            <a:schemeClr val="accent1">
+              <a:shade val="15000"/>
+            </a:schemeClr>
+          </a:lnRef>
+          <a:fillRef idx="1">
+            <a:schemeClr val="accent1"/>
+          </a:fillRef>
+          <a:effectRef idx="0">
+            <a:schemeClr val="accent1"/>
+          </a:effectRef>
+          <a:fontRef idx="minor">
+            <a:schemeClr val="lt1"/>
+          </a:fontRef>
+        </p:style>
+        <p:txBody>
+          <a:bodyPr rtlCol="0" anchor="ctr"/>
+          <a:lstStyle/>
+          <a:p>
+            <a:pPr algn="ctr"/>
+            <a:endParaRPr lang="es-ES"/>
+          </a:p>
+        </p:txBody>
+      </p:sp>
+      <p:grpSp>
+        <p:nvGrpSpPr>
+          <p:cNvPr id="3" name="Group 2">
+            <a:extLst>
+              <a:ext uri="{FF2B5EF4-FFF2-40B4-BE49-F238E27FC236}">
+                <a16:creationId xmlns:a16="http://schemas.microsoft.com/office/drawing/2014/main" id="{90A73C92-8D85-4F2C-877F-5F275F4390B3}"/>
+              </a:ext>
+            </a:extLst>
+          </p:cNvPr>
+          <p:cNvGrpSpPr/>
+          <p:nvPr/>
+        </p:nvGrpSpPr>
+        <p:grpSpPr>
+          <a:xfrm>
+            <a:off x="2728912" y="2463456"/>
+            <a:ext cx="2047875" cy="1314450"/>
+            <a:chOff x="2424112" y="2314575"/>
+            <a:chExt cx="2047875" cy="1314450"/>
+          </a:xfrm>
+        </p:grpSpPr>
+        <p:sp>
+          <p:nvSpPr>
+            <p:cNvPr id="4" name="Rectangle: Rounded Corners 3">
+              <a:extLst>
+                <a:ext uri="{FF2B5EF4-FFF2-40B4-BE49-F238E27FC236}">
+                  <a16:creationId xmlns:a16="http://schemas.microsoft.com/office/drawing/2014/main" id="{4A21BE45-ED38-57E7-5ECC-B6D9188A12F2}"/>
+                </a:ext>
+              </a:extLst>
+            </p:cNvPr>
+            <p:cNvSpPr/>
+            <p:nvPr/>
+          </p:nvSpPr>
+          <p:spPr>
+            <a:xfrm>
+              <a:off x="2424112" y="2314575"/>
+              <a:ext cx="2047875" cy="1314450"/>
+            </a:xfrm>
+            <a:prstGeom prst="roundRect">
+              <a:avLst>
+                <a:gd name="adj" fmla="val 11979"/>
+              </a:avLst>
+            </a:prstGeom>
+            <a:solidFill>
+              <a:schemeClr val="bg1"/>
+            </a:solidFill>
+          </p:spPr>
+          <p:style>
+            <a:lnRef idx="2">
+              <a:schemeClr val="accent1">
+                <a:shade val="15000"/>
+              </a:schemeClr>
+            </a:lnRef>
+            <a:fillRef idx="1">
+              <a:schemeClr val="accent1"/>
+            </a:fillRef>
+            <a:effectRef idx="0">
+              <a:schemeClr val="accent1"/>
+            </a:effectRef>
+            <a:fontRef idx="minor">
+              <a:schemeClr val="lt1"/>
+            </a:fontRef>
+          </p:style>
+          <p:txBody>
+            <a:bodyPr rtlCol="0" anchor="ctr"/>
+            <a:lstStyle/>
+            <a:p>
+              <a:pPr algn="ctr"/>
+              <a:endParaRPr lang="es-ES"/>
+            </a:p>
+          </p:txBody>
+        </p:sp>
+        <p:pic>
+          <p:nvPicPr>
+            <p:cNvPr id="5" name="Picture 4">
+              <a:extLst>
+                <a:ext uri="{FF2B5EF4-FFF2-40B4-BE49-F238E27FC236}">
+                  <a16:creationId xmlns:a16="http://schemas.microsoft.com/office/drawing/2014/main" id="{D20EFBD1-74D7-1198-5369-DDA8821885DA}"/>
+                </a:ext>
+              </a:extLst>
+            </p:cNvPr>
+            <p:cNvPicPr>
+              <a:picLocks noChangeAspect="1"/>
+            </p:cNvPicPr>
+            <p:nvPr/>
+          </p:nvPicPr>
+          <p:blipFill>
+            <a:blip r:embed="rId2">
+              <a:clrChange>
+                <a:clrFrom>
+                  <a:srgbClr val="FFFFFF"/>
+                </a:clrFrom>
+                <a:clrTo>
+                  <a:srgbClr val="FFFFFF">
+                    <a:alpha val="0"/>
+                  </a:srgbClr>
+                </a:clrTo>
+              </a:clrChange>
+            </a:blip>
+            <a:stretch>
+              <a:fillRect/>
+            </a:stretch>
+          </p:blipFill>
+          <p:spPr>
+            <a:xfrm>
+              <a:off x="2929999" y="2409825"/>
+              <a:ext cx="1036101" cy="1143000"/>
+            </a:xfrm>
+            <a:prstGeom prst="rect">
+              <a:avLst/>
+            </a:prstGeom>
+          </p:spPr>
+        </p:pic>
+      </p:grpSp>
+      <p:grpSp>
+        <p:nvGrpSpPr>
+          <p:cNvPr id="6" name="Group 5">
+            <a:extLst>
+              <a:ext uri="{FF2B5EF4-FFF2-40B4-BE49-F238E27FC236}">
+                <a16:creationId xmlns:a16="http://schemas.microsoft.com/office/drawing/2014/main" id="{8CB3D5AD-3A44-340F-5A35-D4E7BFB44C59}"/>
+              </a:ext>
+            </a:extLst>
+          </p:cNvPr>
+          <p:cNvGrpSpPr/>
+          <p:nvPr/>
+        </p:nvGrpSpPr>
+        <p:grpSpPr>
+          <a:xfrm>
+            <a:off x="4264821" y="4361110"/>
+            <a:ext cx="1388064" cy="1034490"/>
+            <a:chOff x="2165088" y="4352925"/>
+            <a:chExt cx="1388064" cy="1034490"/>
+          </a:xfrm>
+        </p:grpSpPr>
+        <p:sp>
+          <p:nvSpPr>
+            <p:cNvPr id="7" name="Rectangle: Rounded Corners 6">
+              <a:extLst>
+                <a:ext uri="{FF2B5EF4-FFF2-40B4-BE49-F238E27FC236}">
+                  <a16:creationId xmlns:a16="http://schemas.microsoft.com/office/drawing/2014/main" id="{31B8AAA2-090E-A8C0-5A2E-415F5ABDA1AB}"/>
+                </a:ext>
+              </a:extLst>
+            </p:cNvPr>
+            <p:cNvSpPr/>
+            <p:nvPr/>
+          </p:nvSpPr>
+          <p:spPr>
+            <a:xfrm>
+              <a:off x="2165088" y="4352925"/>
+              <a:ext cx="1388064" cy="1034490"/>
+            </a:xfrm>
+            <a:prstGeom prst="roundRect">
+              <a:avLst>
+                <a:gd name="adj" fmla="val 11979"/>
+              </a:avLst>
+            </a:prstGeom>
+            <a:solidFill>
+              <a:schemeClr val="bg1"/>
+            </a:solidFill>
+          </p:spPr>
+          <p:style>
+            <a:lnRef idx="2">
+              <a:schemeClr val="accent1">
+                <a:shade val="15000"/>
+              </a:schemeClr>
+            </a:lnRef>
+            <a:fillRef idx="1">
+              <a:schemeClr val="accent1"/>
+            </a:fillRef>
+            <a:effectRef idx="0">
+              <a:schemeClr val="accent1"/>
+            </a:effectRef>
+            <a:fontRef idx="minor">
+              <a:schemeClr val="lt1"/>
+            </a:fontRef>
+          </p:style>
+          <p:txBody>
+            <a:bodyPr rtlCol="0" anchor="ctr"/>
+            <a:lstStyle/>
+            <a:p>
+              <a:pPr algn="ctr"/>
+              <a:endParaRPr lang="es-ES"/>
+            </a:p>
+          </p:txBody>
+        </p:sp>
+        <p:pic>
+          <p:nvPicPr>
+            <p:cNvPr id="8" name="Picture 7">
+              <a:extLst>
+                <a:ext uri="{FF2B5EF4-FFF2-40B4-BE49-F238E27FC236}">
+                  <a16:creationId xmlns:a16="http://schemas.microsoft.com/office/drawing/2014/main" id="{D491B9D2-D404-7715-EA4A-820DAFB24245}"/>
+                </a:ext>
+              </a:extLst>
+            </p:cNvPr>
+            <p:cNvPicPr>
+              <a:picLocks noChangeAspect="1"/>
+            </p:cNvPicPr>
+            <p:nvPr/>
+          </p:nvPicPr>
+          <p:blipFill>
+            <a:blip r:embed="rId3">
+              <a:clrChange>
+                <a:clrFrom>
+                  <a:srgbClr val="FFFFFF"/>
+                </a:clrFrom>
+                <a:clrTo>
+                  <a:srgbClr val="FFFFFF">
+                    <a:alpha val="0"/>
+                  </a:srgbClr>
+                </a:clrTo>
+              </a:clrChange>
+            </a:blip>
+            <a:stretch>
+              <a:fillRect/>
+            </a:stretch>
+          </p:blipFill>
+          <p:spPr>
+            <a:xfrm>
+              <a:off x="2494993" y="4492904"/>
+              <a:ext cx="728254" cy="754531"/>
+            </a:xfrm>
+            <a:prstGeom prst="rect">
+              <a:avLst/>
+            </a:prstGeom>
+          </p:spPr>
+        </p:pic>
+      </p:grpSp>
+      <p:pic>
+        <p:nvPicPr>
+          <p:cNvPr id="9" name="Picture 2" descr="KubeCon Europe 2017 Impressions · Chris Hager">
+            <a:extLst>
+              <a:ext uri="{FF2B5EF4-FFF2-40B4-BE49-F238E27FC236}">
+                <a16:creationId xmlns:a16="http://schemas.microsoft.com/office/drawing/2014/main" id="{39064DC7-E027-EAB9-2095-9D36E43024DF}"/>
+              </a:ext>
+            </a:extLst>
+          </p:cNvPr>
+          <p:cNvPicPr>
+            <a:picLocks noChangeAspect="1" noChangeArrowheads="1"/>
+          </p:cNvPicPr>
+          <p:nvPr/>
+        </p:nvPicPr>
+        <p:blipFill rotWithShape="1">
+          <a:blip r:embed="rId4">
+            <a:clrChange>
+              <a:clrFrom>
+                <a:srgbClr val="000000">
+                  <a:alpha val="0"/>
+                </a:srgbClr>
+              </a:clrFrom>
+              <a:clrTo>
+                <a:srgbClr val="000000">
+                  <a:alpha val="0"/>
+                </a:srgbClr>
+              </a:clrTo>
+            </a:clrChange>
+            <a:extLst>
+              <a:ext uri="{28A0092B-C50C-407E-A947-70E740481C1C}">
+                <a14:useLocalDpi xmlns:a14="http://schemas.microsoft.com/office/drawing/2010/main" val="0"/>
+              </a:ext>
+            </a:extLst>
+          </a:blip>
+          <a:srcRect l="6237" t="6775" r="6520" b="7478"/>
+          <a:stretch/>
+        </p:blipFill>
+        <p:spPr bwMode="auto">
+          <a:xfrm>
+            <a:off x="8477249" y="5142875"/>
+            <a:ext cx="514265" cy="505449"/>
+          </a:xfrm>
+          <a:prstGeom prst="rect">
+            <a:avLst/>
+          </a:prstGeom>
+          <a:noFill/>
+          <a:extLst>
+            <a:ext uri="{909E8E84-426E-40DD-AFC4-6F175D3DCCD1}">
+              <a14:hiddenFill xmlns:a14="http://schemas.microsoft.com/office/drawing/2010/main">
+                <a:solidFill>
+                  <a:srgbClr val="FFFFFF"/>
+                </a:solidFill>
+              </a14:hiddenFill>
+            </a:ext>
+          </a:extLst>
+        </p:spPr>
+      </p:pic>
+      <p:cxnSp>
+        <p:nvCxnSpPr>
+          <p:cNvPr id="10" name="Connector: Elbow 9">
+            <a:extLst>
+              <a:ext uri="{FF2B5EF4-FFF2-40B4-BE49-F238E27FC236}">
+                <a16:creationId xmlns:a16="http://schemas.microsoft.com/office/drawing/2014/main" id="{E54F9D76-DF29-24D6-28D9-15A514FC2F6E}"/>
+              </a:ext>
+            </a:extLst>
+          </p:cNvPr>
+          <p:cNvCxnSpPr>
+            <a:cxnSpLocks/>
+          </p:cNvCxnSpPr>
+          <p:nvPr/>
+        </p:nvCxnSpPr>
+        <p:spPr>
+          <a:xfrm rot="16200000" flipH="1">
+            <a:off x="3597503" y="4098627"/>
+            <a:ext cx="975066" cy="371728"/>
+          </a:xfrm>
+          <a:prstGeom prst="bentConnector3">
+            <a:avLst>
+              <a:gd name="adj1" fmla="val 99820"/>
+            </a:avLst>
+          </a:prstGeom>
+          <a:ln>
+            <a:tailEnd type="triangle"/>
+          </a:ln>
+        </p:spPr>
+        <p:style>
+          <a:lnRef idx="1">
+            <a:schemeClr val="accent1"/>
+          </a:lnRef>
+          <a:fillRef idx="0">
+            <a:schemeClr val="accent1"/>
+          </a:fillRef>
+          <a:effectRef idx="0">
+            <a:schemeClr val="accent1"/>
+          </a:effectRef>
+          <a:fontRef idx="minor">
+            <a:schemeClr val="tx1"/>
+          </a:fontRef>
+        </p:style>
+      </p:cxnSp>
+      <p:cxnSp>
+        <p:nvCxnSpPr>
+          <p:cNvPr id="11" name="Connector: Elbow 10">
+            <a:extLst>
+              <a:ext uri="{FF2B5EF4-FFF2-40B4-BE49-F238E27FC236}">
+                <a16:creationId xmlns:a16="http://schemas.microsoft.com/office/drawing/2014/main" id="{360EBDAE-F35A-84ED-435C-DBB11AB3C7D7}"/>
+              </a:ext>
+            </a:extLst>
+          </p:cNvPr>
+          <p:cNvCxnSpPr>
+            <a:cxnSpLocks/>
+          </p:cNvCxnSpPr>
+          <p:nvPr/>
+        </p:nvCxnSpPr>
+        <p:spPr>
+          <a:xfrm rot="16200000" flipH="1">
+            <a:off x="3289941" y="4075859"/>
+            <a:ext cx="1272836" cy="676923"/>
+          </a:xfrm>
+          <a:prstGeom prst="bentConnector3">
+            <a:avLst>
+              <a:gd name="adj1" fmla="val 100138"/>
+            </a:avLst>
+          </a:prstGeom>
+          <a:ln>
+            <a:headEnd type="triangle" w="med" len="med"/>
+            <a:tailEnd type="none" w="med" len="med"/>
+          </a:ln>
+        </p:spPr>
+        <p:style>
+          <a:lnRef idx="1">
+            <a:schemeClr val="accent1"/>
+          </a:lnRef>
+          <a:fillRef idx="0">
+            <a:schemeClr val="accent1"/>
+          </a:fillRef>
+          <a:effectRef idx="0">
+            <a:schemeClr val="accent1"/>
+          </a:effectRef>
+          <a:fontRef idx="minor">
+            <a:schemeClr val="tx1"/>
+          </a:fontRef>
+        </p:style>
+      </p:cxnSp>
+      <p:sp>
+        <p:nvSpPr>
+          <p:cNvPr id="12" name="Rectangle: Top Corners Snipped 11">
+            <a:extLst>
+              <a:ext uri="{FF2B5EF4-FFF2-40B4-BE49-F238E27FC236}">
+                <a16:creationId xmlns:a16="http://schemas.microsoft.com/office/drawing/2014/main" id="{6F5237BF-5424-2DDC-7EE2-06FA623DE314}"/>
+              </a:ext>
+            </a:extLst>
+          </p:cNvPr>
+          <p:cNvSpPr/>
+          <p:nvPr/>
+        </p:nvSpPr>
+        <p:spPr>
+          <a:xfrm rot="16200000">
+            <a:off x="5806018" y="3673106"/>
+            <a:ext cx="881062" cy="622952"/>
+          </a:xfrm>
+          <a:prstGeom prst="snip2SameRect">
+            <a:avLst/>
+          </a:prstGeom>
+        </p:spPr>
+        <p:style>
+          <a:lnRef idx="2">
+            <a:schemeClr val="accent1">
+              <a:shade val="15000"/>
+            </a:schemeClr>
+          </a:lnRef>
+          <a:fillRef idx="1">
+            <a:schemeClr val="accent1"/>
+          </a:fillRef>
+          <a:effectRef idx="0">
+            <a:schemeClr val="accent1"/>
+          </a:effectRef>
+          <a:fontRef idx="minor">
+            <a:schemeClr val="lt1"/>
+          </a:fontRef>
+        </p:style>
+        <p:txBody>
+          <a:bodyPr rtlCol="0" anchor="ctr"/>
+          <a:lstStyle/>
+          <a:p>
+            <a:pPr algn="ctr"/>
+            <a:r>
+              <a:rPr lang="es-ES" sz="1200" dirty="0"/>
+              <a:t>Service</a:t>
+            </a:r>
+          </a:p>
+        </p:txBody>
+      </p:sp>
+      <p:sp>
+        <p:nvSpPr>
+          <p:cNvPr id="13" name="Rectangle: Rounded Corners 12">
+            <a:extLst>
+              <a:ext uri="{FF2B5EF4-FFF2-40B4-BE49-F238E27FC236}">
+                <a16:creationId xmlns:a16="http://schemas.microsoft.com/office/drawing/2014/main" id="{DE88DA35-90D5-2913-BAC7-8A3DFC95B6C4}"/>
+              </a:ext>
+            </a:extLst>
+          </p:cNvPr>
+          <p:cNvSpPr/>
+          <p:nvPr/>
+        </p:nvSpPr>
+        <p:spPr>
+          <a:xfrm>
+            <a:off x="7097551" y="1509598"/>
+            <a:ext cx="1266825" cy="847725"/>
+          </a:xfrm>
+          <a:prstGeom prst="roundRect">
+            <a:avLst>
+              <a:gd name="adj" fmla="val 11979"/>
+            </a:avLst>
+          </a:prstGeom>
+          <a:solidFill>
+            <a:schemeClr val="bg1"/>
+          </a:solidFill>
+        </p:spPr>
+        <p:style>
+          <a:lnRef idx="2">
+            <a:schemeClr val="accent1">
+              <a:shade val="15000"/>
+            </a:schemeClr>
+          </a:lnRef>
+          <a:fillRef idx="1">
+            <a:schemeClr val="accent1"/>
+          </a:fillRef>
+          <a:effectRef idx="0">
+            <a:schemeClr val="accent1"/>
+          </a:effectRef>
+          <a:fontRef idx="minor">
+            <a:schemeClr val="lt1"/>
+          </a:fontRef>
+        </p:style>
+        <p:txBody>
+          <a:bodyPr rtlCol="0" anchor="ctr"/>
+          <a:lstStyle/>
+          <a:p>
+            <a:pPr algn="ctr"/>
+            <a:r>
+              <a:rPr lang="es-ES" sz="1400" dirty="0" err="1">
+                <a:solidFill>
+                  <a:schemeClr val="tx1"/>
+                </a:solidFill>
+              </a:rPr>
+              <a:t>Nginx</a:t>
+            </a:r>
+            <a:r>
+              <a:rPr lang="es-ES" sz="1400" dirty="0">
+                <a:solidFill>
+                  <a:schemeClr val="tx1"/>
+                </a:solidFill>
+              </a:rPr>
+              <a:t> </a:t>
+            </a:r>
+            <a:r>
+              <a:rPr lang="es-ES" sz="1400" dirty="0" err="1">
+                <a:solidFill>
+                  <a:schemeClr val="tx1"/>
+                </a:solidFill>
+              </a:rPr>
+              <a:t>serving</a:t>
+            </a:r>
+            <a:r>
+              <a:rPr lang="es-ES" sz="1400" dirty="0">
+                <a:solidFill>
+                  <a:schemeClr val="tx1"/>
+                </a:solidFill>
+              </a:rPr>
+              <a:t> </a:t>
+            </a:r>
+            <a:r>
+              <a:rPr lang="es-ES" sz="1400" dirty="0" err="1">
+                <a:solidFill>
+                  <a:schemeClr val="tx1"/>
+                </a:solidFill>
+              </a:rPr>
+              <a:t>with</a:t>
+            </a:r>
+            <a:r>
+              <a:rPr lang="es-ES" sz="1400" dirty="0">
+                <a:solidFill>
+                  <a:schemeClr val="tx1"/>
+                </a:solidFill>
+              </a:rPr>
+              <a:t> </a:t>
+            </a:r>
+            <a:r>
+              <a:rPr lang="es-ES" sz="1400" dirty="0" err="1">
+                <a:solidFill>
+                  <a:schemeClr val="tx1"/>
+                </a:solidFill>
+              </a:rPr>
+              <a:t>static</a:t>
+            </a:r>
+            <a:r>
+              <a:rPr lang="es-ES" sz="1400" dirty="0">
+                <a:solidFill>
+                  <a:schemeClr val="tx1"/>
+                </a:solidFill>
+              </a:rPr>
+              <a:t> SPA</a:t>
+            </a:r>
+          </a:p>
+        </p:txBody>
+      </p:sp>
+      <p:sp>
+        <p:nvSpPr>
+          <p:cNvPr id="14" name="Rectangle: Rounded Corners 13">
+            <a:extLst>
+              <a:ext uri="{FF2B5EF4-FFF2-40B4-BE49-F238E27FC236}">
+                <a16:creationId xmlns:a16="http://schemas.microsoft.com/office/drawing/2014/main" id="{3F443E67-6593-A074-FAF6-2B1477B022B9}"/>
+              </a:ext>
+            </a:extLst>
+          </p:cNvPr>
+          <p:cNvSpPr/>
+          <p:nvPr/>
+        </p:nvSpPr>
+        <p:spPr>
+          <a:xfrm>
+            <a:off x="7210425" y="4076815"/>
+            <a:ext cx="982600" cy="504329"/>
+          </a:xfrm>
+          <a:prstGeom prst="roundRect">
+            <a:avLst>
+              <a:gd name="adj" fmla="val 11979"/>
+            </a:avLst>
+          </a:prstGeom>
+          <a:solidFill>
+            <a:schemeClr val="bg1"/>
+          </a:solidFill>
+        </p:spPr>
+        <p:style>
+          <a:lnRef idx="2">
+            <a:schemeClr val="accent1">
+              <a:shade val="15000"/>
+            </a:schemeClr>
+          </a:lnRef>
+          <a:fillRef idx="1">
+            <a:schemeClr val="accent1"/>
+          </a:fillRef>
+          <a:effectRef idx="0">
+            <a:schemeClr val="accent1"/>
+          </a:effectRef>
+          <a:fontRef idx="minor">
+            <a:schemeClr val="lt1"/>
+          </a:fontRef>
+        </p:style>
+        <p:txBody>
+          <a:bodyPr rtlCol="0" anchor="ctr"/>
+          <a:lstStyle/>
+          <a:p>
+            <a:pPr algn="ctr"/>
+            <a:r>
+              <a:rPr lang="es-ES" dirty="0">
+                <a:solidFill>
+                  <a:schemeClr val="tx1"/>
+                </a:solidFill>
+              </a:rPr>
+              <a:t>API</a:t>
+            </a:r>
+          </a:p>
+        </p:txBody>
+      </p:sp>
+      <p:cxnSp>
+        <p:nvCxnSpPr>
+          <p:cNvPr id="15" name="Connector: Elbow 14">
+            <a:extLst>
+              <a:ext uri="{FF2B5EF4-FFF2-40B4-BE49-F238E27FC236}">
+                <a16:creationId xmlns:a16="http://schemas.microsoft.com/office/drawing/2014/main" id="{39A6E181-3EB0-F6C2-88CA-9DA1814F2AFE}"/>
+              </a:ext>
+            </a:extLst>
+          </p:cNvPr>
+          <p:cNvCxnSpPr>
+            <a:cxnSpLocks/>
+            <a:stCxn id="4" idx="3"/>
+            <a:endCxn id="13" idx="1"/>
+          </p:cNvCxnSpPr>
+          <p:nvPr/>
+        </p:nvCxnSpPr>
+        <p:spPr>
+          <a:xfrm flipV="1">
+            <a:off x="4776787" y="1933461"/>
+            <a:ext cx="2320764" cy="1187220"/>
+          </a:xfrm>
+          <a:prstGeom prst="straightConnector1">
+            <a:avLst/>
+          </a:prstGeom>
+          <a:ln>
+            <a:tailEnd type="triangle"/>
+          </a:ln>
+        </p:spPr>
+        <p:style>
+          <a:lnRef idx="1">
+            <a:schemeClr val="accent1"/>
+          </a:lnRef>
+          <a:fillRef idx="0">
+            <a:schemeClr val="accent1"/>
+          </a:fillRef>
+          <a:effectRef idx="0">
+            <a:schemeClr val="accent1"/>
+          </a:effectRef>
+          <a:fontRef idx="minor">
+            <a:schemeClr val="tx1"/>
+          </a:fontRef>
+        </p:style>
+      </p:cxnSp>
+      <p:cxnSp>
+        <p:nvCxnSpPr>
+          <p:cNvPr id="16" name="Connector: Elbow 15">
+            <a:extLst>
+              <a:ext uri="{FF2B5EF4-FFF2-40B4-BE49-F238E27FC236}">
+                <a16:creationId xmlns:a16="http://schemas.microsoft.com/office/drawing/2014/main" id="{2E7C5AD8-5A29-B3EC-2329-5AC5E53D1458}"/>
+              </a:ext>
+            </a:extLst>
+          </p:cNvPr>
+          <p:cNvCxnSpPr>
+            <a:cxnSpLocks/>
+            <a:stCxn id="12" idx="1"/>
+            <a:endCxn id="14" idx="1"/>
+          </p:cNvCxnSpPr>
+          <p:nvPr/>
+        </p:nvCxnSpPr>
+        <p:spPr>
+          <a:xfrm>
+            <a:off x="6558025" y="3984582"/>
+            <a:ext cx="652400" cy="344398"/>
+          </a:xfrm>
+          <a:prstGeom prst="straightConnector1">
+            <a:avLst/>
+          </a:prstGeom>
+          <a:ln>
+            <a:tailEnd type="triangle"/>
+          </a:ln>
+        </p:spPr>
+        <p:style>
+          <a:lnRef idx="1">
+            <a:schemeClr val="accent1"/>
+          </a:lnRef>
+          <a:fillRef idx="0">
+            <a:schemeClr val="accent1"/>
+          </a:fillRef>
+          <a:effectRef idx="0">
+            <a:schemeClr val="accent1"/>
+          </a:effectRef>
+          <a:fontRef idx="minor">
+            <a:schemeClr val="tx1"/>
+          </a:fontRef>
+        </p:style>
+      </p:cxnSp>
+      <p:cxnSp>
+        <p:nvCxnSpPr>
+          <p:cNvPr id="17" name="Connector: Elbow 25">
+            <a:extLst>
+              <a:ext uri="{FF2B5EF4-FFF2-40B4-BE49-F238E27FC236}">
+                <a16:creationId xmlns:a16="http://schemas.microsoft.com/office/drawing/2014/main" id="{9C8E0810-A486-0536-48A0-C62A7B969CB3}"/>
+              </a:ext>
+            </a:extLst>
+          </p:cNvPr>
+          <p:cNvCxnSpPr>
+            <a:cxnSpLocks/>
+            <a:stCxn id="4" idx="3"/>
+            <a:endCxn id="12" idx="3"/>
+          </p:cNvCxnSpPr>
+          <p:nvPr/>
+        </p:nvCxnSpPr>
+        <p:spPr>
+          <a:xfrm>
+            <a:off x="4776787" y="3120681"/>
+            <a:ext cx="1158286" cy="863901"/>
+          </a:xfrm>
+          <a:prstGeom prst="straightConnector1">
+            <a:avLst/>
+          </a:prstGeom>
+          <a:ln>
+            <a:tailEnd type="triangle"/>
+          </a:ln>
+        </p:spPr>
+        <p:style>
+          <a:lnRef idx="1">
+            <a:schemeClr val="accent1"/>
+          </a:lnRef>
+          <a:fillRef idx="0">
+            <a:schemeClr val="accent1"/>
+          </a:fillRef>
+          <a:effectRef idx="0">
+            <a:schemeClr val="accent1"/>
+          </a:effectRef>
+          <a:fontRef idx="minor">
+            <a:schemeClr val="tx1"/>
+          </a:fontRef>
+        </p:style>
+      </p:cxnSp>
+      <p:pic>
+        <p:nvPicPr>
+          <p:cNvPr id="18" name="Picture 6" descr="Browser window, blank web page vector template By Microvector ...">
+            <a:extLst>
+              <a:ext uri="{FF2B5EF4-FFF2-40B4-BE49-F238E27FC236}">
+                <a16:creationId xmlns:a16="http://schemas.microsoft.com/office/drawing/2014/main" id="{F383F405-EAE7-DCE8-F519-878DD5A3A367}"/>
+              </a:ext>
+            </a:extLst>
+          </p:cNvPr>
+          <p:cNvPicPr>
+            <a:picLocks noChangeAspect="1" noChangeArrowheads="1"/>
+          </p:cNvPicPr>
+          <p:nvPr/>
+        </p:nvPicPr>
+        <p:blipFill rotWithShape="1">
+          <a:blip r:embed="rId5">
+            <a:extLst>
+              <a:ext uri="{BEBA8EAE-BF5A-486C-A8C5-ECC9F3942E4B}">
+                <a14:imgProps xmlns:a14="http://schemas.microsoft.com/office/drawing/2010/main">
+                  <a14:imgLayer r:embed="rId6">
+                    <a14:imgEffect>
+                      <a14:saturation sat="400000"/>
+                    </a14:imgEffect>
+                    <a14:imgEffect>
+                      <a14:brightnessContrast bright="-20000" contrast="40000"/>
+                    </a14:imgEffect>
+                  </a14:imgLayer>
+                </a14:imgProps>
+              </a:ext>
+              <a:ext uri="{28A0092B-C50C-407E-A947-70E740481C1C}">
+                <a14:useLocalDpi xmlns:a14="http://schemas.microsoft.com/office/drawing/2010/main" val="0"/>
+              </a:ext>
+            </a:extLst>
+          </a:blip>
+          <a:srcRect l="10207" t="19062" r="10174" b="20464"/>
+          <a:stretch/>
+        </p:blipFill>
+        <p:spPr bwMode="auto">
+          <a:xfrm>
+            <a:off x="1287372" y="3905652"/>
+            <a:ext cx="997540" cy="757677"/>
+          </a:xfrm>
+          <a:prstGeom prst="rect">
+            <a:avLst/>
+          </a:prstGeom>
+          <a:noFill/>
+          <a:extLst>
+            <a:ext uri="{909E8E84-426E-40DD-AFC4-6F175D3DCCD1}">
+              <a14:hiddenFill xmlns:a14="http://schemas.microsoft.com/office/drawing/2010/main">
+                <a:solidFill>
+                  <a:srgbClr val="FFFFFF"/>
+                </a:solidFill>
+              </a14:hiddenFill>
+            </a:ext>
+          </a:extLst>
+        </p:spPr>
+      </p:pic>
+      <p:cxnSp>
+        <p:nvCxnSpPr>
+          <p:cNvPr id="19" name="Connector: Elbow 25">
+            <a:extLst>
+              <a:ext uri="{FF2B5EF4-FFF2-40B4-BE49-F238E27FC236}">
+                <a16:creationId xmlns:a16="http://schemas.microsoft.com/office/drawing/2014/main" id="{7647B06E-FFD0-F231-4546-FC840B1C3093}"/>
+              </a:ext>
+            </a:extLst>
+          </p:cNvPr>
+          <p:cNvCxnSpPr>
+            <a:cxnSpLocks/>
+            <a:stCxn id="18" idx="0"/>
+            <a:endCxn id="4" idx="1"/>
+          </p:cNvCxnSpPr>
+          <p:nvPr/>
+        </p:nvCxnSpPr>
+        <p:spPr>
+          <a:xfrm rot="5400000" flipH="1" flipV="1">
+            <a:off x="1865042" y="3041782"/>
+            <a:ext cx="784971" cy="942770"/>
+          </a:xfrm>
+          <a:prstGeom prst="bentConnector2">
+            <a:avLst/>
+          </a:prstGeom>
+          <a:ln>
+            <a:tailEnd type="triangle"/>
+          </a:ln>
+        </p:spPr>
+        <p:style>
+          <a:lnRef idx="1">
+            <a:schemeClr val="accent1"/>
+          </a:lnRef>
+          <a:fillRef idx="0">
+            <a:schemeClr val="accent1"/>
+          </a:fillRef>
+          <a:effectRef idx="0">
+            <a:schemeClr val="accent1"/>
+          </a:effectRef>
+          <a:fontRef idx="minor">
+            <a:schemeClr val="tx1"/>
+          </a:fontRef>
+        </p:style>
+      </p:cxnSp>
+      <p:sp>
+        <p:nvSpPr>
+          <p:cNvPr id="21" name="TextBox 20">
+            <a:extLst>
+              <a:ext uri="{FF2B5EF4-FFF2-40B4-BE49-F238E27FC236}">
+                <a16:creationId xmlns:a16="http://schemas.microsoft.com/office/drawing/2014/main" id="{6060D670-91F5-441B-102E-62FB5DCD1CB9}"/>
+              </a:ext>
+            </a:extLst>
+          </p:cNvPr>
+          <p:cNvSpPr txBox="1"/>
+          <p:nvPr/>
+        </p:nvSpPr>
+        <p:spPr>
+          <a:xfrm>
+            <a:off x="506305" y="361539"/>
+            <a:ext cx="1987557" cy="369332"/>
+          </a:xfrm>
+          <a:prstGeom prst="rect">
+            <a:avLst/>
+          </a:prstGeom>
+          <a:noFill/>
+        </p:spPr>
+        <p:txBody>
+          <a:bodyPr wrap="square">
+            <a:spAutoFit/>
+          </a:bodyPr>
+          <a:lstStyle/>
+          <a:p>
+            <a:pPr algn="ctr"/>
+            <a:r>
+              <a:rPr lang="es-ES" dirty="0">
+                <a:solidFill>
+                  <a:schemeClr val="tx1"/>
+                </a:solidFill>
+              </a:rPr>
+              <a:t>SPA app</a:t>
+            </a:r>
+          </a:p>
+        </p:txBody>
+      </p:sp>
+      <p:sp>
+        <p:nvSpPr>
+          <p:cNvPr id="27" name="Rectangle: Rounded Corners 26">
+            <a:extLst>
+              <a:ext uri="{FF2B5EF4-FFF2-40B4-BE49-F238E27FC236}">
+                <a16:creationId xmlns:a16="http://schemas.microsoft.com/office/drawing/2014/main" id="{A49B3ACC-9AF0-D354-47EC-3FD2A29EB773}"/>
+              </a:ext>
+            </a:extLst>
+          </p:cNvPr>
+          <p:cNvSpPr/>
+          <p:nvPr/>
+        </p:nvSpPr>
+        <p:spPr>
+          <a:xfrm>
+            <a:off x="7215739" y="3429000"/>
+            <a:ext cx="982600" cy="504329"/>
+          </a:xfrm>
+          <a:prstGeom prst="roundRect">
+            <a:avLst>
+              <a:gd name="adj" fmla="val 11979"/>
+            </a:avLst>
+          </a:prstGeom>
+          <a:solidFill>
+            <a:schemeClr val="bg1"/>
+          </a:solidFill>
+        </p:spPr>
+        <p:style>
+          <a:lnRef idx="2">
+            <a:schemeClr val="accent1">
+              <a:shade val="15000"/>
+            </a:schemeClr>
+          </a:lnRef>
+          <a:fillRef idx="1">
+            <a:schemeClr val="accent1"/>
+          </a:fillRef>
+          <a:effectRef idx="0">
+            <a:schemeClr val="accent1"/>
+          </a:effectRef>
+          <a:fontRef idx="minor">
+            <a:schemeClr val="lt1"/>
+          </a:fontRef>
+        </p:style>
+        <p:txBody>
+          <a:bodyPr rtlCol="0" anchor="ctr"/>
+          <a:lstStyle/>
+          <a:p>
+            <a:pPr algn="ctr"/>
+            <a:r>
+              <a:rPr lang="es-ES" dirty="0">
+                <a:solidFill>
+                  <a:schemeClr val="tx1"/>
+                </a:solidFill>
+              </a:rPr>
+              <a:t>API</a:t>
+            </a:r>
+          </a:p>
+        </p:txBody>
+      </p:sp>
+      <p:cxnSp>
+        <p:nvCxnSpPr>
+          <p:cNvPr id="30" name="Connector: Elbow 29">
+            <a:extLst>
+              <a:ext uri="{FF2B5EF4-FFF2-40B4-BE49-F238E27FC236}">
+                <a16:creationId xmlns:a16="http://schemas.microsoft.com/office/drawing/2014/main" id="{E771BFEB-B6DA-F637-5943-C8E2A096271A}"/>
+              </a:ext>
+            </a:extLst>
+          </p:cNvPr>
+          <p:cNvCxnSpPr>
+            <a:cxnSpLocks/>
+            <a:stCxn id="12" idx="1"/>
+            <a:endCxn id="27" idx="1"/>
+          </p:cNvCxnSpPr>
+          <p:nvPr/>
+        </p:nvCxnSpPr>
+        <p:spPr>
+          <a:xfrm flipV="1">
+            <a:off x="6558025" y="3681165"/>
+            <a:ext cx="657714" cy="303417"/>
+          </a:xfrm>
+          <a:prstGeom prst="straightConnector1">
+            <a:avLst/>
+          </a:prstGeom>
+          <a:ln>
+            <a:tailEnd type="triangle"/>
+          </a:ln>
+        </p:spPr>
+        <p:style>
+          <a:lnRef idx="1">
+            <a:schemeClr val="accent1"/>
+          </a:lnRef>
+          <a:fillRef idx="0">
+            <a:schemeClr val="accent1"/>
+          </a:fillRef>
+          <a:effectRef idx="0">
+            <a:schemeClr val="accent1"/>
+          </a:effectRef>
+          <a:fontRef idx="minor">
+            <a:schemeClr val="tx1"/>
+          </a:fontRef>
+        </p:style>
+      </p:cxnSp>
+    </p:spTree>
+    <p:extLst>
+      <p:ext uri="{BB962C8B-B14F-4D97-AF65-F5344CB8AC3E}">
+        <p14:creationId xmlns:p14="http://schemas.microsoft.com/office/powerpoint/2010/main" val="1091738206"/>
+      </p:ext>
+    </p:extLst>
+  </p:cSld>
+  <p:clrMapOvr>
+    <a:masterClrMapping/>
+  </p:clrMapOvr>
+</p:sld>
+</file>
+
+<file path=ppt/slides/slide5.xml><?xml version="1.0" encoding="utf-8"?>
+<p:sld xmlns:a="http://schemas.openxmlformats.org/drawingml/2006/main" xmlns:r="http://schemas.openxmlformats.org/officeDocument/2006/relationships" xmlns:p="http://schemas.openxmlformats.org/presentationml/2006/main">
+  <p:cSld>
+    <p:spTree>
+      <p:nvGrpSpPr>
+        <p:cNvPr id="1" name=""/>
+        <p:cNvGrpSpPr/>
+        <p:nvPr/>
+      </p:nvGrpSpPr>
+      <p:grpSpPr>
+        <a:xfrm>
+          <a:off x="0" y="0"/>
+          <a:ext cx="0" cy="0"/>
+          <a:chOff x="0" y="0"/>
+          <a:chExt cx="0" cy="0"/>
+        </a:xfrm>
+      </p:grpSpPr>
+      <p:sp>
+        <p:nvSpPr>
+          <p:cNvPr id="2" name="Rectangle: Rounded Corners 1">
+            <a:extLst>
+              <a:ext uri="{FF2B5EF4-FFF2-40B4-BE49-F238E27FC236}">
+                <a16:creationId xmlns:a16="http://schemas.microsoft.com/office/drawing/2014/main" id="{39EA2E18-AFFA-593F-DA50-1FAE729004F0}"/>
+              </a:ext>
+            </a:extLst>
+          </p:cNvPr>
+          <p:cNvSpPr/>
+          <p:nvPr/>
+        </p:nvSpPr>
+        <p:spPr>
+          <a:xfrm>
+            <a:off x="3448051" y="2203704"/>
+            <a:ext cx="5430774" cy="3346704"/>
+          </a:xfrm>
+          <a:prstGeom prst="roundRect">
+            <a:avLst>
+              <a:gd name="adj" fmla="val 4427"/>
+            </a:avLst>
+          </a:prstGeom>
+          <a:noFill/>
+          <a:ln>
+            <a:prstDash val="dash"/>
+          </a:ln>
+        </p:spPr>
+        <p:style>
+          <a:lnRef idx="2">
+            <a:schemeClr val="accent1">
+              <a:shade val="15000"/>
+            </a:schemeClr>
+          </a:lnRef>
+          <a:fillRef idx="1">
+            <a:schemeClr val="accent1"/>
+          </a:fillRef>
+          <a:effectRef idx="0">
+            <a:schemeClr val="accent1"/>
+          </a:effectRef>
+          <a:fontRef idx="minor">
+            <a:schemeClr val="lt1"/>
+          </a:fontRef>
+        </p:style>
+        <p:txBody>
+          <a:bodyPr rtlCol="0" anchor="ctr"/>
+          <a:lstStyle/>
+          <a:p>
+            <a:pPr algn="ctr"/>
+            <a:endParaRPr lang="es-ES"/>
+          </a:p>
+        </p:txBody>
+      </p:sp>
+      <p:grpSp>
+        <p:nvGrpSpPr>
+          <p:cNvPr id="3" name="Group 2">
+            <a:extLst>
+              <a:ext uri="{FF2B5EF4-FFF2-40B4-BE49-F238E27FC236}">
+                <a16:creationId xmlns:a16="http://schemas.microsoft.com/office/drawing/2014/main" id="{90A73C92-8D85-4F2C-877F-5F275F4390B3}"/>
+              </a:ext>
+            </a:extLst>
+          </p:cNvPr>
+          <p:cNvGrpSpPr/>
+          <p:nvPr/>
+        </p:nvGrpSpPr>
+        <p:grpSpPr>
+          <a:xfrm>
+            <a:off x="2728912" y="2463456"/>
+            <a:ext cx="2047875" cy="1314450"/>
+            <a:chOff x="2424112" y="2314575"/>
+            <a:chExt cx="2047875" cy="1314450"/>
+          </a:xfrm>
+        </p:grpSpPr>
+        <p:sp>
+          <p:nvSpPr>
+            <p:cNvPr id="4" name="Rectangle: Rounded Corners 3">
+              <a:extLst>
+                <a:ext uri="{FF2B5EF4-FFF2-40B4-BE49-F238E27FC236}">
+                  <a16:creationId xmlns:a16="http://schemas.microsoft.com/office/drawing/2014/main" id="{4A21BE45-ED38-57E7-5ECC-B6D9188A12F2}"/>
+                </a:ext>
+              </a:extLst>
+            </p:cNvPr>
+            <p:cNvSpPr/>
+            <p:nvPr/>
+          </p:nvSpPr>
+          <p:spPr>
+            <a:xfrm>
+              <a:off x="2424112" y="2314575"/>
+              <a:ext cx="2047875" cy="1314450"/>
+            </a:xfrm>
+            <a:prstGeom prst="roundRect">
+              <a:avLst>
+                <a:gd name="adj" fmla="val 11979"/>
+              </a:avLst>
+            </a:prstGeom>
+            <a:solidFill>
+              <a:schemeClr val="bg1"/>
+            </a:solidFill>
+          </p:spPr>
+          <p:style>
+            <a:lnRef idx="2">
+              <a:schemeClr val="accent1">
+                <a:shade val="15000"/>
+              </a:schemeClr>
+            </a:lnRef>
+            <a:fillRef idx="1">
+              <a:schemeClr val="accent1"/>
+            </a:fillRef>
+            <a:effectRef idx="0">
+              <a:schemeClr val="accent1"/>
+            </a:effectRef>
+            <a:fontRef idx="minor">
+              <a:schemeClr val="lt1"/>
+            </a:fontRef>
+          </p:style>
+          <p:txBody>
+            <a:bodyPr rtlCol="0" anchor="ctr"/>
+            <a:lstStyle/>
+            <a:p>
+              <a:pPr algn="ctr"/>
+              <a:endParaRPr lang="es-ES"/>
+            </a:p>
+          </p:txBody>
+        </p:sp>
+        <p:pic>
+          <p:nvPicPr>
+            <p:cNvPr id="5" name="Picture 4">
+              <a:extLst>
+                <a:ext uri="{FF2B5EF4-FFF2-40B4-BE49-F238E27FC236}">
+                  <a16:creationId xmlns:a16="http://schemas.microsoft.com/office/drawing/2014/main" id="{D20EFBD1-74D7-1198-5369-DDA8821885DA}"/>
+                </a:ext>
+              </a:extLst>
+            </p:cNvPr>
+            <p:cNvPicPr>
+              <a:picLocks noChangeAspect="1"/>
+            </p:cNvPicPr>
+            <p:nvPr/>
+          </p:nvPicPr>
+          <p:blipFill>
+            <a:blip r:embed="rId2">
+              <a:clrChange>
+                <a:clrFrom>
+                  <a:srgbClr val="FFFFFF"/>
+                </a:clrFrom>
+                <a:clrTo>
+                  <a:srgbClr val="FFFFFF">
+                    <a:alpha val="0"/>
+                  </a:srgbClr>
+                </a:clrTo>
+              </a:clrChange>
+            </a:blip>
+            <a:stretch>
+              <a:fillRect/>
+            </a:stretch>
+          </p:blipFill>
+          <p:spPr>
+            <a:xfrm>
+              <a:off x="2929999" y="2409825"/>
+              <a:ext cx="1036101" cy="1143000"/>
+            </a:xfrm>
+            <a:prstGeom prst="rect">
+              <a:avLst/>
+            </a:prstGeom>
+          </p:spPr>
+        </p:pic>
+      </p:grpSp>
+      <p:grpSp>
+        <p:nvGrpSpPr>
+          <p:cNvPr id="6" name="Group 5">
+            <a:extLst>
+              <a:ext uri="{FF2B5EF4-FFF2-40B4-BE49-F238E27FC236}">
+                <a16:creationId xmlns:a16="http://schemas.microsoft.com/office/drawing/2014/main" id="{8CB3D5AD-3A44-340F-5A35-D4E7BFB44C59}"/>
+              </a:ext>
+            </a:extLst>
+          </p:cNvPr>
+          <p:cNvGrpSpPr/>
+          <p:nvPr/>
+        </p:nvGrpSpPr>
+        <p:grpSpPr>
+          <a:xfrm>
+            <a:off x="4264821" y="4361110"/>
+            <a:ext cx="1388064" cy="1034490"/>
+            <a:chOff x="2165088" y="4352925"/>
+            <a:chExt cx="1388064" cy="1034490"/>
+          </a:xfrm>
+        </p:grpSpPr>
+        <p:sp>
+          <p:nvSpPr>
+            <p:cNvPr id="7" name="Rectangle: Rounded Corners 6">
+              <a:extLst>
+                <a:ext uri="{FF2B5EF4-FFF2-40B4-BE49-F238E27FC236}">
+                  <a16:creationId xmlns:a16="http://schemas.microsoft.com/office/drawing/2014/main" id="{31B8AAA2-090E-A8C0-5A2E-415F5ABDA1AB}"/>
+                </a:ext>
+              </a:extLst>
+            </p:cNvPr>
+            <p:cNvSpPr/>
+            <p:nvPr/>
+          </p:nvSpPr>
+          <p:spPr>
+            <a:xfrm>
+              <a:off x="2165088" y="4352925"/>
+              <a:ext cx="1388064" cy="1034490"/>
+            </a:xfrm>
+            <a:prstGeom prst="roundRect">
+              <a:avLst>
+                <a:gd name="adj" fmla="val 11979"/>
+              </a:avLst>
+            </a:prstGeom>
+            <a:solidFill>
+              <a:schemeClr val="bg1"/>
+            </a:solidFill>
+          </p:spPr>
+          <p:style>
+            <a:lnRef idx="2">
+              <a:schemeClr val="accent1">
+                <a:shade val="15000"/>
+              </a:schemeClr>
+            </a:lnRef>
+            <a:fillRef idx="1">
+              <a:schemeClr val="accent1"/>
+            </a:fillRef>
+            <a:effectRef idx="0">
+              <a:schemeClr val="accent1"/>
+            </a:effectRef>
+            <a:fontRef idx="minor">
+              <a:schemeClr val="lt1"/>
+            </a:fontRef>
+          </p:style>
+          <p:txBody>
+            <a:bodyPr rtlCol="0" anchor="ctr"/>
+            <a:lstStyle/>
+            <a:p>
+              <a:pPr algn="ctr"/>
+              <a:endParaRPr lang="es-ES"/>
+            </a:p>
+          </p:txBody>
+        </p:sp>
+        <p:pic>
+          <p:nvPicPr>
+            <p:cNvPr id="8" name="Picture 7">
+              <a:extLst>
+                <a:ext uri="{FF2B5EF4-FFF2-40B4-BE49-F238E27FC236}">
+                  <a16:creationId xmlns:a16="http://schemas.microsoft.com/office/drawing/2014/main" id="{D491B9D2-D404-7715-EA4A-820DAFB24245}"/>
+                </a:ext>
+              </a:extLst>
+            </p:cNvPr>
+            <p:cNvPicPr>
+              <a:picLocks noChangeAspect="1"/>
+            </p:cNvPicPr>
+            <p:nvPr/>
+          </p:nvPicPr>
+          <p:blipFill>
+            <a:blip r:embed="rId3">
+              <a:clrChange>
+                <a:clrFrom>
+                  <a:srgbClr val="FFFFFF"/>
+                </a:clrFrom>
+                <a:clrTo>
+                  <a:srgbClr val="FFFFFF">
+                    <a:alpha val="0"/>
+                  </a:srgbClr>
+                </a:clrTo>
+              </a:clrChange>
+            </a:blip>
+            <a:stretch>
+              <a:fillRect/>
+            </a:stretch>
+          </p:blipFill>
+          <p:spPr>
+            <a:xfrm>
+              <a:off x="2494993" y="4492904"/>
+              <a:ext cx="728254" cy="754531"/>
+            </a:xfrm>
+            <a:prstGeom prst="rect">
+              <a:avLst/>
+            </a:prstGeom>
+          </p:spPr>
+        </p:pic>
+      </p:grpSp>
+      <p:pic>
+        <p:nvPicPr>
+          <p:cNvPr id="9" name="Picture 2" descr="KubeCon Europe 2017 Impressions · Chris Hager">
+            <a:extLst>
+              <a:ext uri="{FF2B5EF4-FFF2-40B4-BE49-F238E27FC236}">
+                <a16:creationId xmlns:a16="http://schemas.microsoft.com/office/drawing/2014/main" id="{39064DC7-E027-EAB9-2095-9D36E43024DF}"/>
+              </a:ext>
+            </a:extLst>
+          </p:cNvPr>
+          <p:cNvPicPr>
+            <a:picLocks noChangeAspect="1" noChangeArrowheads="1"/>
+          </p:cNvPicPr>
+          <p:nvPr/>
+        </p:nvPicPr>
+        <p:blipFill rotWithShape="1">
+          <a:blip r:embed="rId4">
+            <a:clrChange>
+              <a:clrFrom>
+                <a:srgbClr val="000000">
+                  <a:alpha val="0"/>
+                </a:srgbClr>
+              </a:clrFrom>
+              <a:clrTo>
+                <a:srgbClr val="000000">
+                  <a:alpha val="0"/>
+                </a:srgbClr>
+              </a:clrTo>
+            </a:clrChange>
+            <a:extLst>
+              <a:ext uri="{28A0092B-C50C-407E-A947-70E740481C1C}">
+                <a14:useLocalDpi xmlns:a14="http://schemas.microsoft.com/office/drawing/2010/main" val="0"/>
+              </a:ext>
+            </a:extLst>
+          </a:blip>
+          <a:srcRect l="6237" t="6775" r="6520" b="7478"/>
+          <a:stretch/>
+        </p:blipFill>
+        <p:spPr bwMode="auto">
+          <a:xfrm>
+            <a:off x="8272380" y="4890151"/>
+            <a:ext cx="514265" cy="505449"/>
+          </a:xfrm>
+          <a:prstGeom prst="rect">
+            <a:avLst/>
+          </a:prstGeom>
+          <a:noFill/>
+          <a:extLst>
+            <a:ext uri="{909E8E84-426E-40DD-AFC4-6F175D3DCCD1}">
+              <a14:hiddenFill xmlns:a14="http://schemas.microsoft.com/office/drawing/2010/main">
+                <a:solidFill>
+                  <a:srgbClr val="FFFFFF"/>
+                </a:solidFill>
+              </a14:hiddenFill>
+            </a:ext>
+          </a:extLst>
+        </p:spPr>
+      </p:pic>
+      <p:cxnSp>
+        <p:nvCxnSpPr>
+          <p:cNvPr id="10" name="Connector: Elbow 9">
+            <a:extLst>
+              <a:ext uri="{FF2B5EF4-FFF2-40B4-BE49-F238E27FC236}">
+                <a16:creationId xmlns:a16="http://schemas.microsoft.com/office/drawing/2014/main" id="{E54F9D76-DF29-24D6-28D9-15A514FC2F6E}"/>
+              </a:ext>
+            </a:extLst>
+          </p:cNvPr>
+          <p:cNvCxnSpPr>
+            <a:cxnSpLocks/>
+          </p:cNvCxnSpPr>
+          <p:nvPr/>
+        </p:nvCxnSpPr>
+        <p:spPr>
+          <a:xfrm rot="16200000" flipH="1">
+            <a:off x="3597503" y="4098627"/>
+            <a:ext cx="975066" cy="371728"/>
+          </a:xfrm>
+          <a:prstGeom prst="bentConnector3">
+            <a:avLst>
+              <a:gd name="adj1" fmla="val 99820"/>
+            </a:avLst>
+          </a:prstGeom>
+          <a:ln>
+            <a:tailEnd type="triangle"/>
+          </a:ln>
+        </p:spPr>
+        <p:style>
+          <a:lnRef idx="1">
+            <a:schemeClr val="accent1"/>
+          </a:lnRef>
+          <a:fillRef idx="0">
+            <a:schemeClr val="accent1"/>
+          </a:fillRef>
+          <a:effectRef idx="0">
+            <a:schemeClr val="accent1"/>
+          </a:effectRef>
+          <a:fontRef idx="minor">
+            <a:schemeClr val="tx1"/>
+          </a:fontRef>
+        </p:style>
+      </p:cxnSp>
+      <p:cxnSp>
+        <p:nvCxnSpPr>
+          <p:cNvPr id="11" name="Connector: Elbow 10">
+            <a:extLst>
+              <a:ext uri="{FF2B5EF4-FFF2-40B4-BE49-F238E27FC236}">
+                <a16:creationId xmlns:a16="http://schemas.microsoft.com/office/drawing/2014/main" id="{360EBDAE-F35A-84ED-435C-DBB11AB3C7D7}"/>
+              </a:ext>
+            </a:extLst>
+          </p:cNvPr>
+          <p:cNvCxnSpPr>
+            <a:cxnSpLocks/>
+          </p:cNvCxnSpPr>
+          <p:nvPr/>
+        </p:nvCxnSpPr>
+        <p:spPr>
+          <a:xfrm rot="16200000" flipH="1">
+            <a:off x="3289941" y="4075859"/>
+            <a:ext cx="1272836" cy="676923"/>
+          </a:xfrm>
+          <a:prstGeom prst="bentConnector3">
+            <a:avLst>
+              <a:gd name="adj1" fmla="val 100138"/>
+            </a:avLst>
+          </a:prstGeom>
+          <a:ln>
+            <a:headEnd type="triangle" w="med" len="med"/>
+            <a:tailEnd type="none" w="med" len="med"/>
+          </a:ln>
+        </p:spPr>
+        <p:style>
+          <a:lnRef idx="1">
+            <a:schemeClr val="accent1"/>
+          </a:lnRef>
+          <a:fillRef idx="0">
+            <a:schemeClr val="accent1"/>
+          </a:fillRef>
+          <a:effectRef idx="0">
+            <a:schemeClr val="accent1"/>
+          </a:effectRef>
+          <a:fontRef idx="minor">
+            <a:schemeClr val="tx1"/>
+          </a:fontRef>
+        </p:style>
+      </p:cxnSp>
+      <p:sp>
+        <p:nvSpPr>
+          <p:cNvPr id="13" name="Rectangle: Rounded Corners 12">
+            <a:extLst>
+              <a:ext uri="{FF2B5EF4-FFF2-40B4-BE49-F238E27FC236}">
+                <a16:creationId xmlns:a16="http://schemas.microsoft.com/office/drawing/2014/main" id="{DE88DA35-90D5-2913-BAC7-8A3DFC95B6C4}"/>
+              </a:ext>
+            </a:extLst>
+          </p:cNvPr>
+          <p:cNvSpPr/>
+          <p:nvPr/>
+        </p:nvSpPr>
+        <p:spPr>
+          <a:xfrm>
+            <a:off x="6464138" y="2696818"/>
+            <a:ext cx="1266825" cy="847725"/>
+          </a:xfrm>
+          <a:prstGeom prst="roundRect">
+            <a:avLst>
+              <a:gd name="adj" fmla="val 11979"/>
+            </a:avLst>
+          </a:prstGeom>
+          <a:solidFill>
+            <a:schemeClr val="bg1"/>
+          </a:solidFill>
+        </p:spPr>
+        <p:style>
+          <a:lnRef idx="2">
+            <a:schemeClr val="accent1">
+              <a:shade val="15000"/>
+            </a:schemeClr>
+          </a:lnRef>
+          <a:fillRef idx="1">
+            <a:schemeClr val="accent1"/>
+          </a:fillRef>
+          <a:effectRef idx="0">
+            <a:schemeClr val="accent1"/>
+          </a:effectRef>
+          <a:fontRef idx="minor">
+            <a:schemeClr val="lt1"/>
+          </a:fontRef>
+        </p:style>
+        <p:txBody>
+          <a:bodyPr rtlCol="0" anchor="ctr"/>
+          <a:lstStyle/>
+          <a:p>
+            <a:pPr algn="ctr"/>
+            <a:r>
+              <a:rPr lang="es-ES" sz="1400" dirty="0">
+                <a:solidFill>
+                  <a:schemeClr val="tx1"/>
+                </a:solidFill>
+              </a:rPr>
+              <a:t>/</a:t>
+            </a:r>
+            <a:r>
+              <a:rPr lang="es-ES" sz="1400" dirty="0" err="1">
+                <a:solidFill>
+                  <a:schemeClr val="tx1"/>
+                </a:solidFill>
+              </a:rPr>
+              <a:t>public</a:t>
+            </a:r>
+            <a:endParaRPr lang="es-ES" sz="1400" dirty="0">
+              <a:solidFill>
+                <a:schemeClr val="tx1"/>
+              </a:solidFill>
+            </a:endParaRPr>
+          </a:p>
+          <a:p>
+            <a:pPr algn="ctr"/>
+            <a:endParaRPr lang="es-ES" sz="1400" dirty="0">
+              <a:solidFill>
+                <a:schemeClr val="tx1"/>
+              </a:solidFill>
+            </a:endParaRPr>
+          </a:p>
+          <a:p>
+            <a:pPr algn="ctr"/>
+            <a:r>
+              <a:rPr lang="es-ES" sz="1400" dirty="0">
+                <a:solidFill>
+                  <a:schemeClr val="tx1"/>
+                </a:solidFill>
+              </a:rPr>
+              <a:t>/</a:t>
+            </a:r>
+            <a:r>
+              <a:rPr lang="es-ES" sz="1400" dirty="0" err="1">
+                <a:solidFill>
+                  <a:schemeClr val="tx1"/>
+                </a:solidFill>
+              </a:rPr>
+              <a:t>admin</a:t>
+            </a:r>
+            <a:endParaRPr lang="es-ES" sz="1400" dirty="0">
+              <a:solidFill>
+                <a:schemeClr val="tx1"/>
+              </a:solidFill>
+            </a:endParaRPr>
+          </a:p>
+        </p:txBody>
+      </p:sp>
+      <p:cxnSp>
+        <p:nvCxnSpPr>
+          <p:cNvPr id="15" name="Connector: Elbow 14">
+            <a:extLst>
+              <a:ext uri="{FF2B5EF4-FFF2-40B4-BE49-F238E27FC236}">
+                <a16:creationId xmlns:a16="http://schemas.microsoft.com/office/drawing/2014/main" id="{39A6E181-3EB0-F6C2-88CA-9DA1814F2AFE}"/>
+              </a:ext>
+            </a:extLst>
+          </p:cNvPr>
+          <p:cNvCxnSpPr>
+            <a:cxnSpLocks/>
+            <a:stCxn id="4" idx="3"/>
+            <a:endCxn id="13" idx="1"/>
+          </p:cNvCxnSpPr>
+          <p:nvPr/>
+        </p:nvCxnSpPr>
+        <p:spPr>
+          <a:xfrm>
+            <a:off x="4776787" y="3120681"/>
+            <a:ext cx="1687351" cy="0"/>
+          </a:xfrm>
+          <a:prstGeom prst="straightConnector1">
+            <a:avLst/>
+          </a:prstGeom>
+          <a:ln>
+            <a:headEnd type="none" w="med" len="med"/>
+            <a:tailEnd type="none" w="med" len="med"/>
+          </a:ln>
+        </p:spPr>
+        <p:style>
+          <a:lnRef idx="1">
+            <a:schemeClr val="accent1"/>
+          </a:lnRef>
+          <a:fillRef idx="0">
+            <a:schemeClr val="accent1"/>
+          </a:fillRef>
+          <a:effectRef idx="0">
+            <a:schemeClr val="accent1"/>
+          </a:effectRef>
+          <a:fontRef idx="minor">
+            <a:schemeClr val="tx1"/>
+          </a:fontRef>
+        </p:style>
+      </p:cxnSp>
+      <p:pic>
+        <p:nvPicPr>
+          <p:cNvPr id="18" name="Picture 6" descr="Browser window, blank web page vector template By Microvector ...">
+            <a:extLst>
+              <a:ext uri="{FF2B5EF4-FFF2-40B4-BE49-F238E27FC236}">
+                <a16:creationId xmlns:a16="http://schemas.microsoft.com/office/drawing/2014/main" id="{F383F405-EAE7-DCE8-F519-878DD5A3A367}"/>
+              </a:ext>
+            </a:extLst>
+          </p:cNvPr>
+          <p:cNvPicPr>
+            <a:picLocks noChangeAspect="1" noChangeArrowheads="1"/>
+          </p:cNvPicPr>
+          <p:nvPr/>
+        </p:nvPicPr>
+        <p:blipFill rotWithShape="1">
+          <a:blip r:embed="rId5">
+            <a:extLst>
+              <a:ext uri="{BEBA8EAE-BF5A-486C-A8C5-ECC9F3942E4B}">
+                <a14:imgProps xmlns:a14="http://schemas.microsoft.com/office/drawing/2010/main">
+                  <a14:imgLayer r:embed="rId6">
+                    <a14:imgEffect>
+                      <a14:saturation sat="400000"/>
+                    </a14:imgEffect>
+                    <a14:imgEffect>
+                      <a14:brightnessContrast bright="-20000" contrast="40000"/>
+                    </a14:imgEffect>
+                  </a14:imgLayer>
+                </a14:imgProps>
+              </a:ext>
+              <a:ext uri="{28A0092B-C50C-407E-A947-70E740481C1C}">
+                <a14:useLocalDpi xmlns:a14="http://schemas.microsoft.com/office/drawing/2010/main" val="0"/>
+              </a:ext>
+            </a:extLst>
+          </a:blip>
+          <a:srcRect l="10207" t="19062" r="10174" b="20464"/>
+          <a:stretch/>
+        </p:blipFill>
+        <p:spPr bwMode="auto">
+          <a:xfrm>
+            <a:off x="1287372" y="3905652"/>
+            <a:ext cx="997540" cy="757677"/>
+          </a:xfrm>
+          <a:prstGeom prst="rect">
+            <a:avLst/>
+          </a:prstGeom>
+          <a:noFill/>
+          <a:extLst>
+            <a:ext uri="{909E8E84-426E-40DD-AFC4-6F175D3DCCD1}">
+              <a14:hiddenFill xmlns:a14="http://schemas.microsoft.com/office/drawing/2010/main">
+                <a:solidFill>
+                  <a:srgbClr val="FFFFFF"/>
+                </a:solidFill>
+              </a14:hiddenFill>
+            </a:ext>
+          </a:extLst>
+        </p:spPr>
+      </p:pic>
+      <p:cxnSp>
+        <p:nvCxnSpPr>
+          <p:cNvPr id="19" name="Connector: Elbow 25">
+            <a:extLst>
+              <a:ext uri="{FF2B5EF4-FFF2-40B4-BE49-F238E27FC236}">
+                <a16:creationId xmlns:a16="http://schemas.microsoft.com/office/drawing/2014/main" id="{7647B06E-FFD0-F231-4546-FC840B1C3093}"/>
+              </a:ext>
+            </a:extLst>
+          </p:cNvPr>
+          <p:cNvCxnSpPr>
+            <a:cxnSpLocks/>
+            <a:stCxn id="18" idx="0"/>
+            <a:endCxn id="4" idx="1"/>
+          </p:cNvCxnSpPr>
+          <p:nvPr/>
+        </p:nvCxnSpPr>
+        <p:spPr>
+          <a:xfrm rot="5400000" flipH="1" flipV="1">
+            <a:off x="1865042" y="3041782"/>
+            <a:ext cx="784971" cy="942770"/>
+          </a:xfrm>
+          <a:prstGeom prst="bentConnector2">
+            <a:avLst/>
+          </a:prstGeom>
+          <a:ln>
+            <a:tailEnd type="triangle"/>
+          </a:ln>
+        </p:spPr>
+        <p:style>
+          <a:lnRef idx="1">
+            <a:schemeClr val="accent1"/>
+          </a:lnRef>
+          <a:fillRef idx="0">
+            <a:schemeClr val="accent1"/>
+          </a:fillRef>
+          <a:effectRef idx="0">
+            <a:schemeClr val="accent1"/>
+          </a:effectRef>
+          <a:fontRef idx="minor">
+            <a:schemeClr val="tx1"/>
+          </a:fontRef>
+        </p:style>
+      </p:cxnSp>
+      <p:sp>
+        <p:nvSpPr>
+          <p:cNvPr id="21" name="TextBox 20">
+            <a:extLst>
+              <a:ext uri="{FF2B5EF4-FFF2-40B4-BE49-F238E27FC236}">
+                <a16:creationId xmlns:a16="http://schemas.microsoft.com/office/drawing/2014/main" id="{6060D670-91F5-441B-102E-62FB5DCD1CB9}"/>
+              </a:ext>
+            </a:extLst>
+          </p:cNvPr>
+          <p:cNvSpPr txBox="1"/>
+          <p:nvPr/>
+        </p:nvSpPr>
+        <p:spPr>
+          <a:xfrm>
+            <a:off x="506305" y="361539"/>
+            <a:ext cx="1987557" cy="369332"/>
+          </a:xfrm>
+          <a:prstGeom prst="rect">
+            <a:avLst/>
+          </a:prstGeom>
+          <a:noFill/>
+        </p:spPr>
+        <p:txBody>
+          <a:bodyPr wrap="square">
+            <a:spAutoFit/>
+          </a:bodyPr>
+          <a:lstStyle/>
+          <a:p>
+            <a:pPr algn="ctr"/>
+            <a:r>
+              <a:rPr lang="es-ES" dirty="0" err="1">
+                <a:solidFill>
+                  <a:schemeClr val="tx1"/>
+                </a:solidFill>
+              </a:rPr>
+              <a:t>basic</a:t>
+            </a:r>
+            <a:r>
+              <a:rPr lang="es-ES" dirty="0">
+                <a:solidFill>
+                  <a:schemeClr val="tx1"/>
+                </a:solidFill>
+              </a:rPr>
+              <a:t> app</a:t>
+            </a:r>
+          </a:p>
+        </p:txBody>
+      </p:sp>
+      <p:sp>
+        <p:nvSpPr>
+          <p:cNvPr id="22" name="TextBox 21">
+            <a:extLst>
+              <a:ext uri="{FF2B5EF4-FFF2-40B4-BE49-F238E27FC236}">
+                <a16:creationId xmlns:a16="http://schemas.microsoft.com/office/drawing/2014/main" id="{61BFB1B0-75E3-032E-6303-408D6FB767E8}"/>
+              </a:ext>
+            </a:extLst>
+          </p:cNvPr>
+          <p:cNvSpPr txBox="1"/>
+          <p:nvPr/>
+        </p:nvSpPr>
+        <p:spPr>
+          <a:xfrm>
+            <a:off x="6737184" y="3513167"/>
+            <a:ext cx="1987557" cy="415498"/>
+          </a:xfrm>
+          <a:prstGeom prst="rect">
+            <a:avLst/>
+          </a:prstGeom>
+          <a:noFill/>
+        </p:spPr>
+        <p:txBody>
+          <a:bodyPr wrap="square">
+            <a:spAutoFit/>
+          </a:bodyPr>
+          <a:lstStyle/>
+          <a:p>
+            <a:pPr algn="ctr"/>
+            <a:r>
+              <a:rPr lang="es-ES" sz="1050" dirty="0">
+                <a:solidFill>
+                  <a:schemeClr val="tx1"/>
+                </a:solidFill>
+              </a:rPr>
+              <a:t>Web server </a:t>
+            </a:r>
+            <a:r>
+              <a:rPr lang="es-ES" sz="1050" dirty="0" err="1">
+                <a:solidFill>
+                  <a:schemeClr val="tx1"/>
+                </a:solidFill>
+              </a:rPr>
+              <a:t>pod</a:t>
+            </a:r>
+            <a:endParaRPr lang="es-ES" sz="1050" dirty="0">
+              <a:solidFill>
+                <a:schemeClr val="tx1"/>
+              </a:solidFill>
+            </a:endParaRPr>
+          </a:p>
+          <a:p>
+            <a:pPr algn="ctr"/>
+            <a:r>
+              <a:rPr lang="es-ES" sz="1050" dirty="0">
+                <a:solidFill>
+                  <a:schemeClr val="tx1"/>
+                </a:solidFill>
+              </a:rPr>
+              <a:t>(apache, </a:t>
+            </a:r>
+            <a:r>
+              <a:rPr lang="es-ES" sz="1050" dirty="0" err="1">
+                <a:solidFill>
+                  <a:schemeClr val="tx1"/>
+                </a:solidFill>
+              </a:rPr>
+              <a:t>nginx</a:t>
+            </a:r>
+            <a:r>
+              <a:rPr lang="es-ES" sz="1050" dirty="0">
+                <a:solidFill>
+                  <a:schemeClr val="tx1"/>
+                </a:solidFill>
+              </a:rPr>
+              <a:t>…)</a:t>
+            </a:r>
+          </a:p>
+        </p:txBody>
+      </p:sp>
+      <p:cxnSp>
+        <p:nvCxnSpPr>
+          <p:cNvPr id="23" name="Connector: Elbow 14">
+            <a:extLst>
+              <a:ext uri="{FF2B5EF4-FFF2-40B4-BE49-F238E27FC236}">
+                <a16:creationId xmlns:a16="http://schemas.microsoft.com/office/drawing/2014/main" id="{D7DAC04C-E129-9EB1-365A-4FCB45D5060B}"/>
+              </a:ext>
+            </a:extLst>
+          </p:cNvPr>
+          <p:cNvCxnSpPr>
+            <a:cxnSpLocks/>
+            <a:stCxn id="13" idx="1"/>
+          </p:cNvCxnSpPr>
+          <p:nvPr/>
+        </p:nvCxnSpPr>
+        <p:spPr>
+          <a:xfrm flipV="1">
+            <a:off x="6464138" y="2898648"/>
+            <a:ext cx="287468" cy="222033"/>
+          </a:xfrm>
+          <a:prstGeom prst="straightConnector1">
+            <a:avLst/>
+          </a:prstGeom>
+          <a:ln>
+            <a:tailEnd type="triangle"/>
+          </a:ln>
+        </p:spPr>
+        <p:style>
+          <a:lnRef idx="1">
+            <a:schemeClr val="accent1"/>
+          </a:lnRef>
+          <a:fillRef idx="0">
+            <a:schemeClr val="accent1"/>
+          </a:fillRef>
+          <a:effectRef idx="0">
+            <a:schemeClr val="accent1"/>
+          </a:effectRef>
+          <a:fontRef idx="minor">
+            <a:schemeClr val="tx1"/>
+          </a:fontRef>
+        </p:style>
+      </p:cxnSp>
+      <p:cxnSp>
+        <p:nvCxnSpPr>
+          <p:cNvPr id="26" name="Connector: Elbow 14">
+            <a:extLst>
+              <a:ext uri="{FF2B5EF4-FFF2-40B4-BE49-F238E27FC236}">
+                <a16:creationId xmlns:a16="http://schemas.microsoft.com/office/drawing/2014/main" id="{08037114-C614-297C-F01B-696B02EE7DB1}"/>
+              </a:ext>
+            </a:extLst>
+          </p:cNvPr>
+          <p:cNvCxnSpPr>
+            <a:cxnSpLocks/>
+            <a:stCxn id="13" idx="1"/>
+          </p:cNvCxnSpPr>
+          <p:nvPr/>
+        </p:nvCxnSpPr>
+        <p:spPr>
+          <a:xfrm>
+            <a:off x="6464138" y="3120681"/>
+            <a:ext cx="287468" cy="224152"/>
+          </a:xfrm>
+          <a:prstGeom prst="straightConnector1">
+            <a:avLst/>
+          </a:prstGeom>
+          <a:ln>
+            <a:tailEnd type="triangle"/>
+          </a:ln>
+        </p:spPr>
+        <p:style>
+          <a:lnRef idx="1">
+            <a:schemeClr val="accent1"/>
+          </a:lnRef>
+          <a:fillRef idx="0">
+            <a:schemeClr val="accent1"/>
+          </a:fillRef>
+          <a:effectRef idx="0">
+            <a:schemeClr val="accent1"/>
+          </a:effectRef>
+          <a:fontRef idx="minor">
+            <a:schemeClr val="tx1"/>
+          </a:fontRef>
+        </p:style>
+      </p:cxnSp>
+    </p:spTree>
+    <p:extLst>
+      <p:ext uri="{BB962C8B-B14F-4D97-AF65-F5344CB8AC3E}">
+        <p14:creationId xmlns:p14="http://schemas.microsoft.com/office/powerpoint/2010/main" val="2984650839"/>
+      </p:ext>
+    </p:extLst>
+  </p:cSld>
+  <p:clrMapOvr>
+    <a:masterClrMapping/>
+  </p:clrMapOvr>
+</p:sld>
+</file>
+
+<file path=ppt/slides/slide6.xml><?xml version="1.0" encoding="utf-8"?>
+<p:sld xmlns:a="http://schemas.openxmlformats.org/drawingml/2006/main" xmlns:r="http://schemas.openxmlformats.org/officeDocument/2006/relationships" xmlns:p="http://schemas.openxmlformats.org/presentationml/2006/main">
+  <p:cSld>
+    <p:spTree>
+      <p:nvGrpSpPr>
+        <p:cNvPr id="1" name=""/>
+        <p:cNvGrpSpPr/>
+        <p:nvPr/>
+      </p:nvGrpSpPr>
+      <p:grpSpPr>
+        <a:xfrm>
+          <a:off x="0" y="0"/>
+          <a:ext cx="0" cy="0"/>
+          <a:chOff x="0" y="0"/>
+          <a:chExt cx="0" cy="0"/>
+        </a:xfrm>
+      </p:grpSpPr>
+      <p:sp>
+        <p:nvSpPr>
+          <p:cNvPr id="2" name="Rectangle: Rounded Corners 1">
+            <a:extLst>
+              <a:ext uri="{FF2B5EF4-FFF2-40B4-BE49-F238E27FC236}">
                 <a16:creationId xmlns:a16="http://schemas.microsoft.com/office/drawing/2014/main" id="{C1EABD0B-7717-097C-4B8C-20C9F64F5571}"/>
               </a:ext>
             </a:extLst>
@@ -5467,6 +7422,51 @@
           </a:fontRef>
         </p:style>
       </p:cxnSp>
+      <p:sp>
+        <p:nvSpPr>
+          <p:cNvPr id="11" name="TextBox 10">
+            <a:extLst>
+              <a:ext uri="{FF2B5EF4-FFF2-40B4-BE49-F238E27FC236}">
+                <a16:creationId xmlns:a16="http://schemas.microsoft.com/office/drawing/2014/main" id="{ADFC7033-6B51-B615-1E61-3AEF2FAB4F55}"/>
+              </a:ext>
+            </a:extLst>
+          </p:cNvPr>
+          <p:cNvSpPr txBox="1"/>
+          <p:nvPr/>
+        </p:nvSpPr>
+        <p:spPr>
+          <a:xfrm>
+            <a:off x="506305" y="361539"/>
+            <a:ext cx="1987557" cy="369332"/>
+          </a:xfrm>
+          <a:prstGeom prst="rect">
+            <a:avLst/>
+          </a:prstGeom>
+          <a:noFill/>
+        </p:spPr>
+        <p:txBody>
+          <a:bodyPr wrap="square">
+            <a:spAutoFit/>
+          </a:bodyPr>
+          <a:lstStyle/>
+          <a:p>
+            <a:pPr algn="ctr"/>
+            <a:r>
+              <a:rPr lang="es-ES" dirty="0" err="1">
+                <a:solidFill>
+                  <a:schemeClr val="tx1"/>
+                </a:solidFill>
+              </a:rPr>
+              <a:t>oberkorn</a:t>
+            </a:r>
+            <a:endParaRPr lang="es-ES" dirty="0">
+              <a:solidFill>
+                <a:schemeClr val="tx1"/>
+              </a:solidFill>
+            </a:endParaRPr>
+          </a:p>
+        </p:txBody>
+      </p:sp>
     </p:spTree>
     <p:extLst>
       <p:ext uri="{BB962C8B-B14F-4D97-AF65-F5344CB8AC3E}">
@@ -5480,7 +7480,7 @@
 </p:sld>
 </file>
 
-<file path=ppt/slides/slide5.xml><?xml version="1.0" encoding="utf-8"?>
+<file path=ppt/slides/slide7.xml><?xml version="1.0" encoding="utf-8"?>
 <p:sld xmlns:a="http://schemas.openxmlformats.org/drawingml/2006/main" xmlns:r="http://schemas.openxmlformats.org/officeDocument/2006/relationships" xmlns:p="http://schemas.openxmlformats.org/presentationml/2006/main">
   <p:cSld>
     <p:spTree>
@@ -5502,7 +7502,7 @@
           <p:cNvPr id="2" name="Rectangle: Rounded Corners 1">
             <a:extLst>
               <a:ext uri="{FF2B5EF4-FFF2-40B4-BE49-F238E27FC236}">
-                <a16:creationId xmlns:a16="http://schemas.microsoft.com/office/drawing/2014/main" id="{39EA2E18-AFFA-593F-DA50-1FAE729004F0}"/>
+                <a16:creationId xmlns:a16="http://schemas.microsoft.com/office/drawing/2014/main" id="{C1EABD0B-7717-097C-4B8C-20C9F64F5571}"/>
               </a:ext>
             </a:extLst>
           </p:cNvPr>
@@ -5511,8 +7511,8 @@
         </p:nvSpPr>
         <p:spPr>
           <a:xfrm>
-            <a:off x="3448050" y="1353312"/>
-            <a:ext cx="5724525" cy="4437888"/>
+            <a:off x="2512150" y="1239890"/>
+            <a:ext cx="6842162" cy="5236464"/>
           </a:xfrm>
           <a:prstGeom prst="roundRect">
             <a:avLst>
@@ -5551,10 +7551,10 @@
       </p:sp>
       <p:grpSp>
         <p:nvGrpSpPr>
-          <p:cNvPr id="3" name="Group 2">
-            <a:extLst>
-              <a:ext uri="{FF2B5EF4-FFF2-40B4-BE49-F238E27FC236}">
-                <a16:creationId xmlns:a16="http://schemas.microsoft.com/office/drawing/2014/main" id="{90A73C92-8D85-4F2C-877F-5F275F4390B3}"/>
+          <p:cNvPr id="6" name="Group 5">
+            <a:extLst>
+              <a:ext uri="{FF2B5EF4-FFF2-40B4-BE49-F238E27FC236}">
+                <a16:creationId xmlns:a16="http://schemas.microsoft.com/office/drawing/2014/main" id="{F2F48A0C-44E2-D36B-81DB-8452202DCFE2}"/>
               </a:ext>
             </a:extLst>
           </p:cNvPr>
@@ -5563,7 +7563,7 @@
         </p:nvGrpSpPr>
         <p:grpSpPr>
           <a:xfrm>
-            <a:off x="2728912" y="2463456"/>
+            <a:off x="2134130" y="2887190"/>
             <a:ext cx="2047875" cy="1314450"/>
             <a:chOff x="2424112" y="2314575"/>
             <a:chExt cx="2047875" cy="1314450"/>
@@ -5571,10 +7571,10 @@
         </p:grpSpPr>
         <p:sp>
           <p:nvSpPr>
-            <p:cNvPr id="4" name="Rectangle: Rounded Corners 3">
+            <p:cNvPr id="5" name="Rectangle: Rounded Corners 4">
               <a:extLst>
                 <a:ext uri="{FF2B5EF4-FFF2-40B4-BE49-F238E27FC236}">
-                  <a16:creationId xmlns:a16="http://schemas.microsoft.com/office/drawing/2014/main" id="{4A21BE45-ED38-57E7-5ECC-B6D9188A12F2}"/>
+                  <a16:creationId xmlns:a16="http://schemas.microsoft.com/office/drawing/2014/main" id="{D893CDFD-7304-57AE-6C1D-EA2D450CBF73}"/>
                 </a:ext>
               </a:extLst>
             </p:cNvPr>
@@ -5622,10 +7622,10 @@
         </p:sp>
         <p:pic>
           <p:nvPicPr>
-            <p:cNvPr id="5" name="Picture 4">
+            <p:cNvPr id="3" name="Picture 2">
               <a:extLst>
                 <a:ext uri="{FF2B5EF4-FFF2-40B4-BE49-F238E27FC236}">
-                  <a16:creationId xmlns:a16="http://schemas.microsoft.com/office/drawing/2014/main" id="{D20EFBD1-74D7-1198-5369-DDA8821885DA}"/>
+                  <a16:creationId xmlns:a16="http://schemas.microsoft.com/office/drawing/2014/main" id="{7EC83269-84FE-E617-F217-9D2D088DC419}"/>
                 </a:ext>
               </a:extLst>
             </p:cNvPr>
@@ -5662,12 +7662,590 @@
           </p:spPr>
         </p:pic>
       </p:grpSp>
+      <p:pic>
+        <p:nvPicPr>
+          <p:cNvPr id="9" name="Picture 2" descr="KubeCon Europe 2017 Impressions · Chris Hager">
+            <a:extLst>
+              <a:ext uri="{FF2B5EF4-FFF2-40B4-BE49-F238E27FC236}">
+                <a16:creationId xmlns:a16="http://schemas.microsoft.com/office/drawing/2014/main" id="{B4F394AE-E3F0-7B4F-8712-75186A27F032}"/>
+              </a:ext>
+            </a:extLst>
+          </p:cNvPr>
+          <p:cNvPicPr>
+            <a:picLocks noChangeAspect="1" noChangeArrowheads="1"/>
+          </p:cNvPicPr>
+          <p:nvPr/>
+        </p:nvPicPr>
+        <p:blipFill rotWithShape="1">
+          <a:blip r:embed="rId3">
+            <a:clrChange>
+              <a:clrFrom>
+                <a:srgbClr val="000000">
+                  <a:alpha val="0"/>
+                </a:srgbClr>
+              </a:clrFrom>
+              <a:clrTo>
+                <a:srgbClr val="000000">
+                  <a:alpha val="0"/>
+                </a:srgbClr>
+              </a:clrTo>
+            </a:clrChange>
+            <a:extLst>
+              <a:ext uri="{28A0092B-C50C-407E-A947-70E740481C1C}">
+                <a14:useLocalDpi xmlns:a14="http://schemas.microsoft.com/office/drawing/2010/main" val="0"/>
+              </a:ext>
+            </a:extLst>
+          </a:blip>
+          <a:srcRect l="6237" t="6775" r="6520" b="7478"/>
+          <a:stretch/>
+        </p:blipFill>
+        <p:spPr bwMode="auto">
+          <a:xfrm>
+            <a:off x="8650726" y="5870278"/>
+            <a:ext cx="514265" cy="505449"/>
+          </a:xfrm>
+          <a:prstGeom prst="rect">
+            <a:avLst/>
+          </a:prstGeom>
+          <a:noFill/>
+          <a:extLst>
+            <a:ext uri="{909E8E84-426E-40DD-AFC4-6F175D3DCCD1}">
+              <a14:hiddenFill xmlns:a14="http://schemas.microsoft.com/office/drawing/2010/main">
+                <a:solidFill>
+                  <a:srgbClr val="FFFFFF"/>
+                </a:solidFill>
+              </a14:hiddenFill>
+            </a:ext>
+          </a:extLst>
+        </p:spPr>
+      </p:pic>
+      <p:sp>
+        <p:nvSpPr>
+          <p:cNvPr id="20" name="Rectangle: Rounded Corners 19">
+            <a:extLst>
+              <a:ext uri="{FF2B5EF4-FFF2-40B4-BE49-F238E27FC236}">
+                <a16:creationId xmlns:a16="http://schemas.microsoft.com/office/drawing/2014/main" id="{4153B1FA-82A0-7025-CA40-8D6B6ADBB708}"/>
+              </a:ext>
+            </a:extLst>
+          </p:cNvPr>
+          <p:cNvSpPr/>
+          <p:nvPr/>
+        </p:nvSpPr>
+        <p:spPr>
+          <a:xfrm>
+            <a:off x="7142988" y="1679283"/>
+            <a:ext cx="1266825" cy="847725"/>
+          </a:xfrm>
+          <a:prstGeom prst="roundRect">
+            <a:avLst>
+              <a:gd name="adj" fmla="val 11979"/>
+            </a:avLst>
+          </a:prstGeom>
+          <a:solidFill>
+            <a:schemeClr val="bg1"/>
+          </a:solidFill>
+        </p:spPr>
+        <p:style>
+          <a:lnRef idx="2">
+            <a:schemeClr val="accent1">
+              <a:shade val="15000"/>
+            </a:schemeClr>
+          </a:lnRef>
+          <a:fillRef idx="1">
+            <a:schemeClr val="accent1"/>
+          </a:fillRef>
+          <a:effectRef idx="0">
+            <a:schemeClr val="accent1"/>
+          </a:effectRef>
+          <a:fontRef idx="minor">
+            <a:schemeClr val="lt1"/>
+          </a:fontRef>
+        </p:style>
+        <p:txBody>
+          <a:bodyPr rtlCol="0" anchor="ctr"/>
+          <a:lstStyle/>
+          <a:p>
+            <a:pPr algn="ctr"/>
+            <a:r>
+              <a:rPr lang="es-ES" sz="1600" dirty="0">
+                <a:solidFill>
+                  <a:schemeClr val="tx1"/>
+                </a:solidFill>
+              </a:rPr>
+              <a:t>JWTA </a:t>
+            </a:r>
+            <a:r>
+              <a:rPr lang="es-ES" sz="1600" dirty="0" err="1">
+                <a:solidFill>
+                  <a:schemeClr val="tx1"/>
+                </a:solidFill>
+              </a:rPr>
+              <a:t>Controller</a:t>
+            </a:r>
+            <a:endParaRPr lang="es-ES" sz="1600" dirty="0">
+              <a:solidFill>
+                <a:schemeClr val="tx1"/>
+              </a:solidFill>
+            </a:endParaRPr>
+          </a:p>
+        </p:txBody>
+      </p:sp>
+      <p:cxnSp>
+        <p:nvCxnSpPr>
+          <p:cNvPr id="22" name="Connector: Elbow 21">
+            <a:extLst>
+              <a:ext uri="{FF2B5EF4-FFF2-40B4-BE49-F238E27FC236}">
+                <a16:creationId xmlns:a16="http://schemas.microsoft.com/office/drawing/2014/main" id="{DEFFA23C-8143-DF29-2CD7-4A5E451CDC42}"/>
+              </a:ext>
+            </a:extLst>
+          </p:cNvPr>
+          <p:cNvCxnSpPr>
+            <a:cxnSpLocks/>
+            <a:stCxn id="20" idx="1"/>
+            <a:endCxn id="5" idx="0"/>
+          </p:cNvCxnSpPr>
+          <p:nvPr/>
+        </p:nvCxnSpPr>
+        <p:spPr>
+          <a:xfrm rot="10800000" flipV="1">
+            <a:off x="3158068" y="2103146"/>
+            <a:ext cx="3984920" cy="784044"/>
+          </a:xfrm>
+          <a:prstGeom prst="bentConnector2">
+            <a:avLst/>
+          </a:prstGeom>
+          <a:ln>
+            <a:tailEnd type="triangle"/>
+          </a:ln>
+        </p:spPr>
+        <p:style>
+          <a:lnRef idx="1">
+            <a:schemeClr val="accent1"/>
+          </a:lnRef>
+          <a:fillRef idx="0">
+            <a:schemeClr val="accent1"/>
+          </a:fillRef>
+          <a:effectRef idx="0">
+            <a:schemeClr val="accent1"/>
+          </a:effectRef>
+          <a:fontRef idx="minor">
+            <a:schemeClr val="tx1"/>
+          </a:fontRef>
+        </p:style>
+      </p:cxnSp>
+      <p:cxnSp>
+        <p:nvCxnSpPr>
+          <p:cNvPr id="24" name="Connector: Elbow 23">
+            <a:extLst>
+              <a:ext uri="{FF2B5EF4-FFF2-40B4-BE49-F238E27FC236}">
+                <a16:creationId xmlns:a16="http://schemas.microsoft.com/office/drawing/2014/main" id="{63576EA8-803A-EE53-BB21-E55B25D1FF29}"/>
+              </a:ext>
+            </a:extLst>
+          </p:cNvPr>
+          <p:cNvCxnSpPr>
+            <a:cxnSpLocks/>
+            <a:stCxn id="20" idx="1"/>
+            <a:endCxn id="12" idx="0"/>
+          </p:cNvCxnSpPr>
+          <p:nvPr/>
+        </p:nvCxnSpPr>
+        <p:spPr>
+          <a:xfrm rot="10800000" flipV="1">
+            <a:off x="4897674" y="2103145"/>
+            <a:ext cx="2245315" cy="2651709"/>
+          </a:xfrm>
+          <a:prstGeom prst="bentConnector2">
+            <a:avLst/>
+          </a:prstGeom>
+          <a:ln>
+            <a:tailEnd type="triangle"/>
+          </a:ln>
+        </p:spPr>
+        <p:style>
+          <a:lnRef idx="1">
+            <a:schemeClr val="accent1"/>
+          </a:lnRef>
+          <a:fillRef idx="0">
+            <a:schemeClr val="accent1"/>
+          </a:fillRef>
+          <a:effectRef idx="0">
+            <a:schemeClr val="accent1"/>
+          </a:effectRef>
+          <a:fontRef idx="minor">
+            <a:schemeClr val="tx1"/>
+          </a:fontRef>
+        </p:style>
+      </p:cxnSp>
+      <p:pic>
+        <p:nvPicPr>
+          <p:cNvPr id="10" name="Picture 9">
+            <a:extLst>
+              <a:ext uri="{FF2B5EF4-FFF2-40B4-BE49-F238E27FC236}">
+                <a16:creationId xmlns:a16="http://schemas.microsoft.com/office/drawing/2014/main" id="{A0F8D23E-B8F6-C835-04EC-5203FF579B92}"/>
+              </a:ext>
+            </a:extLst>
+          </p:cNvPr>
+          <p:cNvPicPr>
+            <a:picLocks noChangeAspect="1"/>
+          </p:cNvPicPr>
+          <p:nvPr/>
+        </p:nvPicPr>
+        <p:blipFill>
+          <a:blip r:embed="rId4">
+            <a:clrChange>
+              <a:clrFrom>
+                <a:srgbClr val="FFFFFF"/>
+              </a:clrFrom>
+              <a:clrTo>
+                <a:srgbClr val="FFFFFF">
+                  <a:alpha val="0"/>
+                </a:srgbClr>
+              </a:clrTo>
+            </a:clrChange>
+          </a:blip>
+          <a:stretch>
+            <a:fillRect/>
+          </a:stretch>
+        </p:blipFill>
+        <p:spPr>
+          <a:xfrm>
+            <a:off x="8307780" y="2302656"/>
+            <a:ext cx="433078" cy="448704"/>
+          </a:xfrm>
+          <a:prstGeom prst="rect">
+            <a:avLst/>
+          </a:prstGeom>
+        </p:spPr>
+      </p:pic>
+      <p:sp>
+        <p:nvSpPr>
+          <p:cNvPr id="18" name="TextBox 17">
+            <a:extLst>
+              <a:ext uri="{FF2B5EF4-FFF2-40B4-BE49-F238E27FC236}">
+                <a16:creationId xmlns:a16="http://schemas.microsoft.com/office/drawing/2014/main" id="{C43835C1-F196-3938-4348-5B554F4E1249}"/>
+              </a:ext>
+            </a:extLst>
+          </p:cNvPr>
+          <p:cNvSpPr txBox="1"/>
+          <p:nvPr/>
+        </p:nvSpPr>
+        <p:spPr>
+          <a:xfrm>
+            <a:off x="3930144" y="1872312"/>
+            <a:ext cx="789254" cy="461665"/>
+          </a:xfrm>
+          <a:prstGeom prst="rect">
+            <a:avLst/>
+          </a:prstGeom>
+          <a:noFill/>
+        </p:spPr>
+        <p:txBody>
+          <a:bodyPr wrap="none" rtlCol="0">
+            <a:spAutoFit/>
+          </a:bodyPr>
+          <a:lstStyle/>
+          <a:p>
+            <a:pPr algn="ctr"/>
+            <a:r>
+              <a:rPr lang="es-ES" sz="1200" dirty="0"/>
+              <a:t>Configure</a:t>
+            </a:r>
+          </a:p>
+          <a:p>
+            <a:pPr algn="ctr"/>
+            <a:r>
+              <a:rPr lang="es-ES" sz="1200" dirty="0" err="1"/>
+              <a:t>Ingress</a:t>
+            </a:r>
+            <a:endParaRPr lang="es-ES" sz="1200" dirty="0"/>
+          </a:p>
+        </p:txBody>
+      </p:sp>
+      <p:sp>
+        <p:nvSpPr>
+          <p:cNvPr id="23" name="TextBox 22">
+            <a:extLst>
+              <a:ext uri="{FF2B5EF4-FFF2-40B4-BE49-F238E27FC236}">
+                <a16:creationId xmlns:a16="http://schemas.microsoft.com/office/drawing/2014/main" id="{534DABA0-CCD8-81F5-1F48-3E4B48A3FDBE}"/>
+              </a:ext>
+            </a:extLst>
+          </p:cNvPr>
+          <p:cNvSpPr txBox="1"/>
+          <p:nvPr/>
+        </p:nvSpPr>
+        <p:spPr>
+          <a:xfrm rot="16200000">
+            <a:off x="4043155" y="3387904"/>
+            <a:ext cx="1666931" cy="461665"/>
+          </a:xfrm>
+          <a:prstGeom prst="rect">
+            <a:avLst/>
+          </a:prstGeom>
+          <a:noFill/>
+        </p:spPr>
+        <p:txBody>
+          <a:bodyPr wrap="none" rtlCol="0">
+            <a:spAutoFit/>
+          </a:bodyPr>
+          <a:lstStyle/>
+          <a:p>
+            <a:pPr algn="ctr"/>
+            <a:r>
+              <a:rPr lang="es-ES" sz="1200" dirty="0" err="1"/>
+              <a:t>Create</a:t>
+            </a:r>
+            <a:endParaRPr lang="es-ES" sz="1200" dirty="0"/>
+          </a:p>
+          <a:p>
+            <a:pPr algn="ctr"/>
+            <a:r>
+              <a:rPr lang="es-ES" sz="1200" dirty="0" err="1"/>
+              <a:t>JwtAuthorizator</a:t>
+            </a:r>
+            <a:r>
+              <a:rPr lang="es-ES" sz="1200" dirty="0"/>
+              <a:t> </a:t>
+            </a:r>
+            <a:r>
+              <a:rPr lang="es-ES" sz="1200" dirty="0" err="1"/>
+              <a:t>Service</a:t>
+            </a:r>
+            <a:endParaRPr lang="es-ES" sz="1200" dirty="0"/>
+          </a:p>
+        </p:txBody>
+      </p:sp>
+      <p:cxnSp>
+        <p:nvCxnSpPr>
+          <p:cNvPr id="25" name="Connector: Elbow 24">
+            <a:extLst>
+              <a:ext uri="{FF2B5EF4-FFF2-40B4-BE49-F238E27FC236}">
+                <a16:creationId xmlns:a16="http://schemas.microsoft.com/office/drawing/2014/main" id="{C6C4AE1B-53CD-068A-76AB-F2F64359F37F}"/>
+              </a:ext>
+            </a:extLst>
+          </p:cNvPr>
+          <p:cNvCxnSpPr>
+            <a:cxnSpLocks/>
+            <a:stCxn id="12" idx="3"/>
+            <a:endCxn id="5" idx="2"/>
+          </p:cNvCxnSpPr>
+          <p:nvPr/>
+        </p:nvCxnSpPr>
+        <p:spPr>
+          <a:xfrm rot="10800000">
+            <a:off x="3158069" y="4201640"/>
+            <a:ext cx="1428129" cy="993746"/>
+          </a:xfrm>
+          <a:prstGeom prst="bentConnector2">
+            <a:avLst/>
+          </a:prstGeom>
+          <a:ln>
+            <a:prstDash val="dash"/>
+            <a:headEnd type="triangle" w="med" len="med"/>
+            <a:tailEnd type="triangle" w="med" len="med"/>
+          </a:ln>
+        </p:spPr>
+        <p:style>
+          <a:lnRef idx="1">
+            <a:schemeClr val="accent1"/>
+          </a:lnRef>
+          <a:fillRef idx="0">
+            <a:schemeClr val="accent1"/>
+          </a:fillRef>
+          <a:effectRef idx="0">
+            <a:schemeClr val="accent1"/>
+          </a:effectRef>
+          <a:fontRef idx="minor">
+            <a:schemeClr val="tx1"/>
+          </a:fontRef>
+        </p:style>
+      </p:cxnSp>
+      <p:sp>
+        <p:nvSpPr>
+          <p:cNvPr id="11" name="TextBox 10">
+            <a:extLst>
+              <a:ext uri="{FF2B5EF4-FFF2-40B4-BE49-F238E27FC236}">
+                <a16:creationId xmlns:a16="http://schemas.microsoft.com/office/drawing/2014/main" id="{ADFC7033-6B51-B615-1E61-3AEF2FAB4F55}"/>
+              </a:ext>
+            </a:extLst>
+          </p:cNvPr>
+          <p:cNvSpPr txBox="1"/>
+          <p:nvPr/>
+        </p:nvSpPr>
+        <p:spPr>
+          <a:xfrm>
+            <a:off x="506305" y="361539"/>
+            <a:ext cx="1987557" cy="369332"/>
+          </a:xfrm>
+          <a:prstGeom prst="rect">
+            <a:avLst/>
+          </a:prstGeom>
+          <a:noFill/>
+        </p:spPr>
+        <p:txBody>
+          <a:bodyPr wrap="square">
+            <a:spAutoFit/>
+          </a:bodyPr>
+          <a:lstStyle/>
+          <a:p>
+            <a:pPr algn="ctr"/>
+            <a:r>
+              <a:rPr lang="es-ES" dirty="0" err="1">
+                <a:solidFill>
+                  <a:schemeClr val="tx1"/>
+                </a:solidFill>
+              </a:rPr>
+              <a:t>Oberkorn-detail</a:t>
+            </a:r>
+            <a:endParaRPr lang="es-ES" dirty="0">
+              <a:solidFill>
+                <a:schemeClr val="tx1"/>
+              </a:solidFill>
+            </a:endParaRPr>
+          </a:p>
+        </p:txBody>
+      </p:sp>
+      <p:sp>
+        <p:nvSpPr>
+          <p:cNvPr id="12" name="Rectangle: Top Corners Snipped 11">
+            <a:extLst>
+              <a:ext uri="{FF2B5EF4-FFF2-40B4-BE49-F238E27FC236}">
+                <a16:creationId xmlns:a16="http://schemas.microsoft.com/office/drawing/2014/main" id="{B988186F-2B87-CD09-12BC-1BC0CE649EDB}"/>
+              </a:ext>
+            </a:extLst>
+          </p:cNvPr>
+          <p:cNvSpPr/>
+          <p:nvPr/>
+        </p:nvSpPr>
+        <p:spPr>
+          <a:xfrm rot="16200000">
+            <a:off x="4457142" y="4883910"/>
+            <a:ext cx="881062" cy="622952"/>
+          </a:xfrm>
+          <a:prstGeom prst="snip2SameRect">
+            <a:avLst/>
+          </a:prstGeom>
+        </p:spPr>
+        <p:style>
+          <a:lnRef idx="2">
+            <a:schemeClr val="accent1">
+              <a:shade val="15000"/>
+            </a:schemeClr>
+          </a:lnRef>
+          <a:fillRef idx="1">
+            <a:schemeClr val="accent1"/>
+          </a:fillRef>
+          <a:effectRef idx="0">
+            <a:schemeClr val="accent1"/>
+          </a:effectRef>
+          <a:fontRef idx="minor">
+            <a:schemeClr val="lt1"/>
+          </a:fontRef>
+        </p:style>
+        <p:txBody>
+          <a:bodyPr rtlCol="0" anchor="ctr"/>
+          <a:lstStyle/>
+          <a:p>
+            <a:pPr algn="ctr"/>
+            <a:r>
+              <a:rPr lang="es-ES" sz="1200" dirty="0" err="1"/>
+              <a:t>OberkornService</a:t>
+            </a:r>
+            <a:endParaRPr lang="es-ES" sz="1200" dirty="0"/>
+          </a:p>
+        </p:txBody>
+      </p:sp>
+      <p:cxnSp>
+        <p:nvCxnSpPr>
+          <p:cNvPr id="14" name="Connector: Elbow 15">
+            <a:extLst>
+              <a:ext uri="{FF2B5EF4-FFF2-40B4-BE49-F238E27FC236}">
+                <a16:creationId xmlns:a16="http://schemas.microsoft.com/office/drawing/2014/main" id="{02D591E6-C68A-8324-F4A7-15FCBC6B8E8A}"/>
+              </a:ext>
+            </a:extLst>
+          </p:cNvPr>
+          <p:cNvCxnSpPr>
+            <a:cxnSpLocks/>
+            <a:stCxn id="12" idx="1"/>
+            <a:endCxn id="13" idx="1"/>
+          </p:cNvCxnSpPr>
+          <p:nvPr/>
+        </p:nvCxnSpPr>
+        <p:spPr>
+          <a:xfrm>
+            <a:off x="5209149" y="5195386"/>
+            <a:ext cx="657714" cy="497273"/>
+          </a:xfrm>
+          <a:prstGeom prst="straightConnector1">
+            <a:avLst/>
+          </a:prstGeom>
+          <a:ln>
+            <a:tailEnd type="triangle"/>
+          </a:ln>
+        </p:spPr>
+        <p:style>
+          <a:lnRef idx="1">
+            <a:schemeClr val="accent1"/>
+          </a:lnRef>
+          <a:fillRef idx="0">
+            <a:schemeClr val="accent1"/>
+          </a:fillRef>
+          <a:effectRef idx="0">
+            <a:schemeClr val="accent1"/>
+          </a:effectRef>
+          <a:fontRef idx="minor">
+            <a:schemeClr val="tx1"/>
+          </a:fontRef>
+        </p:style>
+      </p:cxnSp>
+      <p:cxnSp>
+        <p:nvCxnSpPr>
+          <p:cNvPr id="16" name="Connector: Elbow 29">
+            <a:extLst>
+              <a:ext uri="{FF2B5EF4-FFF2-40B4-BE49-F238E27FC236}">
+                <a16:creationId xmlns:a16="http://schemas.microsoft.com/office/drawing/2014/main" id="{C51CB82D-18BC-EA7F-35BC-B65A5DACC218}"/>
+              </a:ext>
+            </a:extLst>
+          </p:cNvPr>
+          <p:cNvCxnSpPr>
+            <a:cxnSpLocks/>
+            <a:stCxn id="12" idx="1"/>
+            <a:endCxn id="27" idx="1"/>
+          </p:cNvCxnSpPr>
+          <p:nvPr/>
+        </p:nvCxnSpPr>
+        <p:spPr>
+          <a:xfrm flipV="1">
+            <a:off x="5209149" y="4848322"/>
+            <a:ext cx="652886" cy="347064"/>
+          </a:xfrm>
+          <a:prstGeom prst="straightConnector1">
+            <a:avLst/>
+          </a:prstGeom>
+          <a:ln>
+            <a:tailEnd type="triangle"/>
+          </a:ln>
+        </p:spPr>
+        <p:style>
+          <a:lnRef idx="1">
+            <a:schemeClr val="accent1"/>
+          </a:lnRef>
+          <a:fillRef idx="0">
+            <a:schemeClr val="accent1"/>
+          </a:fillRef>
+          <a:effectRef idx="0">
+            <a:schemeClr val="accent1"/>
+          </a:effectRef>
+          <a:fontRef idx="minor">
+            <a:schemeClr val="tx1"/>
+          </a:fontRef>
+        </p:style>
+      </p:cxnSp>
       <p:grpSp>
         <p:nvGrpSpPr>
-          <p:cNvPr id="6" name="Group 5">
-            <a:extLst>
-              <a:ext uri="{FF2B5EF4-FFF2-40B4-BE49-F238E27FC236}">
-                <a16:creationId xmlns:a16="http://schemas.microsoft.com/office/drawing/2014/main" id="{8CB3D5AD-3A44-340F-5A35-D4E7BFB44C59}"/>
+          <p:cNvPr id="21" name="Group 20">
+            <a:extLst>
+              <a:ext uri="{FF2B5EF4-FFF2-40B4-BE49-F238E27FC236}">
+                <a16:creationId xmlns:a16="http://schemas.microsoft.com/office/drawing/2014/main" id="{97F1B375-8881-336C-EFCD-0534B7BE8359}"/>
               </a:ext>
             </a:extLst>
           </p:cNvPr>
@@ -5676,18 +8254,18 @@
         </p:nvGrpSpPr>
         <p:grpSpPr>
           <a:xfrm>
-            <a:off x="4264821" y="4361110"/>
-            <a:ext cx="1388064" cy="1034490"/>
-            <a:chOff x="2165088" y="4352925"/>
-            <a:chExt cx="1388064" cy="1034490"/>
+            <a:off x="5866863" y="5440494"/>
+            <a:ext cx="1318778" cy="749437"/>
+            <a:chOff x="5843261" y="5038329"/>
+            <a:chExt cx="1318778" cy="749437"/>
           </a:xfrm>
         </p:grpSpPr>
         <p:sp>
           <p:nvSpPr>
-            <p:cNvPr id="7" name="Rectangle: Rounded Corners 6">
+            <p:cNvPr id="13" name="Rectangle: Rounded Corners 12">
               <a:extLst>
                 <a:ext uri="{FF2B5EF4-FFF2-40B4-BE49-F238E27FC236}">
-                  <a16:creationId xmlns:a16="http://schemas.microsoft.com/office/drawing/2014/main" id="{31B8AAA2-090E-A8C0-5A2E-415F5ABDA1AB}"/>
+                  <a16:creationId xmlns:a16="http://schemas.microsoft.com/office/drawing/2014/main" id="{29083DB7-E99E-A13A-47C2-230CE2109141}"/>
                 </a:ext>
               </a:extLst>
             </p:cNvPr>
@@ -5696,13 +8274,528 @@
           </p:nvSpPr>
           <p:spPr>
             <a:xfrm>
-              <a:off x="2165088" y="4352925"/>
-              <a:ext cx="1388064" cy="1034490"/>
+              <a:off x="5843261" y="5038329"/>
+              <a:ext cx="982600" cy="504329"/>
             </a:xfrm>
             <a:prstGeom prst="roundRect">
               <a:avLst>
                 <a:gd name="adj" fmla="val 11979"/>
               </a:avLst>
+            </a:prstGeom>
+            <a:solidFill>
+              <a:schemeClr val="bg1"/>
+            </a:solidFill>
+          </p:spPr>
+          <p:style>
+            <a:lnRef idx="2">
+              <a:schemeClr val="accent1">
+                <a:shade val="15000"/>
+              </a:schemeClr>
+            </a:lnRef>
+            <a:fillRef idx="1">
+              <a:schemeClr val="accent1"/>
+            </a:fillRef>
+            <a:effectRef idx="0">
+              <a:schemeClr val="accent1"/>
+            </a:effectRef>
+            <a:fontRef idx="minor">
+              <a:schemeClr val="lt1"/>
+            </a:fontRef>
+          </p:style>
+          <p:txBody>
+            <a:bodyPr rtlCol="0" anchor="ctr"/>
+            <a:lstStyle/>
+            <a:p>
+              <a:pPr algn="ctr"/>
+              <a:r>
+                <a:rPr lang="es-ES" sz="1100" dirty="0">
+                  <a:solidFill>
+                    <a:schemeClr val="tx1"/>
+                  </a:solidFill>
+                </a:rPr>
+                <a:t>JWT </a:t>
+              </a:r>
+              <a:r>
+                <a:rPr lang="es-ES" sz="1100" dirty="0" err="1">
+                  <a:solidFill>
+                    <a:schemeClr val="tx1"/>
+                  </a:solidFill>
+                </a:rPr>
+                <a:t>Authorizator</a:t>
+              </a:r>
+              <a:endParaRPr lang="es-ES" sz="1100" dirty="0">
+                <a:solidFill>
+                  <a:schemeClr val="tx1"/>
+                </a:solidFill>
+              </a:endParaRPr>
+            </a:p>
+          </p:txBody>
+        </p:sp>
+        <p:pic>
+          <p:nvPicPr>
+            <p:cNvPr id="19" name="Picture 18">
+              <a:extLst>
+                <a:ext uri="{FF2B5EF4-FFF2-40B4-BE49-F238E27FC236}">
+                  <a16:creationId xmlns:a16="http://schemas.microsoft.com/office/drawing/2014/main" id="{F6AF3DB9-927B-1385-BB21-6B4D9E8AE21B}"/>
+                </a:ext>
+              </a:extLst>
+            </p:cNvPr>
+            <p:cNvPicPr>
+              <a:picLocks noChangeAspect="1"/>
+            </p:cNvPicPr>
+            <p:nvPr/>
+          </p:nvPicPr>
+          <p:blipFill>
+            <a:blip r:embed="rId4">
+              <a:clrChange>
+                <a:clrFrom>
+                  <a:srgbClr val="FFFFFF"/>
+                </a:clrFrom>
+                <a:clrTo>
+                  <a:srgbClr val="FFFFFF">
+                    <a:alpha val="0"/>
+                  </a:srgbClr>
+                </a:clrTo>
+              </a:clrChange>
+            </a:blip>
+            <a:stretch>
+              <a:fillRect/>
+            </a:stretch>
+          </p:blipFill>
+          <p:spPr>
+            <a:xfrm>
+              <a:off x="6728961" y="5339062"/>
+              <a:ext cx="433078" cy="448704"/>
+            </a:xfrm>
+            <a:prstGeom prst="rect">
+              <a:avLst/>
+            </a:prstGeom>
+          </p:spPr>
+        </p:pic>
+      </p:grpSp>
+      <p:grpSp>
+        <p:nvGrpSpPr>
+          <p:cNvPr id="26" name="Group 25">
+            <a:extLst>
+              <a:ext uri="{FF2B5EF4-FFF2-40B4-BE49-F238E27FC236}">
+                <a16:creationId xmlns:a16="http://schemas.microsoft.com/office/drawing/2014/main" id="{4101EF72-E0AF-5AAF-C360-152C6D48E08A}"/>
+              </a:ext>
+            </a:extLst>
+          </p:cNvPr>
+          <p:cNvGrpSpPr/>
+          <p:nvPr/>
+        </p:nvGrpSpPr>
+        <p:grpSpPr>
+          <a:xfrm>
+            <a:off x="5862035" y="4596157"/>
+            <a:ext cx="1319165" cy="733280"/>
+            <a:chOff x="5843261" y="5038329"/>
+            <a:chExt cx="1319165" cy="733280"/>
+          </a:xfrm>
+        </p:grpSpPr>
+        <p:sp>
+          <p:nvSpPr>
+            <p:cNvPr id="27" name="Rectangle: Rounded Corners 26">
+              <a:extLst>
+                <a:ext uri="{FF2B5EF4-FFF2-40B4-BE49-F238E27FC236}">
+                  <a16:creationId xmlns:a16="http://schemas.microsoft.com/office/drawing/2014/main" id="{CF69AB64-086F-E28C-FE25-FDE82A03BBB3}"/>
+                </a:ext>
+              </a:extLst>
+            </p:cNvPr>
+            <p:cNvSpPr/>
+            <p:nvPr/>
+          </p:nvSpPr>
+          <p:spPr>
+            <a:xfrm>
+              <a:off x="5843261" y="5038329"/>
+              <a:ext cx="982600" cy="504329"/>
+            </a:xfrm>
+            <a:prstGeom prst="roundRect">
+              <a:avLst>
+                <a:gd name="adj" fmla="val 11979"/>
+              </a:avLst>
+            </a:prstGeom>
+            <a:solidFill>
+              <a:schemeClr val="bg1"/>
+            </a:solidFill>
+          </p:spPr>
+          <p:style>
+            <a:lnRef idx="2">
+              <a:schemeClr val="accent1">
+                <a:shade val="15000"/>
+              </a:schemeClr>
+            </a:lnRef>
+            <a:fillRef idx="1">
+              <a:schemeClr val="accent1"/>
+            </a:fillRef>
+            <a:effectRef idx="0">
+              <a:schemeClr val="accent1"/>
+            </a:effectRef>
+            <a:fontRef idx="minor">
+              <a:schemeClr val="lt1"/>
+            </a:fontRef>
+          </p:style>
+          <p:txBody>
+            <a:bodyPr rtlCol="0" anchor="ctr"/>
+            <a:lstStyle/>
+            <a:p>
+              <a:pPr algn="ctr"/>
+              <a:r>
+                <a:rPr lang="es-ES" sz="1100" dirty="0">
+                  <a:solidFill>
+                    <a:schemeClr val="tx1"/>
+                  </a:solidFill>
+                </a:rPr>
+                <a:t>JWT </a:t>
+              </a:r>
+              <a:r>
+                <a:rPr lang="es-ES" sz="1100" dirty="0" err="1">
+                  <a:solidFill>
+                    <a:schemeClr val="tx1"/>
+                  </a:solidFill>
+                </a:rPr>
+                <a:t>Authorizator</a:t>
+              </a:r>
+              <a:endParaRPr lang="es-ES" sz="1100" dirty="0">
+                <a:solidFill>
+                  <a:schemeClr val="tx1"/>
+                </a:solidFill>
+              </a:endParaRPr>
+            </a:p>
+          </p:txBody>
+        </p:sp>
+        <p:pic>
+          <p:nvPicPr>
+            <p:cNvPr id="28" name="Picture 27">
+              <a:extLst>
+                <a:ext uri="{FF2B5EF4-FFF2-40B4-BE49-F238E27FC236}">
+                  <a16:creationId xmlns:a16="http://schemas.microsoft.com/office/drawing/2014/main" id="{45902974-05C0-7F9E-6C71-B9B3EED534E2}"/>
+                </a:ext>
+              </a:extLst>
+            </p:cNvPr>
+            <p:cNvPicPr>
+              <a:picLocks noChangeAspect="1"/>
+            </p:cNvPicPr>
+            <p:nvPr/>
+          </p:nvPicPr>
+          <p:blipFill>
+            <a:blip r:embed="rId4">
+              <a:clrChange>
+                <a:clrFrom>
+                  <a:srgbClr val="FFFFFF"/>
+                </a:clrFrom>
+                <a:clrTo>
+                  <a:srgbClr val="FFFFFF">
+                    <a:alpha val="0"/>
+                  </a:srgbClr>
+                </a:clrTo>
+              </a:clrChange>
+            </a:blip>
+            <a:stretch>
+              <a:fillRect/>
+            </a:stretch>
+          </p:blipFill>
+          <p:spPr>
+            <a:xfrm>
+              <a:off x="6729348" y="5322905"/>
+              <a:ext cx="433078" cy="448704"/>
+            </a:xfrm>
+            <a:prstGeom prst="rect">
+              <a:avLst/>
+            </a:prstGeom>
+          </p:spPr>
+        </p:pic>
+      </p:grpSp>
+      <p:sp>
+        <p:nvSpPr>
+          <p:cNvPr id="32" name="Rectangle: Rounded Corners 31">
+            <a:extLst>
+              <a:ext uri="{FF2B5EF4-FFF2-40B4-BE49-F238E27FC236}">
+                <a16:creationId xmlns:a16="http://schemas.microsoft.com/office/drawing/2014/main" id="{3315CAD3-C648-DEF6-E470-CDECB96A5CFA}"/>
+              </a:ext>
+            </a:extLst>
+          </p:cNvPr>
+          <p:cNvSpPr/>
+          <p:nvPr/>
+        </p:nvSpPr>
+        <p:spPr>
+          <a:xfrm>
+            <a:off x="5672932" y="4354946"/>
+            <a:ext cx="1648332" cy="1920240"/>
+          </a:xfrm>
+          <a:prstGeom prst="roundRect">
+            <a:avLst>
+              <a:gd name="adj" fmla="val 4427"/>
+            </a:avLst>
+          </a:prstGeom>
+          <a:noFill/>
+          <a:ln>
+            <a:prstDash val="dash"/>
+          </a:ln>
+        </p:spPr>
+        <p:style>
+          <a:lnRef idx="2">
+            <a:schemeClr val="accent1">
+              <a:shade val="15000"/>
+            </a:schemeClr>
+          </a:lnRef>
+          <a:fillRef idx="1">
+            <a:schemeClr val="accent1"/>
+          </a:fillRef>
+          <a:effectRef idx="0">
+            <a:schemeClr val="accent1"/>
+          </a:effectRef>
+          <a:fontRef idx="minor">
+            <a:schemeClr val="lt1"/>
+          </a:fontRef>
+        </p:style>
+        <p:txBody>
+          <a:bodyPr rtlCol="0" anchor="ctr"/>
+          <a:lstStyle/>
+          <a:p>
+            <a:pPr algn="ctr"/>
+            <a:endParaRPr lang="es-ES"/>
+          </a:p>
+        </p:txBody>
+      </p:sp>
+      <p:sp>
+        <p:nvSpPr>
+          <p:cNvPr id="34" name="Arrow: Right 33">
+            <a:extLst>
+              <a:ext uri="{FF2B5EF4-FFF2-40B4-BE49-F238E27FC236}">
+                <a16:creationId xmlns:a16="http://schemas.microsoft.com/office/drawing/2014/main" id="{34EEC855-D81A-045A-3B53-7DA96384A212}"/>
+              </a:ext>
+            </a:extLst>
+          </p:cNvPr>
+          <p:cNvSpPr/>
+          <p:nvPr/>
+        </p:nvSpPr>
+        <p:spPr>
+          <a:xfrm>
+            <a:off x="1344720" y="3215612"/>
+            <a:ext cx="786995" cy="676656"/>
+          </a:xfrm>
+          <a:prstGeom prst="rightArrow">
+            <a:avLst/>
+          </a:prstGeom>
+        </p:spPr>
+        <p:style>
+          <a:lnRef idx="2">
+            <a:schemeClr val="accent1">
+              <a:shade val="15000"/>
+            </a:schemeClr>
+          </a:lnRef>
+          <a:fillRef idx="1">
+            <a:schemeClr val="accent1"/>
+          </a:fillRef>
+          <a:effectRef idx="0">
+            <a:schemeClr val="accent1"/>
+          </a:effectRef>
+          <a:fontRef idx="minor">
+            <a:schemeClr val="lt1"/>
+          </a:fontRef>
+        </p:style>
+        <p:txBody>
+          <a:bodyPr rtlCol="0" anchor="ctr"/>
+          <a:lstStyle/>
+          <a:p>
+            <a:pPr algn="ctr"/>
+            <a:endParaRPr lang="es-ES"/>
+          </a:p>
+        </p:txBody>
+      </p:sp>
+      <p:sp>
+        <p:nvSpPr>
+          <p:cNvPr id="35" name="TextBox 34">
+            <a:extLst>
+              <a:ext uri="{FF2B5EF4-FFF2-40B4-BE49-F238E27FC236}">
+                <a16:creationId xmlns:a16="http://schemas.microsoft.com/office/drawing/2014/main" id="{CE61C352-7AEB-FC1C-024B-0E2B22CCAFAC}"/>
+              </a:ext>
+            </a:extLst>
+          </p:cNvPr>
+          <p:cNvSpPr txBox="1"/>
+          <p:nvPr/>
+        </p:nvSpPr>
+        <p:spPr>
+          <a:xfrm>
+            <a:off x="300826" y="3206087"/>
+            <a:ext cx="1055021" cy="646331"/>
+          </a:xfrm>
+          <a:prstGeom prst="rect">
+            <a:avLst/>
+          </a:prstGeom>
+          <a:noFill/>
+        </p:spPr>
+        <p:txBody>
+          <a:bodyPr wrap="square">
+            <a:spAutoFit/>
+          </a:bodyPr>
+          <a:lstStyle/>
+          <a:p>
+            <a:pPr algn="r"/>
+            <a:r>
+              <a:rPr lang="es-ES" dirty="0" err="1">
+                <a:solidFill>
+                  <a:schemeClr val="tx1"/>
+                </a:solidFill>
+              </a:rPr>
+              <a:t>User</a:t>
+            </a:r>
+            <a:endParaRPr lang="es-ES" dirty="0"/>
+          </a:p>
+          <a:p>
+            <a:pPr algn="r"/>
+            <a:r>
+              <a:rPr lang="es-ES" dirty="0" err="1">
+                <a:solidFill>
+                  <a:schemeClr val="tx1"/>
+                </a:solidFill>
+              </a:rPr>
+              <a:t>Requests</a:t>
+            </a:r>
+            <a:endParaRPr lang="es-ES" dirty="0">
+              <a:solidFill>
+                <a:schemeClr val="tx1"/>
+              </a:solidFill>
+            </a:endParaRPr>
+          </a:p>
+        </p:txBody>
+      </p:sp>
+      <p:cxnSp>
+        <p:nvCxnSpPr>
+          <p:cNvPr id="36" name="Connector: Elbow 35">
+            <a:extLst>
+              <a:ext uri="{FF2B5EF4-FFF2-40B4-BE49-F238E27FC236}">
+                <a16:creationId xmlns:a16="http://schemas.microsoft.com/office/drawing/2014/main" id="{A5D75090-7FD9-6F3C-41E3-D00870235D98}"/>
+              </a:ext>
+            </a:extLst>
+          </p:cNvPr>
+          <p:cNvCxnSpPr>
+            <a:cxnSpLocks/>
+            <a:stCxn id="20" idx="1"/>
+            <a:endCxn id="32" idx="0"/>
+          </p:cNvCxnSpPr>
+          <p:nvPr/>
+        </p:nvCxnSpPr>
+        <p:spPr>
+          <a:xfrm rot="10800000" flipV="1">
+            <a:off x="6497098" y="2103146"/>
+            <a:ext cx="645890" cy="2251800"/>
+          </a:xfrm>
+          <a:prstGeom prst="bentConnector2">
+            <a:avLst/>
+          </a:prstGeom>
+          <a:ln>
+            <a:tailEnd type="triangle"/>
+          </a:ln>
+        </p:spPr>
+        <p:style>
+          <a:lnRef idx="1">
+            <a:schemeClr val="accent1"/>
+          </a:lnRef>
+          <a:fillRef idx="0">
+            <a:schemeClr val="accent1"/>
+          </a:fillRef>
+          <a:effectRef idx="0">
+            <a:schemeClr val="accent1"/>
+          </a:effectRef>
+          <a:fontRef idx="minor">
+            <a:schemeClr val="tx1"/>
+          </a:fontRef>
+        </p:style>
+      </p:cxnSp>
+      <p:sp>
+        <p:nvSpPr>
+          <p:cNvPr id="39" name="TextBox 38">
+            <a:extLst>
+              <a:ext uri="{FF2B5EF4-FFF2-40B4-BE49-F238E27FC236}">
+                <a16:creationId xmlns:a16="http://schemas.microsoft.com/office/drawing/2014/main" id="{AE0FD041-F784-EAA6-B222-74BE184B7349}"/>
+              </a:ext>
+            </a:extLst>
+          </p:cNvPr>
+          <p:cNvSpPr txBox="1"/>
+          <p:nvPr/>
+        </p:nvSpPr>
+        <p:spPr>
+          <a:xfrm rot="16200000">
+            <a:off x="5510337" y="3028429"/>
+            <a:ext cx="1985480" cy="461665"/>
+          </a:xfrm>
+          <a:prstGeom prst="rect">
+            <a:avLst/>
+          </a:prstGeom>
+          <a:noFill/>
+        </p:spPr>
+        <p:txBody>
+          <a:bodyPr wrap="none" rtlCol="0">
+            <a:spAutoFit/>
+          </a:bodyPr>
+          <a:lstStyle/>
+          <a:p>
+            <a:pPr algn="ctr"/>
+            <a:r>
+              <a:rPr lang="es-ES" sz="1200" dirty="0" err="1"/>
+              <a:t>Create</a:t>
+            </a:r>
+            <a:endParaRPr lang="es-ES" sz="1200" dirty="0"/>
+          </a:p>
+          <a:p>
+            <a:pPr algn="ctr"/>
+            <a:r>
+              <a:rPr lang="es-ES" sz="1200" dirty="0" err="1"/>
+              <a:t>JwtAuthorizator</a:t>
+            </a:r>
+            <a:r>
+              <a:rPr lang="es-ES" sz="1200" dirty="0"/>
+              <a:t> </a:t>
+            </a:r>
+            <a:r>
+              <a:rPr lang="es-ES" sz="1200" dirty="0" err="1"/>
+              <a:t>Deployment</a:t>
+            </a:r>
+            <a:endParaRPr lang="es-ES" sz="1200" dirty="0"/>
+          </a:p>
+        </p:txBody>
+      </p:sp>
+      <p:grpSp>
+        <p:nvGrpSpPr>
+          <p:cNvPr id="41" name="Group 40">
+            <a:extLst>
+              <a:ext uri="{FF2B5EF4-FFF2-40B4-BE49-F238E27FC236}">
+                <a16:creationId xmlns:a16="http://schemas.microsoft.com/office/drawing/2014/main" id="{F60F0245-524F-6932-DFEC-45F4E8A646BA}"/>
+              </a:ext>
+            </a:extLst>
+          </p:cNvPr>
+          <p:cNvGrpSpPr/>
+          <p:nvPr/>
+        </p:nvGrpSpPr>
+        <p:grpSpPr>
+          <a:xfrm>
+            <a:off x="10167135" y="938480"/>
+            <a:ext cx="1210341" cy="933832"/>
+            <a:chOff x="10171332" y="1022493"/>
+            <a:chExt cx="1210341" cy="933832"/>
+          </a:xfrm>
+        </p:grpSpPr>
+        <p:sp>
+          <p:nvSpPr>
+            <p:cNvPr id="40" name="Flowchart: Magnetic Disk 39">
+              <a:extLst>
+                <a:ext uri="{FF2B5EF4-FFF2-40B4-BE49-F238E27FC236}">
+                  <a16:creationId xmlns:a16="http://schemas.microsoft.com/office/drawing/2014/main" id="{75DD23C6-D7D6-F98E-8AA2-43D4DCDD5370}"/>
+                </a:ext>
+              </a:extLst>
+            </p:cNvPr>
+            <p:cNvSpPr/>
+            <p:nvPr/>
+          </p:nvSpPr>
+          <p:spPr>
+            <a:xfrm>
+              <a:off x="10171332" y="1022493"/>
+              <a:ext cx="1210341" cy="933832"/>
+            </a:xfrm>
+            <a:prstGeom prst="flowChartMagneticDisk">
+              <a:avLst/>
             </a:prstGeom>
             <a:solidFill>
               <a:schemeClr val="bg1"/>
@@ -5735,128 +8828,83 @@
         </p:sp>
         <p:pic>
           <p:nvPicPr>
-            <p:cNvPr id="8" name="Picture 7">
+            <p:cNvPr id="1028" name="Picture 4" descr="User Documentation for the sedex Client Docker Image">
               <a:extLst>
                 <a:ext uri="{FF2B5EF4-FFF2-40B4-BE49-F238E27FC236}">
-                  <a16:creationId xmlns:a16="http://schemas.microsoft.com/office/drawing/2014/main" id="{D491B9D2-D404-7715-EA4A-820DAFB24245}"/>
+                  <a16:creationId xmlns:a16="http://schemas.microsoft.com/office/drawing/2014/main" id="{19314A2F-228C-EA07-B2B6-66F5AED40314}"/>
                 </a:ext>
               </a:extLst>
             </p:cNvPr>
             <p:cNvPicPr>
-              <a:picLocks noChangeAspect="1"/>
+              <a:picLocks noChangeAspect="1" noChangeArrowheads="1"/>
             </p:cNvPicPr>
             <p:nvPr/>
           </p:nvPicPr>
           <p:blipFill>
-            <a:blip r:embed="rId3">
-              <a:clrChange>
-                <a:clrFrom>
-                  <a:srgbClr val="FFFFFF"/>
-                </a:clrFrom>
-                <a:clrTo>
-                  <a:srgbClr val="FFFFFF">
-                    <a:alpha val="0"/>
-                  </a:srgbClr>
-                </a:clrTo>
-              </a:clrChange>
+            <a:blip r:embed="rId5">
+              <a:extLst>
+                <a:ext uri="{28A0092B-C50C-407E-A947-70E740481C1C}">
+                  <a14:useLocalDpi xmlns:a14="http://schemas.microsoft.com/office/drawing/2010/main" val="0"/>
+                </a:ext>
+              </a:extLst>
             </a:blip>
+            <a:srcRect/>
             <a:stretch>
               <a:fillRect/>
             </a:stretch>
           </p:blipFill>
-          <p:spPr>
+          <p:spPr bwMode="auto">
             <a:xfrm>
-              <a:off x="2494993" y="4492904"/>
-              <a:ext cx="728254" cy="754531"/>
+              <a:off x="10268712" y="1503892"/>
+              <a:ext cx="1015580" cy="252444"/>
             </a:xfrm>
             <a:prstGeom prst="rect">
               <a:avLst/>
             </a:prstGeom>
+            <a:noFill/>
+            <a:extLst>
+              <a:ext uri="{909E8E84-426E-40DD-AFC4-6F175D3DCCD1}">
+                <a14:hiddenFill xmlns:a14="http://schemas.microsoft.com/office/drawing/2010/main">
+                  <a:solidFill>
+                    <a:srgbClr val="FFFFFF"/>
+                  </a:solidFill>
+                </a14:hiddenFill>
+              </a:ext>
+            </a:extLst>
           </p:spPr>
         </p:pic>
       </p:grpSp>
-      <p:pic>
-        <p:nvPicPr>
-          <p:cNvPr id="9" name="Picture 2" descr="KubeCon Europe 2017 Impressions · Chris Hager">
-            <a:extLst>
-              <a:ext uri="{FF2B5EF4-FFF2-40B4-BE49-F238E27FC236}">
-                <a16:creationId xmlns:a16="http://schemas.microsoft.com/office/drawing/2014/main" id="{39064DC7-E027-EAB9-2095-9D36E43024DF}"/>
-              </a:ext>
-            </a:extLst>
-          </p:cNvPr>
-          <p:cNvPicPr>
-            <a:picLocks noChangeAspect="1" noChangeArrowheads="1"/>
-          </p:cNvPicPr>
-          <p:nvPr/>
-        </p:nvPicPr>
-        <p:blipFill rotWithShape="1">
-          <a:blip r:embed="rId4">
-            <a:clrChange>
-              <a:clrFrom>
-                <a:srgbClr val="000000">
-                  <a:alpha val="0"/>
-                </a:srgbClr>
-              </a:clrFrom>
-              <a:clrTo>
-                <a:srgbClr val="000000">
-                  <a:alpha val="0"/>
-                </a:srgbClr>
-              </a:clrTo>
-            </a:clrChange>
-            <a:extLst>
-              <a:ext uri="{28A0092B-C50C-407E-A947-70E740481C1C}">
-                <a14:useLocalDpi xmlns:a14="http://schemas.microsoft.com/office/drawing/2010/main" val="0"/>
-              </a:ext>
-            </a:extLst>
-          </a:blip>
-          <a:srcRect l="6237" t="6775" r="6520" b="7478"/>
-          <a:stretch/>
-        </p:blipFill>
-        <p:spPr bwMode="auto">
-          <a:xfrm>
-            <a:off x="8477249" y="5142875"/>
-            <a:ext cx="514265" cy="505449"/>
-          </a:xfrm>
-          <a:prstGeom prst="rect">
-            <a:avLst/>
-          </a:prstGeom>
-          <a:noFill/>
-          <a:extLst>
-            <a:ext uri="{909E8E84-426E-40DD-AFC4-6F175D3DCCD1}">
-              <a14:hiddenFill xmlns:a14="http://schemas.microsoft.com/office/drawing/2010/main">
-                <a:solidFill>
-                  <a:srgbClr val="FFFFFF"/>
-                </a:solidFill>
-              </a14:hiddenFill>
-            </a:ext>
-          </a:extLst>
-        </p:spPr>
-      </p:pic>
       <p:cxnSp>
         <p:nvCxnSpPr>
-          <p:cNvPr id="10" name="Connector: Elbow 9">
-            <a:extLst>
-              <a:ext uri="{FF2B5EF4-FFF2-40B4-BE49-F238E27FC236}">
-                <a16:creationId xmlns:a16="http://schemas.microsoft.com/office/drawing/2014/main" id="{E54F9D76-DF29-24D6-28D9-15A514FC2F6E}"/>
+          <p:cNvPr id="42" name="Connector: Elbow 41">
+            <a:extLst>
+              <a:ext uri="{FF2B5EF4-FFF2-40B4-BE49-F238E27FC236}">
+                <a16:creationId xmlns:a16="http://schemas.microsoft.com/office/drawing/2014/main" id="{762EF1FB-F5BD-1BF2-E97A-FF4D5B31BD31}"/>
               </a:ext>
             </a:extLst>
           </p:cNvPr>
           <p:cNvCxnSpPr>
             <a:cxnSpLocks/>
+            <a:stCxn id="40" idx="3"/>
+            <a:endCxn id="20" idx="3"/>
           </p:cNvCxnSpPr>
           <p:nvPr/>
         </p:nvCxnSpPr>
         <p:spPr>
-          <a:xfrm rot="16200000" flipH="1">
-            <a:off x="3597503" y="4098627"/>
-            <a:ext cx="975066" cy="371728"/>
-          </a:xfrm>
-          <a:prstGeom prst="bentConnector3">
-            <a:avLst>
-              <a:gd name="adj1" fmla="val 99820"/>
-            </a:avLst>
+          <a:xfrm rot="5400000">
+            <a:off x="9475643" y="806483"/>
+            <a:ext cx="230834" cy="2362493"/>
+          </a:xfrm>
+          <a:prstGeom prst="bentConnector2">
+            <a:avLst/>
           </a:prstGeom>
           <a:ln>
+            <a:solidFill>
+              <a:schemeClr val="bg2">
+                <a:lumMod val="75000"/>
+              </a:schemeClr>
+            </a:solidFill>
+            <a:prstDash val="dash"/>
             <a:tailEnd type="triangle"/>
           </a:ln>
         </p:spPr>
@@ -5877,31 +8925,85 @@
       </p:cxnSp>
       <p:cxnSp>
         <p:nvCxnSpPr>
-          <p:cNvPr id="11" name="Connector: Elbow 10">
-            <a:extLst>
-              <a:ext uri="{FF2B5EF4-FFF2-40B4-BE49-F238E27FC236}">
-                <a16:creationId xmlns:a16="http://schemas.microsoft.com/office/drawing/2014/main" id="{360EBDAE-F35A-84ED-435C-DBB11AB3C7D7}"/>
+          <p:cNvPr id="45" name="Connector: Elbow 44">
+            <a:extLst>
+              <a:ext uri="{FF2B5EF4-FFF2-40B4-BE49-F238E27FC236}">
+                <a16:creationId xmlns:a16="http://schemas.microsoft.com/office/drawing/2014/main" id="{A73BEF0D-685E-202F-DD28-388C52D03A99}"/>
               </a:ext>
             </a:extLst>
           </p:cNvPr>
           <p:cNvCxnSpPr>
             <a:cxnSpLocks/>
+            <a:stCxn id="40" idx="3"/>
+            <a:endCxn id="27" idx="3"/>
           </p:cNvCxnSpPr>
           <p:nvPr/>
         </p:nvCxnSpPr>
         <p:spPr>
-          <a:xfrm rot="16200000" flipH="1">
-            <a:off x="3289941" y="4075859"/>
-            <a:ext cx="1272836" cy="676923"/>
-          </a:xfrm>
-          <a:prstGeom prst="bentConnector3">
-            <a:avLst>
-              <a:gd name="adj1" fmla="val 100138"/>
-            </a:avLst>
+          <a:xfrm rot="5400000">
+            <a:off x="7320466" y="1396482"/>
+            <a:ext cx="2976010" cy="3927671"/>
+          </a:xfrm>
+          <a:prstGeom prst="bentConnector2">
+            <a:avLst/>
           </a:prstGeom>
           <a:ln>
-            <a:headEnd type="triangle" w="med" len="med"/>
-            <a:tailEnd type="none" w="med" len="med"/>
+            <a:solidFill>
+              <a:schemeClr val="bg2">
+                <a:lumMod val="75000"/>
+              </a:schemeClr>
+            </a:solidFill>
+            <a:prstDash val="dash"/>
+            <a:tailEnd type="triangle"/>
+          </a:ln>
+        </p:spPr>
+        <p:style>
+          <a:lnRef idx="1">
+            <a:schemeClr val="accent1"/>
+          </a:lnRef>
+          <a:fillRef idx="0">
+            <a:schemeClr val="accent1"/>
+          </a:fillRef>
+          <a:effectRef idx="0">
+            <a:schemeClr val="accent1"/>
+          </a:effectRef>
+          <a:fontRef idx="minor">
+            <a:schemeClr val="tx1"/>
+          </a:fontRef>
+        </p:style>
+      </p:cxnSp>
+      <p:cxnSp>
+        <p:nvCxnSpPr>
+          <p:cNvPr id="50" name="Connector: Elbow 49">
+            <a:extLst>
+              <a:ext uri="{FF2B5EF4-FFF2-40B4-BE49-F238E27FC236}">
+                <a16:creationId xmlns:a16="http://schemas.microsoft.com/office/drawing/2014/main" id="{4BB8E0E3-7E62-B558-1EBF-26A1FA7480E9}"/>
+              </a:ext>
+            </a:extLst>
+          </p:cNvPr>
+          <p:cNvCxnSpPr>
+            <a:cxnSpLocks/>
+            <a:stCxn id="40" idx="3"/>
+            <a:endCxn id="13" idx="3"/>
+          </p:cNvCxnSpPr>
+          <p:nvPr/>
+        </p:nvCxnSpPr>
+        <p:spPr>
+          <a:xfrm rot="5400000">
+            <a:off x="6900712" y="1821064"/>
+            <a:ext cx="3820347" cy="3922843"/>
+          </a:xfrm>
+          <a:prstGeom prst="bentConnector2">
+            <a:avLst/>
+          </a:prstGeom>
+          <a:ln>
+            <a:solidFill>
+              <a:schemeClr val="bg2">
+                <a:lumMod val="75000"/>
+              </a:schemeClr>
+            </a:solidFill>
+            <a:prstDash val="dash"/>
+            <a:tailEnd type="triangle"/>
           </a:ln>
         </p:spPr>
         <p:style>
@@ -5921,460 +9023,10 @@
       </p:cxnSp>
       <p:sp>
         <p:nvSpPr>
-          <p:cNvPr id="12" name="Rectangle: Top Corners Snipped 11">
-            <a:extLst>
-              <a:ext uri="{FF2B5EF4-FFF2-40B4-BE49-F238E27FC236}">
-                <a16:creationId xmlns:a16="http://schemas.microsoft.com/office/drawing/2014/main" id="{6F5237BF-5424-2DDC-7EE2-06FA623DE314}"/>
-              </a:ext>
-            </a:extLst>
-          </p:cNvPr>
-          <p:cNvSpPr/>
-          <p:nvPr/>
-        </p:nvSpPr>
-        <p:spPr>
-          <a:xfrm rot="16200000">
-            <a:off x="5806018" y="3673106"/>
-            <a:ext cx="881062" cy="622952"/>
-          </a:xfrm>
-          <a:prstGeom prst="snip2SameRect">
-            <a:avLst/>
-          </a:prstGeom>
-        </p:spPr>
-        <p:style>
-          <a:lnRef idx="2">
-            <a:schemeClr val="accent1">
-              <a:shade val="15000"/>
-            </a:schemeClr>
-          </a:lnRef>
-          <a:fillRef idx="1">
-            <a:schemeClr val="accent1"/>
-          </a:fillRef>
-          <a:effectRef idx="0">
-            <a:schemeClr val="accent1"/>
-          </a:effectRef>
-          <a:fontRef idx="minor">
-            <a:schemeClr val="lt1"/>
-          </a:fontRef>
-        </p:style>
-        <p:txBody>
-          <a:bodyPr rtlCol="0" anchor="ctr"/>
-          <a:lstStyle/>
-          <a:p>
-            <a:pPr algn="ctr"/>
-            <a:r>
-              <a:rPr lang="es-ES" sz="1200" dirty="0"/>
-              <a:t>Service</a:t>
-            </a:r>
-          </a:p>
-        </p:txBody>
-      </p:sp>
-      <p:sp>
-        <p:nvSpPr>
-          <p:cNvPr id="13" name="Rectangle: Rounded Corners 12">
-            <a:extLst>
-              <a:ext uri="{FF2B5EF4-FFF2-40B4-BE49-F238E27FC236}">
-                <a16:creationId xmlns:a16="http://schemas.microsoft.com/office/drawing/2014/main" id="{DE88DA35-90D5-2913-BAC7-8A3DFC95B6C4}"/>
-              </a:ext>
-            </a:extLst>
-          </p:cNvPr>
-          <p:cNvSpPr/>
-          <p:nvPr/>
-        </p:nvSpPr>
-        <p:spPr>
-          <a:xfrm>
-            <a:off x="7097551" y="1509598"/>
-            <a:ext cx="1266825" cy="847725"/>
-          </a:xfrm>
-          <a:prstGeom prst="roundRect">
-            <a:avLst>
-              <a:gd name="adj" fmla="val 11979"/>
-            </a:avLst>
-          </a:prstGeom>
-          <a:solidFill>
-            <a:schemeClr val="bg1"/>
-          </a:solidFill>
-        </p:spPr>
-        <p:style>
-          <a:lnRef idx="2">
-            <a:schemeClr val="accent1">
-              <a:shade val="15000"/>
-            </a:schemeClr>
-          </a:lnRef>
-          <a:fillRef idx="1">
-            <a:schemeClr val="accent1"/>
-          </a:fillRef>
-          <a:effectRef idx="0">
-            <a:schemeClr val="accent1"/>
-          </a:effectRef>
-          <a:fontRef idx="minor">
-            <a:schemeClr val="lt1"/>
-          </a:fontRef>
-        </p:style>
-        <p:txBody>
-          <a:bodyPr rtlCol="0" anchor="ctr"/>
-          <a:lstStyle/>
-          <a:p>
-            <a:pPr algn="ctr"/>
-            <a:r>
-              <a:rPr lang="es-ES" sz="1400" dirty="0" err="1">
-                <a:solidFill>
-                  <a:schemeClr val="tx1"/>
-                </a:solidFill>
-              </a:rPr>
-              <a:t>Nginx</a:t>
-            </a:r>
-            <a:r>
-              <a:rPr lang="es-ES" sz="1400" dirty="0">
-                <a:solidFill>
-                  <a:schemeClr val="tx1"/>
-                </a:solidFill>
-              </a:rPr>
-              <a:t> </a:t>
-            </a:r>
-            <a:r>
-              <a:rPr lang="es-ES" sz="1400" dirty="0" err="1">
-                <a:solidFill>
-                  <a:schemeClr val="tx1"/>
-                </a:solidFill>
-              </a:rPr>
-              <a:t>serving</a:t>
-            </a:r>
-            <a:r>
-              <a:rPr lang="es-ES" sz="1400" dirty="0">
-                <a:solidFill>
-                  <a:schemeClr val="tx1"/>
-                </a:solidFill>
-              </a:rPr>
-              <a:t> </a:t>
-            </a:r>
-            <a:r>
-              <a:rPr lang="es-ES" sz="1400" dirty="0" err="1">
-                <a:solidFill>
-                  <a:schemeClr val="tx1"/>
-                </a:solidFill>
-              </a:rPr>
-              <a:t>with</a:t>
-            </a:r>
-            <a:r>
-              <a:rPr lang="es-ES" sz="1400" dirty="0">
-                <a:solidFill>
-                  <a:schemeClr val="tx1"/>
-                </a:solidFill>
-              </a:rPr>
-              <a:t> </a:t>
-            </a:r>
-            <a:r>
-              <a:rPr lang="es-ES" sz="1400" dirty="0" err="1">
-                <a:solidFill>
-                  <a:schemeClr val="tx1"/>
-                </a:solidFill>
-              </a:rPr>
-              <a:t>static</a:t>
-            </a:r>
-            <a:r>
-              <a:rPr lang="es-ES" sz="1400" dirty="0">
-                <a:solidFill>
-                  <a:schemeClr val="tx1"/>
-                </a:solidFill>
-              </a:rPr>
-              <a:t> SPA</a:t>
-            </a:r>
-          </a:p>
-        </p:txBody>
-      </p:sp>
-      <p:sp>
-        <p:nvSpPr>
-          <p:cNvPr id="14" name="Rectangle: Rounded Corners 13">
-            <a:extLst>
-              <a:ext uri="{FF2B5EF4-FFF2-40B4-BE49-F238E27FC236}">
-                <a16:creationId xmlns:a16="http://schemas.microsoft.com/office/drawing/2014/main" id="{3F443E67-6593-A074-FAF6-2B1477B022B9}"/>
-              </a:ext>
-            </a:extLst>
-          </p:cNvPr>
-          <p:cNvSpPr/>
-          <p:nvPr/>
-        </p:nvSpPr>
-        <p:spPr>
-          <a:xfrm>
-            <a:off x="7210425" y="4076815"/>
-            <a:ext cx="982600" cy="504329"/>
-          </a:xfrm>
-          <a:prstGeom prst="roundRect">
-            <a:avLst>
-              <a:gd name="adj" fmla="val 11979"/>
-            </a:avLst>
-          </a:prstGeom>
-          <a:solidFill>
-            <a:schemeClr val="bg1"/>
-          </a:solidFill>
-        </p:spPr>
-        <p:style>
-          <a:lnRef idx="2">
-            <a:schemeClr val="accent1">
-              <a:shade val="15000"/>
-            </a:schemeClr>
-          </a:lnRef>
-          <a:fillRef idx="1">
-            <a:schemeClr val="accent1"/>
-          </a:fillRef>
-          <a:effectRef idx="0">
-            <a:schemeClr val="accent1"/>
-          </a:effectRef>
-          <a:fontRef idx="minor">
-            <a:schemeClr val="lt1"/>
-          </a:fontRef>
-        </p:style>
-        <p:txBody>
-          <a:bodyPr rtlCol="0" anchor="ctr"/>
-          <a:lstStyle/>
-          <a:p>
-            <a:pPr algn="ctr"/>
-            <a:r>
-              <a:rPr lang="es-ES" dirty="0">
-                <a:solidFill>
-                  <a:schemeClr val="tx1"/>
-                </a:solidFill>
-              </a:rPr>
-              <a:t>API</a:t>
-            </a:r>
-          </a:p>
-        </p:txBody>
-      </p:sp>
-      <p:cxnSp>
-        <p:nvCxnSpPr>
-          <p:cNvPr id="15" name="Connector: Elbow 14">
-            <a:extLst>
-              <a:ext uri="{FF2B5EF4-FFF2-40B4-BE49-F238E27FC236}">
-                <a16:creationId xmlns:a16="http://schemas.microsoft.com/office/drawing/2014/main" id="{39A6E181-3EB0-F6C2-88CA-9DA1814F2AFE}"/>
-              </a:ext>
-            </a:extLst>
-          </p:cNvPr>
-          <p:cNvCxnSpPr>
-            <a:cxnSpLocks/>
-            <a:stCxn id="4" idx="3"/>
-            <a:endCxn id="13" idx="1"/>
-          </p:cNvCxnSpPr>
-          <p:nvPr/>
-        </p:nvCxnSpPr>
-        <p:spPr>
-          <a:xfrm flipV="1">
-            <a:off x="4776787" y="1933461"/>
-            <a:ext cx="2320764" cy="1187220"/>
-          </a:xfrm>
-          <a:prstGeom prst="straightConnector1">
-            <a:avLst/>
-          </a:prstGeom>
-          <a:ln>
-            <a:tailEnd type="triangle"/>
-          </a:ln>
-        </p:spPr>
-        <p:style>
-          <a:lnRef idx="1">
-            <a:schemeClr val="accent1"/>
-          </a:lnRef>
-          <a:fillRef idx="0">
-            <a:schemeClr val="accent1"/>
-          </a:fillRef>
-          <a:effectRef idx="0">
-            <a:schemeClr val="accent1"/>
-          </a:effectRef>
-          <a:fontRef idx="minor">
-            <a:schemeClr val="tx1"/>
-          </a:fontRef>
-        </p:style>
-      </p:cxnSp>
-      <p:cxnSp>
-        <p:nvCxnSpPr>
-          <p:cNvPr id="16" name="Connector: Elbow 15">
-            <a:extLst>
-              <a:ext uri="{FF2B5EF4-FFF2-40B4-BE49-F238E27FC236}">
-                <a16:creationId xmlns:a16="http://schemas.microsoft.com/office/drawing/2014/main" id="{2E7C5AD8-5A29-B3EC-2329-5AC5E53D1458}"/>
-              </a:ext>
-            </a:extLst>
-          </p:cNvPr>
-          <p:cNvCxnSpPr>
-            <a:cxnSpLocks/>
-            <a:stCxn id="12" idx="1"/>
-            <a:endCxn id="14" idx="1"/>
-          </p:cNvCxnSpPr>
-          <p:nvPr/>
-        </p:nvCxnSpPr>
-        <p:spPr>
-          <a:xfrm>
-            <a:off x="6558025" y="3984582"/>
-            <a:ext cx="652400" cy="344398"/>
-          </a:xfrm>
-          <a:prstGeom prst="straightConnector1">
-            <a:avLst/>
-          </a:prstGeom>
-          <a:ln>
-            <a:tailEnd type="triangle"/>
-          </a:ln>
-        </p:spPr>
-        <p:style>
-          <a:lnRef idx="1">
-            <a:schemeClr val="accent1"/>
-          </a:lnRef>
-          <a:fillRef idx="0">
-            <a:schemeClr val="accent1"/>
-          </a:fillRef>
-          <a:effectRef idx="0">
-            <a:schemeClr val="accent1"/>
-          </a:effectRef>
-          <a:fontRef idx="minor">
-            <a:schemeClr val="tx1"/>
-          </a:fontRef>
-        </p:style>
-      </p:cxnSp>
-      <p:cxnSp>
-        <p:nvCxnSpPr>
-          <p:cNvPr id="17" name="Connector: Elbow 25">
-            <a:extLst>
-              <a:ext uri="{FF2B5EF4-FFF2-40B4-BE49-F238E27FC236}">
-                <a16:creationId xmlns:a16="http://schemas.microsoft.com/office/drawing/2014/main" id="{9C8E0810-A486-0536-48A0-C62A7B969CB3}"/>
-              </a:ext>
-            </a:extLst>
-          </p:cNvPr>
-          <p:cNvCxnSpPr>
-            <a:cxnSpLocks/>
-            <a:stCxn id="4" idx="3"/>
-            <a:endCxn id="12" idx="3"/>
-          </p:cNvCxnSpPr>
-          <p:nvPr/>
-        </p:nvCxnSpPr>
-        <p:spPr>
-          <a:xfrm>
-            <a:off x="4776787" y="3120681"/>
-            <a:ext cx="1158286" cy="863901"/>
-          </a:xfrm>
-          <a:prstGeom prst="straightConnector1">
-            <a:avLst/>
-          </a:prstGeom>
-          <a:ln>
-            <a:tailEnd type="triangle"/>
-          </a:ln>
-        </p:spPr>
-        <p:style>
-          <a:lnRef idx="1">
-            <a:schemeClr val="accent1"/>
-          </a:lnRef>
-          <a:fillRef idx="0">
-            <a:schemeClr val="accent1"/>
-          </a:fillRef>
-          <a:effectRef idx="0">
-            <a:schemeClr val="accent1"/>
-          </a:effectRef>
-          <a:fontRef idx="minor">
-            <a:schemeClr val="tx1"/>
-          </a:fontRef>
-        </p:style>
-      </p:cxnSp>
-      <p:pic>
-        <p:nvPicPr>
-          <p:cNvPr id="18" name="Picture 6" descr="Browser window, blank web page vector template By Microvector ...">
-            <a:extLst>
-              <a:ext uri="{FF2B5EF4-FFF2-40B4-BE49-F238E27FC236}">
-                <a16:creationId xmlns:a16="http://schemas.microsoft.com/office/drawing/2014/main" id="{F383F405-EAE7-DCE8-F519-878DD5A3A367}"/>
-              </a:ext>
-            </a:extLst>
-          </p:cNvPr>
-          <p:cNvPicPr>
-            <a:picLocks noChangeAspect="1" noChangeArrowheads="1"/>
-          </p:cNvPicPr>
-          <p:nvPr/>
-        </p:nvPicPr>
-        <p:blipFill rotWithShape="1">
-          <a:blip r:embed="rId5">
-            <a:extLst>
-              <a:ext uri="{BEBA8EAE-BF5A-486C-A8C5-ECC9F3942E4B}">
-                <a14:imgProps xmlns:a14="http://schemas.microsoft.com/office/drawing/2010/main">
-                  <a14:imgLayer r:embed="rId6">
-                    <a14:imgEffect>
-                      <a14:saturation sat="400000"/>
-                    </a14:imgEffect>
-                    <a14:imgEffect>
-                      <a14:brightnessContrast bright="-20000" contrast="40000"/>
-                    </a14:imgEffect>
-                  </a14:imgLayer>
-                </a14:imgProps>
-              </a:ext>
-              <a:ext uri="{28A0092B-C50C-407E-A947-70E740481C1C}">
-                <a14:useLocalDpi xmlns:a14="http://schemas.microsoft.com/office/drawing/2010/main" val="0"/>
-              </a:ext>
-            </a:extLst>
-          </a:blip>
-          <a:srcRect l="10207" t="19062" r="10174" b="20464"/>
-          <a:stretch/>
-        </p:blipFill>
-        <p:spPr bwMode="auto">
-          <a:xfrm>
-            <a:off x="1287372" y="3905652"/>
-            <a:ext cx="997540" cy="757677"/>
-          </a:xfrm>
-          <a:prstGeom prst="rect">
-            <a:avLst/>
-          </a:prstGeom>
-          <a:noFill/>
-          <a:extLst>
-            <a:ext uri="{909E8E84-426E-40DD-AFC4-6F175D3DCCD1}">
-              <a14:hiddenFill xmlns:a14="http://schemas.microsoft.com/office/drawing/2010/main">
-                <a:solidFill>
-                  <a:srgbClr val="FFFFFF"/>
-                </a:solidFill>
-              </a14:hiddenFill>
-            </a:ext>
-          </a:extLst>
-        </p:spPr>
-      </p:pic>
-      <p:cxnSp>
-        <p:nvCxnSpPr>
-          <p:cNvPr id="19" name="Connector: Elbow 25">
-            <a:extLst>
-              <a:ext uri="{FF2B5EF4-FFF2-40B4-BE49-F238E27FC236}">
-                <a16:creationId xmlns:a16="http://schemas.microsoft.com/office/drawing/2014/main" id="{7647B06E-FFD0-F231-4546-FC840B1C3093}"/>
-              </a:ext>
-            </a:extLst>
-          </p:cNvPr>
-          <p:cNvCxnSpPr>
-            <a:cxnSpLocks/>
-            <a:stCxn id="18" idx="0"/>
-            <a:endCxn id="4" idx="1"/>
-          </p:cNvCxnSpPr>
-          <p:nvPr/>
-        </p:nvCxnSpPr>
-        <p:spPr>
-          <a:xfrm rot="5400000" flipH="1" flipV="1">
-            <a:off x="1865042" y="3041782"/>
-            <a:ext cx="784971" cy="942770"/>
-          </a:xfrm>
-          <a:prstGeom prst="bentConnector2">
-            <a:avLst/>
-          </a:prstGeom>
-          <a:ln>
-            <a:tailEnd type="triangle"/>
-          </a:ln>
-        </p:spPr>
-        <p:style>
-          <a:lnRef idx="1">
-            <a:schemeClr val="accent1"/>
-          </a:lnRef>
-          <a:fillRef idx="0">
-            <a:schemeClr val="accent1"/>
-          </a:fillRef>
-          <a:effectRef idx="0">
-            <a:schemeClr val="accent1"/>
-          </a:effectRef>
-          <a:fontRef idx="minor">
-            <a:schemeClr val="tx1"/>
-          </a:fontRef>
-        </p:style>
-      </p:cxnSp>
-      <p:sp>
-        <p:nvSpPr>
-          <p:cNvPr id="21" name="TextBox 20">
-            <a:extLst>
-              <a:ext uri="{FF2B5EF4-FFF2-40B4-BE49-F238E27FC236}">
-                <a16:creationId xmlns:a16="http://schemas.microsoft.com/office/drawing/2014/main" id="{6060D670-91F5-441B-102E-62FB5DCD1CB9}"/>
+          <p:cNvPr id="53" name="TextBox 52">
+            <a:extLst>
+              <a:ext uri="{FF2B5EF4-FFF2-40B4-BE49-F238E27FC236}">
+                <a16:creationId xmlns:a16="http://schemas.microsoft.com/office/drawing/2014/main" id="{2505B9E2-07D7-FD2E-A78A-60B850947336}"/>
               </a:ext>
             </a:extLst>
           </p:cNvPr>
@@ -6383,8 +9035,8 @@
         </p:nvSpPr>
         <p:spPr>
           <a:xfrm>
-            <a:off x="506305" y="361539"/>
-            <a:ext cx="1987557" cy="369332"/>
+            <a:off x="9665350" y="1864614"/>
+            <a:ext cx="568104" cy="461665"/>
           </a:xfrm>
           <a:prstGeom prst="rect">
             <a:avLst/>
@@ -6392,829 +9044,127 @@
           <a:noFill/>
         </p:spPr>
         <p:txBody>
-          <a:bodyPr wrap="square">
+          <a:bodyPr wrap="none" rtlCol="0">
             <a:spAutoFit/>
           </a:bodyPr>
           <a:lstStyle/>
           <a:p>
             <a:pPr algn="ctr"/>
             <a:r>
-              <a:rPr lang="es-ES" dirty="0">
+              <a:rPr lang="es-ES" sz="1200" dirty="0" err="1">
                 <a:solidFill>
-                  <a:schemeClr val="tx1"/>
+                  <a:schemeClr val="bg2">
+                    <a:lumMod val="90000"/>
+                  </a:schemeClr>
                 </a:solidFill>
               </a:rPr>
-              <a:t>SPA app</a:t>
-            </a:r>
+              <a:t>Pull</a:t>
+            </a:r>
+            <a:endParaRPr lang="es-ES" sz="1200" dirty="0">
+              <a:solidFill>
+                <a:schemeClr val="bg2">
+                  <a:lumMod val="90000"/>
+                </a:schemeClr>
+              </a:solidFill>
+            </a:endParaRPr>
+          </a:p>
+          <a:p>
+            <a:pPr algn="ctr"/>
+            <a:r>
+              <a:rPr lang="es-ES" sz="1200" dirty="0" err="1">
+                <a:solidFill>
+                  <a:schemeClr val="bg2">
+                    <a:lumMod val="90000"/>
+                  </a:schemeClr>
+                </a:solidFill>
+              </a:rPr>
+              <a:t>Image</a:t>
+            </a:r>
+            <a:endParaRPr lang="es-ES" sz="1200" dirty="0">
+              <a:solidFill>
+                <a:schemeClr val="bg2">
+                  <a:lumMod val="90000"/>
+                </a:schemeClr>
+              </a:solidFill>
+            </a:endParaRPr>
           </a:p>
         </p:txBody>
       </p:sp>
       <p:sp>
         <p:nvSpPr>
-          <p:cNvPr id="27" name="Rectangle: Rounded Corners 26">
-            <a:extLst>
-              <a:ext uri="{FF2B5EF4-FFF2-40B4-BE49-F238E27FC236}">
-                <a16:creationId xmlns:a16="http://schemas.microsoft.com/office/drawing/2014/main" id="{A49B3ACC-9AF0-D354-47EC-3FD2A29EB773}"/>
-              </a:ext>
-            </a:extLst>
-          </p:cNvPr>
-          <p:cNvSpPr/>
+          <p:cNvPr id="54" name="TextBox 53">
+            <a:extLst>
+              <a:ext uri="{FF2B5EF4-FFF2-40B4-BE49-F238E27FC236}">
+                <a16:creationId xmlns:a16="http://schemas.microsoft.com/office/drawing/2014/main" id="{23EF9B7C-D54E-E504-D9A5-76A76AA06A71}"/>
+              </a:ext>
+            </a:extLst>
+          </p:cNvPr>
+          <p:cNvSpPr txBox="1"/>
           <p:nvPr/>
         </p:nvSpPr>
         <p:spPr>
-          <a:xfrm>
-            <a:off x="7215739" y="3429000"/>
-            <a:ext cx="982600" cy="504329"/>
-          </a:xfrm>
-          <a:prstGeom prst="roundRect">
-            <a:avLst>
-              <a:gd name="adj" fmla="val 11979"/>
-            </a:avLst>
-          </a:prstGeom>
-          <a:solidFill>
-            <a:schemeClr val="bg1"/>
-          </a:solidFill>
-        </p:spPr>
-        <p:style>
-          <a:lnRef idx="2">
-            <a:schemeClr val="accent1">
-              <a:shade val="15000"/>
-            </a:schemeClr>
-          </a:lnRef>
-          <a:fillRef idx="1">
-            <a:schemeClr val="accent1"/>
-          </a:fillRef>
-          <a:effectRef idx="0">
-            <a:schemeClr val="accent1"/>
-          </a:effectRef>
-          <a:fontRef idx="minor">
-            <a:schemeClr val="lt1"/>
-          </a:fontRef>
-        </p:style>
-        <p:txBody>
-          <a:bodyPr rtlCol="0" anchor="ctr"/>
-          <a:lstStyle/>
-          <a:p>
-            <a:pPr algn="ctr"/>
-            <a:r>
-              <a:rPr lang="es-ES" dirty="0">
-                <a:solidFill>
-                  <a:schemeClr val="tx1"/>
-                </a:solidFill>
-              </a:rPr>
-              <a:t>API</a:t>
-            </a:r>
-          </a:p>
-        </p:txBody>
-      </p:sp>
-      <p:cxnSp>
-        <p:nvCxnSpPr>
-          <p:cNvPr id="30" name="Connector: Elbow 29">
-            <a:extLst>
-              <a:ext uri="{FF2B5EF4-FFF2-40B4-BE49-F238E27FC236}">
-                <a16:creationId xmlns:a16="http://schemas.microsoft.com/office/drawing/2014/main" id="{E771BFEB-B6DA-F637-5943-C8E2A096271A}"/>
-              </a:ext>
-            </a:extLst>
-          </p:cNvPr>
-          <p:cNvCxnSpPr>
-            <a:cxnSpLocks/>
-            <a:stCxn id="12" idx="1"/>
-            <a:endCxn id="27" idx="1"/>
-          </p:cNvCxnSpPr>
-          <p:nvPr/>
-        </p:nvCxnSpPr>
-        <p:spPr>
-          <a:xfrm flipV="1">
-            <a:off x="6558025" y="3681165"/>
-            <a:ext cx="657714" cy="303417"/>
-          </a:xfrm>
-          <a:prstGeom prst="straightConnector1">
-            <a:avLst/>
-          </a:prstGeom>
-          <a:ln>
-            <a:tailEnd type="triangle"/>
-          </a:ln>
-        </p:spPr>
-        <p:style>
-          <a:lnRef idx="1">
-            <a:schemeClr val="accent1"/>
-          </a:lnRef>
-          <a:fillRef idx="0">
-            <a:schemeClr val="accent1"/>
-          </a:fillRef>
-          <a:effectRef idx="0">
-            <a:schemeClr val="accent1"/>
-          </a:effectRef>
-          <a:fontRef idx="minor">
-            <a:schemeClr val="tx1"/>
-          </a:fontRef>
-        </p:style>
-      </p:cxnSp>
-    </p:spTree>
-    <p:extLst>
-      <p:ext uri="{BB962C8B-B14F-4D97-AF65-F5344CB8AC3E}">
-        <p14:creationId xmlns:p14="http://schemas.microsoft.com/office/powerpoint/2010/main" val="1091738206"/>
-      </p:ext>
-    </p:extLst>
-  </p:cSld>
-  <p:clrMapOvr>
-    <a:masterClrMapping/>
-  </p:clrMapOvr>
-</p:sld>
-</file>
-
-<file path=ppt/slides/slide6.xml><?xml version="1.0" encoding="utf-8"?>
-<p:sld xmlns:a="http://schemas.openxmlformats.org/drawingml/2006/main" xmlns:r="http://schemas.openxmlformats.org/officeDocument/2006/relationships" xmlns:p="http://schemas.openxmlformats.org/presentationml/2006/main">
-  <p:cSld>
-    <p:spTree>
-      <p:nvGrpSpPr>
-        <p:cNvPr id="1" name=""/>
-        <p:cNvGrpSpPr/>
-        <p:nvPr/>
-      </p:nvGrpSpPr>
-      <p:grpSpPr>
-        <a:xfrm>
-          <a:off x="0" y="0"/>
-          <a:ext cx="0" cy="0"/>
-          <a:chOff x="0" y="0"/>
-          <a:chExt cx="0" cy="0"/>
-        </a:xfrm>
-      </p:grpSpPr>
-      <p:sp>
-        <p:nvSpPr>
-          <p:cNvPr id="2" name="Rectangle: Rounded Corners 1">
-            <a:extLst>
-              <a:ext uri="{FF2B5EF4-FFF2-40B4-BE49-F238E27FC236}">
-                <a16:creationId xmlns:a16="http://schemas.microsoft.com/office/drawing/2014/main" id="{39EA2E18-AFFA-593F-DA50-1FAE729004F0}"/>
-              </a:ext>
-            </a:extLst>
-          </p:cNvPr>
-          <p:cNvSpPr/>
-          <p:nvPr/>
-        </p:nvSpPr>
-        <p:spPr>
-          <a:xfrm>
-            <a:off x="3448051" y="2203704"/>
-            <a:ext cx="5430774" cy="3346704"/>
-          </a:xfrm>
-          <a:prstGeom prst="roundRect">
-            <a:avLst>
-              <a:gd name="adj" fmla="val 4427"/>
-            </a:avLst>
-          </a:prstGeom>
-          <a:noFill/>
-          <a:ln>
-            <a:prstDash val="dash"/>
-          </a:ln>
-        </p:spPr>
-        <p:style>
-          <a:lnRef idx="2">
-            <a:schemeClr val="accent1">
-              <a:shade val="15000"/>
-            </a:schemeClr>
-          </a:lnRef>
-          <a:fillRef idx="1">
-            <a:schemeClr val="accent1"/>
-          </a:fillRef>
-          <a:effectRef idx="0">
-            <a:schemeClr val="accent1"/>
-          </a:effectRef>
-          <a:fontRef idx="minor">
-            <a:schemeClr val="lt1"/>
-          </a:fontRef>
-        </p:style>
-        <p:txBody>
-          <a:bodyPr rtlCol="0" anchor="ctr"/>
-          <a:lstStyle/>
-          <a:p>
-            <a:pPr algn="ctr"/>
-            <a:endParaRPr lang="es-ES"/>
-          </a:p>
-        </p:txBody>
-      </p:sp>
-      <p:grpSp>
-        <p:nvGrpSpPr>
-          <p:cNvPr id="3" name="Group 2">
-            <a:extLst>
-              <a:ext uri="{FF2B5EF4-FFF2-40B4-BE49-F238E27FC236}">
-                <a16:creationId xmlns:a16="http://schemas.microsoft.com/office/drawing/2014/main" id="{90A73C92-8D85-4F2C-877F-5F275F4390B3}"/>
-              </a:ext>
-            </a:extLst>
-          </p:cNvPr>
-          <p:cNvGrpSpPr/>
-          <p:nvPr/>
-        </p:nvGrpSpPr>
-        <p:grpSpPr>
-          <a:xfrm>
-            <a:off x="2728912" y="2463456"/>
-            <a:ext cx="2047875" cy="1314450"/>
-            <a:chOff x="2424112" y="2314575"/>
-            <a:chExt cx="2047875" cy="1314450"/>
-          </a:xfrm>
-        </p:grpSpPr>
-        <p:sp>
-          <p:nvSpPr>
-            <p:cNvPr id="4" name="Rectangle: Rounded Corners 3">
-              <a:extLst>
-                <a:ext uri="{FF2B5EF4-FFF2-40B4-BE49-F238E27FC236}">
-                  <a16:creationId xmlns:a16="http://schemas.microsoft.com/office/drawing/2014/main" id="{4A21BE45-ED38-57E7-5ECC-B6D9188A12F2}"/>
-                </a:ext>
-              </a:extLst>
-            </p:cNvPr>
-            <p:cNvSpPr/>
-            <p:nvPr/>
-          </p:nvSpPr>
-          <p:spPr>
-            <a:xfrm>
-              <a:off x="2424112" y="2314575"/>
-              <a:ext cx="2047875" cy="1314450"/>
-            </a:xfrm>
-            <a:prstGeom prst="roundRect">
-              <a:avLst>
-                <a:gd name="adj" fmla="val 11979"/>
-              </a:avLst>
-            </a:prstGeom>
-            <a:solidFill>
-              <a:schemeClr val="bg1"/>
-            </a:solidFill>
-          </p:spPr>
-          <p:style>
-            <a:lnRef idx="2">
-              <a:schemeClr val="accent1">
-                <a:shade val="15000"/>
-              </a:schemeClr>
-            </a:lnRef>
-            <a:fillRef idx="1">
-              <a:schemeClr val="accent1"/>
-            </a:fillRef>
-            <a:effectRef idx="0">
-              <a:schemeClr val="accent1"/>
-            </a:effectRef>
-            <a:fontRef idx="minor">
-              <a:schemeClr val="lt1"/>
-            </a:fontRef>
-          </p:style>
-          <p:txBody>
-            <a:bodyPr rtlCol="0" anchor="ctr"/>
-            <a:lstStyle/>
-            <a:p>
-              <a:pPr algn="ctr"/>
-              <a:endParaRPr lang="es-ES"/>
-            </a:p>
-          </p:txBody>
-        </p:sp>
-        <p:pic>
-          <p:nvPicPr>
-            <p:cNvPr id="5" name="Picture 4">
-              <a:extLst>
-                <a:ext uri="{FF2B5EF4-FFF2-40B4-BE49-F238E27FC236}">
-                  <a16:creationId xmlns:a16="http://schemas.microsoft.com/office/drawing/2014/main" id="{D20EFBD1-74D7-1198-5369-DDA8821885DA}"/>
-                </a:ext>
-              </a:extLst>
-            </p:cNvPr>
-            <p:cNvPicPr>
-              <a:picLocks noChangeAspect="1"/>
-            </p:cNvPicPr>
-            <p:nvPr/>
-          </p:nvPicPr>
-          <p:blipFill>
-            <a:blip r:embed="rId2">
-              <a:clrChange>
-                <a:clrFrom>
-                  <a:srgbClr val="FFFFFF"/>
-                </a:clrFrom>
-                <a:clrTo>
-                  <a:srgbClr val="FFFFFF">
-                    <a:alpha val="0"/>
-                  </a:srgbClr>
-                </a:clrTo>
-              </a:clrChange>
-            </a:blip>
-            <a:stretch>
-              <a:fillRect/>
-            </a:stretch>
-          </p:blipFill>
-          <p:spPr>
-            <a:xfrm>
-              <a:off x="2929999" y="2409825"/>
-              <a:ext cx="1036101" cy="1143000"/>
-            </a:xfrm>
-            <a:prstGeom prst="rect">
-              <a:avLst/>
-            </a:prstGeom>
-          </p:spPr>
-        </p:pic>
-      </p:grpSp>
-      <p:grpSp>
-        <p:nvGrpSpPr>
-          <p:cNvPr id="6" name="Group 5">
-            <a:extLst>
-              <a:ext uri="{FF2B5EF4-FFF2-40B4-BE49-F238E27FC236}">
-                <a16:creationId xmlns:a16="http://schemas.microsoft.com/office/drawing/2014/main" id="{8CB3D5AD-3A44-340F-5A35-D4E7BFB44C59}"/>
-              </a:ext>
-            </a:extLst>
-          </p:cNvPr>
-          <p:cNvGrpSpPr/>
-          <p:nvPr/>
-        </p:nvGrpSpPr>
-        <p:grpSpPr>
-          <a:xfrm>
-            <a:off x="4264821" y="4361110"/>
-            <a:ext cx="1388064" cy="1034490"/>
-            <a:chOff x="2165088" y="4352925"/>
-            <a:chExt cx="1388064" cy="1034490"/>
-          </a:xfrm>
-        </p:grpSpPr>
-        <p:sp>
-          <p:nvSpPr>
-            <p:cNvPr id="7" name="Rectangle: Rounded Corners 6">
-              <a:extLst>
-                <a:ext uri="{FF2B5EF4-FFF2-40B4-BE49-F238E27FC236}">
-                  <a16:creationId xmlns:a16="http://schemas.microsoft.com/office/drawing/2014/main" id="{31B8AAA2-090E-A8C0-5A2E-415F5ABDA1AB}"/>
-                </a:ext>
-              </a:extLst>
-            </p:cNvPr>
-            <p:cNvSpPr/>
-            <p:nvPr/>
-          </p:nvSpPr>
-          <p:spPr>
-            <a:xfrm>
-              <a:off x="2165088" y="4352925"/>
-              <a:ext cx="1388064" cy="1034490"/>
-            </a:xfrm>
-            <a:prstGeom prst="roundRect">
-              <a:avLst>
-                <a:gd name="adj" fmla="val 11979"/>
-              </a:avLst>
-            </a:prstGeom>
-            <a:solidFill>
-              <a:schemeClr val="bg1"/>
-            </a:solidFill>
-          </p:spPr>
-          <p:style>
-            <a:lnRef idx="2">
-              <a:schemeClr val="accent1">
-                <a:shade val="15000"/>
-              </a:schemeClr>
-            </a:lnRef>
-            <a:fillRef idx="1">
-              <a:schemeClr val="accent1"/>
-            </a:fillRef>
-            <a:effectRef idx="0">
-              <a:schemeClr val="accent1"/>
-            </a:effectRef>
-            <a:fontRef idx="minor">
-              <a:schemeClr val="lt1"/>
-            </a:fontRef>
-          </p:style>
-          <p:txBody>
-            <a:bodyPr rtlCol="0" anchor="ctr"/>
-            <a:lstStyle/>
-            <a:p>
-              <a:pPr algn="ctr"/>
-              <a:endParaRPr lang="es-ES"/>
-            </a:p>
-          </p:txBody>
-        </p:sp>
-        <p:pic>
-          <p:nvPicPr>
-            <p:cNvPr id="8" name="Picture 7">
-              <a:extLst>
-                <a:ext uri="{FF2B5EF4-FFF2-40B4-BE49-F238E27FC236}">
-                  <a16:creationId xmlns:a16="http://schemas.microsoft.com/office/drawing/2014/main" id="{D491B9D2-D404-7715-EA4A-820DAFB24245}"/>
-                </a:ext>
-              </a:extLst>
-            </p:cNvPr>
-            <p:cNvPicPr>
-              <a:picLocks noChangeAspect="1"/>
-            </p:cNvPicPr>
-            <p:nvPr/>
-          </p:nvPicPr>
-          <p:blipFill>
-            <a:blip r:embed="rId3">
-              <a:clrChange>
-                <a:clrFrom>
-                  <a:srgbClr val="FFFFFF"/>
-                </a:clrFrom>
-                <a:clrTo>
-                  <a:srgbClr val="FFFFFF">
-                    <a:alpha val="0"/>
-                  </a:srgbClr>
-                </a:clrTo>
-              </a:clrChange>
-            </a:blip>
-            <a:stretch>
-              <a:fillRect/>
-            </a:stretch>
-          </p:blipFill>
-          <p:spPr>
-            <a:xfrm>
-              <a:off x="2494993" y="4492904"/>
-              <a:ext cx="728254" cy="754531"/>
-            </a:xfrm>
-            <a:prstGeom prst="rect">
-              <a:avLst/>
-            </a:prstGeom>
-          </p:spPr>
-        </p:pic>
-      </p:grpSp>
-      <p:pic>
-        <p:nvPicPr>
-          <p:cNvPr id="9" name="Picture 2" descr="KubeCon Europe 2017 Impressions · Chris Hager">
-            <a:extLst>
-              <a:ext uri="{FF2B5EF4-FFF2-40B4-BE49-F238E27FC236}">
-                <a16:creationId xmlns:a16="http://schemas.microsoft.com/office/drawing/2014/main" id="{39064DC7-E027-EAB9-2095-9D36E43024DF}"/>
-              </a:ext>
-            </a:extLst>
-          </p:cNvPr>
-          <p:cNvPicPr>
-            <a:picLocks noChangeAspect="1" noChangeArrowheads="1"/>
-          </p:cNvPicPr>
-          <p:nvPr/>
-        </p:nvPicPr>
-        <p:blipFill rotWithShape="1">
-          <a:blip r:embed="rId4">
-            <a:clrChange>
-              <a:clrFrom>
-                <a:srgbClr val="000000">
-                  <a:alpha val="0"/>
-                </a:srgbClr>
-              </a:clrFrom>
-              <a:clrTo>
-                <a:srgbClr val="000000">
-                  <a:alpha val="0"/>
-                </a:srgbClr>
-              </a:clrTo>
-            </a:clrChange>
-            <a:extLst>
-              <a:ext uri="{28A0092B-C50C-407E-A947-70E740481C1C}">
-                <a14:useLocalDpi xmlns:a14="http://schemas.microsoft.com/office/drawing/2010/main" val="0"/>
-              </a:ext>
-            </a:extLst>
-          </a:blip>
-          <a:srcRect l="6237" t="6775" r="6520" b="7478"/>
-          <a:stretch/>
-        </p:blipFill>
-        <p:spPr bwMode="auto">
-          <a:xfrm>
-            <a:off x="8272380" y="4890151"/>
-            <a:ext cx="514265" cy="505449"/>
+          <a:xfrm rot="16200000">
+            <a:off x="10475345" y="3380663"/>
+            <a:ext cx="568104" cy="461665"/>
           </a:xfrm>
           <a:prstGeom prst="rect">
             <a:avLst/>
           </a:prstGeom>
           <a:noFill/>
-          <a:extLst>
-            <a:ext uri="{909E8E84-426E-40DD-AFC4-6F175D3DCCD1}">
-              <a14:hiddenFill xmlns:a14="http://schemas.microsoft.com/office/drawing/2010/main">
+        </p:spPr>
+        <p:txBody>
+          <a:bodyPr wrap="none" rtlCol="0">
+            <a:spAutoFit/>
+          </a:bodyPr>
+          <a:lstStyle/>
+          <a:p>
+            <a:pPr algn="ctr"/>
+            <a:r>
+              <a:rPr lang="es-ES" sz="1200" dirty="0" err="1">
                 <a:solidFill>
-                  <a:srgbClr val="FFFFFF"/>
+                  <a:schemeClr val="bg2">
+                    <a:lumMod val="90000"/>
+                  </a:schemeClr>
                 </a:solidFill>
-              </a14:hiddenFill>
-            </a:ext>
-          </a:extLst>
-        </p:spPr>
-      </p:pic>
-      <p:cxnSp>
-        <p:nvCxnSpPr>
-          <p:cNvPr id="10" name="Connector: Elbow 9">
-            <a:extLst>
-              <a:ext uri="{FF2B5EF4-FFF2-40B4-BE49-F238E27FC236}">
-                <a16:creationId xmlns:a16="http://schemas.microsoft.com/office/drawing/2014/main" id="{E54F9D76-DF29-24D6-28D9-15A514FC2F6E}"/>
-              </a:ext>
-            </a:extLst>
-          </p:cNvPr>
-          <p:cNvCxnSpPr>
-            <a:cxnSpLocks/>
-          </p:cNvCxnSpPr>
-          <p:nvPr/>
-        </p:nvCxnSpPr>
-        <p:spPr>
-          <a:xfrm rot="16200000" flipH="1">
-            <a:off x="3597503" y="4098627"/>
-            <a:ext cx="975066" cy="371728"/>
-          </a:xfrm>
-          <a:prstGeom prst="bentConnector3">
-            <a:avLst>
-              <a:gd name="adj1" fmla="val 99820"/>
-            </a:avLst>
-          </a:prstGeom>
-          <a:ln>
-            <a:tailEnd type="triangle"/>
-          </a:ln>
-        </p:spPr>
-        <p:style>
-          <a:lnRef idx="1">
-            <a:schemeClr val="accent1"/>
-          </a:lnRef>
-          <a:fillRef idx="0">
-            <a:schemeClr val="accent1"/>
-          </a:fillRef>
-          <a:effectRef idx="0">
-            <a:schemeClr val="accent1"/>
-          </a:effectRef>
-          <a:fontRef idx="minor">
-            <a:schemeClr val="tx1"/>
-          </a:fontRef>
-        </p:style>
-      </p:cxnSp>
-      <p:cxnSp>
-        <p:nvCxnSpPr>
-          <p:cNvPr id="11" name="Connector: Elbow 10">
-            <a:extLst>
-              <a:ext uri="{FF2B5EF4-FFF2-40B4-BE49-F238E27FC236}">
-                <a16:creationId xmlns:a16="http://schemas.microsoft.com/office/drawing/2014/main" id="{360EBDAE-F35A-84ED-435C-DBB11AB3C7D7}"/>
-              </a:ext>
-            </a:extLst>
-          </p:cNvPr>
-          <p:cNvCxnSpPr>
-            <a:cxnSpLocks/>
-          </p:cNvCxnSpPr>
-          <p:nvPr/>
-        </p:nvCxnSpPr>
-        <p:spPr>
-          <a:xfrm rot="16200000" flipH="1">
-            <a:off x="3289941" y="4075859"/>
-            <a:ext cx="1272836" cy="676923"/>
-          </a:xfrm>
-          <a:prstGeom prst="bentConnector3">
-            <a:avLst>
-              <a:gd name="adj1" fmla="val 100138"/>
-            </a:avLst>
-          </a:prstGeom>
-          <a:ln>
-            <a:headEnd type="triangle" w="med" len="med"/>
-            <a:tailEnd type="none" w="med" len="med"/>
-          </a:ln>
-        </p:spPr>
-        <p:style>
-          <a:lnRef idx="1">
-            <a:schemeClr val="accent1"/>
-          </a:lnRef>
-          <a:fillRef idx="0">
-            <a:schemeClr val="accent1"/>
-          </a:fillRef>
-          <a:effectRef idx="0">
-            <a:schemeClr val="accent1"/>
-          </a:effectRef>
-          <a:fontRef idx="minor">
-            <a:schemeClr val="tx1"/>
-          </a:fontRef>
-        </p:style>
-      </p:cxnSp>
+              </a:rPr>
+              <a:t>Pull</a:t>
+            </a:r>
+            <a:endParaRPr lang="es-ES" sz="1200" dirty="0">
+              <a:solidFill>
+                <a:schemeClr val="bg2">
+                  <a:lumMod val="90000"/>
+                </a:schemeClr>
+              </a:solidFill>
+            </a:endParaRPr>
+          </a:p>
+          <a:p>
+            <a:pPr algn="ctr"/>
+            <a:r>
+              <a:rPr lang="es-ES" sz="1200" dirty="0" err="1">
+                <a:solidFill>
+                  <a:schemeClr val="bg2">
+                    <a:lumMod val="90000"/>
+                  </a:schemeClr>
+                </a:solidFill>
+              </a:rPr>
+              <a:t>Image</a:t>
+            </a:r>
+            <a:endParaRPr lang="es-ES" sz="1200" dirty="0">
+              <a:solidFill>
+                <a:schemeClr val="bg2">
+                  <a:lumMod val="90000"/>
+                </a:schemeClr>
+              </a:solidFill>
+            </a:endParaRPr>
+          </a:p>
+        </p:txBody>
+      </p:sp>
       <p:sp>
         <p:nvSpPr>
-          <p:cNvPr id="13" name="Rectangle: Rounded Corners 12">
-            <a:extLst>
-              <a:ext uri="{FF2B5EF4-FFF2-40B4-BE49-F238E27FC236}">
-                <a16:creationId xmlns:a16="http://schemas.microsoft.com/office/drawing/2014/main" id="{DE88DA35-90D5-2913-BAC7-8A3DFC95B6C4}"/>
-              </a:ext>
-            </a:extLst>
-          </p:cNvPr>
-          <p:cNvSpPr/>
-          <p:nvPr/>
-        </p:nvSpPr>
-        <p:spPr>
-          <a:xfrm>
-            <a:off x="6464138" y="2696818"/>
-            <a:ext cx="1266825" cy="847725"/>
-          </a:xfrm>
-          <a:prstGeom prst="roundRect">
-            <a:avLst>
-              <a:gd name="adj" fmla="val 11979"/>
-            </a:avLst>
-          </a:prstGeom>
-          <a:solidFill>
-            <a:schemeClr val="bg1"/>
-          </a:solidFill>
-        </p:spPr>
-        <p:style>
-          <a:lnRef idx="2">
-            <a:schemeClr val="accent1">
-              <a:shade val="15000"/>
-            </a:schemeClr>
-          </a:lnRef>
-          <a:fillRef idx="1">
-            <a:schemeClr val="accent1"/>
-          </a:fillRef>
-          <a:effectRef idx="0">
-            <a:schemeClr val="accent1"/>
-          </a:effectRef>
-          <a:fontRef idx="minor">
-            <a:schemeClr val="lt1"/>
-          </a:fontRef>
-        </p:style>
-        <p:txBody>
-          <a:bodyPr rtlCol="0" anchor="ctr"/>
-          <a:lstStyle/>
-          <a:p>
-            <a:pPr algn="ctr"/>
-            <a:r>
-              <a:rPr lang="es-ES" sz="1400" dirty="0">
-                <a:solidFill>
-                  <a:schemeClr val="tx1"/>
-                </a:solidFill>
-              </a:rPr>
-              <a:t>/</a:t>
-            </a:r>
-            <a:r>
-              <a:rPr lang="es-ES" sz="1400" dirty="0" err="1">
-                <a:solidFill>
-                  <a:schemeClr val="tx1"/>
-                </a:solidFill>
-              </a:rPr>
-              <a:t>public</a:t>
-            </a:r>
-            <a:endParaRPr lang="es-ES" sz="1400" dirty="0">
-              <a:solidFill>
-                <a:schemeClr val="tx1"/>
-              </a:solidFill>
-            </a:endParaRPr>
-          </a:p>
-          <a:p>
-            <a:pPr algn="ctr"/>
-            <a:endParaRPr lang="es-ES" sz="1400" dirty="0">
-              <a:solidFill>
-                <a:schemeClr val="tx1"/>
-              </a:solidFill>
-            </a:endParaRPr>
-          </a:p>
-          <a:p>
-            <a:pPr algn="ctr"/>
-            <a:r>
-              <a:rPr lang="es-ES" sz="1400" dirty="0">
-                <a:solidFill>
-                  <a:schemeClr val="tx1"/>
-                </a:solidFill>
-              </a:rPr>
-              <a:t>/</a:t>
-            </a:r>
-            <a:r>
-              <a:rPr lang="es-ES" sz="1400" dirty="0" err="1">
-                <a:solidFill>
-                  <a:schemeClr val="tx1"/>
-                </a:solidFill>
-              </a:rPr>
-              <a:t>admin</a:t>
-            </a:r>
-            <a:endParaRPr lang="es-ES" sz="1400" dirty="0">
-              <a:solidFill>
-                <a:schemeClr val="tx1"/>
-              </a:solidFill>
-            </a:endParaRPr>
-          </a:p>
-        </p:txBody>
-      </p:sp>
-      <p:cxnSp>
-        <p:nvCxnSpPr>
-          <p:cNvPr id="15" name="Connector: Elbow 14">
-            <a:extLst>
-              <a:ext uri="{FF2B5EF4-FFF2-40B4-BE49-F238E27FC236}">
-                <a16:creationId xmlns:a16="http://schemas.microsoft.com/office/drawing/2014/main" id="{39A6E181-3EB0-F6C2-88CA-9DA1814F2AFE}"/>
-              </a:ext>
-            </a:extLst>
-          </p:cNvPr>
-          <p:cNvCxnSpPr>
-            <a:cxnSpLocks/>
-            <a:stCxn id="4" idx="3"/>
-            <a:endCxn id="13" idx="1"/>
-          </p:cNvCxnSpPr>
-          <p:nvPr/>
-        </p:nvCxnSpPr>
-        <p:spPr>
-          <a:xfrm>
-            <a:off x="4776787" y="3120681"/>
-            <a:ext cx="1687351" cy="0"/>
-          </a:xfrm>
-          <a:prstGeom prst="straightConnector1">
-            <a:avLst/>
-          </a:prstGeom>
-          <a:ln>
-            <a:headEnd type="none" w="med" len="med"/>
-            <a:tailEnd type="none" w="med" len="med"/>
-          </a:ln>
-        </p:spPr>
-        <p:style>
-          <a:lnRef idx="1">
-            <a:schemeClr val="accent1"/>
-          </a:lnRef>
-          <a:fillRef idx="0">
-            <a:schemeClr val="accent1"/>
-          </a:fillRef>
-          <a:effectRef idx="0">
-            <a:schemeClr val="accent1"/>
-          </a:effectRef>
-          <a:fontRef idx="minor">
-            <a:schemeClr val="tx1"/>
-          </a:fontRef>
-        </p:style>
-      </p:cxnSp>
-      <p:pic>
-        <p:nvPicPr>
-          <p:cNvPr id="18" name="Picture 6" descr="Browser window, blank web page vector template By Microvector ...">
-            <a:extLst>
-              <a:ext uri="{FF2B5EF4-FFF2-40B4-BE49-F238E27FC236}">
-                <a16:creationId xmlns:a16="http://schemas.microsoft.com/office/drawing/2014/main" id="{F383F405-EAE7-DCE8-F519-878DD5A3A367}"/>
-              </a:ext>
-            </a:extLst>
-          </p:cNvPr>
-          <p:cNvPicPr>
-            <a:picLocks noChangeAspect="1" noChangeArrowheads="1"/>
-          </p:cNvPicPr>
-          <p:nvPr/>
-        </p:nvPicPr>
-        <p:blipFill rotWithShape="1">
-          <a:blip r:embed="rId5">
-            <a:extLst>
-              <a:ext uri="{BEBA8EAE-BF5A-486C-A8C5-ECC9F3942E4B}">
-                <a14:imgProps xmlns:a14="http://schemas.microsoft.com/office/drawing/2010/main">
-                  <a14:imgLayer r:embed="rId6">
-                    <a14:imgEffect>
-                      <a14:saturation sat="400000"/>
-                    </a14:imgEffect>
-                    <a14:imgEffect>
-                      <a14:brightnessContrast bright="-20000" contrast="40000"/>
-                    </a14:imgEffect>
-                  </a14:imgLayer>
-                </a14:imgProps>
-              </a:ext>
-              <a:ext uri="{28A0092B-C50C-407E-A947-70E740481C1C}">
-                <a14:useLocalDpi xmlns:a14="http://schemas.microsoft.com/office/drawing/2010/main" val="0"/>
-              </a:ext>
-            </a:extLst>
-          </a:blip>
-          <a:srcRect l="10207" t="19062" r="10174" b="20464"/>
-          <a:stretch/>
-        </p:blipFill>
-        <p:spPr bwMode="auto">
-          <a:xfrm>
-            <a:off x="1287372" y="3905652"/>
-            <a:ext cx="997540" cy="757677"/>
-          </a:xfrm>
-          <a:prstGeom prst="rect">
-            <a:avLst/>
-          </a:prstGeom>
-          <a:noFill/>
-          <a:extLst>
-            <a:ext uri="{909E8E84-426E-40DD-AFC4-6F175D3DCCD1}">
-              <a14:hiddenFill xmlns:a14="http://schemas.microsoft.com/office/drawing/2010/main">
-                <a:solidFill>
-                  <a:srgbClr val="FFFFFF"/>
-                </a:solidFill>
-              </a14:hiddenFill>
-            </a:ext>
-          </a:extLst>
-        </p:spPr>
-      </p:pic>
-      <p:cxnSp>
-        <p:nvCxnSpPr>
-          <p:cNvPr id="19" name="Connector: Elbow 25">
-            <a:extLst>
-              <a:ext uri="{FF2B5EF4-FFF2-40B4-BE49-F238E27FC236}">
-                <a16:creationId xmlns:a16="http://schemas.microsoft.com/office/drawing/2014/main" id="{7647B06E-FFD0-F231-4546-FC840B1C3093}"/>
-              </a:ext>
-            </a:extLst>
-          </p:cNvPr>
-          <p:cNvCxnSpPr>
-            <a:cxnSpLocks/>
-            <a:stCxn id="18" idx="0"/>
-            <a:endCxn id="4" idx="1"/>
-          </p:cNvCxnSpPr>
-          <p:nvPr/>
-        </p:nvCxnSpPr>
-        <p:spPr>
-          <a:xfrm rot="5400000" flipH="1" flipV="1">
-            <a:off x="1865042" y="3041782"/>
-            <a:ext cx="784971" cy="942770"/>
-          </a:xfrm>
-          <a:prstGeom prst="bentConnector2">
-            <a:avLst/>
-          </a:prstGeom>
-          <a:ln>
-            <a:tailEnd type="triangle"/>
-          </a:ln>
-        </p:spPr>
-        <p:style>
-          <a:lnRef idx="1">
-            <a:schemeClr val="accent1"/>
-          </a:lnRef>
-          <a:fillRef idx="0">
-            <a:schemeClr val="accent1"/>
-          </a:fillRef>
-          <a:effectRef idx="0">
-            <a:schemeClr val="accent1"/>
-          </a:effectRef>
-          <a:fontRef idx="minor">
-            <a:schemeClr val="tx1"/>
-          </a:fontRef>
-        </p:style>
-      </p:cxnSp>
-      <p:sp>
-        <p:nvSpPr>
-          <p:cNvPr id="21" name="TextBox 20">
-            <a:extLst>
-              <a:ext uri="{FF2B5EF4-FFF2-40B4-BE49-F238E27FC236}">
-                <a16:creationId xmlns:a16="http://schemas.microsoft.com/office/drawing/2014/main" id="{6060D670-91F5-441B-102E-62FB5DCD1CB9}"/>
+          <p:cNvPr id="55" name="TextBox 54">
+            <a:extLst>
+              <a:ext uri="{FF2B5EF4-FFF2-40B4-BE49-F238E27FC236}">
+                <a16:creationId xmlns:a16="http://schemas.microsoft.com/office/drawing/2014/main" id="{5A809FCC-2B9C-C148-81C6-6940EBC339BC}"/>
               </a:ext>
             </a:extLst>
           </p:cNvPr>
@@ -7223,8 +9173,8 @@
         </p:nvSpPr>
         <p:spPr>
           <a:xfrm>
-            <a:off x="506305" y="361539"/>
-            <a:ext cx="1987557" cy="369332"/>
+            <a:off x="5649563" y="4343067"/>
+            <a:ext cx="699230" cy="215444"/>
           </a:xfrm>
           <a:prstGeom prst="rect">
             <a:avLst/>
@@ -7232,199 +9182,24 @@
           <a:noFill/>
         </p:spPr>
         <p:txBody>
-          <a:bodyPr wrap="square">
+          <a:bodyPr wrap="none" rtlCol="0">
             <a:spAutoFit/>
           </a:bodyPr>
           <a:lstStyle/>
           <a:p>
             <a:pPr algn="ctr"/>
             <a:r>
-              <a:rPr lang="es-ES" dirty="0" err="1">
-                <a:solidFill>
-                  <a:schemeClr val="tx1"/>
-                </a:solidFill>
-              </a:rPr>
-              <a:t>basic</a:t>
-            </a:r>
-            <a:r>
-              <a:rPr lang="es-ES" dirty="0">
-                <a:solidFill>
-                  <a:schemeClr val="tx1"/>
-                </a:solidFill>
-              </a:rPr>
-              <a:t> app</a:t>
-            </a:r>
+              <a:rPr lang="es-ES" sz="800" dirty="0" err="1"/>
+              <a:t>Deployment</a:t>
+            </a:r>
+            <a:endParaRPr lang="es-ES" sz="800" dirty="0"/>
           </a:p>
         </p:txBody>
       </p:sp>
-      <p:sp>
-        <p:nvSpPr>
-          <p:cNvPr id="22" name="TextBox 21">
-            <a:extLst>
-              <a:ext uri="{FF2B5EF4-FFF2-40B4-BE49-F238E27FC236}">
-                <a16:creationId xmlns:a16="http://schemas.microsoft.com/office/drawing/2014/main" id="{61BFB1B0-75E3-032E-6303-408D6FB767E8}"/>
-              </a:ext>
-            </a:extLst>
-          </p:cNvPr>
-          <p:cNvSpPr txBox="1"/>
-          <p:nvPr/>
-        </p:nvSpPr>
-        <p:spPr>
-          <a:xfrm>
-            <a:off x="6737184" y="3513167"/>
-            <a:ext cx="1987557" cy="415498"/>
-          </a:xfrm>
-          <a:prstGeom prst="rect">
-            <a:avLst/>
-          </a:prstGeom>
-          <a:noFill/>
-        </p:spPr>
-        <p:txBody>
-          <a:bodyPr wrap="square">
-            <a:spAutoFit/>
-          </a:bodyPr>
-          <a:lstStyle/>
-          <a:p>
-            <a:pPr algn="ctr"/>
-            <a:r>
-              <a:rPr lang="es-ES" sz="1050" dirty="0">
-                <a:solidFill>
-                  <a:schemeClr val="tx1"/>
-                </a:solidFill>
-              </a:rPr>
-              <a:t>Web server </a:t>
-            </a:r>
-            <a:r>
-              <a:rPr lang="es-ES" sz="1050" dirty="0" err="1">
-                <a:solidFill>
-                  <a:schemeClr val="tx1"/>
-                </a:solidFill>
-              </a:rPr>
-              <a:t>pod</a:t>
-            </a:r>
-            <a:endParaRPr lang="es-ES" sz="1050" dirty="0">
-              <a:solidFill>
-                <a:schemeClr val="tx1"/>
-              </a:solidFill>
-            </a:endParaRPr>
-          </a:p>
-          <a:p>
-            <a:pPr algn="ctr"/>
-            <a:r>
-              <a:rPr lang="es-ES" sz="1050" dirty="0">
-                <a:solidFill>
-                  <a:schemeClr val="tx1"/>
-                </a:solidFill>
-              </a:rPr>
-              <a:t>(apache, </a:t>
-            </a:r>
-            <a:r>
-              <a:rPr lang="es-ES" sz="1050" dirty="0" err="1">
-                <a:solidFill>
-                  <a:schemeClr val="tx1"/>
-                </a:solidFill>
-              </a:rPr>
-              <a:t>nginx</a:t>
-            </a:r>
-            <a:r>
-              <a:rPr lang="es-ES" sz="1050" dirty="0">
-                <a:solidFill>
-                  <a:schemeClr val="tx1"/>
-                </a:solidFill>
-              </a:rPr>
-              <a:t>…)</a:t>
-            </a:r>
-          </a:p>
-        </p:txBody>
-      </p:sp>
-      <p:cxnSp>
-        <p:nvCxnSpPr>
-          <p:cNvPr id="23" name="Connector: Elbow 14">
-            <a:extLst>
-              <a:ext uri="{FF2B5EF4-FFF2-40B4-BE49-F238E27FC236}">
-                <a16:creationId xmlns:a16="http://schemas.microsoft.com/office/drawing/2014/main" id="{D7DAC04C-E129-9EB1-365A-4FCB45D5060B}"/>
-              </a:ext>
-            </a:extLst>
-          </p:cNvPr>
-          <p:cNvCxnSpPr>
-            <a:cxnSpLocks/>
-            <a:stCxn id="13" idx="1"/>
-          </p:cNvCxnSpPr>
-          <p:nvPr/>
-        </p:nvCxnSpPr>
-        <p:spPr>
-          <a:xfrm flipV="1">
-            <a:off x="6464138" y="2898648"/>
-            <a:ext cx="287468" cy="222033"/>
-          </a:xfrm>
-          <a:prstGeom prst="straightConnector1">
-            <a:avLst/>
-          </a:prstGeom>
-          <a:ln>
-            <a:tailEnd type="triangle"/>
-          </a:ln>
-        </p:spPr>
-        <p:style>
-          <a:lnRef idx="1">
-            <a:schemeClr val="accent1"/>
-          </a:lnRef>
-          <a:fillRef idx="0">
-            <a:schemeClr val="accent1"/>
-          </a:fillRef>
-          <a:effectRef idx="0">
-            <a:schemeClr val="accent1"/>
-          </a:effectRef>
-          <a:fontRef idx="minor">
-            <a:schemeClr val="tx1"/>
-          </a:fontRef>
-        </p:style>
-      </p:cxnSp>
-      <p:cxnSp>
-        <p:nvCxnSpPr>
-          <p:cNvPr id="26" name="Connector: Elbow 14">
-            <a:extLst>
-              <a:ext uri="{FF2B5EF4-FFF2-40B4-BE49-F238E27FC236}">
-                <a16:creationId xmlns:a16="http://schemas.microsoft.com/office/drawing/2014/main" id="{08037114-C614-297C-F01B-696B02EE7DB1}"/>
-              </a:ext>
-            </a:extLst>
-          </p:cNvPr>
-          <p:cNvCxnSpPr>
-            <a:cxnSpLocks/>
-            <a:stCxn id="13" idx="1"/>
-          </p:cNvCxnSpPr>
-          <p:nvPr/>
-        </p:nvCxnSpPr>
-        <p:spPr>
-          <a:xfrm>
-            <a:off x="6464138" y="3120681"/>
-            <a:ext cx="287468" cy="224152"/>
-          </a:xfrm>
-          <a:prstGeom prst="straightConnector1">
-            <a:avLst/>
-          </a:prstGeom>
-          <a:ln>
-            <a:tailEnd type="triangle"/>
-          </a:ln>
-        </p:spPr>
-        <p:style>
-          <a:lnRef idx="1">
-            <a:schemeClr val="accent1"/>
-          </a:lnRef>
-          <a:fillRef idx="0">
-            <a:schemeClr val="accent1"/>
-          </a:fillRef>
-          <a:effectRef idx="0">
-            <a:schemeClr val="accent1"/>
-          </a:effectRef>
-          <a:fontRef idx="minor">
-            <a:schemeClr val="tx1"/>
-          </a:fontRef>
-        </p:style>
-      </p:cxnSp>
     </p:spTree>
     <p:extLst>
       <p:ext uri="{BB962C8B-B14F-4D97-AF65-F5344CB8AC3E}">
-        <p14:creationId xmlns:p14="http://schemas.microsoft.com/office/powerpoint/2010/main" val="2984650839"/>
+        <p14:creationId xmlns:p14="http://schemas.microsoft.com/office/powerpoint/2010/main" val="1526622527"/>
       </p:ext>
     </p:extLst>
   </p:cSld>

--- a/docs/diagrams.pptx
+++ b/docs/diagrams.pptx
@@ -7,11 +7,12 @@
   <p:sldIdLst>
     <p:sldId id="256" r:id="rId2"/>
     <p:sldId id="259" r:id="rId3"/>
-    <p:sldId id="260" r:id="rId4"/>
-    <p:sldId id="262" r:id="rId5"/>
-    <p:sldId id="263" r:id="rId6"/>
-    <p:sldId id="261" r:id="rId7"/>
-    <p:sldId id="264" r:id="rId8"/>
+    <p:sldId id="261" r:id="rId4"/>
+    <p:sldId id="260" r:id="rId5"/>
+    <p:sldId id="264" r:id="rId6"/>
+    <p:sldId id="265" r:id="rId7"/>
+    <p:sldId id="263" r:id="rId8"/>
+    <p:sldId id="262" r:id="rId9"/>
   </p:sldIdLst>
   <p:sldSz cx="12192000" cy="6858000"/>
   <p:notesSz cx="6858000" cy="9144000"/>
@@ -267,7 +268,7 @@
           <a:p>
             <a:fld id="{4AC07DEF-3650-42BF-8068-D2C0F3E6665F}" type="datetimeFigureOut">
               <a:rPr lang="es-ES" smtClean="0"/>
-              <a:t>14/12/2023</a:t>
+              <a:t>13/01/2024</a:t>
             </a:fld>
             <a:endParaRPr lang="es-ES"/>
           </a:p>
@@ -467,7 +468,7 @@
           <a:p>
             <a:fld id="{4AC07DEF-3650-42BF-8068-D2C0F3E6665F}" type="datetimeFigureOut">
               <a:rPr lang="es-ES" smtClean="0"/>
-              <a:t>14/12/2023</a:t>
+              <a:t>13/01/2024</a:t>
             </a:fld>
             <a:endParaRPr lang="es-ES"/>
           </a:p>
@@ -677,7 +678,7 @@
           <a:p>
             <a:fld id="{4AC07DEF-3650-42BF-8068-D2C0F3E6665F}" type="datetimeFigureOut">
               <a:rPr lang="es-ES" smtClean="0"/>
-              <a:t>14/12/2023</a:t>
+              <a:t>13/01/2024</a:t>
             </a:fld>
             <a:endParaRPr lang="es-ES"/>
           </a:p>
@@ -877,7 +878,7 @@
           <a:p>
             <a:fld id="{4AC07DEF-3650-42BF-8068-D2C0F3E6665F}" type="datetimeFigureOut">
               <a:rPr lang="es-ES" smtClean="0"/>
-              <a:t>14/12/2023</a:t>
+              <a:t>13/01/2024</a:t>
             </a:fld>
             <a:endParaRPr lang="es-ES"/>
           </a:p>
@@ -1153,7 +1154,7 @@
           <a:p>
             <a:fld id="{4AC07DEF-3650-42BF-8068-D2C0F3E6665F}" type="datetimeFigureOut">
               <a:rPr lang="es-ES" smtClean="0"/>
-              <a:t>14/12/2023</a:t>
+              <a:t>13/01/2024</a:t>
             </a:fld>
             <a:endParaRPr lang="es-ES"/>
           </a:p>
@@ -1421,7 +1422,7 @@
           <a:p>
             <a:fld id="{4AC07DEF-3650-42BF-8068-D2C0F3E6665F}" type="datetimeFigureOut">
               <a:rPr lang="es-ES" smtClean="0"/>
-              <a:t>14/12/2023</a:t>
+              <a:t>13/01/2024</a:t>
             </a:fld>
             <a:endParaRPr lang="es-ES"/>
           </a:p>
@@ -1836,7 +1837,7 @@
           <a:p>
             <a:fld id="{4AC07DEF-3650-42BF-8068-D2C0F3E6665F}" type="datetimeFigureOut">
               <a:rPr lang="es-ES" smtClean="0"/>
-              <a:t>14/12/2023</a:t>
+              <a:t>13/01/2024</a:t>
             </a:fld>
             <a:endParaRPr lang="es-ES"/>
           </a:p>
@@ -1978,7 +1979,7 @@
           <a:p>
             <a:fld id="{4AC07DEF-3650-42BF-8068-D2C0F3E6665F}" type="datetimeFigureOut">
               <a:rPr lang="es-ES" smtClean="0"/>
-              <a:t>14/12/2023</a:t>
+              <a:t>13/01/2024</a:t>
             </a:fld>
             <a:endParaRPr lang="es-ES"/>
           </a:p>
@@ -2091,7 +2092,7 @@
           <a:p>
             <a:fld id="{4AC07DEF-3650-42BF-8068-D2C0F3E6665F}" type="datetimeFigureOut">
               <a:rPr lang="es-ES" smtClean="0"/>
-              <a:t>14/12/2023</a:t>
+              <a:t>13/01/2024</a:t>
             </a:fld>
             <a:endParaRPr lang="es-ES"/>
           </a:p>
@@ -2404,7 +2405,7 @@
           <a:p>
             <a:fld id="{4AC07DEF-3650-42BF-8068-D2C0F3E6665F}" type="datetimeFigureOut">
               <a:rPr lang="es-ES" smtClean="0"/>
-              <a:t>14/12/2023</a:t>
+              <a:t>13/01/2024</a:t>
             </a:fld>
             <a:endParaRPr lang="es-ES"/>
           </a:p>
@@ -2693,7 +2694,7 @@
           <a:p>
             <a:fld id="{4AC07DEF-3650-42BF-8068-D2C0F3E6665F}" type="datetimeFigureOut">
               <a:rPr lang="es-ES" smtClean="0"/>
-              <a:t>14/12/2023</a:t>
+              <a:t>13/01/2024</a:t>
             </a:fld>
             <a:endParaRPr lang="es-ES"/>
           </a:p>
@@ -2936,7 +2937,7 @@
           <a:p>
             <a:fld id="{4AC07DEF-3650-42BF-8068-D2C0F3E6665F}" type="datetimeFigureOut">
               <a:rPr lang="es-ES" smtClean="0"/>
-              <a:t>14/12/2023</a:t>
+              <a:t>13/01/2024</a:t>
             </a:fld>
             <a:endParaRPr lang="es-ES"/>
           </a:p>
@@ -3885,6 +3886,42 @@
           <a:chExt cx="0" cy="0"/>
         </a:xfrm>
       </p:grpSpPr>
+      <p:sp>
+        <p:nvSpPr>
+          <p:cNvPr id="2" name="TextBox 1">
+            <a:extLst>
+              <a:ext uri="{FF2B5EF4-FFF2-40B4-BE49-F238E27FC236}">
+                <a16:creationId xmlns:a16="http://schemas.microsoft.com/office/drawing/2014/main" id="{7EAD1172-547B-CC67-0049-901E08162E9F}"/>
+              </a:ext>
+            </a:extLst>
+          </p:cNvPr>
+          <p:cNvSpPr txBox="1"/>
+          <p:nvPr/>
+        </p:nvSpPr>
+        <p:spPr>
+          <a:xfrm>
+            <a:off x="5550408" y="3244334"/>
+            <a:ext cx="1345946" cy="369332"/>
+          </a:xfrm>
+          <a:prstGeom prst="rect">
+            <a:avLst/>
+          </a:prstGeom>
+          <a:noFill/>
+        </p:spPr>
+        <p:txBody>
+          <a:bodyPr wrap="none" rtlCol="0">
+            <a:spAutoFit/>
+          </a:bodyPr>
+          <a:lstStyle/>
+          <a:p>
+            <a:r>
+              <a:rPr lang="es-ES" dirty="0" err="1"/>
+              <a:t>Architecture</a:t>
+            </a:r>
+            <a:endParaRPr lang="es-ES" dirty="0"/>
+          </a:p>
+        </p:txBody>
+      </p:sp>
     </p:spTree>
     <p:extLst>
       <p:ext uri="{BB962C8B-B14F-4D97-AF65-F5344CB8AC3E}">
@@ -3899,6 +3936,779 @@
 </file>
 
 <file path=ppt/slides/slide3.xml><?xml version="1.0" encoding="utf-8"?>
+<p:sld xmlns:a="http://schemas.openxmlformats.org/drawingml/2006/main" xmlns:r="http://schemas.openxmlformats.org/officeDocument/2006/relationships" xmlns:p="http://schemas.openxmlformats.org/presentationml/2006/main">
+  <p:cSld>
+    <p:spTree>
+      <p:nvGrpSpPr>
+        <p:cNvPr id="1" name=""/>
+        <p:cNvGrpSpPr/>
+        <p:nvPr/>
+      </p:nvGrpSpPr>
+      <p:grpSpPr>
+        <a:xfrm>
+          <a:off x="0" y="0"/>
+          <a:ext cx="0" cy="0"/>
+          <a:chOff x="0" y="0"/>
+          <a:chExt cx="0" cy="0"/>
+        </a:xfrm>
+      </p:grpSpPr>
+      <p:sp>
+        <p:nvSpPr>
+          <p:cNvPr id="2" name="Rectangle: Rounded Corners 1">
+            <a:extLst>
+              <a:ext uri="{FF2B5EF4-FFF2-40B4-BE49-F238E27FC236}">
+                <a16:creationId xmlns:a16="http://schemas.microsoft.com/office/drawing/2014/main" id="{C1EABD0B-7717-097C-4B8C-20C9F64F5571}"/>
+              </a:ext>
+            </a:extLst>
+          </p:cNvPr>
+          <p:cNvSpPr/>
+          <p:nvPr/>
+        </p:nvSpPr>
+        <p:spPr>
+          <a:xfrm>
+            <a:off x="3448050" y="990600"/>
+            <a:ext cx="5724525" cy="4800600"/>
+          </a:xfrm>
+          <a:prstGeom prst="roundRect">
+            <a:avLst>
+              <a:gd name="adj" fmla="val 4427"/>
+            </a:avLst>
+          </a:prstGeom>
+          <a:noFill/>
+          <a:ln>
+            <a:prstDash val="dash"/>
+          </a:ln>
+        </p:spPr>
+        <p:style>
+          <a:lnRef idx="2">
+            <a:schemeClr val="accent1">
+              <a:shade val="15000"/>
+            </a:schemeClr>
+          </a:lnRef>
+          <a:fillRef idx="1">
+            <a:schemeClr val="accent1"/>
+          </a:fillRef>
+          <a:effectRef idx="0">
+            <a:schemeClr val="accent1"/>
+          </a:effectRef>
+          <a:fontRef idx="minor">
+            <a:schemeClr val="lt1"/>
+          </a:fontRef>
+        </p:style>
+        <p:txBody>
+          <a:bodyPr rtlCol="0" anchor="ctr"/>
+          <a:lstStyle/>
+          <a:p>
+            <a:pPr algn="ctr"/>
+            <a:endParaRPr lang="es-ES"/>
+          </a:p>
+        </p:txBody>
+      </p:sp>
+      <p:grpSp>
+        <p:nvGrpSpPr>
+          <p:cNvPr id="6" name="Group 5">
+            <a:extLst>
+              <a:ext uri="{FF2B5EF4-FFF2-40B4-BE49-F238E27FC236}">
+                <a16:creationId xmlns:a16="http://schemas.microsoft.com/office/drawing/2014/main" id="{F2F48A0C-44E2-D36B-81DB-8452202DCFE2}"/>
+              </a:ext>
+            </a:extLst>
+          </p:cNvPr>
+          <p:cNvGrpSpPr/>
+          <p:nvPr/>
+        </p:nvGrpSpPr>
+        <p:grpSpPr>
+          <a:xfrm>
+            <a:off x="2728912" y="2463456"/>
+            <a:ext cx="2047875" cy="1314450"/>
+            <a:chOff x="2424112" y="2314575"/>
+            <a:chExt cx="2047875" cy="1314450"/>
+          </a:xfrm>
+        </p:grpSpPr>
+        <p:sp>
+          <p:nvSpPr>
+            <p:cNvPr id="5" name="Rectangle: Rounded Corners 4">
+              <a:extLst>
+                <a:ext uri="{FF2B5EF4-FFF2-40B4-BE49-F238E27FC236}">
+                  <a16:creationId xmlns:a16="http://schemas.microsoft.com/office/drawing/2014/main" id="{D893CDFD-7304-57AE-6C1D-EA2D450CBF73}"/>
+                </a:ext>
+              </a:extLst>
+            </p:cNvPr>
+            <p:cNvSpPr/>
+            <p:nvPr/>
+          </p:nvSpPr>
+          <p:spPr>
+            <a:xfrm>
+              <a:off x="2424112" y="2314575"/>
+              <a:ext cx="2047875" cy="1314450"/>
+            </a:xfrm>
+            <a:prstGeom prst="roundRect">
+              <a:avLst>
+                <a:gd name="adj" fmla="val 11979"/>
+              </a:avLst>
+            </a:prstGeom>
+            <a:solidFill>
+              <a:schemeClr val="bg1"/>
+            </a:solidFill>
+          </p:spPr>
+          <p:style>
+            <a:lnRef idx="2">
+              <a:schemeClr val="accent1">
+                <a:shade val="15000"/>
+              </a:schemeClr>
+            </a:lnRef>
+            <a:fillRef idx="1">
+              <a:schemeClr val="accent1"/>
+            </a:fillRef>
+            <a:effectRef idx="0">
+              <a:schemeClr val="accent1"/>
+            </a:effectRef>
+            <a:fontRef idx="minor">
+              <a:schemeClr val="lt1"/>
+            </a:fontRef>
+          </p:style>
+          <p:txBody>
+            <a:bodyPr rtlCol="0" anchor="ctr"/>
+            <a:lstStyle/>
+            <a:p>
+              <a:pPr algn="ctr"/>
+              <a:endParaRPr lang="es-ES"/>
+            </a:p>
+          </p:txBody>
+        </p:sp>
+        <p:pic>
+          <p:nvPicPr>
+            <p:cNvPr id="3" name="Picture 2">
+              <a:extLst>
+                <a:ext uri="{FF2B5EF4-FFF2-40B4-BE49-F238E27FC236}">
+                  <a16:creationId xmlns:a16="http://schemas.microsoft.com/office/drawing/2014/main" id="{7EC83269-84FE-E617-F217-9D2D088DC419}"/>
+                </a:ext>
+              </a:extLst>
+            </p:cNvPr>
+            <p:cNvPicPr>
+              <a:picLocks noChangeAspect="1"/>
+            </p:cNvPicPr>
+            <p:nvPr/>
+          </p:nvPicPr>
+          <p:blipFill>
+            <a:blip r:embed="rId2">
+              <a:clrChange>
+                <a:clrFrom>
+                  <a:srgbClr val="FFFFFF"/>
+                </a:clrFrom>
+                <a:clrTo>
+                  <a:srgbClr val="FFFFFF">
+                    <a:alpha val="0"/>
+                  </a:srgbClr>
+                </a:clrTo>
+              </a:clrChange>
+            </a:blip>
+            <a:stretch>
+              <a:fillRect/>
+            </a:stretch>
+          </p:blipFill>
+          <p:spPr>
+            <a:xfrm>
+              <a:off x="2929999" y="2409825"/>
+              <a:ext cx="1036101" cy="1143000"/>
+            </a:xfrm>
+            <a:prstGeom prst="rect">
+              <a:avLst/>
+            </a:prstGeom>
+          </p:spPr>
+        </p:pic>
+      </p:grpSp>
+      <p:sp>
+        <p:nvSpPr>
+          <p:cNvPr id="7" name="Rectangle: Rounded Corners 6">
+            <a:extLst>
+              <a:ext uri="{FF2B5EF4-FFF2-40B4-BE49-F238E27FC236}">
+                <a16:creationId xmlns:a16="http://schemas.microsoft.com/office/drawing/2014/main" id="{AEB12C1E-DFA1-4068-F8F1-64B14A4C54DC}"/>
+              </a:ext>
+            </a:extLst>
+          </p:cNvPr>
+          <p:cNvSpPr/>
+          <p:nvPr/>
+        </p:nvSpPr>
+        <p:spPr>
+          <a:xfrm>
+            <a:off x="4574586" y="4428850"/>
+            <a:ext cx="1388064" cy="1034490"/>
+          </a:xfrm>
+          <a:prstGeom prst="roundRect">
+            <a:avLst>
+              <a:gd name="adj" fmla="val 11979"/>
+            </a:avLst>
+          </a:prstGeom>
+          <a:solidFill>
+            <a:schemeClr val="bg1"/>
+          </a:solidFill>
+        </p:spPr>
+        <p:style>
+          <a:lnRef idx="2">
+            <a:schemeClr val="accent1">
+              <a:shade val="15000"/>
+            </a:schemeClr>
+          </a:lnRef>
+          <a:fillRef idx="1">
+            <a:schemeClr val="accent1"/>
+          </a:fillRef>
+          <a:effectRef idx="0">
+            <a:schemeClr val="accent1"/>
+          </a:effectRef>
+          <a:fontRef idx="minor">
+            <a:schemeClr val="lt1"/>
+          </a:fontRef>
+        </p:style>
+        <p:txBody>
+          <a:bodyPr rtlCol="0" anchor="ctr"/>
+          <a:lstStyle/>
+          <a:p>
+            <a:pPr algn="ctr"/>
+            <a:r>
+              <a:rPr lang="es-ES" sz="1600" dirty="0" err="1">
+                <a:solidFill>
+                  <a:schemeClr val="tx1"/>
+                </a:solidFill>
+              </a:rPr>
+              <a:t>Oberkorn</a:t>
+            </a:r>
+            <a:endParaRPr lang="es-ES" sz="1600" dirty="0">
+              <a:solidFill>
+                <a:schemeClr val="tx1"/>
+              </a:solidFill>
+            </a:endParaRPr>
+          </a:p>
+          <a:p>
+            <a:pPr algn="ctr"/>
+            <a:r>
+              <a:rPr lang="es-ES" sz="1600" dirty="0" err="1">
+                <a:solidFill>
+                  <a:schemeClr val="tx1"/>
+                </a:solidFill>
+              </a:rPr>
+              <a:t>Authorizator</a:t>
+            </a:r>
+            <a:endParaRPr lang="es-ES" sz="1600" dirty="0">
+              <a:solidFill>
+                <a:schemeClr val="tx1"/>
+              </a:solidFill>
+            </a:endParaRPr>
+          </a:p>
+        </p:txBody>
+      </p:sp>
+      <p:pic>
+        <p:nvPicPr>
+          <p:cNvPr id="9" name="Picture 2" descr="KubeCon Europe 2017 Impressions · Chris Hager">
+            <a:extLst>
+              <a:ext uri="{FF2B5EF4-FFF2-40B4-BE49-F238E27FC236}">
+                <a16:creationId xmlns:a16="http://schemas.microsoft.com/office/drawing/2014/main" id="{B4F394AE-E3F0-7B4F-8712-75186A27F032}"/>
+              </a:ext>
+            </a:extLst>
+          </p:cNvPr>
+          <p:cNvPicPr>
+            <a:picLocks noChangeAspect="1" noChangeArrowheads="1"/>
+          </p:cNvPicPr>
+          <p:nvPr/>
+        </p:nvPicPr>
+        <p:blipFill rotWithShape="1">
+          <a:blip r:embed="rId3">
+            <a:clrChange>
+              <a:clrFrom>
+                <a:srgbClr val="000000">
+                  <a:alpha val="0"/>
+                </a:srgbClr>
+              </a:clrFrom>
+              <a:clrTo>
+                <a:srgbClr val="000000">
+                  <a:alpha val="0"/>
+                </a:srgbClr>
+              </a:clrTo>
+            </a:clrChange>
+            <a:extLst>
+              <a:ext uri="{28A0092B-C50C-407E-A947-70E740481C1C}">
+                <a14:useLocalDpi xmlns:a14="http://schemas.microsoft.com/office/drawing/2010/main" val="0"/>
+              </a:ext>
+            </a:extLst>
+          </a:blip>
+          <a:srcRect l="6237" t="6775" r="6520" b="7478"/>
+          <a:stretch/>
+        </p:blipFill>
+        <p:spPr bwMode="auto">
+          <a:xfrm>
+            <a:off x="8477249" y="5142875"/>
+            <a:ext cx="514265" cy="505449"/>
+          </a:xfrm>
+          <a:prstGeom prst="rect">
+            <a:avLst/>
+          </a:prstGeom>
+          <a:noFill/>
+          <a:extLst>
+            <a:ext uri="{909E8E84-426E-40DD-AFC4-6F175D3DCCD1}">
+              <a14:hiddenFill xmlns:a14="http://schemas.microsoft.com/office/drawing/2010/main">
+                <a:solidFill>
+                  <a:srgbClr val="FFFFFF"/>
+                </a:solidFill>
+              </a14:hiddenFill>
+            </a:ext>
+          </a:extLst>
+        </p:spPr>
+      </p:pic>
+      <p:sp>
+        <p:nvSpPr>
+          <p:cNvPr id="20" name="Rectangle: Rounded Corners 19">
+            <a:extLst>
+              <a:ext uri="{FF2B5EF4-FFF2-40B4-BE49-F238E27FC236}">
+                <a16:creationId xmlns:a16="http://schemas.microsoft.com/office/drawing/2014/main" id="{4153B1FA-82A0-7025-CA40-8D6B6ADBB708}"/>
+              </a:ext>
+            </a:extLst>
+          </p:cNvPr>
+          <p:cNvSpPr/>
+          <p:nvPr/>
+        </p:nvSpPr>
+        <p:spPr>
+          <a:xfrm>
+            <a:off x="7124700" y="1429993"/>
+            <a:ext cx="1266825" cy="847725"/>
+          </a:xfrm>
+          <a:prstGeom prst="roundRect">
+            <a:avLst>
+              <a:gd name="adj" fmla="val 11979"/>
+            </a:avLst>
+          </a:prstGeom>
+          <a:solidFill>
+            <a:schemeClr val="bg1"/>
+          </a:solidFill>
+        </p:spPr>
+        <p:style>
+          <a:lnRef idx="2">
+            <a:schemeClr val="accent1">
+              <a:shade val="15000"/>
+            </a:schemeClr>
+          </a:lnRef>
+          <a:fillRef idx="1">
+            <a:schemeClr val="accent1"/>
+          </a:fillRef>
+          <a:effectRef idx="0">
+            <a:schemeClr val="accent1"/>
+          </a:effectRef>
+          <a:fontRef idx="minor">
+            <a:schemeClr val="lt1"/>
+          </a:fontRef>
+        </p:style>
+        <p:txBody>
+          <a:bodyPr rtlCol="0" anchor="ctr"/>
+          <a:lstStyle/>
+          <a:p>
+            <a:pPr algn="ctr"/>
+            <a:r>
+              <a:rPr lang="es-ES" dirty="0" err="1">
+                <a:solidFill>
+                  <a:schemeClr val="tx1"/>
+                </a:solidFill>
+              </a:rPr>
+              <a:t>Oberkorn</a:t>
+            </a:r>
+            <a:r>
+              <a:rPr lang="es-ES" dirty="0">
+                <a:solidFill>
+                  <a:schemeClr val="tx1"/>
+                </a:solidFill>
+              </a:rPr>
+              <a:t> </a:t>
+            </a:r>
+            <a:r>
+              <a:rPr lang="es-ES" dirty="0" err="1">
+                <a:solidFill>
+                  <a:schemeClr val="tx1"/>
+                </a:solidFill>
+              </a:rPr>
+              <a:t>Controller</a:t>
+            </a:r>
+            <a:r>
+              <a:rPr lang="es-ES" dirty="0">
+                <a:solidFill>
+                  <a:schemeClr val="tx1"/>
+                </a:solidFill>
+              </a:rPr>
+              <a:t> </a:t>
+            </a:r>
+            <a:r>
+              <a:rPr lang="es-ES" dirty="0" err="1">
+                <a:solidFill>
+                  <a:schemeClr val="tx1"/>
+                </a:solidFill>
+              </a:rPr>
+              <a:t>Pod</a:t>
+            </a:r>
+            <a:endParaRPr lang="es-ES" dirty="0">
+              <a:solidFill>
+                <a:schemeClr val="tx1"/>
+              </a:solidFill>
+            </a:endParaRPr>
+          </a:p>
+        </p:txBody>
+      </p:sp>
+      <p:cxnSp>
+        <p:nvCxnSpPr>
+          <p:cNvPr id="22" name="Connector: Elbow 21">
+            <a:extLst>
+              <a:ext uri="{FF2B5EF4-FFF2-40B4-BE49-F238E27FC236}">
+                <a16:creationId xmlns:a16="http://schemas.microsoft.com/office/drawing/2014/main" id="{DEFFA23C-8143-DF29-2CD7-4A5E451CDC42}"/>
+              </a:ext>
+            </a:extLst>
+          </p:cNvPr>
+          <p:cNvCxnSpPr>
+            <a:cxnSpLocks/>
+            <a:stCxn id="20" idx="1"/>
+            <a:endCxn id="5" idx="0"/>
+          </p:cNvCxnSpPr>
+          <p:nvPr/>
+        </p:nvCxnSpPr>
+        <p:spPr>
+          <a:xfrm rot="10800000" flipV="1">
+            <a:off x="3752850" y="1853856"/>
+            <a:ext cx="3371850" cy="609600"/>
+          </a:xfrm>
+          <a:prstGeom prst="bentConnector2">
+            <a:avLst/>
+          </a:prstGeom>
+          <a:ln>
+            <a:tailEnd type="triangle"/>
+          </a:ln>
+        </p:spPr>
+        <p:style>
+          <a:lnRef idx="1">
+            <a:schemeClr val="accent1"/>
+          </a:lnRef>
+          <a:fillRef idx="0">
+            <a:schemeClr val="accent1"/>
+          </a:fillRef>
+          <a:effectRef idx="0">
+            <a:schemeClr val="accent1"/>
+          </a:effectRef>
+          <a:fontRef idx="minor">
+            <a:schemeClr val="tx1"/>
+          </a:fontRef>
+        </p:style>
+      </p:cxnSp>
+      <p:cxnSp>
+        <p:nvCxnSpPr>
+          <p:cNvPr id="24" name="Connector: Elbow 23">
+            <a:extLst>
+              <a:ext uri="{FF2B5EF4-FFF2-40B4-BE49-F238E27FC236}">
+                <a16:creationId xmlns:a16="http://schemas.microsoft.com/office/drawing/2014/main" id="{63576EA8-803A-EE53-BB21-E55B25D1FF29}"/>
+              </a:ext>
+            </a:extLst>
+          </p:cNvPr>
+          <p:cNvCxnSpPr>
+            <a:cxnSpLocks/>
+            <a:stCxn id="20" idx="1"/>
+            <a:endCxn id="7" idx="0"/>
+          </p:cNvCxnSpPr>
+          <p:nvPr/>
+        </p:nvCxnSpPr>
+        <p:spPr>
+          <a:xfrm rot="10800000" flipV="1">
+            <a:off x="5268618" y="1853856"/>
+            <a:ext cx="1856082" cy="2574994"/>
+          </a:xfrm>
+          <a:prstGeom prst="bentConnector2">
+            <a:avLst/>
+          </a:prstGeom>
+          <a:ln>
+            <a:tailEnd type="triangle"/>
+          </a:ln>
+        </p:spPr>
+        <p:style>
+          <a:lnRef idx="1">
+            <a:schemeClr val="accent1"/>
+          </a:lnRef>
+          <a:fillRef idx="0">
+            <a:schemeClr val="accent1"/>
+          </a:fillRef>
+          <a:effectRef idx="0">
+            <a:schemeClr val="accent1"/>
+          </a:effectRef>
+          <a:fontRef idx="minor">
+            <a:schemeClr val="tx1"/>
+          </a:fontRef>
+        </p:style>
+      </p:cxnSp>
+      <p:pic>
+        <p:nvPicPr>
+          <p:cNvPr id="10" name="Picture 9">
+            <a:extLst>
+              <a:ext uri="{FF2B5EF4-FFF2-40B4-BE49-F238E27FC236}">
+                <a16:creationId xmlns:a16="http://schemas.microsoft.com/office/drawing/2014/main" id="{A0F8D23E-B8F6-C835-04EC-5203FF579B92}"/>
+              </a:ext>
+            </a:extLst>
+          </p:cNvPr>
+          <p:cNvPicPr>
+            <a:picLocks noChangeAspect="1"/>
+          </p:cNvPicPr>
+          <p:nvPr/>
+        </p:nvPicPr>
+        <p:blipFill>
+          <a:blip r:embed="rId4">
+            <a:clrChange>
+              <a:clrFrom>
+                <a:srgbClr val="FFFFFF"/>
+              </a:clrFrom>
+              <a:clrTo>
+                <a:srgbClr val="FFFFFF">
+                  <a:alpha val="0"/>
+                </a:srgbClr>
+              </a:clrTo>
+            </a:clrChange>
+          </a:blip>
+          <a:stretch>
+            <a:fillRect/>
+          </a:stretch>
+        </p:blipFill>
+        <p:spPr>
+          <a:xfrm>
+            <a:off x="8171698" y="2045236"/>
+            <a:ext cx="433078" cy="448704"/>
+          </a:xfrm>
+          <a:prstGeom prst="rect">
+            <a:avLst/>
+          </a:prstGeom>
+        </p:spPr>
+      </p:pic>
+      <p:sp>
+        <p:nvSpPr>
+          <p:cNvPr id="18" name="TextBox 17">
+            <a:extLst>
+              <a:ext uri="{FF2B5EF4-FFF2-40B4-BE49-F238E27FC236}">
+                <a16:creationId xmlns:a16="http://schemas.microsoft.com/office/drawing/2014/main" id="{C43835C1-F196-3938-4348-5B554F4E1249}"/>
+              </a:ext>
+            </a:extLst>
+          </p:cNvPr>
+          <p:cNvSpPr txBox="1"/>
+          <p:nvPr/>
+        </p:nvSpPr>
+        <p:spPr>
+          <a:xfrm>
+            <a:off x="3911856" y="1623022"/>
+            <a:ext cx="789254" cy="461665"/>
+          </a:xfrm>
+          <a:prstGeom prst="rect">
+            <a:avLst/>
+          </a:prstGeom>
+          <a:noFill/>
+        </p:spPr>
+        <p:txBody>
+          <a:bodyPr wrap="none" rtlCol="0">
+            <a:spAutoFit/>
+          </a:bodyPr>
+          <a:lstStyle/>
+          <a:p>
+            <a:pPr algn="ctr"/>
+            <a:r>
+              <a:rPr lang="es-ES" sz="1200" dirty="0"/>
+              <a:t>Configure</a:t>
+            </a:r>
+          </a:p>
+          <a:p>
+            <a:pPr algn="ctr"/>
+            <a:r>
+              <a:rPr lang="es-ES" sz="1200" dirty="0" err="1"/>
+              <a:t>Ingress</a:t>
+            </a:r>
+            <a:endParaRPr lang="es-ES" sz="1200" dirty="0"/>
+          </a:p>
+        </p:txBody>
+      </p:sp>
+      <p:sp>
+        <p:nvSpPr>
+          <p:cNvPr id="23" name="TextBox 22">
+            <a:extLst>
+              <a:ext uri="{FF2B5EF4-FFF2-40B4-BE49-F238E27FC236}">
+                <a16:creationId xmlns:a16="http://schemas.microsoft.com/office/drawing/2014/main" id="{534DABA0-CCD8-81F5-1F48-3E4B48A3FDBE}"/>
+              </a:ext>
+            </a:extLst>
+          </p:cNvPr>
+          <p:cNvSpPr txBox="1"/>
+          <p:nvPr/>
+        </p:nvSpPr>
+        <p:spPr>
+          <a:xfrm rot="16200000">
+            <a:off x="4637323" y="3556927"/>
+            <a:ext cx="1224374" cy="461665"/>
+          </a:xfrm>
+          <a:prstGeom prst="rect">
+            <a:avLst/>
+          </a:prstGeom>
+          <a:noFill/>
+        </p:spPr>
+        <p:txBody>
+          <a:bodyPr wrap="none" rtlCol="0">
+            <a:spAutoFit/>
+          </a:bodyPr>
+          <a:lstStyle/>
+          <a:p>
+            <a:pPr algn="ctr"/>
+            <a:r>
+              <a:rPr lang="es-ES" sz="1200" dirty="0" err="1"/>
+              <a:t>Deploy</a:t>
+            </a:r>
+            <a:endParaRPr lang="es-ES" sz="1200" dirty="0"/>
+          </a:p>
+          <a:p>
+            <a:pPr algn="ctr"/>
+            <a:r>
+              <a:rPr lang="es-ES" sz="1200" dirty="0" err="1"/>
+              <a:t>ObkAuthorizator</a:t>
+            </a:r>
+            <a:endParaRPr lang="es-ES" sz="1200" dirty="0"/>
+          </a:p>
+        </p:txBody>
+      </p:sp>
+      <p:cxnSp>
+        <p:nvCxnSpPr>
+          <p:cNvPr id="25" name="Connector: Elbow 24">
+            <a:extLst>
+              <a:ext uri="{FF2B5EF4-FFF2-40B4-BE49-F238E27FC236}">
+                <a16:creationId xmlns:a16="http://schemas.microsoft.com/office/drawing/2014/main" id="{C6C4AE1B-53CD-068A-76AB-F2F64359F37F}"/>
+              </a:ext>
+            </a:extLst>
+          </p:cNvPr>
+          <p:cNvCxnSpPr>
+            <a:cxnSpLocks/>
+            <a:stCxn id="7" idx="1"/>
+            <a:endCxn id="5" idx="2"/>
+          </p:cNvCxnSpPr>
+          <p:nvPr/>
+        </p:nvCxnSpPr>
+        <p:spPr>
+          <a:xfrm rot="10800000">
+            <a:off x="3752850" y="3777907"/>
+            <a:ext cx="821736" cy="1168189"/>
+          </a:xfrm>
+          <a:prstGeom prst="bentConnector2">
+            <a:avLst/>
+          </a:prstGeom>
+          <a:ln>
+            <a:prstDash val="dash"/>
+            <a:headEnd type="triangle" w="med" len="med"/>
+            <a:tailEnd type="triangle" w="med" len="med"/>
+          </a:ln>
+        </p:spPr>
+        <p:style>
+          <a:lnRef idx="1">
+            <a:schemeClr val="accent1"/>
+          </a:lnRef>
+          <a:fillRef idx="0">
+            <a:schemeClr val="accent1"/>
+          </a:fillRef>
+          <a:effectRef idx="0">
+            <a:schemeClr val="accent1"/>
+          </a:effectRef>
+          <a:fontRef idx="minor">
+            <a:schemeClr val="tx1"/>
+          </a:fontRef>
+        </p:style>
+      </p:cxnSp>
+      <p:sp>
+        <p:nvSpPr>
+          <p:cNvPr id="11" name="TextBox 10">
+            <a:extLst>
+              <a:ext uri="{FF2B5EF4-FFF2-40B4-BE49-F238E27FC236}">
+                <a16:creationId xmlns:a16="http://schemas.microsoft.com/office/drawing/2014/main" id="{ADFC7033-6B51-B615-1E61-3AEF2FAB4F55}"/>
+              </a:ext>
+            </a:extLst>
+          </p:cNvPr>
+          <p:cNvSpPr txBox="1"/>
+          <p:nvPr/>
+        </p:nvSpPr>
+        <p:spPr>
+          <a:xfrm>
+            <a:off x="506305" y="361539"/>
+            <a:ext cx="1987557" cy="369332"/>
+          </a:xfrm>
+          <a:prstGeom prst="rect">
+            <a:avLst/>
+          </a:prstGeom>
+          <a:noFill/>
+        </p:spPr>
+        <p:txBody>
+          <a:bodyPr wrap="square">
+            <a:spAutoFit/>
+          </a:bodyPr>
+          <a:lstStyle/>
+          <a:p>
+            <a:pPr algn="ctr"/>
+            <a:r>
+              <a:rPr lang="es-ES" dirty="0" err="1">
+                <a:solidFill>
+                  <a:schemeClr val="tx1"/>
+                </a:solidFill>
+              </a:rPr>
+              <a:t>oberkorn</a:t>
+            </a:r>
+            <a:endParaRPr lang="es-ES" dirty="0">
+              <a:solidFill>
+                <a:schemeClr val="tx1"/>
+              </a:solidFill>
+            </a:endParaRPr>
+          </a:p>
+        </p:txBody>
+      </p:sp>
+      <p:pic>
+        <p:nvPicPr>
+          <p:cNvPr id="12" name="Picture 11">
+            <a:extLst>
+              <a:ext uri="{FF2B5EF4-FFF2-40B4-BE49-F238E27FC236}">
+                <a16:creationId xmlns:a16="http://schemas.microsoft.com/office/drawing/2014/main" id="{0B478FA9-6EB1-68D2-F017-1ECCC524D68F}"/>
+              </a:ext>
+            </a:extLst>
+          </p:cNvPr>
+          <p:cNvPicPr>
+            <a:picLocks noChangeAspect="1"/>
+          </p:cNvPicPr>
+          <p:nvPr/>
+        </p:nvPicPr>
+        <p:blipFill>
+          <a:blip r:embed="rId4">
+            <a:clrChange>
+              <a:clrFrom>
+                <a:srgbClr val="FFFFFF"/>
+              </a:clrFrom>
+              <a:clrTo>
+                <a:srgbClr val="FFFFFF">
+                  <a:alpha val="0"/>
+                </a:srgbClr>
+              </a:clrTo>
+            </a:clrChange>
+          </a:blip>
+          <a:stretch>
+            <a:fillRect/>
+          </a:stretch>
+        </p:blipFill>
+        <p:spPr>
+          <a:xfrm>
+            <a:off x="5746111" y="5238988"/>
+            <a:ext cx="433078" cy="448704"/>
+          </a:xfrm>
+          <a:prstGeom prst="rect">
+            <a:avLst/>
+          </a:prstGeom>
+        </p:spPr>
+      </p:pic>
+    </p:spTree>
+    <p:extLst>
+      <p:ext uri="{BB962C8B-B14F-4D97-AF65-F5344CB8AC3E}">
+        <p14:creationId xmlns:p14="http://schemas.microsoft.com/office/powerpoint/2010/main" val="247945748"/>
+      </p:ext>
+    </p:extLst>
+  </p:cSld>
+  <p:clrMapOvr>
+    <a:masterClrMapping/>
+  </p:clrMapOvr>
+</p:sld>
+</file>
+
+<file path=ppt/slides/slide4.xml><?xml version="1.0" encoding="utf-8"?>
 <p:sld xmlns:a="http://schemas.openxmlformats.org/drawingml/2006/main" xmlns:r="http://schemas.openxmlformats.org/officeDocument/2006/relationships" xmlns:p="http://schemas.openxmlformats.org/presentationml/2006/main">
   <p:cSld>
     <p:spTree>
@@ -4768,7 +5578,7 @@
 </p:sld>
 </file>
 
-<file path=ppt/slides/slide4.xml><?xml version="1.0" encoding="utf-8"?>
+<file path=ppt/slides/slide5.xml><?xml version="1.0" encoding="utf-8"?>
 <p:sld xmlns:a="http://schemas.openxmlformats.org/drawingml/2006/main" xmlns:r="http://schemas.openxmlformats.org/officeDocument/2006/relationships" xmlns:p="http://schemas.openxmlformats.org/presentationml/2006/main">
   <p:cSld>
     <p:spTree>
@@ -4790,7 +5600,7 @@
           <p:cNvPr id="2" name="Rectangle: Rounded Corners 1">
             <a:extLst>
               <a:ext uri="{FF2B5EF4-FFF2-40B4-BE49-F238E27FC236}">
-                <a16:creationId xmlns:a16="http://schemas.microsoft.com/office/drawing/2014/main" id="{39EA2E18-AFFA-593F-DA50-1FAE729004F0}"/>
+                <a16:creationId xmlns:a16="http://schemas.microsoft.com/office/drawing/2014/main" id="{C1EABD0B-7717-097C-4B8C-20C9F64F5571}"/>
               </a:ext>
             </a:extLst>
           </p:cNvPr>
@@ -4799,8 +5609,1827 @@
         </p:nvSpPr>
         <p:spPr>
           <a:xfrm>
-            <a:off x="3448050" y="1353312"/>
-            <a:ext cx="5724525" cy="4437888"/>
+            <a:off x="2512150" y="1239890"/>
+            <a:ext cx="6842162" cy="5236464"/>
+          </a:xfrm>
+          <a:prstGeom prst="roundRect">
+            <a:avLst>
+              <a:gd name="adj" fmla="val 4427"/>
+            </a:avLst>
+          </a:prstGeom>
+          <a:noFill/>
+          <a:ln>
+            <a:prstDash val="dash"/>
+          </a:ln>
+        </p:spPr>
+        <p:style>
+          <a:lnRef idx="2">
+            <a:schemeClr val="accent1">
+              <a:shade val="15000"/>
+            </a:schemeClr>
+          </a:lnRef>
+          <a:fillRef idx="1">
+            <a:schemeClr val="accent1"/>
+          </a:fillRef>
+          <a:effectRef idx="0">
+            <a:schemeClr val="accent1"/>
+          </a:effectRef>
+          <a:fontRef idx="minor">
+            <a:schemeClr val="lt1"/>
+          </a:fontRef>
+        </p:style>
+        <p:txBody>
+          <a:bodyPr rtlCol="0" anchor="ctr"/>
+          <a:lstStyle/>
+          <a:p>
+            <a:pPr algn="ctr"/>
+            <a:endParaRPr lang="es-ES"/>
+          </a:p>
+        </p:txBody>
+      </p:sp>
+      <p:grpSp>
+        <p:nvGrpSpPr>
+          <p:cNvPr id="6" name="Group 5">
+            <a:extLst>
+              <a:ext uri="{FF2B5EF4-FFF2-40B4-BE49-F238E27FC236}">
+                <a16:creationId xmlns:a16="http://schemas.microsoft.com/office/drawing/2014/main" id="{F2F48A0C-44E2-D36B-81DB-8452202DCFE2}"/>
+              </a:ext>
+            </a:extLst>
+          </p:cNvPr>
+          <p:cNvGrpSpPr/>
+          <p:nvPr/>
+        </p:nvGrpSpPr>
+        <p:grpSpPr>
+          <a:xfrm>
+            <a:off x="2134130" y="2887190"/>
+            <a:ext cx="2047875" cy="1314450"/>
+            <a:chOff x="2424112" y="2314575"/>
+            <a:chExt cx="2047875" cy="1314450"/>
+          </a:xfrm>
+        </p:grpSpPr>
+        <p:sp>
+          <p:nvSpPr>
+            <p:cNvPr id="5" name="Rectangle: Rounded Corners 4">
+              <a:extLst>
+                <a:ext uri="{FF2B5EF4-FFF2-40B4-BE49-F238E27FC236}">
+                  <a16:creationId xmlns:a16="http://schemas.microsoft.com/office/drawing/2014/main" id="{D893CDFD-7304-57AE-6C1D-EA2D450CBF73}"/>
+                </a:ext>
+              </a:extLst>
+            </p:cNvPr>
+            <p:cNvSpPr/>
+            <p:nvPr/>
+          </p:nvSpPr>
+          <p:spPr>
+            <a:xfrm>
+              <a:off x="2424112" y="2314575"/>
+              <a:ext cx="2047875" cy="1314450"/>
+            </a:xfrm>
+            <a:prstGeom prst="roundRect">
+              <a:avLst>
+                <a:gd name="adj" fmla="val 11979"/>
+              </a:avLst>
+            </a:prstGeom>
+            <a:solidFill>
+              <a:schemeClr val="bg1"/>
+            </a:solidFill>
+          </p:spPr>
+          <p:style>
+            <a:lnRef idx="2">
+              <a:schemeClr val="accent1">
+                <a:shade val="15000"/>
+              </a:schemeClr>
+            </a:lnRef>
+            <a:fillRef idx="1">
+              <a:schemeClr val="accent1"/>
+            </a:fillRef>
+            <a:effectRef idx="0">
+              <a:schemeClr val="accent1"/>
+            </a:effectRef>
+            <a:fontRef idx="minor">
+              <a:schemeClr val="lt1"/>
+            </a:fontRef>
+          </p:style>
+          <p:txBody>
+            <a:bodyPr rtlCol="0" anchor="ctr"/>
+            <a:lstStyle/>
+            <a:p>
+              <a:pPr algn="ctr"/>
+              <a:endParaRPr lang="es-ES"/>
+            </a:p>
+          </p:txBody>
+        </p:sp>
+        <p:pic>
+          <p:nvPicPr>
+            <p:cNvPr id="3" name="Picture 2">
+              <a:extLst>
+                <a:ext uri="{FF2B5EF4-FFF2-40B4-BE49-F238E27FC236}">
+                  <a16:creationId xmlns:a16="http://schemas.microsoft.com/office/drawing/2014/main" id="{7EC83269-84FE-E617-F217-9D2D088DC419}"/>
+                </a:ext>
+              </a:extLst>
+            </p:cNvPr>
+            <p:cNvPicPr>
+              <a:picLocks noChangeAspect="1"/>
+            </p:cNvPicPr>
+            <p:nvPr/>
+          </p:nvPicPr>
+          <p:blipFill>
+            <a:blip r:embed="rId2">
+              <a:clrChange>
+                <a:clrFrom>
+                  <a:srgbClr val="FFFFFF"/>
+                </a:clrFrom>
+                <a:clrTo>
+                  <a:srgbClr val="FFFFFF">
+                    <a:alpha val="0"/>
+                  </a:srgbClr>
+                </a:clrTo>
+              </a:clrChange>
+            </a:blip>
+            <a:stretch>
+              <a:fillRect/>
+            </a:stretch>
+          </p:blipFill>
+          <p:spPr>
+            <a:xfrm>
+              <a:off x="2929999" y="2409825"/>
+              <a:ext cx="1036101" cy="1143000"/>
+            </a:xfrm>
+            <a:prstGeom prst="rect">
+              <a:avLst/>
+            </a:prstGeom>
+          </p:spPr>
+        </p:pic>
+      </p:grpSp>
+      <p:pic>
+        <p:nvPicPr>
+          <p:cNvPr id="9" name="Picture 2" descr="KubeCon Europe 2017 Impressions · Chris Hager">
+            <a:extLst>
+              <a:ext uri="{FF2B5EF4-FFF2-40B4-BE49-F238E27FC236}">
+                <a16:creationId xmlns:a16="http://schemas.microsoft.com/office/drawing/2014/main" id="{B4F394AE-E3F0-7B4F-8712-75186A27F032}"/>
+              </a:ext>
+            </a:extLst>
+          </p:cNvPr>
+          <p:cNvPicPr>
+            <a:picLocks noChangeAspect="1" noChangeArrowheads="1"/>
+          </p:cNvPicPr>
+          <p:nvPr/>
+        </p:nvPicPr>
+        <p:blipFill rotWithShape="1">
+          <a:blip r:embed="rId3">
+            <a:clrChange>
+              <a:clrFrom>
+                <a:srgbClr val="000000">
+                  <a:alpha val="0"/>
+                </a:srgbClr>
+              </a:clrFrom>
+              <a:clrTo>
+                <a:srgbClr val="000000">
+                  <a:alpha val="0"/>
+                </a:srgbClr>
+              </a:clrTo>
+            </a:clrChange>
+            <a:extLst>
+              <a:ext uri="{28A0092B-C50C-407E-A947-70E740481C1C}">
+                <a14:useLocalDpi xmlns:a14="http://schemas.microsoft.com/office/drawing/2010/main" val="0"/>
+              </a:ext>
+            </a:extLst>
+          </a:blip>
+          <a:srcRect l="6237" t="6775" r="6520" b="7478"/>
+          <a:stretch/>
+        </p:blipFill>
+        <p:spPr bwMode="auto">
+          <a:xfrm>
+            <a:off x="8650726" y="5870278"/>
+            <a:ext cx="514265" cy="505449"/>
+          </a:xfrm>
+          <a:prstGeom prst="rect">
+            <a:avLst/>
+          </a:prstGeom>
+          <a:noFill/>
+          <a:extLst>
+            <a:ext uri="{909E8E84-426E-40DD-AFC4-6F175D3DCCD1}">
+              <a14:hiddenFill xmlns:a14="http://schemas.microsoft.com/office/drawing/2010/main">
+                <a:solidFill>
+                  <a:srgbClr val="FFFFFF"/>
+                </a:solidFill>
+              </a14:hiddenFill>
+            </a:ext>
+          </a:extLst>
+        </p:spPr>
+      </p:pic>
+      <p:sp>
+        <p:nvSpPr>
+          <p:cNvPr id="20" name="Rectangle: Rounded Corners 19">
+            <a:extLst>
+              <a:ext uri="{FF2B5EF4-FFF2-40B4-BE49-F238E27FC236}">
+                <a16:creationId xmlns:a16="http://schemas.microsoft.com/office/drawing/2014/main" id="{4153B1FA-82A0-7025-CA40-8D6B6ADBB708}"/>
+              </a:ext>
+            </a:extLst>
+          </p:cNvPr>
+          <p:cNvSpPr/>
+          <p:nvPr/>
+        </p:nvSpPr>
+        <p:spPr>
+          <a:xfrm>
+            <a:off x="7142988" y="1679283"/>
+            <a:ext cx="1266825" cy="847725"/>
+          </a:xfrm>
+          <a:prstGeom prst="roundRect">
+            <a:avLst>
+              <a:gd name="adj" fmla="val 11979"/>
+            </a:avLst>
+          </a:prstGeom>
+          <a:solidFill>
+            <a:schemeClr val="bg1"/>
+          </a:solidFill>
+        </p:spPr>
+        <p:style>
+          <a:lnRef idx="2">
+            <a:schemeClr val="accent1">
+              <a:shade val="15000"/>
+            </a:schemeClr>
+          </a:lnRef>
+          <a:fillRef idx="1">
+            <a:schemeClr val="accent1"/>
+          </a:fillRef>
+          <a:effectRef idx="0">
+            <a:schemeClr val="accent1"/>
+          </a:effectRef>
+          <a:fontRef idx="minor">
+            <a:schemeClr val="lt1"/>
+          </a:fontRef>
+        </p:style>
+        <p:txBody>
+          <a:bodyPr rtlCol="0" anchor="ctr"/>
+          <a:lstStyle/>
+          <a:p>
+            <a:pPr algn="ctr"/>
+            <a:r>
+              <a:rPr lang="es-ES" sz="1600" dirty="0" err="1">
+                <a:solidFill>
+                  <a:schemeClr val="tx1"/>
+                </a:solidFill>
+              </a:rPr>
+              <a:t>Oberkorn</a:t>
+            </a:r>
+            <a:endParaRPr lang="es-ES" sz="1600" dirty="0">
+              <a:solidFill>
+                <a:schemeClr val="tx1"/>
+              </a:solidFill>
+            </a:endParaRPr>
+          </a:p>
+          <a:p>
+            <a:pPr algn="ctr"/>
+            <a:r>
+              <a:rPr lang="es-ES" sz="1600" dirty="0" err="1">
+                <a:solidFill>
+                  <a:schemeClr val="tx1"/>
+                </a:solidFill>
+              </a:rPr>
+              <a:t>Controller</a:t>
+            </a:r>
+            <a:endParaRPr lang="es-ES" sz="1600" dirty="0">
+              <a:solidFill>
+                <a:schemeClr val="tx1"/>
+              </a:solidFill>
+            </a:endParaRPr>
+          </a:p>
+        </p:txBody>
+      </p:sp>
+      <p:cxnSp>
+        <p:nvCxnSpPr>
+          <p:cNvPr id="22" name="Connector: Elbow 21">
+            <a:extLst>
+              <a:ext uri="{FF2B5EF4-FFF2-40B4-BE49-F238E27FC236}">
+                <a16:creationId xmlns:a16="http://schemas.microsoft.com/office/drawing/2014/main" id="{DEFFA23C-8143-DF29-2CD7-4A5E451CDC42}"/>
+              </a:ext>
+            </a:extLst>
+          </p:cNvPr>
+          <p:cNvCxnSpPr>
+            <a:cxnSpLocks/>
+            <a:stCxn id="20" idx="1"/>
+            <a:endCxn id="5" idx="0"/>
+          </p:cNvCxnSpPr>
+          <p:nvPr/>
+        </p:nvCxnSpPr>
+        <p:spPr>
+          <a:xfrm rot="10800000" flipV="1">
+            <a:off x="3158068" y="2103146"/>
+            <a:ext cx="3984920" cy="784044"/>
+          </a:xfrm>
+          <a:prstGeom prst="bentConnector2">
+            <a:avLst/>
+          </a:prstGeom>
+          <a:ln>
+            <a:tailEnd type="triangle"/>
+          </a:ln>
+        </p:spPr>
+        <p:style>
+          <a:lnRef idx="1">
+            <a:schemeClr val="accent1"/>
+          </a:lnRef>
+          <a:fillRef idx="0">
+            <a:schemeClr val="accent1"/>
+          </a:fillRef>
+          <a:effectRef idx="0">
+            <a:schemeClr val="accent1"/>
+          </a:effectRef>
+          <a:fontRef idx="minor">
+            <a:schemeClr val="tx1"/>
+          </a:fontRef>
+        </p:style>
+      </p:cxnSp>
+      <p:cxnSp>
+        <p:nvCxnSpPr>
+          <p:cNvPr id="24" name="Connector: Elbow 23">
+            <a:extLst>
+              <a:ext uri="{FF2B5EF4-FFF2-40B4-BE49-F238E27FC236}">
+                <a16:creationId xmlns:a16="http://schemas.microsoft.com/office/drawing/2014/main" id="{63576EA8-803A-EE53-BB21-E55B25D1FF29}"/>
+              </a:ext>
+            </a:extLst>
+          </p:cNvPr>
+          <p:cNvCxnSpPr>
+            <a:cxnSpLocks/>
+            <a:stCxn id="20" idx="1"/>
+            <a:endCxn id="12" idx="0"/>
+          </p:cNvCxnSpPr>
+          <p:nvPr/>
+        </p:nvCxnSpPr>
+        <p:spPr>
+          <a:xfrm rot="10800000" flipV="1">
+            <a:off x="4897674" y="2103145"/>
+            <a:ext cx="2245315" cy="2651709"/>
+          </a:xfrm>
+          <a:prstGeom prst="bentConnector2">
+            <a:avLst/>
+          </a:prstGeom>
+          <a:ln>
+            <a:tailEnd type="triangle"/>
+          </a:ln>
+        </p:spPr>
+        <p:style>
+          <a:lnRef idx="1">
+            <a:schemeClr val="accent1"/>
+          </a:lnRef>
+          <a:fillRef idx="0">
+            <a:schemeClr val="accent1"/>
+          </a:fillRef>
+          <a:effectRef idx="0">
+            <a:schemeClr val="accent1"/>
+          </a:effectRef>
+          <a:fontRef idx="minor">
+            <a:schemeClr val="tx1"/>
+          </a:fontRef>
+        </p:style>
+      </p:cxnSp>
+      <p:pic>
+        <p:nvPicPr>
+          <p:cNvPr id="10" name="Picture 9">
+            <a:extLst>
+              <a:ext uri="{FF2B5EF4-FFF2-40B4-BE49-F238E27FC236}">
+                <a16:creationId xmlns:a16="http://schemas.microsoft.com/office/drawing/2014/main" id="{A0F8D23E-B8F6-C835-04EC-5203FF579B92}"/>
+              </a:ext>
+            </a:extLst>
+          </p:cNvPr>
+          <p:cNvPicPr>
+            <a:picLocks noChangeAspect="1"/>
+          </p:cNvPicPr>
+          <p:nvPr/>
+        </p:nvPicPr>
+        <p:blipFill>
+          <a:blip r:embed="rId4">
+            <a:clrChange>
+              <a:clrFrom>
+                <a:srgbClr val="FFFFFF"/>
+              </a:clrFrom>
+              <a:clrTo>
+                <a:srgbClr val="FFFFFF">
+                  <a:alpha val="0"/>
+                </a:srgbClr>
+              </a:clrTo>
+            </a:clrChange>
+          </a:blip>
+          <a:stretch>
+            <a:fillRect/>
+          </a:stretch>
+        </p:blipFill>
+        <p:spPr>
+          <a:xfrm>
+            <a:off x="8307780" y="2302656"/>
+            <a:ext cx="433078" cy="448704"/>
+          </a:xfrm>
+          <a:prstGeom prst="rect">
+            <a:avLst/>
+          </a:prstGeom>
+        </p:spPr>
+      </p:pic>
+      <p:sp>
+        <p:nvSpPr>
+          <p:cNvPr id="18" name="TextBox 17">
+            <a:extLst>
+              <a:ext uri="{FF2B5EF4-FFF2-40B4-BE49-F238E27FC236}">
+                <a16:creationId xmlns:a16="http://schemas.microsoft.com/office/drawing/2014/main" id="{C43835C1-F196-3938-4348-5B554F4E1249}"/>
+              </a:ext>
+            </a:extLst>
+          </p:cNvPr>
+          <p:cNvSpPr txBox="1"/>
+          <p:nvPr/>
+        </p:nvSpPr>
+        <p:spPr>
+          <a:xfrm>
+            <a:off x="3930144" y="1872312"/>
+            <a:ext cx="789254" cy="461665"/>
+          </a:xfrm>
+          <a:prstGeom prst="rect">
+            <a:avLst/>
+          </a:prstGeom>
+          <a:noFill/>
+        </p:spPr>
+        <p:txBody>
+          <a:bodyPr wrap="none" rtlCol="0">
+            <a:spAutoFit/>
+          </a:bodyPr>
+          <a:lstStyle/>
+          <a:p>
+            <a:pPr algn="ctr"/>
+            <a:r>
+              <a:rPr lang="es-ES" sz="1200" dirty="0"/>
+              <a:t>Configure</a:t>
+            </a:r>
+          </a:p>
+          <a:p>
+            <a:pPr algn="ctr"/>
+            <a:r>
+              <a:rPr lang="es-ES" sz="1200" dirty="0" err="1"/>
+              <a:t>Ingress</a:t>
+            </a:r>
+            <a:endParaRPr lang="es-ES" sz="1200" dirty="0"/>
+          </a:p>
+        </p:txBody>
+      </p:sp>
+      <p:sp>
+        <p:nvSpPr>
+          <p:cNvPr id="23" name="TextBox 22">
+            <a:extLst>
+              <a:ext uri="{FF2B5EF4-FFF2-40B4-BE49-F238E27FC236}">
+                <a16:creationId xmlns:a16="http://schemas.microsoft.com/office/drawing/2014/main" id="{534DABA0-CCD8-81F5-1F48-3E4B48A3FDBE}"/>
+              </a:ext>
+            </a:extLst>
+          </p:cNvPr>
+          <p:cNvSpPr txBox="1"/>
+          <p:nvPr/>
+        </p:nvSpPr>
+        <p:spPr>
+          <a:xfrm rot="16200000">
+            <a:off x="4022476" y="3387904"/>
+            <a:ext cx="1708289" cy="461665"/>
+          </a:xfrm>
+          <a:prstGeom prst="rect">
+            <a:avLst/>
+          </a:prstGeom>
+          <a:noFill/>
+        </p:spPr>
+        <p:txBody>
+          <a:bodyPr wrap="none" rtlCol="0">
+            <a:spAutoFit/>
+          </a:bodyPr>
+          <a:lstStyle/>
+          <a:p>
+            <a:pPr algn="ctr"/>
+            <a:r>
+              <a:rPr lang="es-ES" sz="1200" dirty="0" err="1"/>
+              <a:t>Create</a:t>
+            </a:r>
+            <a:endParaRPr lang="es-ES" sz="1200" dirty="0"/>
+          </a:p>
+          <a:p>
+            <a:pPr algn="ctr"/>
+            <a:r>
+              <a:rPr lang="es-ES" sz="1200" dirty="0" err="1"/>
+              <a:t>ObkAuthorizator</a:t>
+            </a:r>
+            <a:r>
+              <a:rPr lang="es-ES" sz="1200" dirty="0"/>
+              <a:t> </a:t>
+            </a:r>
+            <a:r>
+              <a:rPr lang="es-ES" sz="1200" dirty="0" err="1"/>
+              <a:t>Service</a:t>
+            </a:r>
+            <a:endParaRPr lang="es-ES" sz="1200" dirty="0"/>
+          </a:p>
+        </p:txBody>
+      </p:sp>
+      <p:cxnSp>
+        <p:nvCxnSpPr>
+          <p:cNvPr id="25" name="Connector: Elbow 24">
+            <a:extLst>
+              <a:ext uri="{FF2B5EF4-FFF2-40B4-BE49-F238E27FC236}">
+                <a16:creationId xmlns:a16="http://schemas.microsoft.com/office/drawing/2014/main" id="{C6C4AE1B-53CD-068A-76AB-F2F64359F37F}"/>
+              </a:ext>
+            </a:extLst>
+          </p:cNvPr>
+          <p:cNvCxnSpPr>
+            <a:cxnSpLocks/>
+            <a:stCxn id="12" idx="3"/>
+            <a:endCxn id="5" idx="2"/>
+          </p:cNvCxnSpPr>
+          <p:nvPr/>
+        </p:nvCxnSpPr>
+        <p:spPr>
+          <a:xfrm rot="10800000">
+            <a:off x="3158069" y="4201640"/>
+            <a:ext cx="1428129" cy="993746"/>
+          </a:xfrm>
+          <a:prstGeom prst="bentConnector2">
+            <a:avLst/>
+          </a:prstGeom>
+          <a:ln>
+            <a:prstDash val="dash"/>
+            <a:headEnd type="triangle" w="med" len="med"/>
+            <a:tailEnd type="triangle" w="med" len="med"/>
+          </a:ln>
+        </p:spPr>
+        <p:style>
+          <a:lnRef idx="1">
+            <a:schemeClr val="accent1"/>
+          </a:lnRef>
+          <a:fillRef idx="0">
+            <a:schemeClr val="accent1"/>
+          </a:fillRef>
+          <a:effectRef idx="0">
+            <a:schemeClr val="accent1"/>
+          </a:effectRef>
+          <a:fontRef idx="minor">
+            <a:schemeClr val="tx1"/>
+          </a:fontRef>
+        </p:style>
+      </p:cxnSp>
+      <p:sp>
+        <p:nvSpPr>
+          <p:cNvPr id="11" name="TextBox 10">
+            <a:extLst>
+              <a:ext uri="{FF2B5EF4-FFF2-40B4-BE49-F238E27FC236}">
+                <a16:creationId xmlns:a16="http://schemas.microsoft.com/office/drawing/2014/main" id="{ADFC7033-6B51-B615-1E61-3AEF2FAB4F55}"/>
+              </a:ext>
+            </a:extLst>
+          </p:cNvPr>
+          <p:cNvSpPr txBox="1"/>
+          <p:nvPr/>
+        </p:nvSpPr>
+        <p:spPr>
+          <a:xfrm>
+            <a:off x="506305" y="361539"/>
+            <a:ext cx="1987557" cy="369332"/>
+          </a:xfrm>
+          <a:prstGeom prst="rect">
+            <a:avLst/>
+          </a:prstGeom>
+          <a:noFill/>
+        </p:spPr>
+        <p:txBody>
+          <a:bodyPr wrap="square">
+            <a:spAutoFit/>
+          </a:bodyPr>
+          <a:lstStyle/>
+          <a:p>
+            <a:pPr algn="ctr"/>
+            <a:r>
+              <a:rPr lang="es-ES" dirty="0" err="1">
+                <a:solidFill>
+                  <a:schemeClr val="tx1"/>
+                </a:solidFill>
+              </a:rPr>
+              <a:t>Oberkorn-detail</a:t>
+            </a:r>
+            <a:endParaRPr lang="es-ES" dirty="0">
+              <a:solidFill>
+                <a:schemeClr val="tx1"/>
+              </a:solidFill>
+            </a:endParaRPr>
+          </a:p>
+        </p:txBody>
+      </p:sp>
+      <p:sp>
+        <p:nvSpPr>
+          <p:cNvPr id="12" name="Rectangle: Top Corners Snipped 11">
+            <a:extLst>
+              <a:ext uri="{FF2B5EF4-FFF2-40B4-BE49-F238E27FC236}">
+                <a16:creationId xmlns:a16="http://schemas.microsoft.com/office/drawing/2014/main" id="{B988186F-2B87-CD09-12BC-1BC0CE649EDB}"/>
+              </a:ext>
+            </a:extLst>
+          </p:cNvPr>
+          <p:cNvSpPr/>
+          <p:nvPr/>
+        </p:nvSpPr>
+        <p:spPr>
+          <a:xfrm rot="16200000">
+            <a:off x="4457142" y="4883910"/>
+            <a:ext cx="881062" cy="622952"/>
+          </a:xfrm>
+          <a:prstGeom prst="snip2SameRect">
+            <a:avLst/>
+          </a:prstGeom>
+        </p:spPr>
+        <p:style>
+          <a:lnRef idx="2">
+            <a:schemeClr val="accent1">
+              <a:shade val="15000"/>
+            </a:schemeClr>
+          </a:lnRef>
+          <a:fillRef idx="1">
+            <a:schemeClr val="accent1"/>
+          </a:fillRef>
+          <a:effectRef idx="0">
+            <a:schemeClr val="accent1"/>
+          </a:effectRef>
+          <a:fontRef idx="minor">
+            <a:schemeClr val="lt1"/>
+          </a:fontRef>
+        </p:style>
+        <p:txBody>
+          <a:bodyPr rtlCol="0" anchor="ctr"/>
+          <a:lstStyle/>
+          <a:p>
+            <a:pPr algn="ctr"/>
+            <a:r>
+              <a:rPr lang="es-ES" sz="1200" dirty="0" err="1"/>
+              <a:t>OberkornService</a:t>
+            </a:r>
+            <a:endParaRPr lang="es-ES" sz="1200" dirty="0"/>
+          </a:p>
+        </p:txBody>
+      </p:sp>
+      <p:cxnSp>
+        <p:nvCxnSpPr>
+          <p:cNvPr id="14" name="Connector: Elbow 15">
+            <a:extLst>
+              <a:ext uri="{FF2B5EF4-FFF2-40B4-BE49-F238E27FC236}">
+                <a16:creationId xmlns:a16="http://schemas.microsoft.com/office/drawing/2014/main" id="{02D591E6-C68A-8324-F4A7-15FCBC6B8E8A}"/>
+              </a:ext>
+            </a:extLst>
+          </p:cNvPr>
+          <p:cNvCxnSpPr>
+            <a:cxnSpLocks/>
+            <a:stCxn id="12" idx="1"/>
+            <a:endCxn id="13" idx="1"/>
+          </p:cNvCxnSpPr>
+          <p:nvPr/>
+        </p:nvCxnSpPr>
+        <p:spPr>
+          <a:xfrm>
+            <a:off x="5209149" y="5195386"/>
+            <a:ext cx="657714" cy="497273"/>
+          </a:xfrm>
+          <a:prstGeom prst="straightConnector1">
+            <a:avLst/>
+          </a:prstGeom>
+          <a:ln>
+            <a:tailEnd type="triangle"/>
+          </a:ln>
+        </p:spPr>
+        <p:style>
+          <a:lnRef idx="1">
+            <a:schemeClr val="accent1"/>
+          </a:lnRef>
+          <a:fillRef idx="0">
+            <a:schemeClr val="accent1"/>
+          </a:fillRef>
+          <a:effectRef idx="0">
+            <a:schemeClr val="accent1"/>
+          </a:effectRef>
+          <a:fontRef idx="minor">
+            <a:schemeClr val="tx1"/>
+          </a:fontRef>
+        </p:style>
+      </p:cxnSp>
+      <p:cxnSp>
+        <p:nvCxnSpPr>
+          <p:cNvPr id="16" name="Connector: Elbow 29">
+            <a:extLst>
+              <a:ext uri="{FF2B5EF4-FFF2-40B4-BE49-F238E27FC236}">
+                <a16:creationId xmlns:a16="http://schemas.microsoft.com/office/drawing/2014/main" id="{C51CB82D-18BC-EA7F-35BC-B65A5DACC218}"/>
+              </a:ext>
+            </a:extLst>
+          </p:cNvPr>
+          <p:cNvCxnSpPr>
+            <a:cxnSpLocks/>
+            <a:stCxn id="12" idx="1"/>
+            <a:endCxn id="27" idx="1"/>
+          </p:cNvCxnSpPr>
+          <p:nvPr/>
+        </p:nvCxnSpPr>
+        <p:spPr>
+          <a:xfrm flipV="1">
+            <a:off x="5209149" y="4848322"/>
+            <a:ext cx="652886" cy="347064"/>
+          </a:xfrm>
+          <a:prstGeom prst="straightConnector1">
+            <a:avLst/>
+          </a:prstGeom>
+          <a:ln>
+            <a:tailEnd type="triangle"/>
+          </a:ln>
+        </p:spPr>
+        <p:style>
+          <a:lnRef idx="1">
+            <a:schemeClr val="accent1"/>
+          </a:lnRef>
+          <a:fillRef idx="0">
+            <a:schemeClr val="accent1"/>
+          </a:fillRef>
+          <a:effectRef idx="0">
+            <a:schemeClr val="accent1"/>
+          </a:effectRef>
+          <a:fontRef idx="minor">
+            <a:schemeClr val="tx1"/>
+          </a:fontRef>
+        </p:style>
+      </p:cxnSp>
+      <p:grpSp>
+        <p:nvGrpSpPr>
+          <p:cNvPr id="21" name="Group 20">
+            <a:extLst>
+              <a:ext uri="{FF2B5EF4-FFF2-40B4-BE49-F238E27FC236}">
+                <a16:creationId xmlns:a16="http://schemas.microsoft.com/office/drawing/2014/main" id="{97F1B375-8881-336C-EFCD-0534B7BE8359}"/>
+              </a:ext>
+            </a:extLst>
+          </p:cNvPr>
+          <p:cNvGrpSpPr/>
+          <p:nvPr/>
+        </p:nvGrpSpPr>
+        <p:grpSpPr>
+          <a:xfrm>
+            <a:off x="5866863" y="5440494"/>
+            <a:ext cx="1318778" cy="749437"/>
+            <a:chOff x="5843261" y="5038329"/>
+            <a:chExt cx="1318778" cy="749437"/>
+          </a:xfrm>
+        </p:grpSpPr>
+        <p:sp>
+          <p:nvSpPr>
+            <p:cNvPr id="13" name="Rectangle: Rounded Corners 12">
+              <a:extLst>
+                <a:ext uri="{FF2B5EF4-FFF2-40B4-BE49-F238E27FC236}">
+                  <a16:creationId xmlns:a16="http://schemas.microsoft.com/office/drawing/2014/main" id="{29083DB7-E99E-A13A-47C2-230CE2109141}"/>
+                </a:ext>
+              </a:extLst>
+            </p:cNvPr>
+            <p:cNvSpPr/>
+            <p:nvPr/>
+          </p:nvSpPr>
+          <p:spPr>
+            <a:xfrm>
+              <a:off x="5843261" y="5038329"/>
+              <a:ext cx="982600" cy="504329"/>
+            </a:xfrm>
+            <a:prstGeom prst="roundRect">
+              <a:avLst>
+                <a:gd name="adj" fmla="val 11979"/>
+              </a:avLst>
+            </a:prstGeom>
+            <a:solidFill>
+              <a:schemeClr val="bg1"/>
+            </a:solidFill>
+          </p:spPr>
+          <p:style>
+            <a:lnRef idx="2">
+              <a:schemeClr val="accent1">
+                <a:shade val="15000"/>
+              </a:schemeClr>
+            </a:lnRef>
+            <a:fillRef idx="1">
+              <a:schemeClr val="accent1"/>
+            </a:fillRef>
+            <a:effectRef idx="0">
+              <a:schemeClr val="accent1"/>
+            </a:effectRef>
+            <a:fontRef idx="minor">
+              <a:schemeClr val="lt1"/>
+            </a:fontRef>
+          </p:style>
+          <p:txBody>
+            <a:bodyPr rtlCol="0" anchor="ctr"/>
+            <a:lstStyle/>
+            <a:p>
+              <a:pPr algn="ctr"/>
+              <a:r>
+                <a:rPr lang="es-ES" sz="1100" dirty="0" err="1">
+                  <a:solidFill>
+                    <a:schemeClr val="tx1"/>
+                  </a:solidFill>
+                </a:rPr>
+                <a:t>Oberkorn</a:t>
+              </a:r>
+              <a:r>
+                <a:rPr lang="es-ES" sz="1100" dirty="0">
+                  <a:solidFill>
+                    <a:schemeClr val="tx1"/>
+                  </a:solidFill>
+                </a:rPr>
+                <a:t> </a:t>
+              </a:r>
+              <a:r>
+                <a:rPr lang="es-ES" sz="1100" dirty="0" err="1">
+                  <a:solidFill>
+                    <a:schemeClr val="tx1"/>
+                  </a:solidFill>
+                </a:rPr>
+                <a:t>Authorizator</a:t>
+              </a:r>
+              <a:endParaRPr lang="es-ES" sz="1100" dirty="0">
+                <a:solidFill>
+                  <a:schemeClr val="tx1"/>
+                </a:solidFill>
+              </a:endParaRPr>
+            </a:p>
+          </p:txBody>
+        </p:sp>
+        <p:pic>
+          <p:nvPicPr>
+            <p:cNvPr id="19" name="Picture 18">
+              <a:extLst>
+                <a:ext uri="{FF2B5EF4-FFF2-40B4-BE49-F238E27FC236}">
+                  <a16:creationId xmlns:a16="http://schemas.microsoft.com/office/drawing/2014/main" id="{F6AF3DB9-927B-1385-BB21-6B4D9E8AE21B}"/>
+                </a:ext>
+              </a:extLst>
+            </p:cNvPr>
+            <p:cNvPicPr>
+              <a:picLocks noChangeAspect="1"/>
+            </p:cNvPicPr>
+            <p:nvPr/>
+          </p:nvPicPr>
+          <p:blipFill>
+            <a:blip r:embed="rId4">
+              <a:clrChange>
+                <a:clrFrom>
+                  <a:srgbClr val="FFFFFF"/>
+                </a:clrFrom>
+                <a:clrTo>
+                  <a:srgbClr val="FFFFFF">
+                    <a:alpha val="0"/>
+                  </a:srgbClr>
+                </a:clrTo>
+              </a:clrChange>
+            </a:blip>
+            <a:stretch>
+              <a:fillRect/>
+            </a:stretch>
+          </p:blipFill>
+          <p:spPr>
+            <a:xfrm>
+              <a:off x="6728961" y="5339062"/>
+              <a:ext cx="433078" cy="448704"/>
+            </a:xfrm>
+            <a:prstGeom prst="rect">
+              <a:avLst/>
+            </a:prstGeom>
+          </p:spPr>
+        </p:pic>
+      </p:grpSp>
+      <p:grpSp>
+        <p:nvGrpSpPr>
+          <p:cNvPr id="26" name="Group 25">
+            <a:extLst>
+              <a:ext uri="{FF2B5EF4-FFF2-40B4-BE49-F238E27FC236}">
+                <a16:creationId xmlns:a16="http://schemas.microsoft.com/office/drawing/2014/main" id="{4101EF72-E0AF-5AAF-C360-152C6D48E08A}"/>
+              </a:ext>
+            </a:extLst>
+          </p:cNvPr>
+          <p:cNvGrpSpPr/>
+          <p:nvPr/>
+        </p:nvGrpSpPr>
+        <p:grpSpPr>
+          <a:xfrm>
+            <a:off x="5862035" y="4596157"/>
+            <a:ext cx="1319165" cy="733280"/>
+            <a:chOff x="5843261" y="5038329"/>
+            <a:chExt cx="1319165" cy="733280"/>
+          </a:xfrm>
+        </p:grpSpPr>
+        <p:sp>
+          <p:nvSpPr>
+            <p:cNvPr id="27" name="Rectangle: Rounded Corners 26">
+              <a:extLst>
+                <a:ext uri="{FF2B5EF4-FFF2-40B4-BE49-F238E27FC236}">
+                  <a16:creationId xmlns:a16="http://schemas.microsoft.com/office/drawing/2014/main" id="{CF69AB64-086F-E28C-FE25-FDE82A03BBB3}"/>
+                </a:ext>
+              </a:extLst>
+            </p:cNvPr>
+            <p:cNvSpPr/>
+            <p:nvPr/>
+          </p:nvSpPr>
+          <p:spPr>
+            <a:xfrm>
+              <a:off x="5843261" y="5038329"/>
+              <a:ext cx="982600" cy="504329"/>
+            </a:xfrm>
+            <a:prstGeom prst="roundRect">
+              <a:avLst>
+                <a:gd name="adj" fmla="val 11979"/>
+              </a:avLst>
+            </a:prstGeom>
+            <a:solidFill>
+              <a:schemeClr val="bg1"/>
+            </a:solidFill>
+          </p:spPr>
+          <p:style>
+            <a:lnRef idx="2">
+              <a:schemeClr val="accent1">
+                <a:shade val="15000"/>
+              </a:schemeClr>
+            </a:lnRef>
+            <a:fillRef idx="1">
+              <a:schemeClr val="accent1"/>
+            </a:fillRef>
+            <a:effectRef idx="0">
+              <a:schemeClr val="accent1"/>
+            </a:effectRef>
+            <a:fontRef idx="minor">
+              <a:schemeClr val="lt1"/>
+            </a:fontRef>
+          </p:style>
+          <p:txBody>
+            <a:bodyPr rtlCol="0" anchor="ctr"/>
+            <a:lstStyle/>
+            <a:p>
+              <a:pPr algn="ctr"/>
+              <a:r>
+                <a:rPr lang="es-ES" sz="1100" dirty="0" err="1">
+                  <a:solidFill>
+                    <a:schemeClr val="tx1"/>
+                  </a:solidFill>
+                </a:rPr>
+                <a:t>Oberkorn</a:t>
+              </a:r>
+              <a:endParaRPr lang="es-ES" sz="1100" dirty="0">
+                <a:solidFill>
+                  <a:schemeClr val="tx1"/>
+                </a:solidFill>
+              </a:endParaRPr>
+            </a:p>
+            <a:p>
+              <a:pPr algn="ctr"/>
+              <a:r>
+                <a:rPr lang="es-ES" sz="1100" dirty="0" err="1">
+                  <a:solidFill>
+                    <a:schemeClr val="tx1"/>
+                  </a:solidFill>
+                </a:rPr>
+                <a:t>Authorizator</a:t>
+              </a:r>
+              <a:endParaRPr lang="es-ES" sz="1100" dirty="0">
+                <a:solidFill>
+                  <a:schemeClr val="tx1"/>
+                </a:solidFill>
+              </a:endParaRPr>
+            </a:p>
+          </p:txBody>
+        </p:sp>
+        <p:pic>
+          <p:nvPicPr>
+            <p:cNvPr id="28" name="Picture 27">
+              <a:extLst>
+                <a:ext uri="{FF2B5EF4-FFF2-40B4-BE49-F238E27FC236}">
+                  <a16:creationId xmlns:a16="http://schemas.microsoft.com/office/drawing/2014/main" id="{45902974-05C0-7F9E-6C71-B9B3EED534E2}"/>
+                </a:ext>
+              </a:extLst>
+            </p:cNvPr>
+            <p:cNvPicPr>
+              <a:picLocks noChangeAspect="1"/>
+            </p:cNvPicPr>
+            <p:nvPr/>
+          </p:nvPicPr>
+          <p:blipFill>
+            <a:blip r:embed="rId4">
+              <a:clrChange>
+                <a:clrFrom>
+                  <a:srgbClr val="FFFFFF"/>
+                </a:clrFrom>
+                <a:clrTo>
+                  <a:srgbClr val="FFFFFF">
+                    <a:alpha val="0"/>
+                  </a:srgbClr>
+                </a:clrTo>
+              </a:clrChange>
+            </a:blip>
+            <a:stretch>
+              <a:fillRect/>
+            </a:stretch>
+          </p:blipFill>
+          <p:spPr>
+            <a:xfrm>
+              <a:off x="6729348" y="5322905"/>
+              <a:ext cx="433078" cy="448704"/>
+            </a:xfrm>
+            <a:prstGeom prst="rect">
+              <a:avLst/>
+            </a:prstGeom>
+          </p:spPr>
+        </p:pic>
+      </p:grpSp>
+      <p:sp>
+        <p:nvSpPr>
+          <p:cNvPr id="32" name="Rectangle: Rounded Corners 31">
+            <a:extLst>
+              <a:ext uri="{FF2B5EF4-FFF2-40B4-BE49-F238E27FC236}">
+                <a16:creationId xmlns:a16="http://schemas.microsoft.com/office/drawing/2014/main" id="{3315CAD3-C648-DEF6-E470-CDECB96A5CFA}"/>
+              </a:ext>
+            </a:extLst>
+          </p:cNvPr>
+          <p:cNvSpPr/>
+          <p:nvPr/>
+        </p:nvSpPr>
+        <p:spPr>
+          <a:xfrm>
+            <a:off x="5672932" y="4354946"/>
+            <a:ext cx="1648332" cy="1920240"/>
+          </a:xfrm>
+          <a:prstGeom prst="roundRect">
+            <a:avLst>
+              <a:gd name="adj" fmla="val 4427"/>
+            </a:avLst>
+          </a:prstGeom>
+          <a:noFill/>
+          <a:ln>
+            <a:prstDash val="dash"/>
+          </a:ln>
+        </p:spPr>
+        <p:style>
+          <a:lnRef idx="2">
+            <a:schemeClr val="accent1">
+              <a:shade val="15000"/>
+            </a:schemeClr>
+          </a:lnRef>
+          <a:fillRef idx="1">
+            <a:schemeClr val="accent1"/>
+          </a:fillRef>
+          <a:effectRef idx="0">
+            <a:schemeClr val="accent1"/>
+          </a:effectRef>
+          <a:fontRef idx="minor">
+            <a:schemeClr val="lt1"/>
+          </a:fontRef>
+        </p:style>
+        <p:txBody>
+          <a:bodyPr rtlCol="0" anchor="ctr"/>
+          <a:lstStyle/>
+          <a:p>
+            <a:pPr algn="ctr"/>
+            <a:endParaRPr lang="es-ES"/>
+          </a:p>
+        </p:txBody>
+      </p:sp>
+      <p:sp>
+        <p:nvSpPr>
+          <p:cNvPr id="34" name="Arrow: Right 33">
+            <a:extLst>
+              <a:ext uri="{FF2B5EF4-FFF2-40B4-BE49-F238E27FC236}">
+                <a16:creationId xmlns:a16="http://schemas.microsoft.com/office/drawing/2014/main" id="{34EEC855-D81A-045A-3B53-7DA96384A212}"/>
+              </a:ext>
+            </a:extLst>
+          </p:cNvPr>
+          <p:cNvSpPr/>
+          <p:nvPr/>
+        </p:nvSpPr>
+        <p:spPr>
+          <a:xfrm>
+            <a:off x="1344720" y="3215612"/>
+            <a:ext cx="786995" cy="676656"/>
+          </a:xfrm>
+          <a:prstGeom prst="rightArrow">
+            <a:avLst/>
+          </a:prstGeom>
+        </p:spPr>
+        <p:style>
+          <a:lnRef idx="2">
+            <a:schemeClr val="accent1">
+              <a:shade val="15000"/>
+            </a:schemeClr>
+          </a:lnRef>
+          <a:fillRef idx="1">
+            <a:schemeClr val="accent1"/>
+          </a:fillRef>
+          <a:effectRef idx="0">
+            <a:schemeClr val="accent1"/>
+          </a:effectRef>
+          <a:fontRef idx="minor">
+            <a:schemeClr val="lt1"/>
+          </a:fontRef>
+        </p:style>
+        <p:txBody>
+          <a:bodyPr rtlCol="0" anchor="ctr"/>
+          <a:lstStyle/>
+          <a:p>
+            <a:pPr algn="ctr"/>
+            <a:endParaRPr lang="es-ES"/>
+          </a:p>
+        </p:txBody>
+      </p:sp>
+      <p:sp>
+        <p:nvSpPr>
+          <p:cNvPr id="35" name="TextBox 34">
+            <a:extLst>
+              <a:ext uri="{FF2B5EF4-FFF2-40B4-BE49-F238E27FC236}">
+                <a16:creationId xmlns:a16="http://schemas.microsoft.com/office/drawing/2014/main" id="{CE61C352-7AEB-FC1C-024B-0E2B22CCAFAC}"/>
+              </a:ext>
+            </a:extLst>
+          </p:cNvPr>
+          <p:cNvSpPr txBox="1"/>
+          <p:nvPr/>
+        </p:nvSpPr>
+        <p:spPr>
+          <a:xfrm>
+            <a:off x="300826" y="3206087"/>
+            <a:ext cx="1055021" cy="646331"/>
+          </a:xfrm>
+          <a:prstGeom prst="rect">
+            <a:avLst/>
+          </a:prstGeom>
+          <a:noFill/>
+        </p:spPr>
+        <p:txBody>
+          <a:bodyPr wrap="square">
+            <a:spAutoFit/>
+          </a:bodyPr>
+          <a:lstStyle/>
+          <a:p>
+            <a:pPr algn="r"/>
+            <a:r>
+              <a:rPr lang="es-ES" dirty="0" err="1">
+                <a:solidFill>
+                  <a:schemeClr val="tx1"/>
+                </a:solidFill>
+              </a:rPr>
+              <a:t>User</a:t>
+            </a:r>
+            <a:endParaRPr lang="es-ES" dirty="0"/>
+          </a:p>
+          <a:p>
+            <a:pPr algn="r"/>
+            <a:r>
+              <a:rPr lang="es-ES" dirty="0" err="1">
+                <a:solidFill>
+                  <a:schemeClr val="tx1"/>
+                </a:solidFill>
+              </a:rPr>
+              <a:t>Requests</a:t>
+            </a:r>
+            <a:endParaRPr lang="es-ES" dirty="0">
+              <a:solidFill>
+                <a:schemeClr val="tx1"/>
+              </a:solidFill>
+            </a:endParaRPr>
+          </a:p>
+        </p:txBody>
+      </p:sp>
+      <p:cxnSp>
+        <p:nvCxnSpPr>
+          <p:cNvPr id="36" name="Connector: Elbow 35">
+            <a:extLst>
+              <a:ext uri="{FF2B5EF4-FFF2-40B4-BE49-F238E27FC236}">
+                <a16:creationId xmlns:a16="http://schemas.microsoft.com/office/drawing/2014/main" id="{A5D75090-7FD9-6F3C-41E3-D00870235D98}"/>
+              </a:ext>
+            </a:extLst>
+          </p:cNvPr>
+          <p:cNvCxnSpPr>
+            <a:cxnSpLocks/>
+            <a:stCxn id="20" idx="1"/>
+            <a:endCxn id="32" idx="0"/>
+          </p:cNvCxnSpPr>
+          <p:nvPr/>
+        </p:nvCxnSpPr>
+        <p:spPr>
+          <a:xfrm rot="10800000" flipV="1">
+            <a:off x="6497098" y="2103146"/>
+            <a:ext cx="645890" cy="2251800"/>
+          </a:xfrm>
+          <a:prstGeom prst="bentConnector2">
+            <a:avLst/>
+          </a:prstGeom>
+          <a:ln>
+            <a:tailEnd type="triangle"/>
+          </a:ln>
+        </p:spPr>
+        <p:style>
+          <a:lnRef idx="1">
+            <a:schemeClr val="accent1"/>
+          </a:lnRef>
+          <a:fillRef idx="0">
+            <a:schemeClr val="accent1"/>
+          </a:fillRef>
+          <a:effectRef idx="0">
+            <a:schemeClr val="accent1"/>
+          </a:effectRef>
+          <a:fontRef idx="minor">
+            <a:schemeClr val="tx1"/>
+          </a:fontRef>
+        </p:style>
+      </p:cxnSp>
+      <p:sp>
+        <p:nvSpPr>
+          <p:cNvPr id="39" name="TextBox 38">
+            <a:extLst>
+              <a:ext uri="{FF2B5EF4-FFF2-40B4-BE49-F238E27FC236}">
+                <a16:creationId xmlns:a16="http://schemas.microsoft.com/office/drawing/2014/main" id="{AE0FD041-F784-EAA6-B222-74BE184B7349}"/>
+              </a:ext>
+            </a:extLst>
+          </p:cNvPr>
+          <p:cNvSpPr txBox="1"/>
+          <p:nvPr/>
+        </p:nvSpPr>
+        <p:spPr>
+          <a:xfrm rot="16200000">
+            <a:off x="5489659" y="3028429"/>
+            <a:ext cx="2026837" cy="461665"/>
+          </a:xfrm>
+          <a:prstGeom prst="rect">
+            <a:avLst/>
+          </a:prstGeom>
+          <a:noFill/>
+        </p:spPr>
+        <p:txBody>
+          <a:bodyPr wrap="none" rtlCol="0">
+            <a:spAutoFit/>
+          </a:bodyPr>
+          <a:lstStyle/>
+          <a:p>
+            <a:pPr algn="ctr"/>
+            <a:r>
+              <a:rPr lang="es-ES" sz="1200" dirty="0" err="1"/>
+              <a:t>Create</a:t>
+            </a:r>
+            <a:endParaRPr lang="es-ES" sz="1200" dirty="0"/>
+          </a:p>
+          <a:p>
+            <a:pPr algn="ctr"/>
+            <a:r>
+              <a:rPr lang="es-ES" sz="1200" dirty="0" err="1"/>
+              <a:t>ObkAuthorizator</a:t>
+            </a:r>
+            <a:r>
+              <a:rPr lang="es-ES" sz="1200" dirty="0"/>
+              <a:t> </a:t>
+            </a:r>
+            <a:r>
+              <a:rPr lang="es-ES" sz="1200" dirty="0" err="1"/>
+              <a:t>Deployment</a:t>
+            </a:r>
+            <a:endParaRPr lang="es-ES" sz="1200" dirty="0"/>
+          </a:p>
+        </p:txBody>
+      </p:sp>
+      <p:grpSp>
+        <p:nvGrpSpPr>
+          <p:cNvPr id="41" name="Group 40">
+            <a:extLst>
+              <a:ext uri="{FF2B5EF4-FFF2-40B4-BE49-F238E27FC236}">
+                <a16:creationId xmlns:a16="http://schemas.microsoft.com/office/drawing/2014/main" id="{F60F0245-524F-6932-DFEC-45F4E8A646BA}"/>
+              </a:ext>
+            </a:extLst>
+          </p:cNvPr>
+          <p:cNvGrpSpPr/>
+          <p:nvPr/>
+        </p:nvGrpSpPr>
+        <p:grpSpPr>
+          <a:xfrm>
+            <a:off x="10167135" y="938480"/>
+            <a:ext cx="1210341" cy="933832"/>
+            <a:chOff x="10171332" y="1022493"/>
+            <a:chExt cx="1210341" cy="933832"/>
+          </a:xfrm>
+        </p:grpSpPr>
+        <p:sp>
+          <p:nvSpPr>
+            <p:cNvPr id="40" name="Flowchart: Magnetic Disk 39">
+              <a:extLst>
+                <a:ext uri="{FF2B5EF4-FFF2-40B4-BE49-F238E27FC236}">
+                  <a16:creationId xmlns:a16="http://schemas.microsoft.com/office/drawing/2014/main" id="{75DD23C6-D7D6-F98E-8AA2-43D4DCDD5370}"/>
+                </a:ext>
+              </a:extLst>
+            </p:cNvPr>
+            <p:cNvSpPr/>
+            <p:nvPr/>
+          </p:nvSpPr>
+          <p:spPr>
+            <a:xfrm>
+              <a:off x="10171332" y="1022493"/>
+              <a:ext cx="1210341" cy="933832"/>
+            </a:xfrm>
+            <a:prstGeom prst="flowChartMagneticDisk">
+              <a:avLst/>
+            </a:prstGeom>
+            <a:solidFill>
+              <a:schemeClr val="bg1"/>
+            </a:solidFill>
+          </p:spPr>
+          <p:style>
+            <a:lnRef idx="2">
+              <a:schemeClr val="accent1">
+                <a:shade val="15000"/>
+              </a:schemeClr>
+            </a:lnRef>
+            <a:fillRef idx="1">
+              <a:schemeClr val="accent1"/>
+            </a:fillRef>
+            <a:effectRef idx="0">
+              <a:schemeClr val="accent1"/>
+            </a:effectRef>
+            <a:fontRef idx="minor">
+              <a:schemeClr val="lt1"/>
+            </a:fontRef>
+          </p:style>
+          <p:txBody>
+            <a:bodyPr rtlCol="0" anchor="ctr"/>
+            <a:lstStyle/>
+            <a:p>
+              <a:pPr algn="ctr"/>
+              <a:endParaRPr lang="es-ES"/>
+            </a:p>
+          </p:txBody>
+        </p:sp>
+        <p:pic>
+          <p:nvPicPr>
+            <p:cNvPr id="1028" name="Picture 4" descr="User Documentation for the sedex Client Docker Image">
+              <a:extLst>
+                <a:ext uri="{FF2B5EF4-FFF2-40B4-BE49-F238E27FC236}">
+                  <a16:creationId xmlns:a16="http://schemas.microsoft.com/office/drawing/2014/main" id="{19314A2F-228C-EA07-B2B6-66F5AED40314}"/>
+                </a:ext>
+              </a:extLst>
+            </p:cNvPr>
+            <p:cNvPicPr>
+              <a:picLocks noChangeAspect="1" noChangeArrowheads="1"/>
+            </p:cNvPicPr>
+            <p:nvPr/>
+          </p:nvPicPr>
+          <p:blipFill>
+            <a:blip r:embed="rId5">
+              <a:extLst>
+                <a:ext uri="{28A0092B-C50C-407E-A947-70E740481C1C}">
+                  <a14:useLocalDpi xmlns:a14="http://schemas.microsoft.com/office/drawing/2010/main" val="0"/>
+                </a:ext>
+              </a:extLst>
+            </a:blip>
+            <a:srcRect/>
+            <a:stretch>
+              <a:fillRect/>
+            </a:stretch>
+          </p:blipFill>
+          <p:spPr bwMode="auto">
+            <a:xfrm>
+              <a:off x="10268712" y="1503892"/>
+              <a:ext cx="1015580" cy="252444"/>
+            </a:xfrm>
+            <a:prstGeom prst="rect">
+              <a:avLst/>
+            </a:prstGeom>
+            <a:noFill/>
+            <a:extLst>
+              <a:ext uri="{909E8E84-426E-40DD-AFC4-6F175D3DCCD1}">
+                <a14:hiddenFill xmlns:a14="http://schemas.microsoft.com/office/drawing/2010/main">
+                  <a:solidFill>
+                    <a:srgbClr val="FFFFFF"/>
+                  </a:solidFill>
+                </a14:hiddenFill>
+              </a:ext>
+            </a:extLst>
+          </p:spPr>
+        </p:pic>
+      </p:grpSp>
+      <p:cxnSp>
+        <p:nvCxnSpPr>
+          <p:cNvPr id="42" name="Connector: Elbow 41">
+            <a:extLst>
+              <a:ext uri="{FF2B5EF4-FFF2-40B4-BE49-F238E27FC236}">
+                <a16:creationId xmlns:a16="http://schemas.microsoft.com/office/drawing/2014/main" id="{762EF1FB-F5BD-1BF2-E97A-FF4D5B31BD31}"/>
+              </a:ext>
+            </a:extLst>
+          </p:cNvPr>
+          <p:cNvCxnSpPr>
+            <a:cxnSpLocks/>
+            <a:stCxn id="40" idx="3"/>
+            <a:endCxn id="20" idx="3"/>
+          </p:cNvCxnSpPr>
+          <p:nvPr/>
+        </p:nvCxnSpPr>
+        <p:spPr>
+          <a:xfrm rot="5400000">
+            <a:off x="9475643" y="806483"/>
+            <a:ext cx="230834" cy="2362493"/>
+          </a:xfrm>
+          <a:prstGeom prst="bentConnector2">
+            <a:avLst/>
+          </a:prstGeom>
+          <a:ln>
+            <a:solidFill>
+              <a:schemeClr val="bg2">
+                <a:lumMod val="75000"/>
+              </a:schemeClr>
+            </a:solidFill>
+            <a:prstDash val="dash"/>
+            <a:tailEnd type="triangle"/>
+          </a:ln>
+        </p:spPr>
+        <p:style>
+          <a:lnRef idx="1">
+            <a:schemeClr val="accent1"/>
+          </a:lnRef>
+          <a:fillRef idx="0">
+            <a:schemeClr val="accent1"/>
+          </a:fillRef>
+          <a:effectRef idx="0">
+            <a:schemeClr val="accent1"/>
+          </a:effectRef>
+          <a:fontRef idx="minor">
+            <a:schemeClr val="tx1"/>
+          </a:fontRef>
+        </p:style>
+      </p:cxnSp>
+      <p:cxnSp>
+        <p:nvCxnSpPr>
+          <p:cNvPr id="45" name="Connector: Elbow 44">
+            <a:extLst>
+              <a:ext uri="{FF2B5EF4-FFF2-40B4-BE49-F238E27FC236}">
+                <a16:creationId xmlns:a16="http://schemas.microsoft.com/office/drawing/2014/main" id="{A73BEF0D-685E-202F-DD28-388C52D03A99}"/>
+              </a:ext>
+            </a:extLst>
+          </p:cNvPr>
+          <p:cNvCxnSpPr>
+            <a:cxnSpLocks/>
+            <a:stCxn id="40" idx="3"/>
+            <a:endCxn id="27" idx="3"/>
+          </p:cNvCxnSpPr>
+          <p:nvPr/>
+        </p:nvCxnSpPr>
+        <p:spPr>
+          <a:xfrm rot="5400000">
+            <a:off x="7320466" y="1396482"/>
+            <a:ext cx="2976010" cy="3927671"/>
+          </a:xfrm>
+          <a:prstGeom prst="bentConnector2">
+            <a:avLst/>
+          </a:prstGeom>
+          <a:ln>
+            <a:solidFill>
+              <a:schemeClr val="bg2">
+                <a:lumMod val="75000"/>
+              </a:schemeClr>
+            </a:solidFill>
+            <a:prstDash val="dash"/>
+            <a:tailEnd type="triangle"/>
+          </a:ln>
+        </p:spPr>
+        <p:style>
+          <a:lnRef idx="1">
+            <a:schemeClr val="accent1"/>
+          </a:lnRef>
+          <a:fillRef idx="0">
+            <a:schemeClr val="accent1"/>
+          </a:fillRef>
+          <a:effectRef idx="0">
+            <a:schemeClr val="accent1"/>
+          </a:effectRef>
+          <a:fontRef idx="minor">
+            <a:schemeClr val="tx1"/>
+          </a:fontRef>
+        </p:style>
+      </p:cxnSp>
+      <p:cxnSp>
+        <p:nvCxnSpPr>
+          <p:cNvPr id="50" name="Connector: Elbow 49">
+            <a:extLst>
+              <a:ext uri="{FF2B5EF4-FFF2-40B4-BE49-F238E27FC236}">
+                <a16:creationId xmlns:a16="http://schemas.microsoft.com/office/drawing/2014/main" id="{4BB8E0E3-7E62-B558-1EBF-26A1FA7480E9}"/>
+              </a:ext>
+            </a:extLst>
+          </p:cNvPr>
+          <p:cNvCxnSpPr>
+            <a:cxnSpLocks/>
+            <a:stCxn id="40" idx="3"/>
+            <a:endCxn id="13" idx="3"/>
+          </p:cNvCxnSpPr>
+          <p:nvPr/>
+        </p:nvCxnSpPr>
+        <p:spPr>
+          <a:xfrm rot="5400000">
+            <a:off x="6900712" y="1821064"/>
+            <a:ext cx="3820347" cy="3922843"/>
+          </a:xfrm>
+          <a:prstGeom prst="bentConnector2">
+            <a:avLst/>
+          </a:prstGeom>
+          <a:ln>
+            <a:solidFill>
+              <a:schemeClr val="bg2">
+                <a:lumMod val="75000"/>
+              </a:schemeClr>
+            </a:solidFill>
+            <a:prstDash val="dash"/>
+            <a:tailEnd type="triangle"/>
+          </a:ln>
+        </p:spPr>
+        <p:style>
+          <a:lnRef idx="1">
+            <a:schemeClr val="accent1"/>
+          </a:lnRef>
+          <a:fillRef idx="0">
+            <a:schemeClr val="accent1"/>
+          </a:fillRef>
+          <a:effectRef idx="0">
+            <a:schemeClr val="accent1"/>
+          </a:effectRef>
+          <a:fontRef idx="minor">
+            <a:schemeClr val="tx1"/>
+          </a:fontRef>
+        </p:style>
+      </p:cxnSp>
+      <p:sp>
+        <p:nvSpPr>
+          <p:cNvPr id="53" name="TextBox 52">
+            <a:extLst>
+              <a:ext uri="{FF2B5EF4-FFF2-40B4-BE49-F238E27FC236}">
+                <a16:creationId xmlns:a16="http://schemas.microsoft.com/office/drawing/2014/main" id="{2505B9E2-07D7-FD2E-A78A-60B850947336}"/>
+              </a:ext>
+            </a:extLst>
+          </p:cNvPr>
+          <p:cNvSpPr txBox="1"/>
+          <p:nvPr/>
+        </p:nvSpPr>
+        <p:spPr>
+          <a:xfrm>
+            <a:off x="9665350" y="1864614"/>
+            <a:ext cx="568104" cy="461665"/>
+          </a:xfrm>
+          <a:prstGeom prst="rect">
+            <a:avLst/>
+          </a:prstGeom>
+          <a:noFill/>
+        </p:spPr>
+        <p:txBody>
+          <a:bodyPr wrap="none" rtlCol="0">
+            <a:spAutoFit/>
+          </a:bodyPr>
+          <a:lstStyle/>
+          <a:p>
+            <a:pPr algn="ctr"/>
+            <a:r>
+              <a:rPr lang="es-ES" sz="1200" dirty="0" err="1">
+                <a:solidFill>
+                  <a:schemeClr val="bg2">
+                    <a:lumMod val="50000"/>
+                  </a:schemeClr>
+                </a:solidFill>
+              </a:rPr>
+              <a:t>Pull</a:t>
+            </a:r>
+            <a:endParaRPr lang="es-ES" sz="1200" dirty="0">
+              <a:solidFill>
+                <a:schemeClr val="bg2">
+                  <a:lumMod val="50000"/>
+                </a:schemeClr>
+              </a:solidFill>
+            </a:endParaRPr>
+          </a:p>
+          <a:p>
+            <a:pPr algn="ctr"/>
+            <a:r>
+              <a:rPr lang="es-ES" sz="1200" dirty="0" err="1">
+                <a:solidFill>
+                  <a:schemeClr val="bg2">
+                    <a:lumMod val="50000"/>
+                  </a:schemeClr>
+                </a:solidFill>
+              </a:rPr>
+              <a:t>Image</a:t>
+            </a:r>
+            <a:endParaRPr lang="es-ES" sz="1200" dirty="0">
+              <a:solidFill>
+                <a:schemeClr val="bg2">
+                  <a:lumMod val="50000"/>
+                </a:schemeClr>
+              </a:solidFill>
+            </a:endParaRPr>
+          </a:p>
+        </p:txBody>
+      </p:sp>
+      <p:sp>
+        <p:nvSpPr>
+          <p:cNvPr id="54" name="TextBox 53">
+            <a:extLst>
+              <a:ext uri="{FF2B5EF4-FFF2-40B4-BE49-F238E27FC236}">
+                <a16:creationId xmlns:a16="http://schemas.microsoft.com/office/drawing/2014/main" id="{23EF9B7C-D54E-E504-D9A5-76A76AA06A71}"/>
+              </a:ext>
+            </a:extLst>
+          </p:cNvPr>
+          <p:cNvSpPr txBox="1"/>
+          <p:nvPr/>
+        </p:nvSpPr>
+        <p:spPr>
+          <a:xfrm rot="16200000">
+            <a:off x="10475345" y="3380663"/>
+            <a:ext cx="568104" cy="461665"/>
+          </a:xfrm>
+          <a:prstGeom prst="rect">
+            <a:avLst/>
+          </a:prstGeom>
+          <a:noFill/>
+        </p:spPr>
+        <p:txBody>
+          <a:bodyPr wrap="none" rtlCol="0">
+            <a:spAutoFit/>
+          </a:bodyPr>
+          <a:lstStyle/>
+          <a:p>
+            <a:pPr algn="ctr"/>
+            <a:r>
+              <a:rPr lang="es-ES" sz="1200" dirty="0" err="1">
+                <a:solidFill>
+                  <a:schemeClr val="bg2">
+                    <a:lumMod val="50000"/>
+                  </a:schemeClr>
+                </a:solidFill>
+              </a:rPr>
+              <a:t>Pull</a:t>
+            </a:r>
+            <a:endParaRPr lang="es-ES" sz="1200" dirty="0">
+              <a:solidFill>
+                <a:schemeClr val="bg2">
+                  <a:lumMod val="50000"/>
+                </a:schemeClr>
+              </a:solidFill>
+            </a:endParaRPr>
+          </a:p>
+          <a:p>
+            <a:pPr algn="ctr"/>
+            <a:r>
+              <a:rPr lang="es-ES" sz="1200" dirty="0" err="1">
+                <a:solidFill>
+                  <a:schemeClr val="bg2">
+                    <a:lumMod val="50000"/>
+                  </a:schemeClr>
+                </a:solidFill>
+              </a:rPr>
+              <a:t>Image</a:t>
+            </a:r>
+            <a:endParaRPr lang="es-ES" sz="1200" dirty="0">
+              <a:solidFill>
+                <a:schemeClr val="bg2">
+                  <a:lumMod val="50000"/>
+                </a:schemeClr>
+              </a:solidFill>
+            </a:endParaRPr>
+          </a:p>
+        </p:txBody>
+      </p:sp>
+      <p:sp>
+        <p:nvSpPr>
+          <p:cNvPr id="55" name="TextBox 54">
+            <a:extLst>
+              <a:ext uri="{FF2B5EF4-FFF2-40B4-BE49-F238E27FC236}">
+                <a16:creationId xmlns:a16="http://schemas.microsoft.com/office/drawing/2014/main" id="{5A809FCC-2B9C-C148-81C6-6940EBC339BC}"/>
+              </a:ext>
+            </a:extLst>
+          </p:cNvPr>
+          <p:cNvSpPr txBox="1"/>
+          <p:nvPr/>
+        </p:nvSpPr>
+        <p:spPr>
+          <a:xfrm>
+            <a:off x="5649563" y="4343067"/>
+            <a:ext cx="699230" cy="215444"/>
+          </a:xfrm>
+          <a:prstGeom prst="rect">
+            <a:avLst/>
+          </a:prstGeom>
+          <a:noFill/>
+        </p:spPr>
+        <p:txBody>
+          <a:bodyPr wrap="none" rtlCol="0">
+            <a:spAutoFit/>
+          </a:bodyPr>
+          <a:lstStyle/>
+          <a:p>
+            <a:pPr algn="ctr"/>
+            <a:r>
+              <a:rPr lang="es-ES" sz="800" dirty="0" err="1"/>
+              <a:t>Deployment</a:t>
+            </a:r>
+            <a:endParaRPr lang="es-ES" sz="800" dirty="0"/>
+          </a:p>
+        </p:txBody>
+      </p:sp>
+    </p:spTree>
+    <p:extLst>
+      <p:ext uri="{BB962C8B-B14F-4D97-AF65-F5344CB8AC3E}">
+        <p14:creationId xmlns:p14="http://schemas.microsoft.com/office/powerpoint/2010/main" val="1526622527"/>
+      </p:ext>
+    </p:extLst>
+  </p:cSld>
+  <p:clrMapOvr>
+    <a:masterClrMapping/>
+  </p:clrMapOvr>
+</p:sld>
+</file>
+
+<file path=ppt/slides/slide6.xml><?xml version="1.0" encoding="utf-8"?>
+<p:sld xmlns:a="http://schemas.openxmlformats.org/drawingml/2006/main" xmlns:r="http://schemas.openxmlformats.org/officeDocument/2006/relationships" xmlns:p="http://schemas.openxmlformats.org/presentationml/2006/main">
+  <p:cSld>
+    <p:spTree>
+      <p:nvGrpSpPr>
+        <p:cNvPr id="1" name=""/>
+        <p:cNvGrpSpPr/>
+        <p:nvPr/>
+      </p:nvGrpSpPr>
+      <p:grpSpPr>
+        <a:xfrm>
+          <a:off x="0" y="0"/>
+          <a:ext cx="0" cy="0"/>
+          <a:chOff x="0" y="0"/>
+          <a:chExt cx="0" cy="0"/>
+        </a:xfrm>
+      </p:grpSpPr>
+      <p:sp>
+        <p:nvSpPr>
+          <p:cNvPr id="2" name="TextBox 1">
+            <a:extLst>
+              <a:ext uri="{FF2B5EF4-FFF2-40B4-BE49-F238E27FC236}">
+                <a16:creationId xmlns:a16="http://schemas.microsoft.com/office/drawing/2014/main" id="{7EAD1172-547B-CC67-0049-901E08162E9F}"/>
+              </a:ext>
+            </a:extLst>
+          </p:cNvPr>
+          <p:cNvSpPr txBox="1"/>
+          <p:nvPr/>
+        </p:nvSpPr>
+        <p:spPr>
+          <a:xfrm>
+            <a:off x="5550408" y="3244334"/>
+            <a:ext cx="1080745" cy="369332"/>
+          </a:xfrm>
+          <a:prstGeom prst="rect">
+            <a:avLst/>
+          </a:prstGeom>
+          <a:noFill/>
+        </p:spPr>
+        <p:txBody>
+          <a:bodyPr wrap="none" rtlCol="0">
+            <a:spAutoFit/>
+          </a:bodyPr>
+          <a:lstStyle/>
+          <a:p>
+            <a:r>
+              <a:rPr lang="es-ES" dirty="0" err="1"/>
+              <a:t>Scenarios</a:t>
+            </a:r>
+            <a:endParaRPr lang="es-ES" dirty="0"/>
+          </a:p>
+        </p:txBody>
+      </p:sp>
+    </p:spTree>
+    <p:extLst>
+      <p:ext uri="{BB962C8B-B14F-4D97-AF65-F5344CB8AC3E}">
+        <p14:creationId xmlns:p14="http://schemas.microsoft.com/office/powerpoint/2010/main" val="3192717483"/>
+      </p:ext>
+    </p:extLst>
+  </p:cSld>
+  <p:clrMapOvr>
+    <a:masterClrMapping/>
+  </p:clrMapOvr>
+</p:sld>
+</file>
+
+<file path=ppt/slides/slide7.xml><?xml version="1.0" encoding="utf-8"?>
+<p:sld xmlns:a="http://schemas.openxmlformats.org/drawingml/2006/main" xmlns:r="http://schemas.openxmlformats.org/officeDocument/2006/relationships" xmlns:p="http://schemas.openxmlformats.org/presentationml/2006/main">
+  <p:cSld>
+    <p:spTree>
+      <p:nvGrpSpPr>
+        <p:cNvPr id="1" name=""/>
+        <p:cNvGrpSpPr/>
+        <p:nvPr/>
+      </p:nvGrpSpPr>
+      <p:grpSpPr>
+        <a:xfrm>
+          <a:off x="0" y="0"/>
+          <a:ext cx="0" cy="0"/>
+          <a:chOff x="0" y="0"/>
+          <a:chExt cx="0" cy="0"/>
+        </a:xfrm>
+      </p:grpSpPr>
+      <p:sp>
+        <p:nvSpPr>
+          <p:cNvPr id="2" name="Rectangle: Rounded Corners 1">
+            <a:extLst>
+              <a:ext uri="{FF2B5EF4-FFF2-40B4-BE49-F238E27FC236}">
+                <a16:creationId xmlns:a16="http://schemas.microsoft.com/office/drawing/2014/main" id="{39EA2E18-AFFA-593F-DA50-1FAE729004F0}"/>
+              </a:ext>
+            </a:extLst>
+          </p:cNvPr>
+          <p:cNvSpPr/>
+          <p:nvPr/>
+        </p:nvSpPr>
+        <p:spPr>
+          <a:xfrm>
+            <a:off x="3448051" y="2203704"/>
+            <a:ext cx="5430774" cy="3346704"/>
           </a:xfrm>
           <a:prstGeom prst="roundRect">
             <a:avLst>
@@ -5102,7 +7731,7 @@
         </p:blipFill>
         <p:spPr bwMode="auto">
           <a:xfrm>
-            <a:off x="8477249" y="5142875"/>
+            <a:off x="8272380" y="4890151"/>
             <a:ext cx="514265" cy="505449"/>
           </a:xfrm>
           <a:prstGeom prst="rect">
@@ -5209,10 +7838,10 @@
       </p:cxnSp>
       <p:sp>
         <p:nvSpPr>
-          <p:cNvPr id="12" name="Rectangle: Top Corners Snipped 11">
-            <a:extLst>
-              <a:ext uri="{FF2B5EF4-FFF2-40B4-BE49-F238E27FC236}">
-                <a16:creationId xmlns:a16="http://schemas.microsoft.com/office/drawing/2014/main" id="{6F5237BF-5424-2DDC-7EE2-06FA623DE314}"/>
+          <p:cNvPr id="13" name="Rectangle: Rounded Corners 12">
+            <a:extLst>
+              <a:ext uri="{FF2B5EF4-FFF2-40B4-BE49-F238E27FC236}">
+                <a16:creationId xmlns:a16="http://schemas.microsoft.com/office/drawing/2014/main" id="{DE88DA35-90D5-2913-BAC7-8A3DFC95B6C4}"/>
               </a:ext>
             </a:extLst>
           </p:cNvPr>
@@ -5220,57 +7849,8 @@
           <p:nvPr/>
         </p:nvSpPr>
         <p:spPr>
-          <a:xfrm rot="16200000">
-            <a:off x="5806018" y="3673106"/>
-            <a:ext cx="881062" cy="622952"/>
-          </a:xfrm>
-          <a:prstGeom prst="snip2SameRect">
-            <a:avLst/>
-          </a:prstGeom>
-        </p:spPr>
-        <p:style>
-          <a:lnRef idx="2">
-            <a:schemeClr val="accent1">
-              <a:shade val="15000"/>
-            </a:schemeClr>
-          </a:lnRef>
-          <a:fillRef idx="1">
-            <a:schemeClr val="accent1"/>
-          </a:fillRef>
-          <a:effectRef idx="0">
-            <a:schemeClr val="accent1"/>
-          </a:effectRef>
-          <a:fontRef idx="minor">
-            <a:schemeClr val="lt1"/>
-          </a:fontRef>
-        </p:style>
-        <p:txBody>
-          <a:bodyPr rtlCol="0" anchor="ctr"/>
-          <a:lstStyle/>
-          <a:p>
-            <a:pPr algn="ctr"/>
-            <a:r>
-              <a:rPr lang="es-ES" sz="1200" dirty="0"/>
-              <a:t>Service</a:t>
-            </a:r>
-          </a:p>
-        </p:txBody>
-      </p:sp>
-      <p:sp>
-        <p:nvSpPr>
-          <p:cNvPr id="13" name="Rectangle: Rounded Corners 12">
-            <a:extLst>
-              <a:ext uri="{FF2B5EF4-FFF2-40B4-BE49-F238E27FC236}">
-                <a16:creationId xmlns:a16="http://schemas.microsoft.com/office/drawing/2014/main" id="{DE88DA35-90D5-2913-BAC7-8A3DFC95B6C4}"/>
-              </a:ext>
-            </a:extLst>
-          </p:cNvPr>
-          <p:cNvSpPr/>
-          <p:nvPr/>
-        </p:nvSpPr>
-        <p:spPr>
           <a:xfrm>
-            <a:off x="7097551" y="1509598"/>
+            <a:off x="6464138" y="2696818"/>
             <a:ext cx="1266825" cy="847725"/>
           </a:xfrm>
           <a:prstGeom prst="roundRect">
@@ -5304,20 +7884,44 @@
           <a:p>
             <a:pPr algn="ctr"/>
             <a:r>
+              <a:rPr lang="es-ES" sz="1400" dirty="0">
+                <a:solidFill>
+                  <a:schemeClr val="tx1"/>
+                </a:solidFill>
+              </a:rPr>
+              <a:t>/</a:t>
+            </a:r>
+            <a:r>
               <a:rPr lang="es-ES" sz="1400" dirty="0" err="1">
                 <a:solidFill>
                   <a:schemeClr val="tx1"/>
                 </a:solidFill>
               </a:rPr>
-              <a:t>Nginx</a:t>
-            </a:r>
+              <a:t>public</a:t>
+            </a:r>
+            <a:endParaRPr lang="es-ES" sz="1400" dirty="0">
+              <a:solidFill>
+                <a:schemeClr val="tx1"/>
+              </a:solidFill>
+            </a:endParaRPr>
+          </a:p>
+          <a:p>
+            <a:pPr algn="ctr"/>
+            <a:endParaRPr lang="es-ES" sz="1400" dirty="0">
+              <a:solidFill>
+                <a:schemeClr val="tx1"/>
+              </a:solidFill>
+            </a:endParaRPr>
+          </a:p>
+          <a:p>
+            <a:pPr algn="ctr"/>
             <a:r>
               <a:rPr lang="es-ES" sz="1400" dirty="0">
                 <a:solidFill>
                   <a:schemeClr val="tx1"/>
                 </a:solidFill>
               </a:rPr>
-              <a:t> </a:t>
+              <a:t>/</a:t>
             </a:r>
             <a:r>
               <a:rPr lang="es-ES" sz="1400" dirty="0" err="1">
@@ -5325,106 +7929,13 @@
                   <a:schemeClr val="tx1"/>
                 </a:solidFill>
               </a:rPr>
-              <a:t>serving</a:t>
-            </a:r>
-            <a:r>
-              <a:rPr lang="es-ES" sz="1400" dirty="0">
-                <a:solidFill>
-                  <a:schemeClr val="tx1"/>
-                </a:solidFill>
-              </a:rPr>
-              <a:t> </a:t>
-            </a:r>
-            <a:r>
-              <a:rPr lang="es-ES" sz="1400" dirty="0" err="1">
-                <a:solidFill>
-                  <a:schemeClr val="tx1"/>
-                </a:solidFill>
-              </a:rPr>
-              <a:t>with</a:t>
-            </a:r>
-            <a:r>
-              <a:rPr lang="es-ES" sz="1400" dirty="0">
-                <a:solidFill>
-                  <a:schemeClr val="tx1"/>
-                </a:solidFill>
-              </a:rPr>
-              <a:t> </a:t>
-            </a:r>
-            <a:r>
-              <a:rPr lang="es-ES" sz="1400" dirty="0" err="1">
-                <a:solidFill>
-                  <a:schemeClr val="tx1"/>
-                </a:solidFill>
-              </a:rPr>
-              <a:t>static</a:t>
-            </a:r>
-            <a:r>
-              <a:rPr lang="es-ES" sz="1400" dirty="0">
-                <a:solidFill>
-                  <a:schemeClr val="tx1"/>
-                </a:solidFill>
-              </a:rPr>
-              <a:t> SPA</a:t>
-            </a:r>
-          </a:p>
-        </p:txBody>
-      </p:sp>
-      <p:sp>
-        <p:nvSpPr>
-          <p:cNvPr id="14" name="Rectangle: Rounded Corners 13">
-            <a:extLst>
-              <a:ext uri="{FF2B5EF4-FFF2-40B4-BE49-F238E27FC236}">
-                <a16:creationId xmlns:a16="http://schemas.microsoft.com/office/drawing/2014/main" id="{3F443E67-6593-A074-FAF6-2B1477B022B9}"/>
-              </a:ext>
-            </a:extLst>
-          </p:cNvPr>
-          <p:cNvSpPr/>
-          <p:nvPr/>
-        </p:nvSpPr>
-        <p:spPr>
-          <a:xfrm>
-            <a:off x="7210425" y="4076815"/>
-            <a:ext cx="982600" cy="504329"/>
-          </a:xfrm>
-          <a:prstGeom prst="roundRect">
-            <a:avLst>
-              <a:gd name="adj" fmla="val 11979"/>
-            </a:avLst>
-          </a:prstGeom>
-          <a:solidFill>
-            <a:schemeClr val="bg1"/>
-          </a:solidFill>
-        </p:spPr>
-        <p:style>
-          <a:lnRef idx="2">
-            <a:schemeClr val="accent1">
-              <a:shade val="15000"/>
-            </a:schemeClr>
-          </a:lnRef>
-          <a:fillRef idx="1">
-            <a:schemeClr val="accent1"/>
-          </a:fillRef>
-          <a:effectRef idx="0">
-            <a:schemeClr val="accent1"/>
-          </a:effectRef>
-          <a:fontRef idx="minor">
-            <a:schemeClr val="lt1"/>
-          </a:fontRef>
-        </p:style>
-        <p:txBody>
-          <a:bodyPr rtlCol="0" anchor="ctr"/>
-          <a:lstStyle/>
-          <a:p>
-            <a:pPr algn="ctr"/>
-            <a:r>
-              <a:rPr lang="es-ES" dirty="0">
-                <a:solidFill>
-                  <a:schemeClr val="tx1"/>
-                </a:solidFill>
-              </a:rPr>
-              <a:t>API</a:t>
-            </a:r>
+              <a:t>admin</a:t>
+            </a:r>
+            <a:endParaRPr lang="es-ES" sz="1400" dirty="0">
+              <a:solidFill>
+                <a:schemeClr val="tx1"/>
+              </a:solidFill>
+            </a:endParaRPr>
           </a:p>
         </p:txBody>
       </p:sp>
@@ -5445,101 +7956,16 @@
           <p:nvPr/>
         </p:nvCxnSpPr>
         <p:spPr>
-          <a:xfrm flipV="1">
-            <a:off x="4776787" y="1933461"/>
-            <a:ext cx="2320764" cy="1187220"/>
+          <a:xfrm>
+            <a:off x="4776787" y="3120681"/>
+            <a:ext cx="1687351" cy="0"/>
           </a:xfrm>
           <a:prstGeom prst="straightConnector1">
             <a:avLst/>
           </a:prstGeom>
           <a:ln>
-            <a:tailEnd type="triangle"/>
-          </a:ln>
-        </p:spPr>
-        <p:style>
-          <a:lnRef idx="1">
-            <a:schemeClr val="accent1"/>
-          </a:lnRef>
-          <a:fillRef idx="0">
-            <a:schemeClr val="accent1"/>
-          </a:fillRef>
-          <a:effectRef idx="0">
-            <a:schemeClr val="accent1"/>
-          </a:effectRef>
-          <a:fontRef idx="minor">
-            <a:schemeClr val="tx1"/>
-          </a:fontRef>
-        </p:style>
-      </p:cxnSp>
-      <p:cxnSp>
-        <p:nvCxnSpPr>
-          <p:cNvPr id="16" name="Connector: Elbow 15">
-            <a:extLst>
-              <a:ext uri="{FF2B5EF4-FFF2-40B4-BE49-F238E27FC236}">
-                <a16:creationId xmlns:a16="http://schemas.microsoft.com/office/drawing/2014/main" id="{2E7C5AD8-5A29-B3EC-2329-5AC5E53D1458}"/>
-              </a:ext>
-            </a:extLst>
-          </p:cNvPr>
-          <p:cNvCxnSpPr>
-            <a:cxnSpLocks/>
-            <a:stCxn id="12" idx="1"/>
-            <a:endCxn id="14" idx="1"/>
-          </p:cNvCxnSpPr>
-          <p:nvPr/>
-        </p:nvCxnSpPr>
-        <p:spPr>
-          <a:xfrm>
-            <a:off x="6558025" y="3984582"/>
-            <a:ext cx="652400" cy="344398"/>
-          </a:xfrm>
-          <a:prstGeom prst="straightConnector1">
-            <a:avLst/>
-          </a:prstGeom>
-          <a:ln>
-            <a:tailEnd type="triangle"/>
-          </a:ln>
-        </p:spPr>
-        <p:style>
-          <a:lnRef idx="1">
-            <a:schemeClr val="accent1"/>
-          </a:lnRef>
-          <a:fillRef idx="0">
-            <a:schemeClr val="accent1"/>
-          </a:fillRef>
-          <a:effectRef idx="0">
-            <a:schemeClr val="accent1"/>
-          </a:effectRef>
-          <a:fontRef idx="minor">
-            <a:schemeClr val="tx1"/>
-          </a:fontRef>
-        </p:style>
-      </p:cxnSp>
-      <p:cxnSp>
-        <p:nvCxnSpPr>
-          <p:cNvPr id="17" name="Connector: Elbow 25">
-            <a:extLst>
-              <a:ext uri="{FF2B5EF4-FFF2-40B4-BE49-F238E27FC236}">
-                <a16:creationId xmlns:a16="http://schemas.microsoft.com/office/drawing/2014/main" id="{9C8E0810-A486-0536-48A0-C62A7B969CB3}"/>
-              </a:ext>
-            </a:extLst>
-          </p:cNvPr>
-          <p:cNvCxnSpPr>
-            <a:cxnSpLocks/>
-            <a:stCxn id="4" idx="3"/>
-            <a:endCxn id="12" idx="3"/>
-          </p:cNvCxnSpPr>
-          <p:nvPr/>
-        </p:nvCxnSpPr>
-        <p:spPr>
-          <a:xfrm>
-            <a:off x="4776787" y="3120681"/>
-            <a:ext cx="1158286" cy="863901"/>
-          </a:xfrm>
-          <a:prstGeom prst="straightConnector1">
-            <a:avLst/>
-          </a:prstGeom>
-          <a:ln>
-            <a:tailEnd type="triangle"/>
+            <a:headEnd type="none" w="med" len="med"/>
+            <a:tailEnd type="none" w="med" len="med"/>
           </a:ln>
         </p:spPr>
         <p:style>
@@ -5687,94 +8113,165 @@
           <a:p>
             <a:pPr algn="ctr"/>
             <a:r>
+              <a:rPr lang="es-ES" dirty="0" err="1">
+                <a:solidFill>
+                  <a:schemeClr val="tx1"/>
+                </a:solidFill>
+              </a:rPr>
+              <a:t>basic</a:t>
+            </a:r>
+            <a:r>
               <a:rPr lang="es-ES" dirty="0">
                 <a:solidFill>
                   <a:schemeClr val="tx1"/>
                 </a:solidFill>
               </a:rPr>
-              <a:t>SPA app</a:t>
-            </a:r>
-          </a:p>
-        </p:txBody>
-      </p:sp>
-      <p:sp>
-        <p:nvSpPr>
-          <p:cNvPr id="27" name="Rectangle: Rounded Corners 26">
-            <a:extLst>
-              <a:ext uri="{FF2B5EF4-FFF2-40B4-BE49-F238E27FC236}">
-                <a16:creationId xmlns:a16="http://schemas.microsoft.com/office/drawing/2014/main" id="{A49B3ACC-9AF0-D354-47EC-3FD2A29EB773}"/>
-              </a:ext>
-            </a:extLst>
-          </p:cNvPr>
-          <p:cNvSpPr/>
+              <a:t> app</a:t>
+            </a:r>
+          </a:p>
+        </p:txBody>
+      </p:sp>
+      <p:sp>
+        <p:nvSpPr>
+          <p:cNvPr id="22" name="TextBox 21">
+            <a:extLst>
+              <a:ext uri="{FF2B5EF4-FFF2-40B4-BE49-F238E27FC236}">
+                <a16:creationId xmlns:a16="http://schemas.microsoft.com/office/drawing/2014/main" id="{61BFB1B0-75E3-032E-6303-408D6FB767E8}"/>
+              </a:ext>
+            </a:extLst>
+          </p:cNvPr>
+          <p:cNvSpPr txBox="1"/>
           <p:nvPr/>
         </p:nvSpPr>
         <p:spPr>
           <a:xfrm>
-            <a:off x="7215739" y="3429000"/>
-            <a:ext cx="982600" cy="504329"/>
-          </a:xfrm>
-          <a:prstGeom prst="roundRect">
-            <a:avLst>
-              <a:gd name="adj" fmla="val 11979"/>
-            </a:avLst>
+            <a:off x="6737184" y="3513167"/>
+            <a:ext cx="1987557" cy="415498"/>
+          </a:xfrm>
+          <a:prstGeom prst="rect">
+            <a:avLst/>
           </a:prstGeom>
-          <a:solidFill>
-            <a:schemeClr val="bg1"/>
-          </a:solidFill>
-        </p:spPr>
-        <p:style>
-          <a:lnRef idx="2">
-            <a:schemeClr val="accent1">
-              <a:shade val="15000"/>
-            </a:schemeClr>
-          </a:lnRef>
-          <a:fillRef idx="1">
-            <a:schemeClr val="accent1"/>
-          </a:fillRef>
-          <a:effectRef idx="0">
-            <a:schemeClr val="accent1"/>
-          </a:effectRef>
-          <a:fontRef idx="minor">
-            <a:schemeClr val="lt1"/>
-          </a:fontRef>
-        </p:style>
-        <p:txBody>
-          <a:bodyPr rtlCol="0" anchor="ctr"/>
+          <a:noFill/>
+        </p:spPr>
+        <p:txBody>
+          <a:bodyPr wrap="square">
+            <a:spAutoFit/>
+          </a:bodyPr>
           <a:lstStyle/>
           <a:p>
             <a:pPr algn="ctr"/>
             <a:r>
-              <a:rPr lang="es-ES" dirty="0">
+              <a:rPr lang="es-ES" sz="1050" dirty="0">
                 <a:solidFill>
                   <a:schemeClr val="tx1"/>
                 </a:solidFill>
               </a:rPr>
-              <a:t>API</a:t>
+              <a:t>Web server </a:t>
+            </a:r>
+            <a:r>
+              <a:rPr lang="es-ES" sz="1050" dirty="0" err="1">
+                <a:solidFill>
+                  <a:schemeClr val="tx1"/>
+                </a:solidFill>
+              </a:rPr>
+              <a:t>pod</a:t>
+            </a:r>
+            <a:endParaRPr lang="es-ES" sz="1050" dirty="0">
+              <a:solidFill>
+                <a:schemeClr val="tx1"/>
+              </a:solidFill>
+            </a:endParaRPr>
+          </a:p>
+          <a:p>
+            <a:pPr algn="ctr"/>
+            <a:r>
+              <a:rPr lang="es-ES" sz="1050" dirty="0">
+                <a:solidFill>
+                  <a:schemeClr val="tx1"/>
+                </a:solidFill>
+              </a:rPr>
+              <a:t>(apache, </a:t>
+            </a:r>
+            <a:r>
+              <a:rPr lang="es-ES" sz="1050" dirty="0" err="1">
+                <a:solidFill>
+                  <a:schemeClr val="tx1"/>
+                </a:solidFill>
+              </a:rPr>
+              <a:t>nginx</a:t>
+            </a:r>
+            <a:r>
+              <a:rPr lang="es-ES" sz="1050" dirty="0">
+                <a:solidFill>
+                  <a:schemeClr val="tx1"/>
+                </a:solidFill>
+              </a:rPr>
+              <a:t>…)</a:t>
             </a:r>
           </a:p>
         </p:txBody>
       </p:sp>
       <p:cxnSp>
         <p:nvCxnSpPr>
-          <p:cNvPr id="30" name="Connector: Elbow 29">
-            <a:extLst>
-              <a:ext uri="{FF2B5EF4-FFF2-40B4-BE49-F238E27FC236}">
-                <a16:creationId xmlns:a16="http://schemas.microsoft.com/office/drawing/2014/main" id="{E771BFEB-B6DA-F637-5943-C8E2A096271A}"/>
+          <p:cNvPr id="23" name="Connector: Elbow 14">
+            <a:extLst>
+              <a:ext uri="{FF2B5EF4-FFF2-40B4-BE49-F238E27FC236}">
+                <a16:creationId xmlns:a16="http://schemas.microsoft.com/office/drawing/2014/main" id="{D7DAC04C-E129-9EB1-365A-4FCB45D5060B}"/>
               </a:ext>
             </a:extLst>
           </p:cNvPr>
           <p:cNvCxnSpPr>
             <a:cxnSpLocks/>
-            <a:stCxn id="12" idx="1"/>
-            <a:endCxn id="27" idx="1"/>
+            <a:stCxn id="13" idx="1"/>
           </p:cNvCxnSpPr>
           <p:nvPr/>
         </p:nvCxnSpPr>
         <p:spPr>
           <a:xfrm flipV="1">
-            <a:off x="6558025" y="3681165"/>
-            <a:ext cx="657714" cy="303417"/>
+            <a:off x="6464138" y="2898648"/>
+            <a:ext cx="287468" cy="222033"/>
+          </a:xfrm>
+          <a:prstGeom prst="straightConnector1">
+            <a:avLst/>
+          </a:prstGeom>
+          <a:ln>
+            <a:tailEnd type="triangle"/>
+          </a:ln>
+        </p:spPr>
+        <p:style>
+          <a:lnRef idx="1">
+            <a:schemeClr val="accent1"/>
+          </a:lnRef>
+          <a:fillRef idx="0">
+            <a:schemeClr val="accent1"/>
+          </a:fillRef>
+          <a:effectRef idx="0">
+            <a:schemeClr val="accent1"/>
+          </a:effectRef>
+          <a:fontRef idx="minor">
+            <a:schemeClr val="tx1"/>
+          </a:fontRef>
+        </p:style>
+      </p:cxnSp>
+      <p:cxnSp>
+        <p:nvCxnSpPr>
+          <p:cNvPr id="26" name="Connector: Elbow 14">
+            <a:extLst>
+              <a:ext uri="{FF2B5EF4-FFF2-40B4-BE49-F238E27FC236}">
+                <a16:creationId xmlns:a16="http://schemas.microsoft.com/office/drawing/2014/main" id="{08037114-C614-297C-F01B-696B02EE7DB1}"/>
+              </a:ext>
+            </a:extLst>
+          </p:cNvPr>
+          <p:cNvCxnSpPr>
+            <a:cxnSpLocks/>
+            <a:stCxn id="13" idx="1"/>
+          </p:cNvCxnSpPr>
+          <p:nvPr/>
+        </p:nvCxnSpPr>
+        <p:spPr>
+          <a:xfrm>
+            <a:off x="6464138" y="3120681"/>
+            <a:ext cx="287468" cy="224152"/>
           </a:xfrm>
           <a:prstGeom prst="straightConnector1">
             <a:avLst/>
@@ -5801,7 +8298,7 @@
     </p:spTree>
     <p:extLst>
       <p:ext uri="{BB962C8B-B14F-4D97-AF65-F5344CB8AC3E}">
-        <p14:creationId xmlns:p14="http://schemas.microsoft.com/office/powerpoint/2010/main" val="1091738206"/>
+        <p14:creationId xmlns:p14="http://schemas.microsoft.com/office/powerpoint/2010/main" val="2984650839"/>
       </p:ext>
     </p:extLst>
   </p:cSld>
@@ -5811,7 +8308,7 @@
 </p:sld>
 </file>
 
-<file path=ppt/slides/slide5.xml><?xml version="1.0" encoding="utf-8"?>
+<file path=ppt/slides/slide8.xml><?xml version="1.0" encoding="utf-8"?>
 <p:sld xmlns:a="http://schemas.openxmlformats.org/drawingml/2006/main" xmlns:r="http://schemas.openxmlformats.org/officeDocument/2006/relationships" xmlns:p="http://schemas.openxmlformats.org/presentationml/2006/main">
   <p:cSld>
     <p:spTree>
@@ -5842,8 +8339,8 @@
         </p:nvSpPr>
         <p:spPr>
           <a:xfrm>
-            <a:off x="3448051" y="2203704"/>
-            <a:ext cx="5430774" cy="3346704"/>
+            <a:off x="3448050" y="1353312"/>
+            <a:ext cx="5724525" cy="4437888"/>
           </a:xfrm>
           <a:prstGeom prst="roundRect">
             <a:avLst>
@@ -6145,7 +8642,7 @@
         </p:blipFill>
         <p:spPr bwMode="auto">
           <a:xfrm>
-            <a:off x="8272380" y="4890151"/>
+            <a:off x="8477249" y="5142875"/>
             <a:ext cx="514265" cy="505449"/>
           </a:xfrm>
           <a:prstGeom prst="rect">
@@ -6252,10 +8749,10 @@
       </p:cxnSp>
       <p:sp>
         <p:nvSpPr>
-          <p:cNvPr id="13" name="Rectangle: Rounded Corners 12">
-            <a:extLst>
-              <a:ext uri="{FF2B5EF4-FFF2-40B4-BE49-F238E27FC236}">
-                <a16:creationId xmlns:a16="http://schemas.microsoft.com/office/drawing/2014/main" id="{DE88DA35-90D5-2913-BAC7-8A3DFC95B6C4}"/>
+          <p:cNvPr id="12" name="Rectangle: Top Corners Snipped 11">
+            <a:extLst>
+              <a:ext uri="{FF2B5EF4-FFF2-40B4-BE49-F238E27FC236}">
+                <a16:creationId xmlns:a16="http://schemas.microsoft.com/office/drawing/2014/main" id="{6F5237BF-5424-2DDC-7EE2-06FA623DE314}"/>
               </a:ext>
             </a:extLst>
           </p:cNvPr>
@@ -6263,8 +8760,57 @@
           <p:nvPr/>
         </p:nvSpPr>
         <p:spPr>
+          <a:xfrm rot="16200000">
+            <a:off x="5806018" y="3673106"/>
+            <a:ext cx="881062" cy="622952"/>
+          </a:xfrm>
+          <a:prstGeom prst="snip2SameRect">
+            <a:avLst/>
+          </a:prstGeom>
+        </p:spPr>
+        <p:style>
+          <a:lnRef idx="2">
+            <a:schemeClr val="accent1">
+              <a:shade val="15000"/>
+            </a:schemeClr>
+          </a:lnRef>
+          <a:fillRef idx="1">
+            <a:schemeClr val="accent1"/>
+          </a:fillRef>
+          <a:effectRef idx="0">
+            <a:schemeClr val="accent1"/>
+          </a:effectRef>
+          <a:fontRef idx="minor">
+            <a:schemeClr val="lt1"/>
+          </a:fontRef>
+        </p:style>
+        <p:txBody>
+          <a:bodyPr rtlCol="0" anchor="ctr"/>
+          <a:lstStyle/>
+          <a:p>
+            <a:pPr algn="ctr"/>
+            <a:r>
+              <a:rPr lang="es-ES" sz="1200" dirty="0"/>
+              <a:t>Service</a:t>
+            </a:r>
+          </a:p>
+        </p:txBody>
+      </p:sp>
+      <p:sp>
+        <p:nvSpPr>
+          <p:cNvPr id="13" name="Rectangle: Rounded Corners 12">
+            <a:extLst>
+              <a:ext uri="{FF2B5EF4-FFF2-40B4-BE49-F238E27FC236}">
+                <a16:creationId xmlns:a16="http://schemas.microsoft.com/office/drawing/2014/main" id="{DE88DA35-90D5-2913-BAC7-8A3DFC95B6C4}"/>
+              </a:ext>
+            </a:extLst>
+          </p:cNvPr>
+          <p:cNvSpPr/>
+          <p:nvPr/>
+        </p:nvSpPr>
+        <p:spPr>
           <a:xfrm>
-            <a:off x="6464138" y="2696818"/>
+            <a:off x="7097551" y="1509598"/>
             <a:ext cx="1266825" cy="847725"/>
           </a:xfrm>
           <a:prstGeom prst="roundRect">
@@ -6298,12 +8844,20 @@
           <a:p>
             <a:pPr algn="ctr"/>
             <a:r>
+              <a:rPr lang="es-ES" sz="1400" dirty="0" err="1">
+                <a:solidFill>
+                  <a:schemeClr val="tx1"/>
+                </a:solidFill>
+              </a:rPr>
+              <a:t>Nginx</a:t>
+            </a:r>
+            <a:r>
               <a:rPr lang="es-ES" sz="1400" dirty="0">
                 <a:solidFill>
                   <a:schemeClr val="tx1"/>
                 </a:solidFill>
               </a:rPr>
-              <a:t>/</a:t>
+              <a:t> </a:t>
             </a:r>
             <a:r>
               <a:rPr lang="es-ES" sz="1400" dirty="0" err="1">
@@ -6311,31 +8865,15 @@
                   <a:schemeClr val="tx1"/>
                 </a:solidFill>
               </a:rPr>
-              <a:t>public</a:t>
-            </a:r>
-            <a:endParaRPr lang="es-ES" sz="1400" dirty="0">
-              <a:solidFill>
-                <a:schemeClr val="tx1"/>
-              </a:solidFill>
-            </a:endParaRPr>
-          </a:p>
-          <a:p>
-            <a:pPr algn="ctr"/>
-            <a:endParaRPr lang="es-ES" sz="1400" dirty="0">
-              <a:solidFill>
-                <a:schemeClr val="tx1"/>
-              </a:solidFill>
-            </a:endParaRPr>
-          </a:p>
-          <a:p>
-            <a:pPr algn="ctr"/>
+              <a:t>serving</a:t>
+            </a:r>
             <a:r>
               <a:rPr lang="es-ES" sz="1400" dirty="0">
                 <a:solidFill>
                   <a:schemeClr val="tx1"/>
                 </a:solidFill>
               </a:rPr>
-              <a:t>/</a:t>
+              <a:t> </a:t>
             </a:r>
             <a:r>
               <a:rPr lang="es-ES" sz="1400" dirty="0" err="1">
@@ -6343,13 +8881,90 @@
                   <a:schemeClr val="tx1"/>
                 </a:solidFill>
               </a:rPr>
-              <a:t>admin</a:t>
-            </a:r>
-            <a:endParaRPr lang="es-ES" sz="1400" dirty="0">
-              <a:solidFill>
-                <a:schemeClr val="tx1"/>
-              </a:solidFill>
-            </a:endParaRPr>
+              <a:t>with</a:t>
+            </a:r>
+            <a:r>
+              <a:rPr lang="es-ES" sz="1400" dirty="0">
+                <a:solidFill>
+                  <a:schemeClr val="tx1"/>
+                </a:solidFill>
+              </a:rPr>
+              <a:t> </a:t>
+            </a:r>
+            <a:r>
+              <a:rPr lang="es-ES" sz="1400" dirty="0" err="1">
+                <a:solidFill>
+                  <a:schemeClr val="tx1"/>
+                </a:solidFill>
+              </a:rPr>
+              <a:t>static</a:t>
+            </a:r>
+            <a:r>
+              <a:rPr lang="es-ES" sz="1400" dirty="0">
+                <a:solidFill>
+                  <a:schemeClr val="tx1"/>
+                </a:solidFill>
+              </a:rPr>
+              <a:t> SPA</a:t>
+            </a:r>
+          </a:p>
+        </p:txBody>
+      </p:sp>
+      <p:sp>
+        <p:nvSpPr>
+          <p:cNvPr id="14" name="Rectangle: Rounded Corners 13">
+            <a:extLst>
+              <a:ext uri="{FF2B5EF4-FFF2-40B4-BE49-F238E27FC236}">
+                <a16:creationId xmlns:a16="http://schemas.microsoft.com/office/drawing/2014/main" id="{3F443E67-6593-A074-FAF6-2B1477B022B9}"/>
+              </a:ext>
+            </a:extLst>
+          </p:cNvPr>
+          <p:cNvSpPr/>
+          <p:nvPr/>
+        </p:nvSpPr>
+        <p:spPr>
+          <a:xfrm>
+            <a:off x="7210425" y="4076815"/>
+            <a:ext cx="982600" cy="504329"/>
+          </a:xfrm>
+          <a:prstGeom prst="roundRect">
+            <a:avLst>
+              <a:gd name="adj" fmla="val 11979"/>
+            </a:avLst>
+          </a:prstGeom>
+          <a:solidFill>
+            <a:schemeClr val="bg1"/>
+          </a:solidFill>
+        </p:spPr>
+        <p:style>
+          <a:lnRef idx="2">
+            <a:schemeClr val="accent1">
+              <a:shade val="15000"/>
+            </a:schemeClr>
+          </a:lnRef>
+          <a:fillRef idx="1">
+            <a:schemeClr val="accent1"/>
+          </a:fillRef>
+          <a:effectRef idx="0">
+            <a:schemeClr val="accent1"/>
+          </a:effectRef>
+          <a:fontRef idx="minor">
+            <a:schemeClr val="lt1"/>
+          </a:fontRef>
+        </p:style>
+        <p:txBody>
+          <a:bodyPr rtlCol="0" anchor="ctr"/>
+          <a:lstStyle/>
+          <a:p>
+            <a:pPr algn="ctr"/>
+            <a:r>
+              <a:rPr lang="es-ES" dirty="0">
+                <a:solidFill>
+                  <a:schemeClr val="tx1"/>
+                </a:solidFill>
+              </a:rPr>
+              <a:t>API</a:t>
+            </a:r>
           </a:p>
         </p:txBody>
       </p:sp>
@@ -6370,16 +8985,101 @@
           <p:nvPr/>
         </p:nvCxnSpPr>
         <p:spPr>
-          <a:xfrm>
-            <a:off x="4776787" y="3120681"/>
-            <a:ext cx="1687351" cy="0"/>
+          <a:xfrm flipV="1">
+            <a:off x="4776787" y="1933461"/>
+            <a:ext cx="2320764" cy="1187220"/>
           </a:xfrm>
           <a:prstGeom prst="straightConnector1">
             <a:avLst/>
           </a:prstGeom>
           <a:ln>
-            <a:headEnd type="none" w="med" len="med"/>
-            <a:tailEnd type="none" w="med" len="med"/>
+            <a:tailEnd type="triangle"/>
+          </a:ln>
+        </p:spPr>
+        <p:style>
+          <a:lnRef idx="1">
+            <a:schemeClr val="accent1"/>
+          </a:lnRef>
+          <a:fillRef idx="0">
+            <a:schemeClr val="accent1"/>
+          </a:fillRef>
+          <a:effectRef idx="0">
+            <a:schemeClr val="accent1"/>
+          </a:effectRef>
+          <a:fontRef idx="minor">
+            <a:schemeClr val="tx1"/>
+          </a:fontRef>
+        </p:style>
+      </p:cxnSp>
+      <p:cxnSp>
+        <p:nvCxnSpPr>
+          <p:cNvPr id="16" name="Connector: Elbow 15">
+            <a:extLst>
+              <a:ext uri="{FF2B5EF4-FFF2-40B4-BE49-F238E27FC236}">
+                <a16:creationId xmlns:a16="http://schemas.microsoft.com/office/drawing/2014/main" id="{2E7C5AD8-5A29-B3EC-2329-5AC5E53D1458}"/>
+              </a:ext>
+            </a:extLst>
+          </p:cNvPr>
+          <p:cNvCxnSpPr>
+            <a:cxnSpLocks/>
+            <a:stCxn id="12" idx="1"/>
+            <a:endCxn id="14" idx="1"/>
+          </p:cNvCxnSpPr>
+          <p:nvPr/>
+        </p:nvCxnSpPr>
+        <p:spPr>
+          <a:xfrm>
+            <a:off x="6558025" y="3984582"/>
+            <a:ext cx="652400" cy="344398"/>
+          </a:xfrm>
+          <a:prstGeom prst="straightConnector1">
+            <a:avLst/>
+          </a:prstGeom>
+          <a:ln>
+            <a:tailEnd type="triangle"/>
+          </a:ln>
+        </p:spPr>
+        <p:style>
+          <a:lnRef idx="1">
+            <a:schemeClr val="accent1"/>
+          </a:lnRef>
+          <a:fillRef idx="0">
+            <a:schemeClr val="accent1"/>
+          </a:fillRef>
+          <a:effectRef idx="0">
+            <a:schemeClr val="accent1"/>
+          </a:effectRef>
+          <a:fontRef idx="minor">
+            <a:schemeClr val="tx1"/>
+          </a:fontRef>
+        </p:style>
+      </p:cxnSp>
+      <p:cxnSp>
+        <p:nvCxnSpPr>
+          <p:cNvPr id="17" name="Connector: Elbow 25">
+            <a:extLst>
+              <a:ext uri="{FF2B5EF4-FFF2-40B4-BE49-F238E27FC236}">
+                <a16:creationId xmlns:a16="http://schemas.microsoft.com/office/drawing/2014/main" id="{9C8E0810-A486-0536-48A0-C62A7B969CB3}"/>
+              </a:ext>
+            </a:extLst>
+          </p:cNvPr>
+          <p:cNvCxnSpPr>
+            <a:cxnSpLocks/>
+            <a:stCxn id="4" idx="3"/>
+            <a:endCxn id="12" idx="3"/>
+          </p:cNvCxnSpPr>
+          <p:nvPr/>
+        </p:nvCxnSpPr>
+        <p:spPr>
+          <a:xfrm>
+            <a:off x="4776787" y="3120681"/>
+            <a:ext cx="1158286" cy="863901"/>
+          </a:xfrm>
+          <a:prstGeom prst="straightConnector1">
+            <a:avLst/>
+          </a:prstGeom>
+          <a:ln>
+            <a:tailEnd type="triangle"/>
           </a:ln>
         </p:spPr>
         <p:style>
@@ -6527,165 +9227,94 @@
           <a:p>
             <a:pPr algn="ctr"/>
             <a:r>
-              <a:rPr lang="es-ES" dirty="0" err="1">
-                <a:solidFill>
-                  <a:schemeClr val="tx1"/>
-                </a:solidFill>
-              </a:rPr>
-              <a:t>basic</a:t>
-            </a:r>
-            <a:r>
               <a:rPr lang="es-ES" dirty="0">
                 <a:solidFill>
                   <a:schemeClr val="tx1"/>
                 </a:solidFill>
               </a:rPr>
-              <a:t> app</a:t>
-            </a:r>
-          </a:p>
-        </p:txBody>
-      </p:sp>
-      <p:sp>
-        <p:nvSpPr>
-          <p:cNvPr id="22" name="TextBox 21">
-            <a:extLst>
-              <a:ext uri="{FF2B5EF4-FFF2-40B4-BE49-F238E27FC236}">
-                <a16:creationId xmlns:a16="http://schemas.microsoft.com/office/drawing/2014/main" id="{61BFB1B0-75E3-032E-6303-408D6FB767E8}"/>
-              </a:ext>
-            </a:extLst>
-          </p:cNvPr>
-          <p:cNvSpPr txBox="1"/>
+              <a:t>SPA app</a:t>
+            </a:r>
+          </a:p>
+        </p:txBody>
+      </p:sp>
+      <p:sp>
+        <p:nvSpPr>
+          <p:cNvPr id="27" name="Rectangle: Rounded Corners 26">
+            <a:extLst>
+              <a:ext uri="{FF2B5EF4-FFF2-40B4-BE49-F238E27FC236}">
+                <a16:creationId xmlns:a16="http://schemas.microsoft.com/office/drawing/2014/main" id="{A49B3ACC-9AF0-D354-47EC-3FD2A29EB773}"/>
+              </a:ext>
+            </a:extLst>
+          </p:cNvPr>
+          <p:cNvSpPr/>
           <p:nvPr/>
         </p:nvSpPr>
         <p:spPr>
           <a:xfrm>
-            <a:off x="6737184" y="3513167"/>
-            <a:ext cx="1987557" cy="415498"/>
-          </a:xfrm>
-          <a:prstGeom prst="rect">
-            <a:avLst/>
+            <a:off x="7215739" y="3429000"/>
+            <a:ext cx="982600" cy="504329"/>
+          </a:xfrm>
+          <a:prstGeom prst="roundRect">
+            <a:avLst>
+              <a:gd name="adj" fmla="val 11979"/>
+            </a:avLst>
           </a:prstGeom>
-          <a:noFill/>
-        </p:spPr>
-        <p:txBody>
-          <a:bodyPr wrap="square">
-            <a:spAutoFit/>
-          </a:bodyPr>
+          <a:solidFill>
+            <a:schemeClr val="bg1"/>
+          </a:solidFill>
+        </p:spPr>
+        <p:style>
+          <a:lnRef idx="2">
+            <a:schemeClr val="accent1">
+              <a:shade val="15000"/>
+            </a:schemeClr>
+          </a:lnRef>
+          <a:fillRef idx="1">
+            <a:schemeClr val="accent1"/>
+          </a:fillRef>
+          <a:effectRef idx="0">
+            <a:schemeClr val="accent1"/>
+          </a:effectRef>
+          <a:fontRef idx="minor">
+            <a:schemeClr val="lt1"/>
+          </a:fontRef>
+        </p:style>
+        <p:txBody>
+          <a:bodyPr rtlCol="0" anchor="ctr"/>
           <a:lstStyle/>
           <a:p>
             <a:pPr algn="ctr"/>
             <a:r>
-              <a:rPr lang="es-ES" sz="1050" dirty="0">
+              <a:rPr lang="es-ES" dirty="0">
                 <a:solidFill>
                   <a:schemeClr val="tx1"/>
                 </a:solidFill>
               </a:rPr>
-              <a:t>Web server </a:t>
-            </a:r>
-            <a:r>
-              <a:rPr lang="es-ES" sz="1050" dirty="0" err="1">
-                <a:solidFill>
-                  <a:schemeClr val="tx1"/>
-                </a:solidFill>
-              </a:rPr>
-              <a:t>pod</a:t>
-            </a:r>
-            <a:endParaRPr lang="es-ES" sz="1050" dirty="0">
-              <a:solidFill>
-                <a:schemeClr val="tx1"/>
-              </a:solidFill>
-            </a:endParaRPr>
-          </a:p>
-          <a:p>
-            <a:pPr algn="ctr"/>
-            <a:r>
-              <a:rPr lang="es-ES" sz="1050" dirty="0">
-                <a:solidFill>
-                  <a:schemeClr val="tx1"/>
-                </a:solidFill>
-              </a:rPr>
-              <a:t>(apache, </a:t>
-            </a:r>
-            <a:r>
-              <a:rPr lang="es-ES" sz="1050" dirty="0" err="1">
-                <a:solidFill>
-                  <a:schemeClr val="tx1"/>
-                </a:solidFill>
-              </a:rPr>
-              <a:t>nginx</a:t>
-            </a:r>
-            <a:r>
-              <a:rPr lang="es-ES" sz="1050" dirty="0">
-                <a:solidFill>
-                  <a:schemeClr val="tx1"/>
-                </a:solidFill>
-              </a:rPr>
-              <a:t>…)</a:t>
+              <a:t>API</a:t>
             </a:r>
           </a:p>
         </p:txBody>
       </p:sp>
       <p:cxnSp>
         <p:nvCxnSpPr>
-          <p:cNvPr id="23" name="Connector: Elbow 14">
-            <a:extLst>
-              <a:ext uri="{FF2B5EF4-FFF2-40B4-BE49-F238E27FC236}">
-                <a16:creationId xmlns:a16="http://schemas.microsoft.com/office/drawing/2014/main" id="{D7DAC04C-E129-9EB1-365A-4FCB45D5060B}"/>
+          <p:cNvPr id="30" name="Connector: Elbow 29">
+            <a:extLst>
+              <a:ext uri="{FF2B5EF4-FFF2-40B4-BE49-F238E27FC236}">
+                <a16:creationId xmlns:a16="http://schemas.microsoft.com/office/drawing/2014/main" id="{E771BFEB-B6DA-F637-5943-C8E2A096271A}"/>
               </a:ext>
             </a:extLst>
           </p:cNvPr>
           <p:cNvCxnSpPr>
             <a:cxnSpLocks/>
-            <a:stCxn id="13" idx="1"/>
+            <a:stCxn id="12" idx="1"/>
+            <a:endCxn id="27" idx="1"/>
           </p:cNvCxnSpPr>
           <p:nvPr/>
         </p:nvCxnSpPr>
         <p:spPr>
           <a:xfrm flipV="1">
-            <a:off x="6464138" y="2898648"/>
-            <a:ext cx="287468" cy="222033"/>
-          </a:xfrm>
-          <a:prstGeom prst="straightConnector1">
-            <a:avLst/>
-          </a:prstGeom>
-          <a:ln>
-            <a:tailEnd type="triangle"/>
-          </a:ln>
-        </p:spPr>
-        <p:style>
-          <a:lnRef idx="1">
-            <a:schemeClr val="accent1"/>
-          </a:lnRef>
-          <a:fillRef idx="0">
-            <a:schemeClr val="accent1"/>
-          </a:fillRef>
-          <a:effectRef idx="0">
-            <a:schemeClr val="accent1"/>
-          </a:effectRef>
-          <a:fontRef idx="minor">
-            <a:schemeClr val="tx1"/>
-          </a:fontRef>
-        </p:style>
-      </p:cxnSp>
-      <p:cxnSp>
-        <p:nvCxnSpPr>
-          <p:cNvPr id="26" name="Connector: Elbow 14">
-            <a:extLst>
-              <a:ext uri="{FF2B5EF4-FFF2-40B4-BE49-F238E27FC236}">
-                <a16:creationId xmlns:a16="http://schemas.microsoft.com/office/drawing/2014/main" id="{08037114-C614-297C-F01B-696B02EE7DB1}"/>
-              </a:ext>
-            </a:extLst>
-          </p:cNvPr>
-          <p:cNvCxnSpPr>
-            <a:cxnSpLocks/>
-            <a:stCxn id="13" idx="1"/>
-          </p:cNvCxnSpPr>
-          <p:nvPr/>
-        </p:nvCxnSpPr>
-        <p:spPr>
-          <a:xfrm>
-            <a:off x="6464138" y="3120681"/>
-            <a:ext cx="287468" cy="224152"/>
+            <a:off x="6558025" y="3681165"/>
+            <a:ext cx="657714" cy="303417"/>
           </a:xfrm>
           <a:prstGeom prst="straightConnector1">
             <a:avLst/>
@@ -6712,2494 +9341,7 @@
     </p:spTree>
     <p:extLst>
       <p:ext uri="{BB962C8B-B14F-4D97-AF65-F5344CB8AC3E}">
-        <p14:creationId xmlns:p14="http://schemas.microsoft.com/office/powerpoint/2010/main" val="2984650839"/>
-      </p:ext>
-    </p:extLst>
-  </p:cSld>
-  <p:clrMapOvr>
-    <a:masterClrMapping/>
-  </p:clrMapOvr>
-</p:sld>
-</file>
-
-<file path=ppt/slides/slide6.xml><?xml version="1.0" encoding="utf-8"?>
-<p:sld xmlns:a="http://schemas.openxmlformats.org/drawingml/2006/main" xmlns:r="http://schemas.openxmlformats.org/officeDocument/2006/relationships" xmlns:p="http://schemas.openxmlformats.org/presentationml/2006/main">
-  <p:cSld>
-    <p:spTree>
-      <p:nvGrpSpPr>
-        <p:cNvPr id="1" name=""/>
-        <p:cNvGrpSpPr/>
-        <p:nvPr/>
-      </p:nvGrpSpPr>
-      <p:grpSpPr>
-        <a:xfrm>
-          <a:off x="0" y="0"/>
-          <a:ext cx="0" cy="0"/>
-          <a:chOff x="0" y="0"/>
-          <a:chExt cx="0" cy="0"/>
-        </a:xfrm>
-      </p:grpSpPr>
-      <p:sp>
-        <p:nvSpPr>
-          <p:cNvPr id="2" name="Rectangle: Rounded Corners 1">
-            <a:extLst>
-              <a:ext uri="{FF2B5EF4-FFF2-40B4-BE49-F238E27FC236}">
-                <a16:creationId xmlns:a16="http://schemas.microsoft.com/office/drawing/2014/main" id="{C1EABD0B-7717-097C-4B8C-20C9F64F5571}"/>
-              </a:ext>
-            </a:extLst>
-          </p:cNvPr>
-          <p:cNvSpPr/>
-          <p:nvPr/>
-        </p:nvSpPr>
-        <p:spPr>
-          <a:xfrm>
-            <a:off x="3448050" y="990600"/>
-            <a:ext cx="5724525" cy="4800600"/>
-          </a:xfrm>
-          <a:prstGeom prst="roundRect">
-            <a:avLst>
-              <a:gd name="adj" fmla="val 4427"/>
-            </a:avLst>
-          </a:prstGeom>
-          <a:noFill/>
-          <a:ln>
-            <a:prstDash val="dash"/>
-          </a:ln>
-        </p:spPr>
-        <p:style>
-          <a:lnRef idx="2">
-            <a:schemeClr val="accent1">
-              <a:shade val="15000"/>
-            </a:schemeClr>
-          </a:lnRef>
-          <a:fillRef idx="1">
-            <a:schemeClr val="accent1"/>
-          </a:fillRef>
-          <a:effectRef idx="0">
-            <a:schemeClr val="accent1"/>
-          </a:effectRef>
-          <a:fontRef idx="minor">
-            <a:schemeClr val="lt1"/>
-          </a:fontRef>
-        </p:style>
-        <p:txBody>
-          <a:bodyPr rtlCol="0" anchor="ctr"/>
-          <a:lstStyle/>
-          <a:p>
-            <a:pPr algn="ctr"/>
-            <a:endParaRPr lang="es-ES"/>
-          </a:p>
-        </p:txBody>
-      </p:sp>
-      <p:grpSp>
-        <p:nvGrpSpPr>
-          <p:cNvPr id="6" name="Group 5">
-            <a:extLst>
-              <a:ext uri="{FF2B5EF4-FFF2-40B4-BE49-F238E27FC236}">
-                <a16:creationId xmlns:a16="http://schemas.microsoft.com/office/drawing/2014/main" id="{F2F48A0C-44E2-D36B-81DB-8452202DCFE2}"/>
-              </a:ext>
-            </a:extLst>
-          </p:cNvPr>
-          <p:cNvGrpSpPr/>
-          <p:nvPr/>
-        </p:nvGrpSpPr>
-        <p:grpSpPr>
-          <a:xfrm>
-            <a:off x="2728912" y="2463456"/>
-            <a:ext cx="2047875" cy="1314450"/>
-            <a:chOff x="2424112" y="2314575"/>
-            <a:chExt cx="2047875" cy="1314450"/>
-          </a:xfrm>
-        </p:grpSpPr>
-        <p:sp>
-          <p:nvSpPr>
-            <p:cNvPr id="5" name="Rectangle: Rounded Corners 4">
-              <a:extLst>
-                <a:ext uri="{FF2B5EF4-FFF2-40B4-BE49-F238E27FC236}">
-                  <a16:creationId xmlns:a16="http://schemas.microsoft.com/office/drawing/2014/main" id="{D893CDFD-7304-57AE-6C1D-EA2D450CBF73}"/>
-                </a:ext>
-              </a:extLst>
-            </p:cNvPr>
-            <p:cNvSpPr/>
-            <p:nvPr/>
-          </p:nvSpPr>
-          <p:spPr>
-            <a:xfrm>
-              <a:off x="2424112" y="2314575"/>
-              <a:ext cx="2047875" cy="1314450"/>
-            </a:xfrm>
-            <a:prstGeom prst="roundRect">
-              <a:avLst>
-                <a:gd name="adj" fmla="val 11979"/>
-              </a:avLst>
-            </a:prstGeom>
-            <a:solidFill>
-              <a:schemeClr val="bg1"/>
-            </a:solidFill>
-          </p:spPr>
-          <p:style>
-            <a:lnRef idx="2">
-              <a:schemeClr val="accent1">
-                <a:shade val="15000"/>
-              </a:schemeClr>
-            </a:lnRef>
-            <a:fillRef idx="1">
-              <a:schemeClr val="accent1"/>
-            </a:fillRef>
-            <a:effectRef idx="0">
-              <a:schemeClr val="accent1"/>
-            </a:effectRef>
-            <a:fontRef idx="minor">
-              <a:schemeClr val="lt1"/>
-            </a:fontRef>
-          </p:style>
-          <p:txBody>
-            <a:bodyPr rtlCol="0" anchor="ctr"/>
-            <a:lstStyle/>
-            <a:p>
-              <a:pPr algn="ctr"/>
-              <a:endParaRPr lang="es-ES"/>
-            </a:p>
-          </p:txBody>
-        </p:sp>
-        <p:pic>
-          <p:nvPicPr>
-            <p:cNvPr id="3" name="Picture 2">
-              <a:extLst>
-                <a:ext uri="{FF2B5EF4-FFF2-40B4-BE49-F238E27FC236}">
-                  <a16:creationId xmlns:a16="http://schemas.microsoft.com/office/drawing/2014/main" id="{7EC83269-84FE-E617-F217-9D2D088DC419}"/>
-                </a:ext>
-              </a:extLst>
-            </p:cNvPr>
-            <p:cNvPicPr>
-              <a:picLocks noChangeAspect="1"/>
-            </p:cNvPicPr>
-            <p:nvPr/>
-          </p:nvPicPr>
-          <p:blipFill>
-            <a:blip r:embed="rId2">
-              <a:clrChange>
-                <a:clrFrom>
-                  <a:srgbClr val="FFFFFF"/>
-                </a:clrFrom>
-                <a:clrTo>
-                  <a:srgbClr val="FFFFFF">
-                    <a:alpha val="0"/>
-                  </a:srgbClr>
-                </a:clrTo>
-              </a:clrChange>
-            </a:blip>
-            <a:stretch>
-              <a:fillRect/>
-            </a:stretch>
-          </p:blipFill>
-          <p:spPr>
-            <a:xfrm>
-              <a:off x="2929999" y="2409825"/>
-              <a:ext cx="1036101" cy="1143000"/>
-            </a:xfrm>
-            <a:prstGeom prst="rect">
-              <a:avLst/>
-            </a:prstGeom>
-          </p:spPr>
-        </p:pic>
-      </p:grpSp>
-      <p:grpSp>
-        <p:nvGrpSpPr>
-          <p:cNvPr id="8" name="Group 7">
-            <a:extLst>
-              <a:ext uri="{FF2B5EF4-FFF2-40B4-BE49-F238E27FC236}">
-                <a16:creationId xmlns:a16="http://schemas.microsoft.com/office/drawing/2014/main" id="{19AE0E8C-C1F7-97CB-EDA6-20FE9CB7E306}"/>
-              </a:ext>
-            </a:extLst>
-          </p:cNvPr>
-          <p:cNvGrpSpPr/>
-          <p:nvPr/>
-        </p:nvGrpSpPr>
-        <p:grpSpPr>
-          <a:xfrm>
-            <a:off x="4574586" y="4428850"/>
-            <a:ext cx="1388064" cy="1034490"/>
-            <a:chOff x="2165088" y="4352925"/>
-            <a:chExt cx="1388064" cy="1034490"/>
-          </a:xfrm>
-        </p:grpSpPr>
-        <p:sp>
-          <p:nvSpPr>
-            <p:cNvPr id="7" name="Rectangle: Rounded Corners 6">
-              <a:extLst>
-                <a:ext uri="{FF2B5EF4-FFF2-40B4-BE49-F238E27FC236}">
-                  <a16:creationId xmlns:a16="http://schemas.microsoft.com/office/drawing/2014/main" id="{AEB12C1E-DFA1-4068-F8F1-64B14A4C54DC}"/>
-                </a:ext>
-              </a:extLst>
-            </p:cNvPr>
-            <p:cNvSpPr/>
-            <p:nvPr/>
-          </p:nvSpPr>
-          <p:spPr>
-            <a:xfrm>
-              <a:off x="2165088" y="4352925"/>
-              <a:ext cx="1388064" cy="1034490"/>
-            </a:xfrm>
-            <a:prstGeom prst="roundRect">
-              <a:avLst>
-                <a:gd name="adj" fmla="val 11979"/>
-              </a:avLst>
-            </a:prstGeom>
-            <a:solidFill>
-              <a:schemeClr val="bg1"/>
-            </a:solidFill>
-          </p:spPr>
-          <p:style>
-            <a:lnRef idx="2">
-              <a:schemeClr val="accent1">
-                <a:shade val="15000"/>
-              </a:schemeClr>
-            </a:lnRef>
-            <a:fillRef idx="1">
-              <a:schemeClr val="accent1"/>
-            </a:fillRef>
-            <a:effectRef idx="0">
-              <a:schemeClr val="accent1"/>
-            </a:effectRef>
-            <a:fontRef idx="minor">
-              <a:schemeClr val="lt1"/>
-            </a:fontRef>
-          </p:style>
-          <p:txBody>
-            <a:bodyPr rtlCol="0" anchor="ctr"/>
-            <a:lstStyle/>
-            <a:p>
-              <a:pPr algn="ctr"/>
-              <a:endParaRPr lang="es-ES"/>
-            </a:p>
-          </p:txBody>
-        </p:sp>
-        <p:pic>
-          <p:nvPicPr>
-            <p:cNvPr id="4" name="Picture 3">
-              <a:extLst>
-                <a:ext uri="{FF2B5EF4-FFF2-40B4-BE49-F238E27FC236}">
-                  <a16:creationId xmlns:a16="http://schemas.microsoft.com/office/drawing/2014/main" id="{282B06E1-AAF7-EC35-E32A-230A9A68A2D5}"/>
-                </a:ext>
-              </a:extLst>
-            </p:cNvPr>
-            <p:cNvPicPr>
-              <a:picLocks noChangeAspect="1"/>
-            </p:cNvPicPr>
-            <p:nvPr/>
-          </p:nvPicPr>
-          <p:blipFill>
-            <a:blip r:embed="rId3">
-              <a:clrChange>
-                <a:clrFrom>
-                  <a:srgbClr val="FFFFFF"/>
-                </a:clrFrom>
-                <a:clrTo>
-                  <a:srgbClr val="FFFFFF">
-                    <a:alpha val="0"/>
-                  </a:srgbClr>
-                </a:clrTo>
-              </a:clrChange>
-            </a:blip>
-            <a:stretch>
-              <a:fillRect/>
-            </a:stretch>
-          </p:blipFill>
-          <p:spPr>
-            <a:xfrm>
-              <a:off x="2494993" y="4492904"/>
-              <a:ext cx="728254" cy="754531"/>
-            </a:xfrm>
-            <a:prstGeom prst="rect">
-              <a:avLst/>
-            </a:prstGeom>
-          </p:spPr>
-        </p:pic>
-      </p:grpSp>
-      <p:pic>
-        <p:nvPicPr>
-          <p:cNvPr id="9" name="Picture 2" descr="KubeCon Europe 2017 Impressions · Chris Hager">
-            <a:extLst>
-              <a:ext uri="{FF2B5EF4-FFF2-40B4-BE49-F238E27FC236}">
-                <a16:creationId xmlns:a16="http://schemas.microsoft.com/office/drawing/2014/main" id="{B4F394AE-E3F0-7B4F-8712-75186A27F032}"/>
-              </a:ext>
-            </a:extLst>
-          </p:cNvPr>
-          <p:cNvPicPr>
-            <a:picLocks noChangeAspect="1" noChangeArrowheads="1"/>
-          </p:cNvPicPr>
-          <p:nvPr/>
-        </p:nvPicPr>
-        <p:blipFill rotWithShape="1">
-          <a:blip r:embed="rId4">
-            <a:clrChange>
-              <a:clrFrom>
-                <a:srgbClr val="000000">
-                  <a:alpha val="0"/>
-                </a:srgbClr>
-              </a:clrFrom>
-              <a:clrTo>
-                <a:srgbClr val="000000">
-                  <a:alpha val="0"/>
-                </a:srgbClr>
-              </a:clrTo>
-            </a:clrChange>
-            <a:extLst>
-              <a:ext uri="{28A0092B-C50C-407E-A947-70E740481C1C}">
-                <a14:useLocalDpi xmlns:a14="http://schemas.microsoft.com/office/drawing/2010/main" val="0"/>
-              </a:ext>
-            </a:extLst>
-          </a:blip>
-          <a:srcRect l="6237" t="6775" r="6520" b="7478"/>
-          <a:stretch/>
-        </p:blipFill>
-        <p:spPr bwMode="auto">
-          <a:xfrm>
-            <a:off x="8477249" y="5142875"/>
-            <a:ext cx="514265" cy="505449"/>
-          </a:xfrm>
-          <a:prstGeom prst="rect">
-            <a:avLst/>
-          </a:prstGeom>
-          <a:noFill/>
-          <a:extLst>
-            <a:ext uri="{909E8E84-426E-40DD-AFC4-6F175D3DCCD1}">
-              <a14:hiddenFill xmlns:a14="http://schemas.microsoft.com/office/drawing/2010/main">
-                <a:solidFill>
-                  <a:srgbClr val="FFFFFF"/>
-                </a:solidFill>
-              </a14:hiddenFill>
-            </a:ext>
-          </a:extLst>
-        </p:spPr>
-      </p:pic>
-      <p:sp>
-        <p:nvSpPr>
-          <p:cNvPr id="20" name="Rectangle: Rounded Corners 19">
-            <a:extLst>
-              <a:ext uri="{FF2B5EF4-FFF2-40B4-BE49-F238E27FC236}">
-                <a16:creationId xmlns:a16="http://schemas.microsoft.com/office/drawing/2014/main" id="{4153B1FA-82A0-7025-CA40-8D6B6ADBB708}"/>
-              </a:ext>
-            </a:extLst>
-          </p:cNvPr>
-          <p:cNvSpPr/>
-          <p:nvPr/>
-        </p:nvSpPr>
-        <p:spPr>
-          <a:xfrm>
-            <a:off x="7124700" y="1429993"/>
-            <a:ext cx="1266825" cy="847725"/>
-          </a:xfrm>
-          <a:prstGeom prst="roundRect">
-            <a:avLst>
-              <a:gd name="adj" fmla="val 11979"/>
-            </a:avLst>
-          </a:prstGeom>
-          <a:solidFill>
-            <a:schemeClr val="bg1"/>
-          </a:solidFill>
-        </p:spPr>
-        <p:style>
-          <a:lnRef idx="2">
-            <a:schemeClr val="accent1">
-              <a:shade val="15000"/>
-            </a:schemeClr>
-          </a:lnRef>
-          <a:fillRef idx="1">
-            <a:schemeClr val="accent1"/>
-          </a:fillRef>
-          <a:effectRef idx="0">
-            <a:schemeClr val="accent1"/>
-          </a:effectRef>
-          <a:fontRef idx="minor">
-            <a:schemeClr val="lt1"/>
-          </a:fontRef>
-        </p:style>
-        <p:txBody>
-          <a:bodyPr rtlCol="0" anchor="ctr"/>
-          <a:lstStyle/>
-          <a:p>
-            <a:pPr algn="ctr"/>
-            <a:r>
-              <a:rPr lang="es-ES" dirty="0">
-                <a:solidFill>
-                  <a:schemeClr val="tx1"/>
-                </a:solidFill>
-              </a:rPr>
-              <a:t>JWTA </a:t>
-            </a:r>
-            <a:r>
-              <a:rPr lang="es-ES" dirty="0" err="1">
-                <a:solidFill>
-                  <a:schemeClr val="tx1"/>
-                </a:solidFill>
-              </a:rPr>
-              <a:t>Controller</a:t>
-            </a:r>
-            <a:r>
-              <a:rPr lang="es-ES" dirty="0">
-                <a:solidFill>
-                  <a:schemeClr val="tx1"/>
-                </a:solidFill>
-              </a:rPr>
-              <a:t> </a:t>
-            </a:r>
-            <a:r>
-              <a:rPr lang="es-ES" dirty="0" err="1">
-                <a:solidFill>
-                  <a:schemeClr val="tx1"/>
-                </a:solidFill>
-              </a:rPr>
-              <a:t>Pod</a:t>
-            </a:r>
-            <a:endParaRPr lang="es-ES" dirty="0">
-              <a:solidFill>
-                <a:schemeClr val="tx1"/>
-              </a:solidFill>
-            </a:endParaRPr>
-          </a:p>
-        </p:txBody>
-      </p:sp>
-      <p:cxnSp>
-        <p:nvCxnSpPr>
-          <p:cNvPr id="22" name="Connector: Elbow 21">
-            <a:extLst>
-              <a:ext uri="{FF2B5EF4-FFF2-40B4-BE49-F238E27FC236}">
-                <a16:creationId xmlns:a16="http://schemas.microsoft.com/office/drawing/2014/main" id="{DEFFA23C-8143-DF29-2CD7-4A5E451CDC42}"/>
-              </a:ext>
-            </a:extLst>
-          </p:cNvPr>
-          <p:cNvCxnSpPr>
-            <a:cxnSpLocks/>
-            <a:stCxn id="20" idx="1"/>
-            <a:endCxn id="5" idx="0"/>
-          </p:cNvCxnSpPr>
-          <p:nvPr/>
-        </p:nvCxnSpPr>
-        <p:spPr>
-          <a:xfrm rot="10800000" flipV="1">
-            <a:off x="3752850" y="1853856"/>
-            <a:ext cx="3371850" cy="609600"/>
-          </a:xfrm>
-          <a:prstGeom prst="bentConnector2">
-            <a:avLst/>
-          </a:prstGeom>
-          <a:ln>
-            <a:tailEnd type="triangle"/>
-          </a:ln>
-        </p:spPr>
-        <p:style>
-          <a:lnRef idx="1">
-            <a:schemeClr val="accent1"/>
-          </a:lnRef>
-          <a:fillRef idx="0">
-            <a:schemeClr val="accent1"/>
-          </a:fillRef>
-          <a:effectRef idx="0">
-            <a:schemeClr val="accent1"/>
-          </a:effectRef>
-          <a:fontRef idx="minor">
-            <a:schemeClr val="tx1"/>
-          </a:fontRef>
-        </p:style>
-      </p:cxnSp>
-      <p:cxnSp>
-        <p:nvCxnSpPr>
-          <p:cNvPr id="24" name="Connector: Elbow 23">
-            <a:extLst>
-              <a:ext uri="{FF2B5EF4-FFF2-40B4-BE49-F238E27FC236}">
-                <a16:creationId xmlns:a16="http://schemas.microsoft.com/office/drawing/2014/main" id="{63576EA8-803A-EE53-BB21-E55B25D1FF29}"/>
-              </a:ext>
-            </a:extLst>
-          </p:cNvPr>
-          <p:cNvCxnSpPr>
-            <a:cxnSpLocks/>
-            <a:stCxn id="20" idx="1"/>
-            <a:endCxn id="7" idx="0"/>
-          </p:cNvCxnSpPr>
-          <p:nvPr/>
-        </p:nvCxnSpPr>
-        <p:spPr>
-          <a:xfrm rot="10800000" flipV="1">
-            <a:off x="5268618" y="1853856"/>
-            <a:ext cx="1856082" cy="2574994"/>
-          </a:xfrm>
-          <a:prstGeom prst="bentConnector2">
-            <a:avLst/>
-          </a:prstGeom>
-          <a:ln>
-            <a:tailEnd type="triangle"/>
-          </a:ln>
-        </p:spPr>
-        <p:style>
-          <a:lnRef idx="1">
-            <a:schemeClr val="accent1"/>
-          </a:lnRef>
-          <a:fillRef idx="0">
-            <a:schemeClr val="accent1"/>
-          </a:fillRef>
-          <a:effectRef idx="0">
-            <a:schemeClr val="accent1"/>
-          </a:effectRef>
-          <a:fontRef idx="minor">
-            <a:schemeClr val="tx1"/>
-          </a:fontRef>
-        </p:style>
-      </p:cxnSp>
-      <p:pic>
-        <p:nvPicPr>
-          <p:cNvPr id="10" name="Picture 9">
-            <a:extLst>
-              <a:ext uri="{FF2B5EF4-FFF2-40B4-BE49-F238E27FC236}">
-                <a16:creationId xmlns:a16="http://schemas.microsoft.com/office/drawing/2014/main" id="{A0F8D23E-B8F6-C835-04EC-5203FF579B92}"/>
-              </a:ext>
-            </a:extLst>
-          </p:cNvPr>
-          <p:cNvPicPr>
-            <a:picLocks noChangeAspect="1"/>
-          </p:cNvPicPr>
-          <p:nvPr/>
-        </p:nvPicPr>
-        <p:blipFill>
-          <a:blip r:embed="rId3">
-            <a:clrChange>
-              <a:clrFrom>
-                <a:srgbClr val="FFFFFF"/>
-              </a:clrFrom>
-              <a:clrTo>
-                <a:srgbClr val="FFFFFF">
-                  <a:alpha val="0"/>
-                </a:srgbClr>
-              </a:clrTo>
-            </a:clrChange>
-          </a:blip>
-          <a:stretch>
-            <a:fillRect/>
-          </a:stretch>
-        </p:blipFill>
-        <p:spPr>
-          <a:xfrm>
-            <a:off x="8171698" y="2045236"/>
-            <a:ext cx="433078" cy="448704"/>
-          </a:xfrm>
-          <a:prstGeom prst="rect">
-            <a:avLst/>
-          </a:prstGeom>
-        </p:spPr>
-      </p:pic>
-      <p:sp>
-        <p:nvSpPr>
-          <p:cNvPr id="18" name="TextBox 17">
-            <a:extLst>
-              <a:ext uri="{FF2B5EF4-FFF2-40B4-BE49-F238E27FC236}">
-                <a16:creationId xmlns:a16="http://schemas.microsoft.com/office/drawing/2014/main" id="{C43835C1-F196-3938-4348-5B554F4E1249}"/>
-              </a:ext>
-            </a:extLst>
-          </p:cNvPr>
-          <p:cNvSpPr txBox="1"/>
-          <p:nvPr/>
-        </p:nvSpPr>
-        <p:spPr>
-          <a:xfrm>
-            <a:off x="3911856" y="1623022"/>
-            <a:ext cx="789254" cy="461665"/>
-          </a:xfrm>
-          <a:prstGeom prst="rect">
-            <a:avLst/>
-          </a:prstGeom>
-          <a:noFill/>
-        </p:spPr>
-        <p:txBody>
-          <a:bodyPr wrap="none" rtlCol="0">
-            <a:spAutoFit/>
-          </a:bodyPr>
-          <a:lstStyle/>
-          <a:p>
-            <a:pPr algn="ctr"/>
-            <a:r>
-              <a:rPr lang="es-ES" sz="1200" dirty="0"/>
-              <a:t>Configure</a:t>
-            </a:r>
-          </a:p>
-          <a:p>
-            <a:pPr algn="ctr"/>
-            <a:r>
-              <a:rPr lang="es-ES" sz="1200" dirty="0" err="1"/>
-              <a:t>Ingress</a:t>
-            </a:r>
-            <a:endParaRPr lang="es-ES" sz="1200" dirty="0"/>
-          </a:p>
-        </p:txBody>
-      </p:sp>
-      <p:sp>
-        <p:nvSpPr>
-          <p:cNvPr id="23" name="TextBox 22">
-            <a:extLst>
-              <a:ext uri="{FF2B5EF4-FFF2-40B4-BE49-F238E27FC236}">
-                <a16:creationId xmlns:a16="http://schemas.microsoft.com/office/drawing/2014/main" id="{534DABA0-CCD8-81F5-1F48-3E4B48A3FDBE}"/>
-              </a:ext>
-            </a:extLst>
-          </p:cNvPr>
-          <p:cNvSpPr txBox="1"/>
-          <p:nvPr/>
-        </p:nvSpPr>
-        <p:spPr>
-          <a:xfrm rot="16200000">
-            <a:off x="4658003" y="3556927"/>
-            <a:ext cx="1183016" cy="461665"/>
-          </a:xfrm>
-          <a:prstGeom prst="rect">
-            <a:avLst/>
-          </a:prstGeom>
-          <a:noFill/>
-        </p:spPr>
-        <p:txBody>
-          <a:bodyPr wrap="none" rtlCol="0">
-            <a:spAutoFit/>
-          </a:bodyPr>
-          <a:lstStyle/>
-          <a:p>
-            <a:pPr algn="ctr"/>
-            <a:r>
-              <a:rPr lang="es-ES" sz="1200" dirty="0" err="1"/>
-              <a:t>Deploy</a:t>
-            </a:r>
-            <a:endParaRPr lang="es-ES" sz="1200" dirty="0"/>
-          </a:p>
-          <a:p>
-            <a:pPr algn="ctr"/>
-            <a:r>
-              <a:rPr lang="es-ES" sz="1200" dirty="0" err="1"/>
-              <a:t>JwtAuthorizator</a:t>
-            </a:r>
-            <a:endParaRPr lang="es-ES" sz="1200" dirty="0"/>
-          </a:p>
-        </p:txBody>
-      </p:sp>
-      <p:cxnSp>
-        <p:nvCxnSpPr>
-          <p:cNvPr id="25" name="Connector: Elbow 24">
-            <a:extLst>
-              <a:ext uri="{FF2B5EF4-FFF2-40B4-BE49-F238E27FC236}">
-                <a16:creationId xmlns:a16="http://schemas.microsoft.com/office/drawing/2014/main" id="{C6C4AE1B-53CD-068A-76AB-F2F64359F37F}"/>
-              </a:ext>
-            </a:extLst>
-          </p:cNvPr>
-          <p:cNvCxnSpPr>
-            <a:cxnSpLocks/>
-            <a:stCxn id="7" idx="1"/>
-            <a:endCxn id="5" idx="2"/>
-          </p:cNvCxnSpPr>
-          <p:nvPr/>
-        </p:nvCxnSpPr>
-        <p:spPr>
-          <a:xfrm rot="10800000">
-            <a:off x="3752850" y="3777907"/>
-            <a:ext cx="821736" cy="1168189"/>
-          </a:xfrm>
-          <a:prstGeom prst="bentConnector2">
-            <a:avLst/>
-          </a:prstGeom>
-          <a:ln>
-            <a:prstDash val="dash"/>
-            <a:headEnd type="triangle" w="med" len="med"/>
-            <a:tailEnd type="triangle" w="med" len="med"/>
-          </a:ln>
-        </p:spPr>
-        <p:style>
-          <a:lnRef idx="1">
-            <a:schemeClr val="accent1"/>
-          </a:lnRef>
-          <a:fillRef idx="0">
-            <a:schemeClr val="accent1"/>
-          </a:fillRef>
-          <a:effectRef idx="0">
-            <a:schemeClr val="accent1"/>
-          </a:effectRef>
-          <a:fontRef idx="minor">
-            <a:schemeClr val="tx1"/>
-          </a:fontRef>
-        </p:style>
-      </p:cxnSp>
-      <p:sp>
-        <p:nvSpPr>
-          <p:cNvPr id="11" name="TextBox 10">
-            <a:extLst>
-              <a:ext uri="{FF2B5EF4-FFF2-40B4-BE49-F238E27FC236}">
-                <a16:creationId xmlns:a16="http://schemas.microsoft.com/office/drawing/2014/main" id="{ADFC7033-6B51-B615-1E61-3AEF2FAB4F55}"/>
-              </a:ext>
-            </a:extLst>
-          </p:cNvPr>
-          <p:cNvSpPr txBox="1"/>
-          <p:nvPr/>
-        </p:nvSpPr>
-        <p:spPr>
-          <a:xfrm>
-            <a:off x="506305" y="361539"/>
-            <a:ext cx="1987557" cy="369332"/>
-          </a:xfrm>
-          <a:prstGeom prst="rect">
-            <a:avLst/>
-          </a:prstGeom>
-          <a:noFill/>
-        </p:spPr>
-        <p:txBody>
-          <a:bodyPr wrap="square">
-            <a:spAutoFit/>
-          </a:bodyPr>
-          <a:lstStyle/>
-          <a:p>
-            <a:pPr algn="ctr"/>
-            <a:r>
-              <a:rPr lang="es-ES" dirty="0" err="1">
-                <a:solidFill>
-                  <a:schemeClr val="tx1"/>
-                </a:solidFill>
-              </a:rPr>
-              <a:t>oberkorn</a:t>
-            </a:r>
-            <a:endParaRPr lang="es-ES" dirty="0">
-              <a:solidFill>
-                <a:schemeClr val="tx1"/>
-              </a:solidFill>
-            </a:endParaRPr>
-          </a:p>
-        </p:txBody>
-      </p:sp>
-    </p:spTree>
-    <p:extLst>
-      <p:ext uri="{BB962C8B-B14F-4D97-AF65-F5344CB8AC3E}">
-        <p14:creationId xmlns:p14="http://schemas.microsoft.com/office/powerpoint/2010/main" val="247945748"/>
-      </p:ext>
-    </p:extLst>
-  </p:cSld>
-  <p:clrMapOvr>
-    <a:masterClrMapping/>
-  </p:clrMapOvr>
-</p:sld>
-</file>
-
-<file path=ppt/slides/slide7.xml><?xml version="1.0" encoding="utf-8"?>
-<p:sld xmlns:a="http://schemas.openxmlformats.org/drawingml/2006/main" xmlns:r="http://schemas.openxmlformats.org/officeDocument/2006/relationships" xmlns:p="http://schemas.openxmlformats.org/presentationml/2006/main">
-  <p:cSld>
-    <p:spTree>
-      <p:nvGrpSpPr>
-        <p:cNvPr id="1" name=""/>
-        <p:cNvGrpSpPr/>
-        <p:nvPr/>
-      </p:nvGrpSpPr>
-      <p:grpSpPr>
-        <a:xfrm>
-          <a:off x="0" y="0"/>
-          <a:ext cx="0" cy="0"/>
-          <a:chOff x="0" y="0"/>
-          <a:chExt cx="0" cy="0"/>
-        </a:xfrm>
-      </p:grpSpPr>
-      <p:sp>
-        <p:nvSpPr>
-          <p:cNvPr id="2" name="Rectangle: Rounded Corners 1">
-            <a:extLst>
-              <a:ext uri="{FF2B5EF4-FFF2-40B4-BE49-F238E27FC236}">
-                <a16:creationId xmlns:a16="http://schemas.microsoft.com/office/drawing/2014/main" id="{C1EABD0B-7717-097C-4B8C-20C9F64F5571}"/>
-              </a:ext>
-            </a:extLst>
-          </p:cNvPr>
-          <p:cNvSpPr/>
-          <p:nvPr/>
-        </p:nvSpPr>
-        <p:spPr>
-          <a:xfrm>
-            <a:off x="2512150" y="1239890"/>
-            <a:ext cx="6842162" cy="5236464"/>
-          </a:xfrm>
-          <a:prstGeom prst="roundRect">
-            <a:avLst>
-              <a:gd name="adj" fmla="val 4427"/>
-            </a:avLst>
-          </a:prstGeom>
-          <a:noFill/>
-          <a:ln>
-            <a:prstDash val="dash"/>
-          </a:ln>
-        </p:spPr>
-        <p:style>
-          <a:lnRef idx="2">
-            <a:schemeClr val="accent1">
-              <a:shade val="15000"/>
-            </a:schemeClr>
-          </a:lnRef>
-          <a:fillRef idx="1">
-            <a:schemeClr val="accent1"/>
-          </a:fillRef>
-          <a:effectRef idx="0">
-            <a:schemeClr val="accent1"/>
-          </a:effectRef>
-          <a:fontRef idx="minor">
-            <a:schemeClr val="lt1"/>
-          </a:fontRef>
-        </p:style>
-        <p:txBody>
-          <a:bodyPr rtlCol="0" anchor="ctr"/>
-          <a:lstStyle/>
-          <a:p>
-            <a:pPr algn="ctr"/>
-            <a:endParaRPr lang="es-ES"/>
-          </a:p>
-        </p:txBody>
-      </p:sp>
-      <p:grpSp>
-        <p:nvGrpSpPr>
-          <p:cNvPr id="6" name="Group 5">
-            <a:extLst>
-              <a:ext uri="{FF2B5EF4-FFF2-40B4-BE49-F238E27FC236}">
-                <a16:creationId xmlns:a16="http://schemas.microsoft.com/office/drawing/2014/main" id="{F2F48A0C-44E2-D36B-81DB-8452202DCFE2}"/>
-              </a:ext>
-            </a:extLst>
-          </p:cNvPr>
-          <p:cNvGrpSpPr/>
-          <p:nvPr/>
-        </p:nvGrpSpPr>
-        <p:grpSpPr>
-          <a:xfrm>
-            <a:off x="2134130" y="2887190"/>
-            <a:ext cx="2047875" cy="1314450"/>
-            <a:chOff x="2424112" y="2314575"/>
-            <a:chExt cx="2047875" cy="1314450"/>
-          </a:xfrm>
-        </p:grpSpPr>
-        <p:sp>
-          <p:nvSpPr>
-            <p:cNvPr id="5" name="Rectangle: Rounded Corners 4">
-              <a:extLst>
-                <a:ext uri="{FF2B5EF4-FFF2-40B4-BE49-F238E27FC236}">
-                  <a16:creationId xmlns:a16="http://schemas.microsoft.com/office/drawing/2014/main" id="{D893CDFD-7304-57AE-6C1D-EA2D450CBF73}"/>
-                </a:ext>
-              </a:extLst>
-            </p:cNvPr>
-            <p:cNvSpPr/>
-            <p:nvPr/>
-          </p:nvSpPr>
-          <p:spPr>
-            <a:xfrm>
-              <a:off x="2424112" y="2314575"/>
-              <a:ext cx="2047875" cy="1314450"/>
-            </a:xfrm>
-            <a:prstGeom prst="roundRect">
-              <a:avLst>
-                <a:gd name="adj" fmla="val 11979"/>
-              </a:avLst>
-            </a:prstGeom>
-            <a:solidFill>
-              <a:schemeClr val="bg1"/>
-            </a:solidFill>
-          </p:spPr>
-          <p:style>
-            <a:lnRef idx="2">
-              <a:schemeClr val="accent1">
-                <a:shade val="15000"/>
-              </a:schemeClr>
-            </a:lnRef>
-            <a:fillRef idx="1">
-              <a:schemeClr val="accent1"/>
-            </a:fillRef>
-            <a:effectRef idx="0">
-              <a:schemeClr val="accent1"/>
-            </a:effectRef>
-            <a:fontRef idx="minor">
-              <a:schemeClr val="lt1"/>
-            </a:fontRef>
-          </p:style>
-          <p:txBody>
-            <a:bodyPr rtlCol="0" anchor="ctr"/>
-            <a:lstStyle/>
-            <a:p>
-              <a:pPr algn="ctr"/>
-              <a:endParaRPr lang="es-ES"/>
-            </a:p>
-          </p:txBody>
-        </p:sp>
-        <p:pic>
-          <p:nvPicPr>
-            <p:cNvPr id="3" name="Picture 2">
-              <a:extLst>
-                <a:ext uri="{FF2B5EF4-FFF2-40B4-BE49-F238E27FC236}">
-                  <a16:creationId xmlns:a16="http://schemas.microsoft.com/office/drawing/2014/main" id="{7EC83269-84FE-E617-F217-9D2D088DC419}"/>
-                </a:ext>
-              </a:extLst>
-            </p:cNvPr>
-            <p:cNvPicPr>
-              <a:picLocks noChangeAspect="1"/>
-            </p:cNvPicPr>
-            <p:nvPr/>
-          </p:nvPicPr>
-          <p:blipFill>
-            <a:blip r:embed="rId2">
-              <a:clrChange>
-                <a:clrFrom>
-                  <a:srgbClr val="FFFFFF"/>
-                </a:clrFrom>
-                <a:clrTo>
-                  <a:srgbClr val="FFFFFF">
-                    <a:alpha val="0"/>
-                  </a:srgbClr>
-                </a:clrTo>
-              </a:clrChange>
-            </a:blip>
-            <a:stretch>
-              <a:fillRect/>
-            </a:stretch>
-          </p:blipFill>
-          <p:spPr>
-            <a:xfrm>
-              <a:off x="2929999" y="2409825"/>
-              <a:ext cx="1036101" cy="1143000"/>
-            </a:xfrm>
-            <a:prstGeom prst="rect">
-              <a:avLst/>
-            </a:prstGeom>
-          </p:spPr>
-        </p:pic>
-      </p:grpSp>
-      <p:pic>
-        <p:nvPicPr>
-          <p:cNvPr id="9" name="Picture 2" descr="KubeCon Europe 2017 Impressions · Chris Hager">
-            <a:extLst>
-              <a:ext uri="{FF2B5EF4-FFF2-40B4-BE49-F238E27FC236}">
-                <a16:creationId xmlns:a16="http://schemas.microsoft.com/office/drawing/2014/main" id="{B4F394AE-E3F0-7B4F-8712-75186A27F032}"/>
-              </a:ext>
-            </a:extLst>
-          </p:cNvPr>
-          <p:cNvPicPr>
-            <a:picLocks noChangeAspect="1" noChangeArrowheads="1"/>
-          </p:cNvPicPr>
-          <p:nvPr/>
-        </p:nvPicPr>
-        <p:blipFill rotWithShape="1">
-          <a:blip r:embed="rId3">
-            <a:clrChange>
-              <a:clrFrom>
-                <a:srgbClr val="000000">
-                  <a:alpha val="0"/>
-                </a:srgbClr>
-              </a:clrFrom>
-              <a:clrTo>
-                <a:srgbClr val="000000">
-                  <a:alpha val="0"/>
-                </a:srgbClr>
-              </a:clrTo>
-            </a:clrChange>
-            <a:extLst>
-              <a:ext uri="{28A0092B-C50C-407E-A947-70E740481C1C}">
-                <a14:useLocalDpi xmlns:a14="http://schemas.microsoft.com/office/drawing/2010/main" val="0"/>
-              </a:ext>
-            </a:extLst>
-          </a:blip>
-          <a:srcRect l="6237" t="6775" r="6520" b="7478"/>
-          <a:stretch/>
-        </p:blipFill>
-        <p:spPr bwMode="auto">
-          <a:xfrm>
-            <a:off x="8650726" y="5870278"/>
-            <a:ext cx="514265" cy="505449"/>
-          </a:xfrm>
-          <a:prstGeom prst="rect">
-            <a:avLst/>
-          </a:prstGeom>
-          <a:noFill/>
-          <a:extLst>
-            <a:ext uri="{909E8E84-426E-40DD-AFC4-6F175D3DCCD1}">
-              <a14:hiddenFill xmlns:a14="http://schemas.microsoft.com/office/drawing/2010/main">
-                <a:solidFill>
-                  <a:srgbClr val="FFFFFF"/>
-                </a:solidFill>
-              </a14:hiddenFill>
-            </a:ext>
-          </a:extLst>
-        </p:spPr>
-      </p:pic>
-      <p:sp>
-        <p:nvSpPr>
-          <p:cNvPr id="20" name="Rectangle: Rounded Corners 19">
-            <a:extLst>
-              <a:ext uri="{FF2B5EF4-FFF2-40B4-BE49-F238E27FC236}">
-                <a16:creationId xmlns:a16="http://schemas.microsoft.com/office/drawing/2014/main" id="{4153B1FA-82A0-7025-CA40-8D6B6ADBB708}"/>
-              </a:ext>
-            </a:extLst>
-          </p:cNvPr>
-          <p:cNvSpPr/>
-          <p:nvPr/>
-        </p:nvSpPr>
-        <p:spPr>
-          <a:xfrm>
-            <a:off x="7142988" y="1679283"/>
-            <a:ext cx="1266825" cy="847725"/>
-          </a:xfrm>
-          <a:prstGeom prst="roundRect">
-            <a:avLst>
-              <a:gd name="adj" fmla="val 11979"/>
-            </a:avLst>
-          </a:prstGeom>
-          <a:solidFill>
-            <a:schemeClr val="bg1"/>
-          </a:solidFill>
-        </p:spPr>
-        <p:style>
-          <a:lnRef idx="2">
-            <a:schemeClr val="accent1">
-              <a:shade val="15000"/>
-            </a:schemeClr>
-          </a:lnRef>
-          <a:fillRef idx="1">
-            <a:schemeClr val="accent1"/>
-          </a:fillRef>
-          <a:effectRef idx="0">
-            <a:schemeClr val="accent1"/>
-          </a:effectRef>
-          <a:fontRef idx="minor">
-            <a:schemeClr val="lt1"/>
-          </a:fontRef>
-        </p:style>
-        <p:txBody>
-          <a:bodyPr rtlCol="0" anchor="ctr"/>
-          <a:lstStyle/>
-          <a:p>
-            <a:pPr algn="ctr"/>
-            <a:r>
-              <a:rPr lang="es-ES" sz="1600" dirty="0">
-                <a:solidFill>
-                  <a:schemeClr val="tx1"/>
-                </a:solidFill>
-              </a:rPr>
-              <a:t>JWTA </a:t>
-            </a:r>
-            <a:r>
-              <a:rPr lang="es-ES" sz="1600" dirty="0" err="1">
-                <a:solidFill>
-                  <a:schemeClr val="tx1"/>
-                </a:solidFill>
-              </a:rPr>
-              <a:t>Controller</a:t>
-            </a:r>
-            <a:endParaRPr lang="es-ES" sz="1600" dirty="0">
-              <a:solidFill>
-                <a:schemeClr val="tx1"/>
-              </a:solidFill>
-            </a:endParaRPr>
-          </a:p>
-        </p:txBody>
-      </p:sp>
-      <p:cxnSp>
-        <p:nvCxnSpPr>
-          <p:cNvPr id="22" name="Connector: Elbow 21">
-            <a:extLst>
-              <a:ext uri="{FF2B5EF4-FFF2-40B4-BE49-F238E27FC236}">
-                <a16:creationId xmlns:a16="http://schemas.microsoft.com/office/drawing/2014/main" id="{DEFFA23C-8143-DF29-2CD7-4A5E451CDC42}"/>
-              </a:ext>
-            </a:extLst>
-          </p:cNvPr>
-          <p:cNvCxnSpPr>
-            <a:cxnSpLocks/>
-            <a:stCxn id="20" idx="1"/>
-            <a:endCxn id="5" idx="0"/>
-          </p:cNvCxnSpPr>
-          <p:nvPr/>
-        </p:nvCxnSpPr>
-        <p:spPr>
-          <a:xfrm rot="10800000" flipV="1">
-            <a:off x="3158068" y="2103146"/>
-            <a:ext cx="3984920" cy="784044"/>
-          </a:xfrm>
-          <a:prstGeom prst="bentConnector2">
-            <a:avLst/>
-          </a:prstGeom>
-          <a:ln>
-            <a:tailEnd type="triangle"/>
-          </a:ln>
-        </p:spPr>
-        <p:style>
-          <a:lnRef idx="1">
-            <a:schemeClr val="accent1"/>
-          </a:lnRef>
-          <a:fillRef idx="0">
-            <a:schemeClr val="accent1"/>
-          </a:fillRef>
-          <a:effectRef idx="0">
-            <a:schemeClr val="accent1"/>
-          </a:effectRef>
-          <a:fontRef idx="minor">
-            <a:schemeClr val="tx1"/>
-          </a:fontRef>
-        </p:style>
-      </p:cxnSp>
-      <p:cxnSp>
-        <p:nvCxnSpPr>
-          <p:cNvPr id="24" name="Connector: Elbow 23">
-            <a:extLst>
-              <a:ext uri="{FF2B5EF4-FFF2-40B4-BE49-F238E27FC236}">
-                <a16:creationId xmlns:a16="http://schemas.microsoft.com/office/drawing/2014/main" id="{63576EA8-803A-EE53-BB21-E55B25D1FF29}"/>
-              </a:ext>
-            </a:extLst>
-          </p:cNvPr>
-          <p:cNvCxnSpPr>
-            <a:cxnSpLocks/>
-            <a:stCxn id="20" idx="1"/>
-            <a:endCxn id="12" idx="0"/>
-          </p:cNvCxnSpPr>
-          <p:nvPr/>
-        </p:nvCxnSpPr>
-        <p:spPr>
-          <a:xfrm rot="10800000" flipV="1">
-            <a:off x="4897674" y="2103145"/>
-            <a:ext cx="2245315" cy="2651709"/>
-          </a:xfrm>
-          <a:prstGeom prst="bentConnector2">
-            <a:avLst/>
-          </a:prstGeom>
-          <a:ln>
-            <a:tailEnd type="triangle"/>
-          </a:ln>
-        </p:spPr>
-        <p:style>
-          <a:lnRef idx="1">
-            <a:schemeClr val="accent1"/>
-          </a:lnRef>
-          <a:fillRef idx="0">
-            <a:schemeClr val="accent1"/>
-          </a:fillRef>
-          <a:effectRef idx="0">
-            <a:schemeClr val="accent1"/>
-          </a:effectRef>
-          <a:fontRef idx="minor">
-            <a:schemeClr val="tx1"/>
-          </a:fontRef>
-        </p:style>
-      </p:cxnSp>
-      <p:pic>
-        <p:nvPicPr>
-          <p:cNvPr id="10" name="Picture 9">
-            <a:extLst>
-              <a:ext uri="{FF2B5EF4-FFF2-40B4-BE49-F238E27FC236}">
-                <a16:creationId xmlns:a16="http://schemas.microsoft.com/office/drawing/2014/main" id="{A0F8D23E-B8F6-C835-04EC-5203FF579B92}"/>
-              </a:ext>
-            </a:extLst>
-          </p:cNvPr>
-          <p:cNvPicPr>
-            <a:picLocks noChangeAspect="1"/>
-          </p:cNvPicPr>
-          <p:nvPr/>
-        </p:nvPicPr>
-        <p:blipFill>
-          <a:blip r:embed="rId4">
-            <a:clrChange>
-              <a:clrFrom>
-                <a:srgbClr val="FFFFFF"/>
-              </a:clrFrom>
-              <a:clrTo>
-                <a:srgbClr val="FFFFFF">
-                  <a:alpha val="0"/>
-                </a:srgbClr>
-              </a:clrTo>
-            </a:clrChange>
-          </a:blip>
-          <a:stretch>
-            <a:fillRect/>
-          </a:stretch>
-        </p:blipFill>
-        <p:spPr>
-          <a:xfrm>
-            <a:off x="8307780" y="2302656"/>
-            <a:ext cx="433078" cy="448704"/>
-          </a:xfrm>
-          <a:prstGeom prst="rect">
-            <a:avLst/>
-          </a:prstGeom>
-        </p:spPr>
-      </p:pic>
-      <p:sp>
-        <p:nvSpPr>
-          <p:cNvPr id="18" name="TextBox 17">
-            <a:extLst>
-              <a:ext uri="{FF2B5EF4-FFF2-40B4-BE49-F238E27FC236}">
-                <a16:creationId xmlns:a16="http://schemas.microsoft.com/office/drawing/2014/main" id="{C43835C1-F196-3938-4348-5B554F4E1249}"/>
-              </a:ext>
-            </a:extLst>
-          </p:cNvPr>
-          <p:cNvSpPr txBox="1"/>
-          <p:nvPr/>
-        </p:nvSpPr>
-        <p:spPr>
-          <a:xfrm>
-            <a:off x="3930144" y="1872312"/>
-            <a:ext cx="789254" cy="461665"/>
-          </a:xfrm>
-          <a:prstGeom prst="rect">
-            <a:avLst/>
-          </a:prstGeom>
-          <a:noFill/>
-        </p:spPr>
-        <p:txBody>
-          <a:bodyPr wrap="none" rtlCol="0">
-            <a:spAutoFit/>
-          </a:bodyPr>
-          <a:lstStyle/>
-          <a:p>
-            <a:pPr algn="ctr"/>
-            <a:r>
-              <a:rPr lang="es-ES" sz="1200" dirty="0"/>
-              <a:t>Configure</a:t>
-            </a:r>
-          </a:p>
-          <a:p>
-            <a:pPr algn="ctr"/>
-            <a:r>
-              <a:rPr lang="es-ES" sz="1200" dirty="0" err="1"/>
-              <a:t>Ingress</a:t>
-            </a:r>
-            <a:endParaRPr lang="es-ES" sz="1200" dirty="0"/>
-          </a:p>
-        </p:txBody>
-      </p:sp>
-      <p:sp>
-        <p:nvSpPr>
-          <p:cNvPr id="23" name="TextBox 22">
-            <a:extLst>
-              <a:ext uri="{FF2B5EF4-FFF2-40B4-BE49-F238E27FC236}">
-                <a16:creationId xmlns:a16="http://schemas.microsoft.com/office/drawing/2014/main" id="{534DABA0-CCD8-81F5-1F48-3E4B48A3FDBE}"/>
-              </a:ext>
-            </a:extLst>
-          </p:cNvPr>
-          <p:cNvSpPr txBox="1"/>
-          <p:nvPr/>
-        </p:nvSpPr>
-        <p:spPr>
-          <a:xfrm rot="16200000">
-            <a:off x="4043155" y="3387904"/>
-            <a:ext cx="1666931" cy="461665"/>
-          </a:xfrm>
-          <a:prstGeom prst="rect">
-            <a:avLst/>
-          </a:prstGeom>
-          <a:noFill/>
-        </p:spPr>
-        <p:txBody>
-          <a:bodyPr wrap="none" rtlCol="0">
-            <a:spAutoFit/>
-          </a:bodyPr>
-          <a:lstStyle/>
-          <a:p>
-            <a:pPr algn="ctr"/>
-            <a:r>
-              <a:rPr lang="es-ES" sz="1200" dirty="0" err="1"/>
-              <a:t>Create</a:t>
-            </a:r>
-            <a:endParaRPr lang="es-ES" sz="1200" dirty="0"/>
-          </a:p>
-          <a:p>
-            <a:pPr algn="ctr"/>
-            <a:r>
-              <a:rPr lang="es-ES" sz="1200" dirty="0" err="1"/>
-              <a:t>JwtAuthorizator</a:t>
-            </a:r>
-            <a:r>
-              <a:rPr lang="es-ES" sz="1200" dirty="0"/>
-              <a:t> </a:t>
-            </a:r>
-            <a:r>
-              <a:rPr lang="es-ES" sz="1200" dirty="0" err="1"/>
-              <a:t>Service</a:t>
-            </a:r>
-            <a:endParaRPr lang="es-ES" sz="1200" dirty="0"/>
-          </a:p>
-        </p:txBody>
-      </p:sp>
-      <p:cxnSp>
-        <p:nvCxnSpPr>
-          <p:cNvPr id="25" name="Connector: Elbow 24">
-            <a:extLst>
-              <a:ext uri="{FF2B5EF4-FFF2-40B4-BE49-F238E27FC236}">
-                <a16:creationId xmlns:a16="http://schemas.microsoft.com/office/drawing/2014/main" id="{C6C4AE1B-53CD-068A-76AB-F2F64359F37F}"/>
-              </a:ext>
-            </a:extLst>
-          </p:cNvPr>
-          <p:cNvCxnSpPr>
-            <a:cxnSpLocks/>
-            <a:stCxn id="12" idx="3"/>
-            <a:endCxn id="5" idx="2"/>
-          </p:cNvCxnSpPr>
-          <p:nvPr/>
-        </p:nvCxnSpPr>
-        <p:spPr>
-          <a:xfrm rot="10800000">
-            <a:off x="3158069" y="4201640"/>
-            <a:ext cx="1428129" cy="993746"/>
-          </a:xfrm>
-          <a:prstGeom prst="bentConnector2">
-            <a:avLst/>
-          </a:prstGeom>
-          <a:ln>
-            <a:prstDash val="dash"/>
-            <a:headEnd type="triangle" w="med" len="med"/>
-            <a:tailEnd type="triangle" w="med" len="med"/>
-          </a:ln>
-        </p:spPr>
-        <p:style>
-          <a:lnRef idx="1">
-            <a:schemeClr val="accent1"/>
-          </a:lnRef>
-          <a:fillRef idx="0">
-            <a:schemeClr val="accent1"/>
-          </a:fillRef>
-          <a:effectRef idx="0">
-            <a:schemeClr val="accent1"/>
-          </a:effectRef>
-          <a:fontRef idx="minor">
-            <a:schemeClr val="tx1"/>
-          </a:fontRef>
-        </p:style>
-      </p:cxnSp>
-      <p:sp>
-        <p:nvSpPr>
-          <p:cNvPr id="11" name="TextBox 10">
-            <a:extLst>
-              <a:ext uri="{FF2B5EF4-FFF2-40B4-BE49-F238E27FC236}">
-                <a16:creationId xmlns:a16="http://schemas.microsoft.com/office/drawing/2014/main" id="{ADFC7033-6B51-B615-1E61-3AEF2FAB4F55}"/>
-              </a:ext>
-            </a:extLst>
-          </p:cNvPr>
-          <p:cNvSpPr txBox="1"/>
-          <p:nvPr/>
-        </p:nvSpPr>
-        <p:spPr>
-          <a:xfrm>
-            <a:off x="506305" y="361539"/>
-            <a:ext cx="1987557" cy="369332"/>
-          </a:xfrm>
-          <a:prstGeom prst="rect">
-            <a:avLst/>
-          </a:prstGeom>
-          <a:noFill/>
-        </p:spPr>
-        <p:txBody>
-          <a:bodyPr wrap="square">
-            <a:spAutoFit/>
-          </a:bodyPr>
-          <a:lstStyle/>
-          <a:p>
-            <a:pPr algn="ctr"/>
-            <a:r>
-              <a:rPr lang="es-ES" dirty="0" err="1">
-                <a:solidFill>
-                  <a:schemeClr val="tx1"/>
-                </a:solidFill>
-              </a:rPr>
-              <a:t>Oberkorn-detail</a:t>
-            </a:r>
-            <a:endParaRPr lang="es-ES" dirty="0">
-              <a:solidFill>
-                <a:schemeClr val="tx1"/>
-              </a:solidFill>
-            </a:endParaRPr>
-          </a:p>
-        </p:txBody>
-      </p:sp>
-      <p:sp>
-        <p:nvSpPr>
-          <p:cNvPr id="12" name="Rectangle: Top Corners Snipped 11">
-            <a:extLst>
-              <a:ext uri="{FF2B5EF4-FFF2-40B4-BE49-F238E27FC236}">
-                <a16:creationId xmlns:a16="http://schemas.microsoft.com/office/drawing/2014/main" id="{B988186F-2B87-CD09-12BC-1BC0CE649EDB}"/>
-              </a:ext>
-            </a:extLst>
-          </p:cNvPr>
-          <p:cNvSpPr/>
-          <p:nvPr/>
-        </p:nvSpPr>
-        <p:spPr>
-          <a:xfrm rot="16200000">
-            <a:off x="4457142" y="4883910"/>
-            <a:ext cx="881062" cy="622952"/>
-          </a:xfrm>
-          <a:prstGeom prst="snip2SameRect">
-            <a:avLst/>
-          </a:prstGeom>
-        </p:spPr>
-        <p:style>
-          <a:lnRef idx="2">
-            <a:schemeClr val="accent1">
-              <a:shade val="15000"/>
-            </a:schemeClr>
-          </a:lnRef>
-          <a:fillRef idx="1">
-            <a:schemeClr val="accent1"/>
-          </a:fillRef>
-          <a:effectRef idx="0">
-            <a:schemeClr val="accent1"/>
-          </a:effectRef>
-          <a:fontRef idx="minor">
-            <a:schemeClr val="lt1"/>
-          </a:fontRef>
-        </p:style>
-        <p:txBody>
-          <a:bodyPr rtlCol="0" anchor="ctr"/>
-          <a:lstStyle/>
-          <a:p>
-            <a:pPr algn="ctr"/>
-            <a:r>
-              <a:rPr lang="es-ES" sz="1200" dirty="0" err="1"/>
-              <a:t>OberkornService</a:t>
-            </a:r>
-            <a:endParaRPr lang="es-ES" sz="1200" dirty="0"/>
-          </a:p>
-        </p:txBody>
-      </p:sp>
-      <p:cxnSp>
-        <p:nvCxnSpPr>
-          <p:cNvPr id="14" name="Connector: Elbow 15">
-            <a:extLst>
-              <a:ext uri="{FF2B5EF4-FFF2-40B4-BE49-F238E27FC236}">
-                <a16:creationId xmlns:a16="http://schemas.microsoft.com/office/drawing/2014/main" id="{02D591E6-C68A-8324-F4A7-15FCBC6B8E8A}"/>
-              </a:ext>
-            </a:extLst>
-          </p:cNvPr>
-          <p:cNvCxnSpPr>
-            <a:cxnSpLocks/>
-            <a:stCxn id="12" idx="1"/>
-            <a:endCxn id="13" idx="1"/>
-          </p:cNvCxnSpPr>
-          <p:nvPr/>
-        </p:nvCxnSpPr>
-        <p:spPr>
-          <a:xfrm>
-            <a:off x="5209149" y="5195386"/>
-            <a:ext cx="657714" cy="497273"/>
-          </a:xfrm>
-          <a:prstGeom prst="straightConnector1">
-            <a:avLst/>
-          </a:prstGeom>
-          <a:ln>
-            <a:tailEnd type="triangle"/>
-          </a:ln>
-        </p:spPr>
-        <p:style>
-          <a:lnRef idx="1">
-            <a:schemeClr val="accent1"/>
-          </a:lnRef>
-          <a:fillRef idx="0">
-            <a:schemeClr val="accent1"/>
-          </a:fillRef>
-          <a:effectRef idx="0">
-            <a:schemeClr val="accent1"/>
-          </a:effectRef>
-          <a:fontRef idx="minor">
-            <a:schemeClr val="tx1"/>
-          </a:fontRef>
-        </p:style>
-      </p:cxnSp>
-      <p:cxnSp>
-        <p:nvCxnSpPr>
-          <p:cNvPr id="16" name="Connector: Elbow 29">
-            <a:extLst>
-              <a:ext uri="{FF2B5EF4-FFF2-40B4-BE49-F238E27FC236}">
-                <a16:creationId xmlns:a16="http://schemas.microsoft.com/office/drawing/2014/main" id="{C51CB82D-18BC-EA7F-35BC-B65A5DACC218}"/>
-              </a:ext>
-            </a:extLst>
-          </p:cNvPr>
-          <p:cNvCxnSpPr>
-            <a:cxnSpLocks/>
-            <a:stCxn id="12" idx="1"/>
-            <a:endCxn id="27" idx="1"/>
-          </p:cNvCxnSpPr>
-          <p:nvPr/>
-        </p:nvCxnSpPr>
-        <p:spPr>
-          <a:xfrm flipV="1">
-            <a:off x="5209149" y="4848322"/>
-            <a:ext cx="652886" cy="347064"/>
-          </a:xfrm>
-          <a:prstGeom prst="straightConnector1">
-            <a:avLst/>
-          </a:prstGeom>
-          <a:ln>
-            <a:tailEnd type="triangle"/>
-          </a:ln>
-        </p:spPr>
-        <p:style>
-          <a:lnRef idx="1">
-            <a:schemeClr val="accent1"/>
-          </a:lnRef>
-          <a:fillRef idx="0">
-            <a:schemeClr val="accent1"/>
-          </a:fillRef>
-          <a:effectRef idx="0">
-            <a:schemeClr val="accent1"/>
-          </a:effectRef>
-          <a:fontRef idx="minor">
-            <a:schemeClr val="tx1"/>
-          </a:fontRef>
-        </p:style>
-      </p:cxnSp>
-      <p:grpSp>
-        <p:nvGrpSpPr>
-          <p:cNvPr id="21" name="Group 20">
-            <a:extLst>
-              <a:ext uri="{FF2B5EF4-FFF2-40B4-BE49-F238E27FC236}">
-                <a16:creationId xmlns:a16="http://schemas.microsoft.com/office/drawing/2014/main" id="{97F1B375-8881-336C-EFCD-0534B7BE8359}"/>
-              </a:ext>
-            </a:extLst>
-          </p:cNvPr>
-          <p:cNvGrpSpPr/>
-          <p:nvPr/>
-        </p:nvGrpSpPr>
-        <p:grpSpPr>
-          <a:xfrm>
-            <a:off x="5866863" y="5440494"/>
-            <a:ext cx="1318778" cy="749437"/>
-            <a:chOff x="5843261" y="5038329"/>
-            <a:chExt cx="1318778" cy="749437"/>
-          </a:xfrm>
-        </p:grpSpPr>
-        <p:sp>
-          <p:nvSpPr>
-            <p:cNvPr id="13" name="Rectangle: Rounded Corners 12">
-              <a:extLst>
-                <a:ext uri="{FF2B5EF4-FFF2-40B4-BE49-F238E27FC236}">
-                  <a16:creationId xmlns:a16="http://schemas.microsoft.com/office/drawing/2014/main" id="{29083DB7-E99E-A13A-47C2-230CE2109141}"/>
-                </a:ext>
-              </a:extLst>
-            </p:cNvPr>
-            <p:cNvSpPr/>
-            <p:nvPr/>
-          </p:nvSpPr>
-          <p:spPr>
-            <a:xfrm>
-              <a:off x="5843261" y="5038329"/>
-              <a:ext cx="982600" cy="504329"/>
-            </a:xfrm>
-            <a:prstGeom prst="roundRect">
-              <a:avLst>
-                <a:gd name="adj" fmla="val 11979"/>
-              </a:avLst>
-            </a:prstGeom>
-            <a:solidFill>
-              <a:schemeClr val="bg1"/>
-            </a:solidFill>
-          </p:spPr>
-          <p:style>
-            <a:lnRef idx="2">
-              <a:schemeClr val="accent1">
-                <a:shade val="15000"/>
-              </a:schemeClr>
-            </a:lnRef>
-            <a:fillRef idx="1">
-              <a:schemeClr val="accent1"/>
-            </a:fillRef>
-            <a:effectRef idx="0">
-              <a:schemeClr val="accent1"/>
-            </a:effectRef>
-            <a:fontRef idx="minor">
-              <a:schemeClr val="lt1"/>
-            </a:fontRef>
-          </p:style>
-          <p:txBody>
-            <a:bodyPr rtlCol="0" anchor="ctr"/>
-            <a:lstStyle/>
-            <a:p>
-              <a:pPr algn="ctr"/>
-              <a:r>
-                <a:rPr lang="es-ES" sz="1100" dirty="0">
-                  <a:solidFill>
-                    <a:schemeClr val="tx1"/>
-                  </a:solidFill>
-                </a:rPr>
-                <a:t>JWT </a:t>
-              </a:r>
-              <a:r>
-                <a:rPr lang="es-ES" sz="1100" dirty="0" err="1">
-                  <a:solidFill>
-                    <a:schemeClr val="tx1"/>
-                  </a:solidFill>
-                </a:rPr>
-                <a:t>Authorizator</a:t>
-              </a:r>
-              <a:endParaRPr lang="es-ES" sz="1100" dirty="0">
-                <a:solidFill>
-                  <a:schemeClr val="tx1"/>
-                </a:solidFill>
-              </a:endParaRPr>
-            </a:p>
-          </p:txBody>
-        </p:sp>
-        <p:pic>
-          <p:nvPicPr>
-            <p:cNvPr id="19" name="Picture 18">
-              <a:extLst>
-                <a:ext uri="{FF2B5EF4-FFF2-40B4-BE49-F238E27FC236}">
-                  <a16:creationId xmlns:a16="http://schemas.microsoft.com/office/drawing/2014/main" id="{F6AF3DB9-927B-1385-BB21-6B4D9E8AE21B}"/>
-                </a:ext>
-              </a:extLst>
-            </p:cNvPr>
-            <p:cNvPicPr>
-              <a:picLocks noChangeAspect="1"/>
-            </p:cNvPicPr>
-            <p:nvPr/>
-          </p:nvPicPr>
-          <p:blipFill>
-            <a:blip r:embed="rId4">
-              <a:clrChange>
-                <a:clrFrom>
-                  <a:srgbClr val="FFFFFF"/>
-                </a:clrFrom>
-                <a:clrTo>
-                  <a:srgbClr val="FFFFFF">
-                    <a:alpha val="0"/>
-                  </a:srgbClr>
-                </a:clrTo>
-              </a:clrChange>
-            </a:blip>
-            <a:stretch>
-              <a:fillRect/>
-            </a:stretch>
-          </p:blipFill>
-          <p:spPr>
-            <a:xfrm>
-              <a:off x="6728961" y="5339062"/>
-              <a:ext cx="433078" cy="448704"/>
-            </a:xfrm>
-            <a:prstGeom prst="rect">
-              <a:avLst/>
-            </a:prstGeom>
-          </p:spPr>
-        </p:pic>
-      </p:grpSp>
-      <p:grpSp>
-        <p:nvGrpSpPr>
-          <p:cNvPr id="26" name="Group 25">
-            <a:extLst>
-              <a:ext uri="{FF2B5EF4-FFF2-40B4-BE49-F238E27FC236}">
-                <a16:creationId xmlns:a16="http://schemas.microsoft.com/office/drawing/2014/main" id="{4101EF72-E0AF-5AAF-C360-152C6D48E08A}"/>
-              </a:ext>
-            </a:extLst>
-          </p:cNvPr>
-          <p:cNvGrpSpPr/>
-          <p:nvPr/>
-        </p:nvGrpSpPr>
-        <p:grpSpPr>
-          <a:xfrm>
-            <a:off x="5862035" y="4596157"/>
-            <a:ext cx="1319165" cy="733280"/>
-            <a:chOff x="5843261" y="5038329"/>
-            <a:chExt cx="1319165" cy="733280"/>
-          </a:xfrm>
-        </p:grpSpPr>
-        <p:sp>
-          <p:nvSpPr>
-            <p:cNvPr id="27" name="Rectangle: Rounded Corners 26">
-              <a:extLst>
-                <a:ext uri="{FF2B5EF4-FFF2-40B4-BE49-F238E27FC236}">
-                  <a16:creationId xmlns:a16="http://schemas.microsoft.com/office/drawing/2014/main" id="{CF69AB64-086F-E28C-FE25-FDE82A03BBB3}"/>
-                </a:ext>
-              </a:extLst>
-            </p:cNvPr>
-            <p:cNvSpPr/>
-            <p:nvPr/>
-          </p:nvSpPr>
-          <p:spPr>
-            <a:xfrm>
-              <a:off x="5843261" y="5038329"/>
-              <a:ext cx="982600" cy="504329"/>
-            </a:xfrm>
-            <a:prstGeom prst="roundRect">
-              <a:avLst>
-                <a:gd name="adj" fmla="val 11979"/>
-              </a:avLst>
-            </a:prstGeom>
-            <a:solidFill>
-              <a:schemeClr val="bg1"/>
-            </a:solidFill>
-          </p:spPr>
-          <p:style>
-            <a:lnRef idx="2">
-              <a:schemeClr val="accent1">
-                <a:shade val="15000"/>
-              </a:schemeClr>
-            </a:lnRef>
-            <a:fillRef idx="1">
-              <a:schemeClr val="accent1"/>
-            </a:fillRef>
-            <a:effectRef idx="0">
-              <a:schemeClr val="accent1"/>
-            </a:effectRef>
-            <a:fontRef idx="minor">
-              <a:schemeClr val="lt1"/>
-            </a:fontRef>
-          </p:style>
-          <p:txBody>
-            <a:bodyPr rtlCol="0" anchor="ctr"/>
-            <a:lstStyle/>
-            <a:p>
-              <a:pPr algn="ctr"/>
-              <a:r>
-                <a:rPr lang="es-ES" sz="1100" dirty="0">
-                  <a:solidFill>
-                    <a:schemeClr val="tx1"/>
-                  </a:solidFill>
-                </a:rPr>
-                <a:t>JWT </a:t>
-              </a:r>
-              <a:r>
-                <a:rPr lang="es-ES" sz="1100" dirty="0" err="1">
-                  <a:solidFill>
-                    <a:schemeClr val="tx1"/>
-                  </a:solidFill>
-                </a:rPr>
-                <a:t>Authorizator</a:t>
-              </a:r>
-              <a:endParaRPr lang="es-ES" sz="1100" dirty="0">
-                <a:solidFill>
-                  <a:schemeClr val="tx1"/>
-                </a:solidFill>
-              </a:endParaRPr>
-            </a:p>
-          </p:txBody>
-        </p:sp>
-        <p:pic>
-          <p:nvPicPr>
-            <p:cNvPr id="28" name="Picture 27">
-              <a:extLst>
-                <a:ext uri="{FF2B5EF4-FFF2-40B4-BE49-F238E27FC236}">
-                  <a16:creationId xmlns:a16="http://schemas.microsoft.com/office/drawing/2014/main" id="{45902974-05C0-7F9E-6C71-B9B3EED534E2}"/>
-                </a:ext>
-              </a:extLst>
-            </p:cNvPr>
-            <p:cNvPicPr>
-              <a:picLocks noChangeAspect="1"/>
-            </p:cNvPicPr>
-            <p:nvPr/>
-          </p:nvPicPr>
-          <p:blipFill>
-            <a:blip r:embed="rId4">
-              <a:clrChange>
-                <a:clrFrom>
-                  <a:srgbClr val="FFFFFF"/>
-                </a:clrFrom>
-                <a:clrTo>
-                  <a:srgbClr val="FFFFFF">
-                    <a:alpha val="0"/>
-                  </a:srgbClr>
-                </a:clrTo>
-              </a:clrChange>
-            </a:blip>
-            <a:stretch>
-              <a:fillRect/>
-            </a:stretch>
-          </p:blipFill>
-          <p:spPr>
-            <a:xfrm>
-              <a:off x="6729348" y="5322905"/>
-              <a:ext cx="433078" cy="448704"/>
-            </a:xfrm>
-            <a:prstGeom prst="rect">
-              <a:avLst/>
-            </a:prstGeom>
-          </p:spPr>
-        </p:pic>
-      </p:grpSp>
-      <p:sp>
-        <p:nvSpPr>
-          <p:cNvPr id="32" name="Rectangle: Rounded Corners 31">
-            <a:extLst>
-              <a:ext uri="{FF2B5EF4-FFF2-40B4-BE49-F238E27FC236}">
-                <a16:creationId xmlns:a16="http://schemas.microsoft.com/office/drawing/2014/main" id="{3315CAD3-C648-DEF6-E470-CDECB96A5CFA}"/>
-              </a:ext>
-            </a:extLst>
-          </p:cNvPr>
-          <p:cNvSpPr/>
-          <p:nvPr/>
-        </p:nvSpPr>
-        <p:spPr>
-          <a:xfrm>
-            <a:off x="5672932" y="4354946"/>
-            <a:ext cx="1648332" cy="1920240"/>
-          </a:xfrm>
-          <a:prstGeom prst="roundRect">
-            <a:avLst>
-              <a:gd name="adj" fmla="val 4427"/>
-            </a:avLst>
-          </a:prstGeom>
-          <a:noFill/>
-          <a:ln>
-            <a:prstDash val="dash"/>
-          </a:ln>
-        </p:spPr>
-        <p:style>
-          <a:lnRef idx="2">
-            <a:schemeClr val="accent1">
-              <a:shade val="15000"/>
-            </a:schemeClr>
-          </a:lnRef>
-          <a:fillRef idx="1">
-            <a:schemeClr val="accent1"/>
-          </a:fillRef>
-          <a:effectRef idx="0">
-            <a:schemeClr val="accent1"/>
-          </a:effectRef>
-          <a:fontRef idx="minor">
-            <a:schemeClr val="lt1"/>
-          </a:fontRef>
-        </p:style>
-        <p:txBody>
-          <a:bodyPr rtlCol="0" anchor="ctr"/>
-          <a:lstStyle/>
-          <a:p>
-            <a:pPr algn="ctr"/>
-            <a:endParaRPr lang="es-ES"/>
-          </a:p>
-        </p:txBody>
-      </p:sp>
-      <p:sp>
-        <p:nvSpPr>
-          <p:cNvPr id="34" name="Arrow: Right 33">
-            <a:extLst>
-              <a:ext uri="{FF2B5EF4-FFF2-40B4-BE49-F238E27FC236}">
-                <a16:creationId xmlns:a16="http://schemas.microsoft.com/office/drawing/2014/main" id="{34EEC855-D81A-045A-3B53-7DA96384A212}"/>
-              </a:ext>
-            </a:extLst>
-          </p:cNvPr>
-          <p:cNvSpPr/>
-          <p:nvPr/>
-        </p:nvSpPr>
-        <p:spPr>
-          <a:xfrm>
-            <a:off x="1344720" y="3215612"/>
-            <a:ext cx="786995" cy="676656"/>
-          </a:xfrm>
-          <a:prstGeom prst="rightArrow">
-            <a:avLst/>
-          </a:prstGeom>
-        </p:spPr>
-        <p:style>
-          <a:lnRef idx="2">
-            <a:schemeClr val="accent1">
-              <a:shade val="15000"/>
-            </a:schemeClr>
-          </a:lnRef>
-          <a:fillRef idx="1">
-            <a:schemeClr val="accent1"/>
-          </a:fillRef>
-          <a:effectRef idx="0">
-            <a:schemeClr val="accent1"/>
-          </a:effectRef>
-          <a:fontRef idx="minor">
-            <a:schemeClr val="lt1"/>
-          </a:fontRef>
-        </p:style>
-        <p:txBody>
-          <a:bodyPr rtlCol="0" anchor="ctr"/>
-          <a:lstStyle/>
-          <a:p>
-            <a:pPr algn="ctr"/>
-            <a:endParaRPr lang="es-ES"/>
-          </a:p>
-        </p:txBody>
-      </p:sp>
-      <p:sp>
-        <p:nvSpPr>
-          <p:cNvPr id="35" name="TextBox 34">
-            <a:extLst>
-              <a:ext uri="{FF2B5EF4-FFF2-40B4-BE49-F238E27FC236}">
-                <a16:creationId xmlns:a16="http://schemas.microsoft.com/office/drawing/2014/main" id="{CE61C352-7AEB-FC1C-024B-0E2B22CCAFAC}"/>
-              </a:ext>
-            </a:extLst>
-          </p:cNvPr>
-          <p:cNvSpPr txBox="1"/>
-          <p:nvPr/>
-        </p:nvSpPr>
-        <p:spPr>
-          <a:xfrm>
-            <a:off x="300826" y="3206087"/>
-            <a:ext cx="1055021" cy="646331"/>
-          </a:xfrm>
-          <a:prstGeom prst="rect">
-            <a:avLst/>
-          </a:prstGeom>
-          <a:noFill/>
-        </p:spPr>
-        <p:txBody>
-          <a:bodyPr wrap="square">
-            <a:spAutoFit/>
-          </a:bodyPr>
-          <a:lstStyle/>
-          <a:p>
-            <a:pPr algn="r"/>
-            <a:r>
-              <a:rPr lang="es-ES" dirty="0" err="1">
-                <a:solidFill>
-                  <a:schemeClr val="tx1"/>
-                </a:solidFill>
-              </a:rPr>
-              <a:t>User</a:t>
-            </a:r>
-            <a:endParaRPr lang="es-ES" dirty="0"/>
-          </a:p>
-          <a:p>
-            <a:pPr algn="r"/>
-            <a:r>
-              <a:rPr lang="es-ES" dirty="0" err="1">
-                <a:solidFill>
-                  <a:schemeClr val="tx1"/>
-                </a:solidFill>
-              </a:rPr>
-              <a:t>Requests</a:t>
-            </a:r>
-            <a:endParaRPr lang="es-ES" dirty="0">
-              <a:solidFill>
-                <a:schemeClr val="tx1"/>
-              </a:solidFill>
-            </a:endParaRPr>
-          </a:p>
-        </p:txBody>
-      </p:sp>
-      <p:cxnSp>
-        <p:nvCxnSpPr>
-          <p:cNvPr id="36" name="Connector: Elbow 35">
-            <a:extLst>
-              <a:ext uri="{FF2B5EF4-FFF2-40B4-BE49-F238E27FC236}">
-                <a16:creationId xmlns:a16="http://schemas.microsoft.com/office/drawing/2014/main" id="{A5D75090-7FD9-6F3C-41E3-D00870235D98}"/>
-              </a:ext>
-            </a:extLst>
-          </p:cNvPr>
-          <p:cNvCxnSpPr>
-            <a:cxnSpLocks/>
-            <a:stCxn id="20" idx="1"/>
-            <a:endCxn id="32" idx="0"/>
-          </p:cNvCxnSpPr>
-          <p:nvPr/>
-        </p:nvCxnSpPr>
-        <p:spPr>
-          <a:xfrm rot="10800000" flipV="1">
-            <a:off x="6497098" y="2103146"/>
-            <a:ext cx="645890" cy="2251800"/>
-          </a:xfrm>
-          <a:prstGeom prst="bentConnector2">
-            <a:avLst/>
-          </a:prstGeom>
-          <a:ln>
-            <a:tailEnd type="triangle"/>
-          </a:ln>
-        </p:spPr>
-        <p:style>
-          <a:lnRef idx="1">
-            <a:schemeClr val="accent1"/>
-          </a:lnRef>
-          <a:fillRef idx="0">
-            <a:schemeClr val="accent1"/>
-          </a:fillRef>
-          <a:effectRef idx="0">
-            <a:schemeClr val="accent1"/>
-          </a:effectRef>
-          <a:fontRef idx="minor">
-            <a:schemeClr val="tx1"/>
-          </a:fontRef>
-        </p:style>
-      </p:cxnSp>
-      <p:sp>
-        <p:nvSpPr>
-          <p:cNvPr id="39" name="TextBox 38">
-            <a:extLst>
-              <a:ext uri="{FF2B5EF4-FFF2-40B4-BE49-F238E27FC236}">
-                <a16:creationId xmlns:a16="http://schemas.microsoft.com/office/drawing/2014/main" id="{AE0FD041-F784-EAA6-B222-74BE184B7349}"/>
-              </a:ext>
-            </a:extLst>
-          </p:cNvPr>
-          <p:cNvSpPr txBox="1"/>
-          <p:nvPr/>
-        </p:nvSpPr>
-        <p:spPr>
-          <a:xfrm rot="16200000">
-            <a:off x="5510337" y="3028429"/>
-            <a:ext cx="1985480" cy="461665"/>
-          </a:xfrm>
-          <a:prstGeom prst="rect">
-            <a:avLst/>
-          </a:prstGeom>
-          <a:noFill/>
-        </p:spPr>
-        <p:txBody>
-          <a:bodyPr wrap="none" rtlCol="0">
-            <a:spAutoFit/>
-          </a:bodyPr>
-          <a:lstStyle/>
-          <a:p>
-            <a:pPr algn="ctr"/>
-            <a:r>
-              <a:rPr lang="es-ES" sz="1200" dirty="0" err="1"/>
-              <a:t>Create</a:t>
-            </a:r>
-            <a:endParaRPr lang="es-ES" sz="1200" dirty="0"/>
-          </a:p>
-          <a:p>
-            <a:pPr algn="ctr"/>
-            <a:r>
-              <a:rPr lang="es-ES" sz="1200" dirty="0" err="1"/>
-              <a:t>JwtAuthorizator</a:t>
-            </a:r>
-            <a:r>
-              <a:rPr lang="es-ES" sz="1200" dirty="0"/>
-              <a:t> </a:t>
-            </a:r>
-            <a:r>
-              <a:rPr lang="es-ES" sz="1200" dirty="0" err="1"/>
-              <a:t>Deployment</a:t>
-            </a:r>
-            <a:endParaRPr lang="es-ES" sz="1200" dirty="0"/>
-          </a:p>
-        </p:txBody>
-      </p:sp>
-      <p:grpSp>
-        <p:nvGrpSpPr>
-          <p:cNvPr id="41" name="Group 40">
-            <a:extLst>
-              <a:ext uri="{FF2B5EF4-FFF2-40B4-BE49-F238E27FC236}">
-                <a16:creationId xmlns:a16="http://schemas.microsoft.com/office/drawing/2014/main" id="{F60F0245-524F-6932-DFEC-45F4E8A646BA}"/>
-              </a:ext>
-            </a:extLst>
-          </p:cNvPr>
-          <p:cNvGrpSpPr/>
-          <p:nvPr/>
-        </p:nvGrpSpPr>
-        <p:grpSpPr>
-          <a:xfrm>
-            <a:off x="10167135" y="938480"/>
-            <a:ext cx="1210341" cy="933832"/>
-            <a:chOff x="10171332" y="1022493"/>
-            <a:chExt cx="1210341" cy="933832"/>
-          </a:xfrm>
-        </p:grpSpPr>
-        <p:sp>
-          <p:nvSpPr>
-            <p:cNvPr id="40" name="Flowchart: Magnetic Disk 39">
-              <a:extLst>
-                <a:ext uri="{FF2B5EF4-FFF2-40B4-BE49-F238E27FC236}">
-                  <a16:creationId xmlns:a16="http://schemas.microsoft.com/office/drawing/2014/main" id="{75DD23C6-D7D6-F98E-8AA2-43D4DCDD5370}"/>
-                </a:ext>
-              </a:extLst>
-            </p:cNvPr>
-            <p:cNvSpPr/>
-            <p:nvPr/>
-          </p:nvSpPr>
-          <p:spPr>
-            <a:xfrm>
-              <a:off x="10171332" y="1022493"/>
-              <a:ext cx="1210341" cy="933832"/>
-            </a:xfrm>
-            <a:prstGeom prst="flowChartMagneticDisk">
-              <a:avLst/>
-            </a:prstGeom>
-            <a:solidFill>
-              <a:schemeClr val="bg1"/>
-            </a:solidFill>
-          </p:spPr>
-          <p:style>
-            <a:lnRef idx="2">
-              <a:schemeClr val="accent1">
-                <a:shade val="15000"/>
-              </a:schemeClr>
-            </a:lnRef>
-            <a:fillRef idx="1">
-              <a:schemeClr val="accent1"/>
-            </a:fillRef>
-            <a:effectRef idx="0">
-              <a:schemeClr val="accent1"/>
-            </a:effectRef>
-            <a:fontRef idx="minor">
-              <a:schemeClr val="lt1"/>
-            </a:fontRef>
-          </p:style>
-          <p:txBody>
-            <a:bodyPr rtlCol="0" anchor="ctr"/>
-            <a:lstStyle/>
-            <a:p>
-              <a:pPr algn="ctr"/>
-              <a:endParaRPr lang="es-ES"/>
-            </a:p>
-          </p:txBody>
-        </p:sp>
-        <p:pic>
-          <p:nvPicPr>
-            <p:cNvPr id="1028" name="Picture 4" descr="User Documentation for the sedex Client Docker Image">
-              <a:extLst>
-                <a:ext uri="{FF2B5EF4-FFF2-40B4-BE49-F238E27FC236}">
-                  <a16:creationId xmlns:a16="http://schemas.microsoft.com/office/drawing/2014/main" id="{19314A2F-228C-EA07-B2B6-66F5AED40314}"/>
-                </a:ext>
-              </a:extLst>
-            </p:cNvPr>
-            <p:cNvPicPr>
-              <a:picLocks noChangeAspect="1" noChangeArrowheads="1"/>
-            </p:cNvPicPr>
-            <p:nvPr/>
-          </p:nvPicPr>
-          <p:blipFill>
-            <a:blip r:embed="rId5">
-              <a:extLst>
-                <a:ext uri="{28A0092B-C50C-407E-A947-70E740481C1C}">
-                  <a14:useLocalDpi xmlns:a14="http://schemas.microsoft.com/office/drawing/2010/main" val="0"/>
-                </a:ext>
-              </a:extLst>
-            </a:blip>
-            <a:srcRect/>
-            <a:stretch>
-              <a:fillRect/>
-            </a:stretch>
-          </p:blipFill>
-          <p:spPr bwMode="auto">
-            <a:xfrm>
-              <a:off x="10268712" y="1503892"/>
-              <a:ext cx="1015580" cy="252444"/>
-            </a:xfrm>
-            <a:prstGeom prst="rect">
-              <a:avLst/>
-            </a:prstGeom>
-            <a:noFill/>
-            <a:extLst>
-              <a:ext uri="{909E8E84-426E-40DD-AFC4-6F175D3DCCD1}">
-                <a14:hiddenFill xmlns:a14="http://schemas.microsoft.com/office/drawing/2010/main">
-                  <a:solidFill>
-                    <a:srgbClr val="FFFFFF"/>
-                  </a:solidFill>
-                </a14:hiddenFill>
-              </a:ext>
-            </a:extLst>
-          </p:spPr>
-        </p:pic>
-      </p:grpSp>
-      <p:cxnSp>
-        <p:nvCxnSpPr>
-          <p:cNvPr id="42" name="Connector: Elbow 41">
-            <a:extLst>
-              <a:ext uri="{FF2B5EF4-FFF2-40B4-BE49-F238E27FC236}">
-                <a16:creationId xmlns:a16="http://schemas.microsoft.com/office/drawing/2014/main" id="{762EF1FB-F5BD-1BF2-E97A-FF4D5B31BD31}"/>
-              </a:ext>
-            </a:extLst>
-          </p:cNvPr>
-          <p:cNvCxnSpPr>
-            <a:cxnSpLocks/>
-            <a:stCxn id="40" idx="3"/>
-            <a:endCxn id="20" idx="3"/>
-          </p:cNvCxnSpPr>
-          <p:nvPr/>
-        </p:nvCxnSpPr>
-        <p:spPr>
-          <a:xfrm rot="5400000">
-            <a:off x="9475643" y="806483"/>
-            <a:ext cx="230834" cy="2362493"/>
-          </a:xfrm>
-          <a:prstGeom prst="bentConnector2">
-            <a:avLst/>
-          </a:prstGeom>
-          <a:ln>
-            <a:solidFill>
-              <a:schemeClr val="bg2">
-                <a:lumMod val="75000"/>
-              </a:schemeClr>
-            </a:solidFill>
-            <a:prstDash val="dash"/>
-            <a:tailEnd type="triangle"/>
-          </a:ln>
-        </p:spPr>
-        <p:style>
-          <a:lnRef idx="1">
-            <a:schemeClr val="accent1"/>
-          </a:lnRef>
-          <a:fillRef idx="0">
-            <a:schemeClr val="accent1"/>
-          </a:fillRef>
-          <a:effectRef idx="0">
-            <a:schemeClr val="accent1"/>
-          </a:effectRef>
-          <a:fontRef idx="minor">
-            <a:schemeClr val="tx1"/>
-          </a:fontRef>
-        </p:style>
-      </p:cxnSp>
-      <p:cxnSp>
-        <p:nvCxnSpPr>
-          <p:cNvPr id="45" name="Connector: Elbow 44">
-            <a:extLst>
-              <a:ext uri="{FF2B5EF4-FFF2-40B4-BE49-F238E27FC236}">
-                <a16:creationId xmlns:a16="http://schemas.microsoft.com/office/drawing/2014/main" id="{A73BEF0D-685E-202F-DD28-388C52D03A99}"/>
-              </a:ext>
-            </a:extLst>
-          </p:cNvPr>
-          <p:cNvCxnSpPr>
-            <a:cxnSpLocks/>
-            <a:stCxn id="40" idx="3"/>
-            <a:endCxn id="27" idx="3"/>
-          </p:cNvCxnSpPr>
-          <p:nvPr/>
-        </p:nvCxnSpPr>
-        <p:spPr>
-          <a:xfrm rot="5400000">
-            <a:off x="7320466" y="1396482"/>
-            <a:ext cx="2976010" cy="3927671"/>
-          </a:xfrm>
-          <a:prstGeom prst="bentConnector2">
-            <a:avLst/>
-          </a:prstGeom>
-          <a:ln>
-            <a:solidFill>
-              <a:schemeClr val="bg2">
-                <a:lumMod val="75000"/>
-              </a:schemeClr>
-            </a:solidFill>
-            <a:prstDash val="dash"/>
-            <a:tailEnd type="triangle"/>
-          </a:ln>
-        </p:spPr>
-        <p:style>
-          <a:lnRef idx="1">
-            <a:schemeClr val="accent1"/>
-          </a:lnRef>
-          <a:fillRef idx="0">
-            <a:schemeClr val="accent1"/>
-          </a:fillRef>
-          <a:effectRef idx="0">
-            <a:schemeClr val="accent1"/>
-          </a:effectRef>
-          <a:fontRef idx="minor">
-            <a:schemeClr val="tx1"/>
-          </a:fontRef>
-        </p:style>
-      </p:cxnSp>
-      <p:cxnSp>
-        <p:nvCxnSpPr>
-          <p:cNvPr id="50" name="Connector: Elbow 49">
-            <a:extLst>
-              <a:ext uri="{FF2B5EF4-FFF2-40B4-BE49-F238E27FC236}">
-                <a16:creationId xmlns:a16="http://schemas.microsoft.com/office/drawing/2014/main" id="{4BB8E0E3-7E62-B558-1EBF-26A1FA7480E9}"/>
-              </a:ext>
-            </a:extLst>
-          </p:cNvPr>
-          <p:cNvCxnSpPr>
-            <a:cxnSpLocks/>
-            <a:stCxn id="40" idx="3"/>
-            <a:endCxn id="13" idx="3"/>
-          </p:cNvCxnSpPr>
-          <p:nvPr/>
-        </p:nvCxnSpPr>
-        <p:spPr>
-          <a:xfrm rot="5400000">
-            <a:off x="6900712" y="1821064"/>
-            <a:ext cx="3820347" cy="3922843"/>
-          </a:xfrm>
-          <a:prstGeom prst="bentConnector2">
-            <a:avLst/>
-          </a:prstGeom>
-          <a:ln>
-            <a:solidFill>
-              <a:schemeClr val="bg2">
-                <a:lumMod val="75000"/>
-              </a:schemeClr>
-            </a:solidFill>
-            <a:prstDash val="dash"/>
-            <a:tailEnd type="triangle"/>
-          </a:ln>
-        </p:spPr>
-        <p:style>
-          <a:lnRef idx="1">
-            <a:schemeClr val="accent1"/>
-          </a:lnRef>
-          <a:fillRef idx="0">
-            <a:schemeClr val="accent1"/>
-          </a:fillRef>
-          <a:effectRef idx="0">
-            <a:schemeClr val="accent1"/>
-          </a:effectRef>
-          <a:fontRef idx="minor">
-            <a:schemeClr val="tx1"/>
-          </a:fontRef>
-        </p:style>
-      </p:cxnSp>
-      <p:sp>
-        <p:nvSpPr>
-          <p:cNvPr id="53" name="TextBox 52">
-            <a:extLst>
-              <a:ext uri="{FF2B5EF4-FFF2-40B4-BE49-F238E27FC236}">
-                <a16:creationId xmlns:a16="http://schemas.microsoft.com/office/drawing/2014/main" id="{2505B9E2-07D7-FD2E-A78A-60B850947336}"/>
-              </a:ext>
-            </a:extLst>
-          </p:cNvPr>
-          <p:cNvSpPr txBox="1"/>
-          <p:nvPr/>
-        </p:nvSpPr>
-        <p:spPr>
-          <a:xfrm>
-            <a:off x="9665350" y="1864614"/>
-            <a:ext cx="568104" cy="461665"/>
-          </a:xfrm>
-          <a:prstGeom prst="rect">
-            <a:avLst/>
-          </a:prstGeom>
-          <a:noFill/>
-        </p:spPr>
-        <p:txBody>
-          <a:bodyPr wrap="none" rtlCol="0">
-            <a:spAutoFit/>
-          </a:bodyPr>
-          <a:lstStyle/>
-          <a:p>
-            <a:pPr algn="ctr"/>
-            <a:r>
-              <a:rPr lang="es-ES" sz="1200" dirty="0" err="1">
-                <a:solidFill>
-                  <a:schemeClr val="bg2">
-                    <a:lumMod val="90000"/>
-                  </a:schemeClr>
-                </a:solidFill>
-              </a:rPr>
-              <a:t>Pull</a:t>
-            </a:r>
-            <a:endParaRPr lang="es-ES" sz="1200" dirty="0">
-              <a:solidFill>
-                <a:schemeClr val="bg2">
-                  <a:lumMod val="90000"/>
-                </a:schemeClr>
-              </a:solidFill>
-            </a:endParaRPr>
-          </a:p>
-          <a:p>
-            <a:pPr algn="ctr"/>
-            <a:r>
-              <a:rPr lang="es-ES" sz="1200" dirty="0" err="1">
-                <a:solidFill>
-                  <a:schemeClr val="bg2">
-                    <a:lumMod val="90000"/>
-                  </a:schemeClr>
-                </a:solidFill>
-              </a:rPr>
-              <a:t>Image</a:t>
-            </a:r>
-            <a:endParaRPr lang="es-ES" sz="1200" dirty="0">
-              <a:solidFill>
-                <a:schemeClr val="bg2">
-                  <a:lumMod val="90000"/>
-                </a:schemeClr>
-              </a:solidFill>
-            </a:endParaRPr>
-          </a:p>
-        </p:txBody>
-      </p:sp>
-      <p:sp>
-        <p:nvSpPr>
-          <p:cNvPr id="54" name="TextBox 53">
-            <a:extLst>
-              <a:ext uri="{FF2B5EF4-FFF2-40B4-BE49-F238E27FC236}">
-                <a16:creationId xmlns:a16="http://schemas.microsoft.com/office/drawing/2014/main" id="{23EF9B7C-D54E-E504-D9A5-76A76AA06A71}"/>
-              </a:ext>
-            </a:extLst>
-          </p:cNvPr>
-          <p:cNvSpPr txBox="1"/>
-          <p:nvPr/>
-        </p:nvSpPr>
-        <p:spPr>
-          <a:xfrm rot="16200000">
-            <a:off x="10475345" y="3380663"/>
-            <a:ext cx="568104" cy="461665"/>
-          </a:xfrm>
-          <a:prstGeom prst="rect">
-            <a:avLst/>
-          </a:prstGeom>
-          <a:noFill/>
-        </p:spPr>
-        <p:txBody>
-          <a:bodyPr wrap="none" rtlCol="0">
-            <a:spAutoFit/>
-          </a:bodyPr>
-          <a:lstStyle/>
-          <a:p>
-            <a:pPr algn="ctr"/>
-            <a:r>
-              <a:rPr lang="es-ES" sz="1200" dirty="0" err="1">
-                <a:solidFill>
-                  <a:schemeClr val="bg2">
-                    <a:lumMod val="90000"/>
-                  </a:schemeClr>
-                </a:solidFill>
-              </a:rPr>
-              <a:t>Pull</a:t>
-            </a:r>
-            <a:endParaRPr lang="es-ES" sz="1200" dirty="0">
-              <a:solidFill>
-                <a:schemeClr val="bg2">
-                  <a:lumMod val="90000"/>
-                </a:schemeClr>
-              </a:solidFill>
-            </a:endParaRPr>
-          </a:p>
-          <a:p>
-            <a:pPr algn="ctr"/>
-            <a:r>
-              <a:rPr lang="es-ES" sz="1200" dirty="0" err="1">
-                <a:solidFill>
-                  <a:schemeClr val="bg2">
-                    <a:lumMod val="90000"/>
-                  </a:schemeClr>
-                </a:solidFill>
-              </a:rPr>
-              <a:t>Image</a:t>
-            </a:r>
-            <a:endParaRPr lang="es-ES" sz="1200" dirty="0">
-              <a:solidFill>
-                <a:schemeClr val="bg2">
-                  <a:lumMod val="90000"/>
-                </a:schemeClr>
-              </a:solidFill>
-            </a:endParaRPr>
-          </a:p>
-        </p:txBody>
-      </p:sp>
-      <p:sp>
-        <p:nvSpPr>
-          <p:cNvPr id="55" name="TextBox 54">
-            <a:extLst>
-              <a:ext uri="{FF2B5EF4-FFF2-40B4-BE49-F238E27FC236}">
-                <a16:creationId xmlns:a16="http://schemas.microsoft.com/office/drawing/2014/main" id="{5A809FCC-2B9C-C148-81C6-6940EBC339BC}"/>
-              </a:ext>
-            </a:extLst>
-          </p:cNvPr>
-          <p:cNvSpPr txBox="1"/>
-          <p:nvPr/>
-        </p:nvSpPr>
-        <p:spPr>
-          <a:xfrm>
-            <a:off x="5649563" y="4343067"/>
-            <a:ext cx="699230" cy="215444"/>
-          </a:xfrm>
-          <a:prstGeom prst="rect">
-            <a:avLst/>
-          </a:prstGeom>
-          <a:noFill/>
-        </p:spPr>
-        <p:txBody>
-          <a:bodyPr wrap="none" rtlCol="0">
-            <a:spAutoFit/>
-          </a:bodyPr>
-          <a:lstStyle/>
-          <a:p>
-            <a:pPr algn="ctr"/>
-            <a:r>
-              <a:rPr lang="es-ES" sz="800" dirty="0" err="1"/>
-              <a:t>Deployment</a:t>
-            </a:r>
-            <a:endParaRPr lang="es-ES" sz="800" dirty="0"/>
-          </a:p>
-        </p:txBody>
-      </p:sp>
-    </p:spTree>
-    <p:extLst>
-      <p:ext uri="{BB962C8B-B14F-4D97-AF65-F5344CB8AC3E}">
-        <p14:creationId xmlns:p14="http://schemas.microsoft.com/office/powerpoint/2010/main" val="1526622527"/>
+        <p14:creationId xmlns:p14="http://schemas.microsoft.com/office/powerpoint/2010/main" val="1091738206"/>
       </p:ext>
     </p:extLst>
   </p:cSld>

--- a/docs/diagrams.pptx
+++ b/docs/diagrams.pptx
@@ -13,6 +13,7 @@
     <p:sldId id="265" r:id="rId7"/>
     <p:sldId id="263" r:id="rId8"/>
     <p:sldId id="262" r:id="rId9"/>
+    <p:sldId id="266" r:id="rId10"/>
   </p:sldIdLst>
   <p:sldSz cx="12192000" cy="6858000"/>
   <p:notesSz cx="6858000" cy="9144000"/>
@@ -268,7 +269,7 @@
           <a:p>
             <a:fld id="{4AC07DEF-3650-42BF-8068-D2C0F3E6665F}" type="datetimeFigureOut">
               <a:rPr lang="es-ES" smtClean="0"/>
-              <a:t>13/01/2024</a:t>
+              <a:t>04/05/2024</a:t>
             </a:fld>
             <a:endParaRPr lang="es-ES"/>
           </a:p>
@@ -468,7 +469,7 @@
           <a:p>
             <a:fld id="{4AC07DEF-3650-42BF-8068-D2C0F3E6665F}" type="datetimeFigureOut">
               <a:rPr lang="es-ES" smtClean="0"/>
-              <a:t>13/01/2024</a:t>
+              <a:t>04/05/2024</a:t>
             </a:fld>
             <a:endParaRPr lang="es-ES"/>
           </a:p>
@@ -678,7 +679,7 @@
           <a:p>
             <a:fld id="{4AC07DEF-3650-42BF-8068-D2C0F3E6665F}" type="datetimeFigureOut">
               <a:rPr lang="es-ES" smtClean="0"/>
-              <a:t>13/01/2024</a:t>
+              <a:t>04/05/2024</a:t>
             </a:fld>
             <a:endParaRPr lang="es-ES"/>
           </a:p>
@@ -878,7 +879,7 @@
           <a:p>
             <a:fld id="{4AC07DEF-3650-42BF-8068-D2C0F3E6665F}" type="datetimeFigureOut">
               <a:rPr lang="es-ES" smtClean="0"/>
-              <a:t>13/01/2024</a:t>
+              <a:t>04/05/2024</a:t>
             </a:fld>
             <a:endParaRPr lang="es-ES"/>
           </a:p>
@@ -1154,7 +1155,7 @@
           <a:p>
             <a:fld id="{4AC07DEF-3650-42BF-8068-D2C0F3E6665F}" type="datetimeFigureOut">
               <a:rPr lang="es-ES" smtClean="0"/>
-              <a:t>13/01/2024</a:t>
+              <a:t>04/05/2024</a:t>
             </a:fld>
             <a:endParaRPr lang="es-ES"/>
           </a:p>
@@ -1422,7 +1423,7 @@
           <a:p>
             <a:fld id="{4AC07DEF-3650-42BF-8068-D2C0F3E6665F}" type="datetimeFigureOut">
               <a:rPr lang="es-ES" smtClean="0"/>
-              <a:t>13/01/2024</a:t>
+              <a:t>04/05/2024</a:t>
             </a:fld>
             <a:endParaRPr lang="es-ES"/>
           </a:p>
@@ -1837,7 +1838,7 @@
           <a:p>
             <a:fld id="{4AC07DEF-3650-42BF-8068-D2C0F3E6665F}" type="datetimeFigureOut">
               <a:rPr lang="es-ES" smtClean="0"/>
-              <a:t>13/01/2024</a:t>
+              <a:t>04/05/2024</a:t>
             </a:fld>
             <a:endParaRPr lang="es-ES"/>
           </a:p>
@@ -1979,7 +1980,7 @@
           <a:p>
             <a:fld id="{4AC07DEF-3650-42BF-8068-D2C0F3E6665F}" type="datetimeFigureOut">
               <a:rPr lang="es-ES" smtClean="0"/>
-              <a:t>13/01/2024</a:t>
+              <a:t>04/05/2024</a:t>
             </a:fld>
             <a:endParaRPr lang="es-ES"/>
           </a:p>
@@ -2092,7 +2093,7 @@
           <a:p>
             <a:fld id="{4AC07DEF-3650-42BF-8068-D2C0F3E6665F}" type="datetimeFigureOut">
               <a:rPr lang="es-ES" smtClean="0"/>
-              <a:t>13/01/2024</a:t>
+              <a:t>04/05/2024</a:t>
             </a:fld>
             <a:endParaRPr lang="es-ES"/>
           </a:p>
@@ -2405,7 +2406,7 @@
           <a:p>
             <a:fld id="{4AC07DEF-3650-42BF-8068-D2C0F3E6665F}" type="datetimeFigureOut">
               <a:rPr lang="es-ES" smtClean="0"/>
-              <a:t>13/01/2024</a:t>
+              <a:t>04/05/2024</a:t>
             </a:fld>
             <a:endParaRPr lang="es-ES"/>
           </a:p>
@@ -2694,7 +2695,7 @@
           <a:p>
             <a:fld id="{4AC07DEF-3650-42BF-8068-D2C0F3E6665F}" type="datetimeFigureOut">
               <a:rPr lang="es-ES" smtClean="0"/>
-              <a:t>13/01/2024</a:t>
+              <a:t>04/05/2024</a:t>
             </a:fld>
             <a:endParaRPr lang="es-ES"/>
           </a:p>
@@ -2937,7 +2938,7 @@
           <a:p>
             <a:fld id="{4AC07DEF-3650-42BF-8068-D2C0F3E6665F}" type="datetimeFigureOut">
               <a:rPr lang="es-ES" smtClean="0"/>
-              <a:t>13/01/2024</a:t>
+              <a:t>04/05/2024</a:t>
             </a:fld>
             <a:endParaRPr lang="es-ES"/>
           </a:p>
@@ -4004,12 +4005,590 @@
           </a:p>
         </p:txBody>
       </p:sp>
+      <p:sp>
+        <p:nvSpPr>
+          <p:cNvPr id="7" name="Rectangle: Rounded Corners 6">
+            <a:extLst>
+              <a:ext uri="{FF2B5EF4-FFF2-40B4-BE49-F238E27FC236}">
+                <a16:creationId xmlns:a16="http://schemas.microsoft.com/office/drawing/2014/main" id="{AEB12C1E-DFA1-4068-F8F1-64B14A4C54DC}"/>
+              </a:ext>
+            </a:extLst>
+          </p:cNvPr>
+          <p:cNvSpPr/>
+          <p:nvPr/>
+        </p:nvSpPr>
+        <p:spPr>
+          <a:xfrm>
+            <a:off x="4574586" y="4428850"/>
+            <a:ext cx="1388064" cy="1034490"/>
+          </a:xfrm>
+          <a:prstGeom prst="roundRect">
+            <a:avLst>
+              <a:gd name="adj" fmla="val 11979"/>
+            </a:avLst>
+          </a:prstGeom>
+          <a:solidFill>
+            <a:schemeClr val="bg1"/>
+          </a:solidFill>
+        </p:spPr>
+        <p:style>
+          <a:lnRef idx="2">
+            <a:schemeClr val="accent1">
+              <a:shade val="15000"/>
+            </a:schemeClr>
+          </a:lnRef>
+          <a:fillRef idx="1">
+            <a:schemeClr val="accent1"/>
+          </a:fillRef>
+          <a:effectRef idx="0">
+            <a:schemeClr val="accent1"/>
+          </a:effectRef>
+          <a:fontRef idx="minor">
+            <a:schemeClr val="lt1"/>
+          </a:fontRef>
+        </p:style>
+        <p:txBody>
+          <a:bodyPr rtlCol="0" anchor="ctr"/>
+          <a:lstStyle/>
+          <a:p>
+            <a:pPr algn="ctr"/>
+            <a:r>
+              <a:rPr lang="es-ES" sz="1600" dirty="0" err="1">
+                <a:solidFill>
+                  <a:schemeClr val="tx1"/>
+                </a:solidFill>
+              </a:rPr>
+              <a:t>Oberkorn</a:t>
+            </a:r>
+            <a:endParaRPr lang="es-ES" sz="1600" dirty="0">
+              <a:solidFill>
+                <a:schemeClr val="tx1"/>
+              </a:solidFill>
+            </a:endParaRPr>
+          </a:p>
+          <a:p>
+            <a:pPr algn="ctr"/>
+            <a:r>
+              <a:rPr lang="es-ES" sz="1600" dirty="0" err="1">
+                <a:solidFill>
+                  <a:schemeClr val="tx1"/>
+                </a:solidFill>
+              </a:rPr>
+              <a:t>Authorizator</a:t>
+            </a:r>
+            <a:endParaRPr lang="es-ES" sz="1600" dirty="0">
+              <a:solidFill>
+                <a:schemeClr val="tx1"/>
+              </a:solidFill>
+            </a:endParaRPr>
+          </a:p>
+        </p:txBody>
+      </p:sp>
+      <p:pic>
+        <p:nvPicPr>
+          <p:cNvPr id="9" name="Picture 2" descr="KubeCon Europe 2017 Impressions · Chris Hager">
+            <a:extLst>
+              <a:ext uri="{FF2B5EF4-FFF2-40B4-BE49-F238E27FC236}">
+                <a16:creationId xmlns:a16="http://schemas.microsoft.com/office/drawing/2014/main" id="{B4F394AE-E3F0-7B4F-8712-75186A27F032}"/>
+              </a:ext>
+            </a:extLst>
+          </p:cNvPr>
+          <p:cNvPicPr>
+            <a:picLocks noChangeAspect="1" noChangeArrowheads="1"/>
+          </p:cNvPicPr>
+          <p:nvPr/>
+        </p:nvPicPr>
+        <p:blipFill rotWithShape="1">
+          <a:blip r:embed="rId2">
+            <a:clrChange>
+              <a:clrFrom>
+                <a:srgbClr val="000000">
+                  <a:alpha val="0"/>
+                </a:srgbClr>
+              </a:clrFrom>
+              <a:clrTo>
+                <a:srgbClr val="000000">
+                  <a:alpha val="0"/>
+                </a:srgbClr>
+              </a:clrTo>
+            </a:clrChange>
+            <a:extLst>
+              <a:ext uri="{28A0092B-C50C-407E-A947-70E740481C1C}">
+                <a14:useLocalDpi xmlns:a14="http://schemas.microsoft.com/office/drawing/2010/main" val="0"/>
+              </a:ext>
+            </a:extLst>
+          </a:blip>
+          <a:srcRect l="6237" t="6775" r="6520" b="7478"/>
+          <a:stretch/>
+        </p:blipFill>
+        <p:spPr bwMode="auto">
+          <a:xfrm>
+            <a:off x="8477249" y="5142875"/>
+            <a:ext cx="514265" cy="505449"/>
+          </a:xfrm>
+          <a:prstGeom prst="rect">
+            <a:avLst/>
+          </a:prstGeom>
+          <a:noFill/>
+          <a:extLst>
+            <a:ext uri="{909E8E84-426E-40DD-AFC4-6F175D3DCCD1}">
+              <a14:hiddenFill xmlns:a14="http://schemas.microsoft.com/office/drawing/2010/main">
+                <a:solidFill>
+                  <a:srgbClr val="FFFFFF"/>
+                </a:solidFill>
+              </a14:hiddenFill>
+            </a:ext>
+          </a:extLst>
+        </p:spPr>
+      </p:pic>
+      <p:sp>
+        <p:nvSpPr>
+          <p:cNvPr id="20" name="Rectangle: Rounded Corners 19">
+            <a:extLst>
+              <a:ext uri="{FF2B5EF4-FFF2-40B4-BE49-F238E27FC236}">
+                <a16:creationId xmlns:a16="http://schemas.microsoft.com/office/drawing/2014/main" id="{4153B1FA-82A0-7025-CA40-8D6B6ADBB708}"/>
+              </a:ext>
+            </a:extLst>
+          </p:cNvPr>
+          <p:cNvSpPr/>
+          <p:nvPr/>
+        </p:nvSpPr>
+        <p:spPr>
+          <a:xfrm>
+            <a:off x="7124700" y="1429993"/>
+            <a:ext cx="1266825" cy="847725"/>
+          </a:xfrm>
+          <a:prstGeom prst="roundRect">
+            <a:avLst>
+              <a:gd name="adj" fmla="val 11979"/>
+            </a:avLst>
+          </a:prstGeom>
+          <a:solidFill>
+            <a:schemeClr val="bg1"/>
+          </a:solidFill>
+        </p:spPr>
+        <p:style>
+          <a:lnRef idx="2">
+            <a:schemeClr val="accent1">
+              <a:shade val="15000"/>
+            </a:schemeClr>
+          </a:lnRef>
+          <a:fillRef idx="1">
+            <a:schemeClr val="accent1"/>
+          </a:fillRef>
+          <a:effectRef idx="0">
+            <a:schemeClr val="accent1"/>
+          </a:effectRef>
+          <a:fontRef idx="minor">
+            <a:schemeClr val="lt1"/>
+          </a:fontRef>
+        </p:style>
+        <p:txBody>
+          <a:bodyPr rtlCol="0" anchor="ctr"/>
+          <a:lstStyle/>
+          <a:p>
+            <a:pPr algn="ctr"/>
+            <a:r>
+              <a:rPr lang="es-ES" sz="1600" dirty="0" err="1">
+                <a:solidFill>
+                  <a:schemeClr val="tx1"/>
+                </a:solidFill>
+              </a:rPr>
+              <a:t>Oberkorn</a:t>
+            </a:r>
+            <a:r>
+              <a:rPr lang="es-ES" sz="1600" dirty="0">
+                <a:solidFill>
+                  <a:schemeClr val="tx1"/>
+                </a:solidFill>
+              </a:rPr>
+              <a:t> </a:t>
+            </a:r>
+            <a:r>
+              <a:rPr lang="es-ES" sz="1600" dirty="0" err="1">
+                <a:solidFill>
+                  <a:schemeClr val="tx1"/>
+                </a:solidFill>
+              </a:rPr>
+              <a:t>Controller</a:t>
+            </a:r>
+            <a:r>
+              <a:rPr lang="es-ES" sz="1600" dirty="0">
+                <a:solidFill>
+                  <a:schemeClr val="tx1"/>
+                </a:solidFill>
+              </a:rPr>
+              <a:t> </a:t>
+            </a:r>
+            <a:r>
+              <a:rPr lang="es-ES" sz="1600" dirty="0" err="1">
+                <a:solidFill>
+                  <a:schemeClr val="tx1"/>
+                </a:solidFill>
+              </a:rPr>
+              <a:t>Pod</a:t>
+            </a:r>
+            <a:endParaRPr lang="es-ES" sz="1600" dirty="0">
+              <a:solidFill>
+                <a:schemeClr val="tx1"/>
+              </a:solidFill>
+            </a:endParaRPr>
+          </a:p>
+        </p:txBody>
+      </p:sp>
+      <p:cxnSp>
+        <p:nvCxnSpPr>
+          <p:cNvPr id="22" name="Connector: Elbow 21">
+            <a:extLst>
+              <a:ext uri="{FF2B5EF4-FFF2-40B4-BE49-F238E27FC236}">
+                <a16:creationId xmlns:a16="http://schemas.microsoft.com/office/drawing/2014/main" id="{DEFFA23C-8143-DF29-2CD7-4A5E451CDC42}"/>
+              </a:ext>
+            </a:extLst>
+          </p:cNvPr>
+          <p:cNvCxnSpPr>
+            <a:cxnSpLocks/>
+            <a:stCxn id="20" idx="1"/>
+            <a:endCxn id="5" idx="0"/>
+          </p:cNvCxnSpPr>
+          <p:nvPr/>
+        </p:nvCxnSpPr>
+        <p:spPr>
+          <a:xfrm rot="10800000" flipV="1">
+            <a:off x="3752850" y="1853856"/>
+            <a:ext cx="3371850" cy="609600"/>
+          </a:xfrm>
+          <a:prstGeom prst="bentConnector2">
+            <a:avLst/>
+          </a:prstGeom>
+          <a:ln>
+            <a:tailEnd type="triangle"/>
+          </a:ln>
+        </p:spPr>
+        <p:style>
+          <a:lnRef idx="1">
+            <a:schemeClr val="accent1"/>
+          </a:lnRef>
+          <a:fillRef idx="0">
+            <a:schemeClr val="accent1"/>
+          </a:fillRef>
+          <a:effectRef idx="0">
+            <a:schemeClr val="accent1"/>
+          </a:effectRef>
+          <a:fontRef idx="minor">
+            <a:schemeClr val="tx1"/>
+          </a:fontRef>
+        </p:style>
+      </p:cxnSp>
+      <p:cxnSp>
+        <p:nvCxnSpPr>
+          <p:cNvPr id="24" name="Connector: Elbow 23">
+            <a:extLst>
+              <a:ext uri="{FF2B5EF4-FFF2-40B4-BE49-F238E27FC236}">
+                <a16:creationId xmlns:a16="http://schemas.microsoft.com/office/drawing/2014/main" id="{63576EA8-803A-EE53-BB21-E55B25D1FF29}"/>
+              </a:ext>
+            </a:extLst>
+          </p:cNvPr>
+          <p:cNvCxnSpPr>
+            <a:cxnSpLocks/>
+            <a:stCxn id="20" idx="1"/>
+            <a:endCxn id="7" idx="0"/>
+          </p:cNvCxnSpPr>
+          <p:nvPr/>
+        </p:nvCxnSpPr>
+        <p:spPr>
+          <a:xfrm rot="10800000" flipV="1">
+            <a:off x="5268618" y="1853856"/>
+            <a:ext cx="1856082" cy="2574994"/>
+          </a:xfrm>
+          <a:prstGeom prst="bentConnector2">
+            <a:avLst/>
+          </a:prstGeom>
+          <a:ln>
+            <a:tailEnd type="triangle"/>
+          </a:ln>
+        </p:spPr>
+        <p:style>
+          <a:lnRef idx="1">
+            <a:schemeClr val="accent1"/>
+          </a:lnRef>
+          <a:fillRef idx="0">
+            <a:schemeClr val="accent1"/>
+          </a:fillRef>
+          <a:effectRef idx="0">
+            <a:schemeClr val="accent1"/>
+          </a:effectRef>
+          <a:fontRef idx="minor">
+            <a:schemeClr val="tx1"/>
+          </a:fontRef>
+        </p:style>
+      </p:cxnSp>
+      <p:pic>
+        <p:nvPicPr>
+          <p:cNvPr id="10" name="Picture 9">
+            <a:extLst>
+              <a:ext uri="{FF2B5EF4-FFF2-40B4-BE49-F238E27FC236}">
+                <a16:creationId xmlns:a16="http://schemas.microsoft.com/office/drawing/2014/main" id="{A0F8D23E-B8F6-C835-04EC-5203FF579B92}"/>
+              </a:ext>
+            </a:extLst>
+          </p:cNvPr>
+          <p:cNvPicPr>
+            <a:picLocks noChangeAspect="1"/>
+          </p:cNvPicPr>
+          <p:nvPr/>
+        </p:nvPicPr>
+        <p:blipFill>
+          <a:blip r:embed="rId3">
+            <a:clrChange>
+              <a:clrFrom>
+                <a:srgbClr val="FFFFFF"/>
+              </a:clrFrom>
+              <a:clrTo>
+                <a:srgbClr val="FFFFFF">
+                  <a:alpha val="0"/>
+                </a:srgbClr>
+              </a:clrTo>
+            </a:clrChange>
+          </a:blip>
+          <a:stretch>
+            <a:fillRect/>
+          </a:stretch>
+        </p:blipFill>
+        <p:spPr>
+          <a:xfrm>
+            <a:off x="8171698" y="2045236"/>
+            <a:ext cx="433078" cy="448704"/>
+          </a:xfrm>
+          <a:prstGeom prst="rect">
+            <a:avLst/>
+          </a:prstGeom>
+        </p:spPr>
+      </p:pic>
+      <p:sp>
+        <p:nvSpPr>
+          <p:cNvPr id="18" name="TextBox 17">
+            <a:extLst>
+              <a:ext uri="{FF2B5EF4-FFF2-40B4-BE49-F238E27FC236}">
+                <a16:creationId xmlns:a16="http://schemas.microsoft.com/office/drawing/2014/main" id="{C43835C1-F196-3938-4348-5B554F4E1249}"/>
+              </a:ext>
+            </a:extLst>
+          </p:cNvPr>
+          <p:cNvSpPr txBox="1"/>
+          <p:nvPr/>
+        </p:nvSpPr>
+        <p:spPr>
+          <a:xfrm>
+            <a:off x="3911856" y="1623022"/>
+            <a:ext cx="789254" cy="461665"/>
+          </a:xfrm>
+          <a:prstGeom prst="rect">
+            <a:avLst/>
+          </a:prstGeom>
+          <a:noFill/>
+        </p:spPr>
+        <p:txBody>
+          <a:bodyPr wrap="none" rtlCol="0">
+            <a:spAutoFit/>
+          </a:bodyPr>
+          <a:lstStyle/>
+          <a:p>
+            <a:pPr algn="ctr"/>
+            <a:r>
+              <a:rPr lang="es-ES" sz="1200" dirty="0"/>
+              <a:t>Configure</a:t>
+            </a:r>
+          </a:p>
+          <a:p>
+            <a:pPr algn="ctr"/>
+            <a:r>
+              <a:rPr lang="es-ES" sz="1200" dirty="0" err="1"/>
+              <a:t>Ingress</a:t>
+            </a:r>
+            <a:endParaRPr lang="es-ES" sz="1200" dirty="0"/>
+          </a:p>
+        </p:txBody>
+      </p:sp>
+      <p:sp>
+        <p:nvSpPr>
+          <p:cNvPr id="23" name="TextBox 22">
+            <a:extLst>
+              <a:ext uri="{FF2B5EF4-FFF2-40B4-BE49-F238E27FC236}">
+                <a16:creationId xmlns:a16="http://schemas.microsoft.com/office/drawing/2014/main" id="{534DABA0-CCD8-81F5-1F48-3E4B48A3FDBE}"/>
+              </a:ext>
+            </a:extLst>
+          </p:cNvPr>
+          <p:cNvSpPr txBox="1"/>
+          <p:nvPr/>
+        </p:nvSpPr>
+        <p:spPr>
+          <a:xfrm rot="16200000">
+            <a:off x="4637323" y="3556927"/>
+            <a:ext cx="1224374" cy="461665"/>
+          </a:xfrm>
+          <a:prstGeom prst="rect">
+            <a:avLst/>
+          </a:prstGeom>
+          <a:noFill/>
+        </p:spPr>
+        <p:txBody>
+          <a:bodyPr wrap="none" rtlCol="0">
+            <a:spAutoFit/>
+          </a:bodyPr>
+          <a:lstStyle/>
+          <a:p>
+            <a:pPr algn="ctr"/>
+            <a:r>
+              <a:rPr lang="es-ES" sz="1200" dirty="0" err="1"/>
+              <a:t>Deploy</a:t>
+            </a:r>
+            <a:endParaRPr lang="es-ES" sz="1200" dirty="0"/>
+          </a:p>
+          <a:p>
+            <a:pPr algn="ctr"/>
+            <a:r>
+              <a:rPr lang="es-ES" sz="1200" dirty="0" err="1"/>
+              <a:t>ObkAuthorizator</a:t>
+            </a:r>
+            <a:endParaRPr lang="es-ES" sz="1200" dirty="0"/>
+          </a:p>
+        </p:txBody>
+      </p:sp>
+      <p:cxnSp>
+        <p:nvCxnSpPr>
+          <p:cNvPr id="25" name="Connector: Elbow 24">
+            <a:extLst>
+              <a:ext uri="{FF2B5EF4-FFF2-40B4-BE49-F238E27FC236}">
+                <a16:creationId xmlns:a16="http://schemas.microsoft.com/office/drawing/2014/main" id="{C6C4AE1B-53CD-068A-76AB-F2F64359F37F}"/>
+              </a:ext>
+            </a:extLst>
+          </p:cNvPr>
+          <p:cNvCxnSpPr>
+            <a:cxnSpLocks/>
+            <a:stCxn id="7" idx="1"/>
+            <a:endCxn id="5" idx="2"/>
+          </p:cNvCxnSpPr>
+          <p:nvPr/>
+        </p:nvCxnSpPr>
+        <p:spPr>
+          <a:xfrm rot="10800000">
+            <a:off x="3752850" y="3777907"/>
+            <a:ext cx="821736" cy="1168189"/>
+          </a:xfrm>
+          <a:prstGeom prst="bentConnector2">
+            <a:avLst/>
+          </a:prstGeom>
+          <a:ln>
+            <a:prstDash val="dash"/>
+            <a:headEnd type="triangle" w="med" len="med"/>
+            <a:tailEnd type="triangle" w="med" len="med"/>
+          </a:ln>
+        </p:spPr>
+        <p:style>
+          <a:lnRef idx="1">
+            <a:schemeClr val="accent1"/>
+          </a:lnRef>
+          <a:fillRef idx="0">
+            <a:schemeClr val="accent1"/>
+          </a:fillRef>
+          <a:effectRef idx="0">
+            <a:schemeClr val="accent1"/>
+          </a:effectRef>
+          <a:fontRef idx="minor">
+            <a:schemeClr val="tx1"/>
+          </a:fontRef>
+        </p:style>
+      </p:cxnSp>
+      <p:sp>
+        <p:nvSpPr>
+          <p:cNvPr id="11" name="TextBox 10">
+            <a:extLst>
+              <a:ext uri="{FF2B5EF4-FFF2-40B4-BE49-F238E27FC236}">
+                <a16:creationId xmlns:a16="http://schemas.microsoft.com/office/drawing/2014/main" id="{ADFC7033-6B51-B615-1E61-3AEF2FAB4F55}"/>
+              </a:ext>
+            </a:extLst>
+          </p:cNvPr>
+          <p:cNvSpPr txBox="1"/>
+          <p:nvPr/>
+        </p:nvSpPr>
+        <p:spPr>
+          <a:xfrm>
+            <a:off x="506305" y="361539"/>
+            <a:ext cx="1987557" cy="369332"/>
+          </a:xfrm>
+          <a:prstGeom prst="rect">
+            <a:avLst/>
+          </a:prstGeom>
+          <a:noFill/>
+        </p:spPr>
+        <p:txBody>
+          <a:bodyPr wrap="square">
+            <a:spAutoFit/>
+          </a:bodyPr>
+          <a:lstStyle/>
+          <a:p>
+            <a:pPr algn="ctr"/>
+            <a:r>
+              <a:rPr lang="es-ES" dirty="0" err="1">
+                <a:solidFill>
+                  <a:schemeClr val="tx1"/>
+                </a:solidFill>
+              </a:rPr>
+              <a:t>cotrolplane</a:t>
+            </a:r>
+            <a:endParaRPr lang="es-ES" dirty="0">
+              <a:solidFill>
+                <a:schemeClr val="tx1"/>
+              </a:solidFill>
+            </a:endParaRPr>
+          </a:p>
+        </p:txBody>
+      </p:sp>
+      <p:pic>
+        <p:nvPicPr>
+          <p:cNvPr id="12" name="Picture 11">
+            <a:extLst>
+              <a:ext uri="{FF2B5EF4-FFF2-40B4-BE49-F238E27FC236}">
+                <a16:creationId xmlns:a16="http://schemas.microsoft.com/office/drawing/2014/main" id="{0B478FA9-6EB1-68D2-F017-1ECCC524D68F}"/>
+              </a:ext>
+            </a:extLst>
+          </p:cNvPr>
+          <p:cNvPicPr>
+            <a:picLocks noChangeAspect="1"/>
+          </p:cNvPicPr>
+          <p:nvPr/>
+        </p:nvPicPr>
+        <p:blipFill>
+          <a:blip r:embed="rId3">
+            <a:clrChange>
+              <a:clrFrom>
+                <a:srgbClr val="FFFFFF"/>
+              </a:clrFrom>
+              <a:clrTo>
+                <a:srgbClr val="FFFFFF">
+                  <a:alpha val="0"/>
+                </a:srgbClr>
+              </a:clrTo>
+            </a:clrChange>
+          </a:blip>
+          <a:stretch>
+            <a:fillRect/>
+          </a:stretch>
+        </p:blipFill>
+        <p:spPr>
+          <a:xfrm>
+            <a:off x="5746111" y="5238988"/>
+            <a:ext cx="433078" cy="448704"/>
+          </a:xfrm>
+          <a:prstGeom prst="rect">
+            <a:avLst/>
+          </a:prstGeom>
+        </p:spPr>
+      </p:pic>
       <p:grpSp>
         <p:nvGrpSpPr>
-          <p:cNvPr id="6" name="Group 5">
-            <a:extLst>
-              <a:ext uri="{FF2B5EF4-FFF2-40B4-BE49-F238E27FC236}">
-                <a16:creationId xmlns:a16="http://schemas.microsoft.com/office/drawing/2014/main" id="{F2F48A0C-44E2-D36B-81DB-8452202DCFE2}"/>
+          <p:cNvPr id="13" name="Group 12">
+            <a:extLst>
+              <a:ext uri="{FF2B5EF4-FFF2-40B4-BE49-F238E27FC236}">
+                <a16:creationId xmlns:a16="http://schemas.microsoft.com/office/drawing/2014/main" id="{BD72A270-4B41-42DF-7C97-0C382447CF0B}"/>
               </a:ext>
             </a:extLst>
           </p:cNvPr>
@@ -4020,7 +4599,7 @@
           <a:xfrm>
             <a:off x="2728912" y="2463456"/>
             <a:ext cx="2047875" cy="1314450"/>
-            <a:chOff x="2424112" y="2314575"/>
+            <a:chOff x="2728912" y="2463456"/>
             <a:chExt cx="2047875" cy="1314450"/>
           </a:xfrm>
         </p:grpSpPr>
@@ -4038,7 +4617,7 @@
           </p:nvSpPr>
           <p:spPr>
             <a:xfrm>
-              <a:off x="2424112" y="2314575"/>
+              <a:off x="2728912" y="2463456"/>
               <a:ext cx="2047875" cy="1314450"/>
             </a:xfrm>
             <a:prstGeom prst="roundRect">
@@ -4077,10 +4656,10 @@
         </p:sp>
         <p:pic>
           <p:nvPicPr>
-            <p:cNvPr id="3" name="Picture 2">
+            <p:cNvPr id="8" name="Picture 7">
               <a:extLst>
                 <a:ext uri="{FF2B5EF4-FFF2-40B4-BE49-F238E27FC236}">
-                  <a16:creationId xmlns:a16="http://schemas.microsoft.com/office/drawing/2014/main" id="{7EC83269-84FE-E617-F217-9D2D088DC419}"/>
+                  <a16:creationId xmlns:a16="http://schemas.microsoft.com/office/drawing/2014/main" id="{4AD363DB-3799-9512-E69D-31E004B0FB81}"/>
                 </a:ext>
               </a:extLst>
             </p:cNvPr>
@@ -4090,26 +4669,15 @@
             <p:nvPr/>
           </p:nvPicPr>
           <p:blipFill>
-            <a:blip r:embed="rId2">
-              <a:clrChange>
-                <a:clrFrom>
-                  <a:srgbClr val="FFFFFF"/>
-                </a:clrFrom>
-                <a:clrTo>
-                  <a:srgbClr val="FFFFFF">
-                    <a:alpha val="0"/>
-                  </a:srgbClr>
-                </a:clrTo>
-              </a:clrChange>
-            </a:blip>
+            <a:blip r:embed="rId4"/>
             <a:stretch>
               <a:fillRect/>
             </a:stretch>
           </p:blipFill>
           <p:spPr>
             <a:xfrm>
-              <a:off x="2929999" y="2409825"/>
-              <a:ext cx="1036101" cy="1143000"/>
+              <a:off x="3220742" y="2617202"/>
+              <a:ext cx="1060562" cy="1048301"/>
             </a:xfrm>
             <a:prstGeom prst="rect">
               <a:avLst/>
@@ -4117,584 +4685,6 @@
           </p:spPr>
         </p:pic>
       </p:grpSp>
-      <p:sp>
-        <p:nvSpPr>
-          <p:cNvPr id="7" name="Rectangle: Rounded Corners 6">
-            <a:extLst>
-              <a:ext uri="{FF2B5EF4-FFF2-40B4-BE49-F238E27FC236}">
-                <a16:creationId xmlns:a16="http://schemas.microsoft.com/office/drawing/2014/main" id="{AEB12C1E-DFA1-4068-F8F1-64B14A4C54DC}"/>
-              </a:ext>
-            </a:extLst>
-          </p:cNvPr>
-          <p:cNvSpPr/>
-          <p:nvPr/>
-        </p:nvSpPr>
-        <p:spPr>
-          <a:xfrm>
-            <a:off x="4574586" y="4428850"/>
-            <a:ext cx="1388064" cy="1034490"/>
-          </a:xfrm>
-          <a:prstGeom prst="roundRect">
-            <a:avLst>
-              <a:gd name="adj" fmla="val 11979"/>
-            </a:avLst>
-          </a:prstGeom>
-          <a:solidFill>
-            <a:schemeClr val="bg1"/>
-          </a:solidFill>
-        </p:spPr>
-        <p:style>
-          <a:lnRef idx="2">
-            <a:schemeClr val="accent1">
-              <a:shade val="15000"/>
-            </a:schemeClr>
-          </a:lnRef>
-          <a:fillRef idx="1">
-            <a:schemeClr val="accent1"/>
-          </a:fillRef>
-          <a:effectRef idx="0">
-            <a:schemeClr val="accent1"/>
-          </a:effectRef>
-          <a:fontRef idx="minor">
-            <a:schemeClr val="lt1"/>
-          </a:fontRef>
-        </p:style>
-        <p:txBody>
-          <a:bodyPr rtlCol="0" anchor="ctr"/>
-          <a:lstStyle/>
-          <a:p>
-            <a:pPr algn="ctr"/>
-            <a:r>
-              <a:rPr lang="es-ES" sz="1600" dirty="0" err="1">
-                <a:solidFill>
-                  <a:schemeClr val="tx1"/>
-                </a:solidFill>
-              </a:rPr>
-              <a:t>Oberkorn</a:t>
-            </a:r>
-            <a:endParaRPr lang="es-ES" sz="1600" dirty="0">
-              <a:solidFill>
-                <a:schemeClr val="tx1"/>
-              </a:solidFill>
-            </a:endParaRPr>
-          </a:p>
-          <a:p>
-            <a:pPr algn="ctr"/>
-            <a:r>
-              <a:rPr lang="es-ES" sz="1600" dirty="0" err="1">
-                <a:solidFill>
-                  <a:schemeClr val="tx1"/>
-                </a:solidFill>
-              </a:rPr>
-              <a:t>Authorizator</a:t>
-            </a:r>
-            <a:endParaRPr lang="es-ES" sz="1600" dirty="0">
-              <a:solidFill>
-                <a:schemeClr val="tx1"/>
-              </a:solidFill>
-            </a:endParaRPr>
-          </a:p>
-        </p:txBody>
-      </p:sp>
-      <p:pic>
-        <p:nvPicPr>
-          <p:cNvPr id="9" name="Picture 2" descr="KubeCon Europe 2017 Impressions · Chris Hager">
-            <a:extLst>
-              <a:ext uri="{FF2B5EF4-FFF2-40B4-BE49-F238E27FC236}">
-                <a16:creationId xmlns:a16="http://schemas.microsoft.com/office/drawing/2014/main" id="{B4F394AE-E3F0-7B4F-8712-75186A27F032}"/>
-              </a:ext>
-            </a:extLst>
-          </p:cNvPr>
-          <p:cNvPicPr>
-            <a:picLocks noChangeAspect="1" noChangeArrowheads="1"/>
-          </p:cNvPicPr>
-          <p:nvPr/>
-        </p:nvPicPr>
-        <p:blipFill rotWithShape="1">
-          <a:blip r:embed="rId3">
-            <a:clrChange>
-              <a:clrFrom>
-                <a:srgbClr val="000000">
-                  <a:alpha val="0"/>
-                </a:srgbClr>
-              </a:clrFrom>
-              <a:clrTo>
-                <a:srgbClr val="000000">
-                  <a:alpha val="0"/>
-                </a:srgbClr>
-              </a:clrTo>
-            </a:clrChange>
-            <a:extLst>
-              <a:ext uri="{28A0092B-C50C-407E-A947-70E740481C1C}">
-                <a14:useLocalDpi xmlns:a14="http://schemas.microsoft.com/office/drawing/2010/main" val="0"/>
-              </a:ext>
-            </a:extLst>
-          </a:blip>
-          <a:srcRect l="6237" t="6775" r="6520" b="7478"/>
-          <a:stretch/>
-        </p:blipFill>
-        <p:spPr bwMode="auto">
-          <a:xfrm>
-            <a:off x="8477249" y="5142875"/>
-            <a:ext cx="514265" cy="505449"/>
-          </a:xfrm>
-          <a:prstGeom prst="rect">
-            <a:avLst/>
-          </a:prstGeom>
-          <a:noFill/>
-          <a:extLst>
-            <a:ext uri="{909E8E84-426E-40DD-AFC4-6F175D3DCCD1}">
-              <a14:hiddenFill xmlns:a14="http://schemas.microsoft.com/office/drawing/2010/main">
-                <a:solidFill>
-                  <a:srgbClr val="FFFFFF"/>
-                </a:solidFill>
-              </a14:hiddenFill>
-            </a:ext>
-          </a:extLst>
-        </p:spPr>
-      </p:pic>
-      <p:sp>
-        <p:nvSpPr>
-          <p:cNvPr id="20" name="Rectangle: Rounded Corners 19">
-            <a:extLst>
-              <a:ext uri="{FF2B5EF4-FFF2-40B4-BE49-F238E27FC236}">
-                <a16:creationId xmlns:a16="http://schemas.microsoft.com/office/drawing/2014/main" id="{4153B1FA-82A0-7025-CA40-8D6B6ADBB708}"/>
-              </a:ext>
-            </a:extLst>
-          </p:cNvPr>
-          <p:cNvSpPr/>
-          <p:nvPr/>
-        </p:nvSpPr>
-        <p:spPr>
-          <a:xfrm>
-            <a:off x="7124700" y="1429993"/>
-            <a:ext cx="1266825" cy="847725"/>
-          </a:xfrm>
-          <a:prstGeom prst="roundRect">
-            <a:avLst>
-              <a:gd name="adj" fmla="val 11979"/>
-            </a:avLst>
-          </a:prstGeom>
-          <a:solidFill>
-            <a:schemeClr val="bg1"/>
-          </a:solidFill>
-        </p:spPr>
-        <p:style>
-          <a:lnRef idx="2">
-            <a:schemeClr val="accent1">
-              <a:shade val="15000"/>
-            </a:schemeClr>
-          </a:lnRef>
-          <a:fillRef idx="1">
-            <a:schemeClr val="accent1"/>
-          </a:fillRef>
-          <a:effectRef idx="0">
-            <a:schemeClr val="accent1"/>
-          </a:effectRef>
-          <a:fontRef idx="minor">
-            <a:schemeClr val="lt1"/>
-          </a:fontRef>
-        </p:style>
-        <p:txBody>
-          <a:bodyPr rtlCol="0" anchor="ctr"/>
-          <a:lstStyle/>
-          <a:p>
-            <a:pPr algn="ctr"/>
-            <a:r>
-              <a:rPr lang="es-ES" dirty="0" err="1">
-                <a:solidFill>
-                  <a:schemeClr val="tx1"/>
-                </a:solidFill>
-              </a:rPr>
-              <a:t>Oberkorn</a:t>
-            </a:r>
-            <a:r>
-              <a:rPr lang="es-ES" dirty="0">
-                <a:solidFill>
-                  <a:schemeClr val="tx1"/>
-                </a:solidFill>
-              </a:rPr>
-              <a:t> </a:t>
-            </a:r>
-            <a:r>
-              <a:rPr lang="es-ES" dirty="0" err="1">
-                <a:solidFill>
-                  <a:schemeClr val="tx1"/>
-                </a:solidFill>
-              </a:rPr>
-              <a:t>Controller</a:t>
-            </a:r>
-            <a:r>
-              <a:rPr lang="es-ES" dirty="0">
-                <a:solidFill>
-                  <a:schemeClr val="tx1"/>
-                </a:solidFill>
-              </a:rPr>
-              <a:t> </a:t>
-            </a:r>
-            <a:r>
-              <a:rPr lang="es-ES" dirty="0" err="1">
-                <a:solidFill>
-                  <a:schemeClr val="tx1"/>
-                </a:solidFill>
-              </a:rPr>
-              <a:t>Pod</a:t>
-            </a:r>
-            <a:endParaRPr lang="es-ES" dirty="0">
-              <a:solidFill>
-                <a:schemeClr val="tx1"/>
-              </a:solidFill>
-            </a:endParaRPr>
-          </a:p>
-        </p:txBody>
-      </p:sp>
-      <p:cxnSp>
-        <p:nvCxnSpPr>
-          <p:cNvPr id="22" name="Connector: Elbow 21">
-            <a:extLst>
-              <a:ext uri="{FF2B5EF4-FFF2-40B4-BE49-F238E27FC236}">
-                <a16:creationId xmlns:a16="http://schemas.microsoft.com/office/drawing/2014/main" id="{DEFFA23C-8143-DF29-2CD7-4A5E451CDC42}"/>
-              </a:ext>
-            </a:extLst>
-          </p:cNvPr>
-          <p:cNvCxnSpPr>
-            <a:cxnSpLocks/>
-            <a:stCxn id="20" idx="1"/>
-            <a:endCxn id="5" idx="0"/>
-          </p:cNvCxnSpPr>
-          <p:nvPr/>
-        </p:nvCxnSpPr>
-        <p:spPr>
-          <a:xfrm rot="10800000" flipV="1">
-            <a:off x="3752850" y="1853856"/>
-            <a:ext cx="3371850" cy="609600"/>
-          </a:xfrm>
-          <a:prstGeom prst="bentConnector2">
-            <a:avLst/>
-          </a:prstGeom>
-          <a:ln>
-            <a:tailEnd type="triangle"/>
-          </a:ln>
-        </p:spPr>
-        <p:style>
-          <a:lnRef idx="1">
-            <a:schemeClr val="accent1"/>
-          </a:lnRef>
-          <a:fillRef idx="0">
-            <a:schemeClr val="accent1"/>
-          </a:fillRef>
-          <a:effectRef idx="0">
-            <a:schemeClr val="accent1"/>
-          </a:effectRef>
-          <a:fontRef idx="minor">
-            <a:schemeClr val="tx1"/>
-          </a:fontRef>
-        </p:style>
-      </p:cxnSp>
-      <p:cxnSp>
-        <p:nvCxnSpPr>
-          <p:cNvPr id="24" name="Connector: Elbow 23">
-            <a:extLst>
-              <a:ext uri="{FF2B5EF4-FFF2-40B4-BE49-F238E27FC236}">
-                <a16:creationId xmlns:a16="http://schemas.microsoft.com/office/drawing/2014/main" id="{63576EA8-803A-EE53-BB21-E55B25D1FF29}"/>
-              </a:ext>
-            </a:extLst>
-          </p:cNvPr>
-          <p:cNvCxnSpPr>
-            <a:cxnSpLocks/>
-            <a:stCxn id="20" idx="1"/>
-            <a:endCxn id="7" idx="0"/>
-          </p:cNvCxnSpPr>
-          <p:nvPr/>
-        </p:nvCxnSpPr>
-        <p:spPr>
-          <a:xfrm rot="10800000" flipV="1">
-            <a:off x="5268618" y="1853856"/>
-            <a:ext cx="1856082" cy="2574994"/>
-          </a:xfrm>
-          <a:prstGeom prst="bentConnector2">
-            <a:avLst/>
-          </a:prstGeom>
-          <a:ln>
-            <a:tailEnd type="triangle"/>
-          </a:ln>
-        </p:spPr>
-        <p:style>
-          <a:lnRef idx="1">
-            <a:schemeClr val="accent1"/>
-          </a:lnRef>
-          <a:fillRef idx="0">
-            <a:schemeClr val="accent1"/>
-          </a:fillRef>
-          <a:effectRef idx="0">
-            <a:schemeClr val="accent1"/>
-          </a:effectRef>
-          <a:fontRef idx="minor">
-            <a:schemeClr val="tx1"/>
-          </a:fontRef>
-        </p:style>
-      </p:cxnSp>
-      <p:pic>
-        <p:nvPicPr>
-          <p:cNvPr id="10" name="Picture 9">
-            <a:extLst>
-              <a:ext uri="{FF2B5EF4-FFF2-40B4-BE49-F238E27FC236}">
-                <a16:creationId xmlns:a16="http://schemas.microsoft.com/office/drawing/2014/main" id="{A0F8D23E-B8F6-C835-04EC-5203FF579B92}"/>
-              </a:ext>
-            </a:extLst>
-          </p:cNvPr>
-          <p:cNvPicPr>
-            <a:picLocks noChangeAspect="1"/>
-          </p:cNvPicPr>
-          <p:nvPr/>
-        </p:nvPicPr>
-        <p:blipFill>
-          <a:blip r:embed="rId4">
-            <a:clrChange>
-              <a:clrFrom>
-                <a:srgbClr val="FFFFFF"/>
-              </a:clrFrom>
-              <a:clrTo>
-                <a:srgbClr val="FFFFFF">
-                  <a:alpha val="0"/>
-                </a:srgbClr>
-              </a:clrTo>
-            </a:clrChange>
-          </a:blip>
-          <a:stretch>
-            <a:fillRect/>
-          </a:stretch>
-        </p:blipFill>
-        <p:spPr>
-          <a:xfrm>
-            <a:off x="8171698" y="2045236"/>
-            <a:ext cx="433078" cy="448704"/>
-          </a:xfrm>
-          <a:prstGeom prst="rect">
-            <a:avLst/>
-          </a:prstGeom>
-        </p:spPr>
-      </p:pic>
-      <p:sp>
-        <p:nvSpPr>
-          <p:cNvPr id="18" name="TextBox 17">
-            <a:extLst>
-              <a:ext uri="{FF2B5EF4-FFF2-40B4-BE49-F238E27FC236}">
-                <a16:creationId xmlns:a16="http://schemas.microsoft.com/office/drawing/2014/main" id="{C43835C1-F196-3938-4348-5B554F4E1249}"/>
-              </a:ext>
-            </a:extLst>
-          </p:cNvPr>
-          <p:cNvSpPr txBox="1"/>
-          <p:nvPr/>
-        </p:nvSpPr>
-        <p:spPr>
-          <a:xfrm>
-            <a:off x="3911856" y="1623022"/>
-            <a:ext cx="789254" cy="461665"/>
-          </a:xfrm>
-          <a:prstGeom prst="rect">
-            <a:avLst/>
-          </a:prstGeom>
-          <a:noFill/>
-        </p:spPr>
-        <p:txBody>
-          <a:bodyPr wrap="none" rtlCol="0">
-            <a:spAutoFit/>
-          </a:bodyPr>
-          <a:lstStyle/>
-          <a:p>
-            <a:pPr algn="ctr"/>
-            <a:r>
-              <a:rPr lang="es-ES" sz="1200" dirty="0"/>
-              <a:t>Configure</a:t>
-            </a:r>
-          </a:p>
-          <a:p>
-            <a:pPr algn="ctr"/>
-            <a:r>
-              <a:rPr lang="es-ES" sz="1200" dirty="0" err="1"/>
-              <a:t>Ingress</a:t>
-            </a:r>
-            <a:endParaRPr lang="es-ES" sz="1200" dirty="0"/>
-          </a:p>
-        </p:txBody>
-      </p:sp>
-      <p:sp>
-        <p:nvSpPr>
-          <p:cNvPr id="23" name="TextBox 22">
-            <a:extLst>
-              <a:ext uri="{FF2B5EF4-FFF2-40B4-BE49-F238E27FC236}">
-                <a16:creationId xmlns:a16="http://schemas.microsoft.com/office/drawing/2014/main" id="{534DABA0-CCD8-81F5-1F48-3E4B48A3FDBE}"/>
-              </a:ext>
-            </a:extLst>
-          </p:cNvPr>
-          <p:cNvSpPr txBox="1"/>
-          <p:nvPr/>
-        </p:nvSpPr>
-        <p:spPr>
-          <a:xfrm rot="16200000">
-            <a:off x="4637323" y="3556927"/>
-            <a:ext cx="1224374" cy="461665"/>
-          </a:xfrm>
-          <a:prstGeom prst="rect">
-            <a:avLst/>
-          </a:prstGeom>
-          <a:noFill/>
-        </p:spPr>
-        <p:txBody>
-          <a:bodyPr wrap="none" rtlCol="0">
-            <a:spAutoFit/>
-          </a:bodyPr>
-          <a:lstStyle/>
-          <a:p>
-            <a:pPr algn="ctr"/>
-            <a:r>
-              <a:rPr lang="es-ES" sz="1200" dirty="0" err="1"/>
-              <a:t>Deploy</a:t>
-            </a:r>
-            <a:endParaRPr lang="es-ES" sz="1200" dirty="0"/>
-          </a:p>
-          <a:p>
-            <a:pPr algn="ctr"/>
-            <a:r>
-              <a:rPr lang="es-ES" sz="1200" dirty="0" err="1"/>
-              <a:t>ObkAuthorizator</a:t>
-            </a:r>
-            <a:endParaRPr lang="es-ES" sz="1200" dirty="0"/>
-          </a:p>
-        </p:txBody>
-      </p:sp>
-      <p:cxnSp>
-        <p:nvCxnSpPr>
-          <p:cNvPr id="25" name="Connector: Elbow 24">
-            <a:extLst>
-              <a:ext uri="{FF2B5EF4-FFF2-40B4-BE49-F238E27FC236}">
-                <a16:creationId xmlns:a16="http://schemas.microsoft.com/office/drawing/2014/main" id="{C6C4AE1B-53CD-068A-76AB-F2F64359F37F}"/>
-              </a:ext>
-            </a:extLst>
-          </p:cNvPr>
-          <p:cNvCxnSpPr>
-            <a:cxnSpLocks/>
-            <a:stCxn id="7" idx="1"/>
-            <a:endCxn id="5" idx="2"/>
-          </p:cNvCxnSpPr>
-          <p:nvPr/>
-        </p:nvCxnSpPr>
-        <p:spPr>
-          <a:xfrm rot="10800000">
-            <a:off x="3752850" y="3777907"/>
-            <a:ext cx="821736" cy="1168189"/>
-          </a:xfrm>
-          <a:prstGeom prst="bentConnector2">
-            <a:avLst/>
-          </a:prstGeom>
-          <a:ln>
-            <a:prstDash val="dash"/>
-            <a:headEnd type="triangle" w="med" len="med"/>
-            <a:tailEnd type="triangle" w="med" len="med"/>
-          </a:ln>
-        </p:spPr>
-        <p:style>
-          <a:lnRef idx="1">
-            <a:schemeClr val="accent1"/>
-          </a:lnRef>
-          <a:fillRef idx="0">
-            <a:schemeClr val="accent1"/>
-          </a:fillRef>
-          <a:effectRef idx="0">
-            <a:schemeClr val="accent1"/>
-          </a:effectRef>
-          <a:fontRef idx="minor">
-            <a:schemeClr val="tx1"/>
-          </a:fontRef>
-        </p:style>
-      </p:cxnSp>
-      <p:sp>
-        <p:nvSpPr>
-          <p:cNvPr id="11" name="TextBox 10">
-            <a:extLst>
-              <a:ext uri="{FF2B5EF4-FFF2-40B4-BE49-F238E27FC236}">
-                <a16:creationId xmlns:a16="http://schemas.microsoft.com/office/drawing/2014/main" id="{ADFC7033-6B51-B615-1E61-3AEF2FAB4F55}"/>
-              </a:ext>
-            </a:extLst>
-          </p:cNvPr>
-          <p:cNvSpPr txBox="1"/>
-          <p:nvPr/>
-        </p:nvSpPr>
-        <p:spPr>
-          <a:xfrm>
-            <a:off x="506305" y="361539"/>
-            <a:ext cx="1987557" cy="369332"/>
-          </a:xfrm>
-          <a:prstGeom prst="rect">
-            <a:avLst/>
-          </a:prstGeom>
-          <a:noFill/>
-        </p:spPr>
-        <p:txBody>
-          <a:bodyPr wrap="square">
-            <a:spAutoFit/>
-          </a:bodyPr>
-          <a:lstStyle/>
-          <a:p>
-            <a:pPr algn="ctr"/>
-            <a:r>
-              <a:rPr lang="es-ES" dirty="0" err="1">
-                <a:solidFill>
-                  <a:schemeClr val="tx1"/>
-                </a:solidFill>
-              </a:rPr>
-              <a:t>oberkorn</a:t>
-            </a:r>
-            <a:endParaRPr lang="es-ES" dirty="0">
-              <a:solidFill>
-                <a:schemeClr val="tx1"/>
-              </a:solidFill>
-            </a:endParaRPr>
-          </a:p>
-        </p:txBody>
-      </p:sp>
-      <p:pic>
-        <p:nvPicPr>
-          <p:cNvPr id="12" name="Picture 11">
-            <a:extLst>
-              <a:ext uri="{FF2B5EF4-FFF2-40B4-BE49-F238E27FC236}">
-                <a16:creationId xmlns:a16="http://schemas.microsoft.com/office/drawing/2014/main" id="{0B478FA9-6EB1-68D2-F017-1ECCC524D68F}"/>
-              </a:ext>
-            </a:extLst>
-          </p:cNvPr>
-          <p:cNvPicPr>
-            <a:picLocks noChangeAspect="1"/>
-          </p:cNvPicPr>
-          <p:nvPr/>
-        </p:nvPicPr>
-        <p:blipFill>
-          <a:blip r:embed="rId4">
-            <a:clrChange>
-              <a:clrFrom>
-                <a:srgbClr val="FFFFFF"/>
-              </a:clrFrom>
-              <a:clrTo>
-                <a:srgbClr val="FFFFFF">
-                  <a:alpha val="0"/>
-                </a:srgbClr>
-              </a:clrTo>
-            </a:clrChange>
-          </a:blip>
-          <a:stretch>
-            <a:fillRect/>
-          </a:stretch>
-        </p:blipFill>
-        <p:spPr>
-          <a:xfrm>
-            <a:off x="5746111" y="5238988"/>
-            <a:ext cx="433078" cy="448704"/>
-          </a:xfrm>
-          <a:prstGeom prst="rect">
-            <a:avLst/>
-          </a:prstGeom>
-        </p:spPr>
-      </p:pic>
     </p:spTree>
     <p:extLst>
       <p:ext uri="{BB962C8B-B14F-4D97-AF65-F5344CB8AC3E}">
@@ -4777,119 +4767,6 @@
           </a:p>
         </p:txBody>
       </p:sp>
-      <p:grpSp>
-        <p:nvGrpSpPr>
-          <p:cNvPr id="6" name="Group 5">
-            <a:extLst>
-              <a:ext uri="{FF2B5EF4-FFF2-40B4-BE49-F238E27FC236}">
-                <a16:creationId xmlns:a16="http://schemas.microsoft.com/office/drawing/2014/main" id="{F2F48A0C-44E2-D36B-81DB-8452202DCFE2}"/>
-              </a:ext>
-            </a:extLst>
-          </p:cNvPr>
-          <p:cNvGrpSpPr/>
-          <p:nvPr/>
-        </p:nvGrpSpPr>
-        <p:grpSpPr>
-          <a:xfrm>
-            <a:off x="2728912" y="2463456"/>
-            <a:ext cx="2047875" cy="1314450"/>
-            <a:chOff x="2424112" y="2314575"/>
-            <a:chExt cx="2047875" cy="1314450"/>
-          </a:xfrm>
-        </p:grpSpPr>
-        <p:sp>
-          <p:nvSpPr>
-            <p:cNvPr id="5" name="Rectangle: Rounded Corners 4">
-              <a:extLst>
-                <a:ext uri="{FF2B5EF4-FFF2-40B4-BE49-F238E27FC236}">
-                  <a16:creationId xmlns:a16="http://schemas.microsoft.com/office/drawing/2014/main" id="{D893CDFD-7304-57AE-6C1D-EA2D450CBF73}"/>
-                </a:ext>
-              </a:extLst>
-            </p:cNvPr>
-            <p:cNvSpPr/>
-            <p:nvPr/>
-          </p:nvSpPr>
-          <p:spPr>
-            <a:xfrm>
-              <a:off x="2424112" y="2314575"/>
-              <a:ext cx="2047875" cy="1314450"/>
-            </a:xfrm>
-            <a:prstGeom prst="roundRect">
-              <a:avLst>
-                <a:gd name="adj" fmla="val 11979"/>
-              </a:avLst>
-            </a:prstGeom>
-            <a:solidFill>
-              <a:schemeClr val="bg1"/>
-            </a:solidFill>
-          </p:spPr>
-          <p:style>
-            <a:lnRef idx="2">
-              <a:schemeClr val="accent1">
-                <a:shade val="15000"/>
-              </a:schemeClr>
-            </a:lnRef>
-            <a:fillRef idx="1">
-              <a:schemeClr val="accent1"/>
-            </a:fillRef>
-            <a:effectRef idx="0">
-              <a:schemeClr val="accent1"/>
-            </a:effectRef>
-            <a:fontRef idx="minor">
-              <a:schemeClr val="lt1"/>
-            </a:fontRef>
-          </p:style>
-          <p:txBody>
-            <a:bodyPr rtlCol="0" anchor="ctr"/>
-            <a:lstStyle/>
-            <a:p>
-              <a:pPr algn="ctr"/>
-              <a:endParaRPr lang="es-ES"/>
-            </a:p>
-          </p:txBody>
-        </p:sp>
-        <p:pic>
-          <p:nvPicPr>
-            <p:cNvPr id="3" name="Picture 2">
-              <a:extLst>
-                <a:ext uri="{FF2B5EF4-FFF2-40B4-BE49-F238E27FC236}">
-                  <a16:creationId xmlns:a16="http://schemas.microsoft.com/office/drawing/2014/main" id="{7EC83269-84FE-E617-F217-9D2D088DC419}"/>
-                </a:ext>
-              </a:extLst>
-            </p:cNvPr>
-            <p:cNvPicPr>
-              <a:picLocks noChangeAspect="1"/>
-            </p:cNvPicPr>
-            <p:nvPr/>
-          </p:nvPicPr>
-          <p:blipFill>
-            <a:blip r:embed="rId2">
-              <a:clrChange>
-                <a:clrFrom>
-                  <a:srgbClr val="FFFFFF"/>
-                </a:clrFrom>
-                <a:clrTo>
-                  <a:srgbClr val="FFFFFF">
-                    <a:alpha val="0"/>
-                  </a:srgbClr>
-                </a:clrTo>
-              </a:clrChange>
-            </a:blip>
-            <a:stretch>
-              <a:fillRect/>
-            </a:stretch>
-          </p:blipFill>
-          <p:spPr>
-            <a:xfrm>
-              <a:off x="2929999" y="2409825"/>
-              <a:ext cx="1036101" cy="1143000"/>
-            </a:xfrm>
-            <a:prstGeom prst="rect">
-              <a:avLst/>
-            </a:prstGeom>
-          </p:spPr>
-        </p:pic>
-      </p:grpSp>
       <p:grpSp>
         <p:nvGrpSpPr>
           <p:cNvPr id="8" name="Group 7">
@@ -4976,7 +4853,7 @@
             <p:nvPr/>
           </p:nvPicPr>
           <p:blipFill>
-            <a:blip r:embed="rId3">
+            <a:blip r:embed="rId2">
               <a:clrChange>
                 <a:clrFrom>
                   <a:srgbClr val="FFFFFF"/>
@@ -5018,7 +4895,7 @@
           <p:nvPr/>
         </p:nvPicPr>
         <p:blipFill rotWithShape="1">
-          <a:blip r:embed="rId4">
+          <a:blip r:embed="rId3">
             <a:clrChange>
               <a:clrFrom>
                 <a:srgbClr val="000000">
@@ -5480,11 +5357,11 @@
           <p:nvPr/>
         </p:nvPicPr>
         <p:blipFill rotWithShape="1">
-          <a:blip r:embed="rId5">
+          <a:blip r:embed="rId4">
             <a:extLst>
               <a:ext uri="{BEBA8EAE-BF5A-486C-A8C5-ECC9F3942E4B}">
                 <a14:imgProps xmlns:a14="http://schemas.microsoft.com/office/drawing/2010/main">
-                  <a14:imgLayer r:embed="rId6">
+                  <a14:imgLayer r:embed="rId5">
                     <a14:imgEffect>
                       <a14:saturation sat="400000"/>
                     </a14:imgEffect>
@@ -5565,94 +5442,12 @@
           </a:fontRef>
         </p:style>
       </p:cxnSp>
-    </p:spTree>
-    <p:extLst>
-      <p:ext uri="{BB962C8B-B14F-4D97-AF65-F5344CB8AC3E}">
-        <p14:creationId xmlns:p14="http://schemas.microsoft.com/office/powerpoint/2010/main" val="3613317327"/>
-      </p:ext>
-    </p:extLst>
-  </p:cSld>
-  <p:clrMapOvr>
-    <a:masterClrMapping/>
-  </p:clrMapOvr>
-</p:sld>
-</file>
-
-<file path=ppt/slides/slide5.xml><?xml version="1.0" encoding="utf-8"?>
-<p:sld xmlns:a="http://schemas.openxmlformats.org/drawingml/2006/main" xmlns:r="http://schemas.openxmlformats.org/officeDocument/2006/relationships" xmlns:p="http://schemas.openxmlformats.org/presentationml/2006/main">
-  <p:cSld>
-    <p:spTree>
-      <p:nvGrpSpPr>
-        <p:cNvPr id="1" name=""/>
-        <p:cNvGrpSpPr/>
-        <p:nvPr/>
-      </p:nvGrpSpPr>
-      <p:grpSpPr>
-        <a:xfrm>
-          <a:off x="0" y="0"/>
-          <a:ext cx="0" cy="0"/>
-          <a:chOff x="0" y="0"/>
-          <a:chExt cx="0" cy="0"/>
-        </a:xfrm>
-      </p:grpSpPr>
-      <p:sp>
-        <p:nvSpPr>
-          <p:cNvPr id="2" name="Rectangle: Rounded Corners 1">
-            <a:extLst>
-              <a:ext uri="{FF2B5EF4-FFF2-40B4-BE49-F238E27FC236}">
-                <a16:creationId xmlns:a16="http://schemas.microsoft.com/office/drawing/2014/main" id="{C1EABD0B-7717-097C-4B8C-20C9F64F5571}"/>
-              </a:ext>
-            </a:extLst>
-          </p:cNvPr>
-          <p:cNvSpPr/>
-          <p:nvPr/>
-        </p:nvSpPr>
-        <p:spPr>
-          <a:xfrm>
-            <a:off x="2512150" y="1239890"/>
-            <a:ext cx="6842162" cy="5236464"/>
-          </a:xfrm>
-          <a:prstGeom prst="roundRect">
-            <a:avLst>
-              <a:gd name="adj" fmla="val 4427"/>
-            </a:avLst>
-          </a:prstGeom>
-          <a:noFill/>
-          <a:ln>
-            <a:prstDash val="dash"/>
-          </a:ln>
-        </p:spPr>
-        <p:style>
-          <a:lnRef idx="2">
-            <a:schemeClr val="accent1">
-              <a:shade val="15000"/>
-            </a:schemeClr>
-          </a:lnRef>
-          <a:fillRef idx="1">
-            <a:schemeClr val="accent1"/>
-          </a:fillRef>
-          <a:effectRef idx="0">
-            <a:schemeClr val="accent1"/>
-          </a:effectRef>
-          <a:fontRef idx="minor">
-            <a:schemeClr val="lt1"/>
-          </a:fontRef>
-        </p:style>
-        <p:txBody>
-          <a:bodyPr rtlCol="0" anchor="ctr"/>
-          <a:lstStyle/>
-          <a:p>
-            <a:pPr algn="ctr"/>
-            <a:endParaRPr lang="es-ES"/>
-          </a:p>
-        </p:txBody>
-      </p:sp>
       <p:grpSp>
         <p:nvGrpSpPr>
-          <p:cNvPr id="6" name="Group 5">
-            <a:extLst>
-              <a:ext uri="{FF2B5EF4-FFF2-40B4-BE49-F238E27FC236}">
-                <a16:creationId xmlns:a16="http://schemas.microsoft.com/office/drawing/2014/main" id="{F2F48A0C-44E2-D36B-81DB-8452202DCFE2}"/>
+          <p:cNvPr id="15" name="Group 14">
+            <a:extLst>
+              <a:ext uri="{FF2B5EF4-FFF2-40B4-BE49-F238E27FC236}">
+                <a16:creationId xmlns:a16="http://schemas.microsoft.com/office/drawing/2014/main" id="{1E0FF96B-CE33-C66A-DFEC-C60795F0E7FF}"/>
               </a:ext>
             </a:extLst>
           </p:cNvPr>
@@ -5661,9 +5456,9 @@
         </p:nvGrpSpPr>
         <p:grpSpPr>
           <a:xfrm>
-            <a:off x="2134130" y="2887190"/>
+            <a:off x="2728912" y="2463456"/>
             <a:ext cx="2047875" cy="1314450"/>
-            <a:chOff x="2424112" y="2314575"/>
+            <a:chOff x="2728912" y="2463456"/>
             <a:chExt cx="2047875" cy="1314450"/>
           </a:xfrm>
         </p:grpSpPr>
@@ -5681,7 +5476,7 @@
           </p:nvSpPr>
           <p:spPr>
             <a:xfrm>
-              <a:off x="2424112" y="2314575"/>
+              <a:off x="2728912" y="2463456"/>
               <a:ext cx="2047875" cy="1314450"/>
             </a:xfrm>
             <a:prstGeom prst="roundRect">
@@ -5720,10 +5515,10 @@
         </p:sp>
         <p:pic>
           <p:nvPicPr>
-            <p:cNvPr id="3" name="Picture 2">
+            <p:cNvPr id="13" name="Picture 12">
               <a:extLst>
                 <a:ext uri="{FF2B5EF4-FFF2-40B4-BE49-F238E27FC236}">
-                  <a16:creationId xmlns:a16="http://schemas.microsoft.com/office/drawing/2014/main" id="{7EC83269-84FE-E617-F217-9D2D088DC419}"/>
+                  <a16:creationId xmlns:a16="http://schemas.microsoft.com/office/drawing/2014/main" id="{7105C607-AF9D-0A95-8741-7E8F1D7AC2CF}"/>
                 </a:ext>
               </a:extLst>
             </p:cNvPr>
@@ -5733,26 +5528,15 @@
             <p:nvPr/>
           </p:nvPicPr>
           <p:blipFill>
-            <a:blip r:embed="rId2">
-              <a:clrChange>
-                <a:clrFrom>
-                  <a:srgbClr val="FFFFFF"/>
-                </a:clrFrom>
-                <a:clrTo>
-                  <a:srgbClr val="FFFFFF">
-                    <a:alpha val="0"/>
-                  </a:srgbClr>
-                </a:clrTo>
-              </a:clrChange>
-            </a:blip>
+            <a:blip r:embed="rId6"/>
             <a:stretch>
               <a:fillRect/>
             </a:stretch>
           </p:blipFill>
           <p:spPr>
             <a:xfrm>
-              <a:off x="2929999" y="2409825"/>
-              <a:ext cx="1036101" cy="1143000"/>
+              <a:off x="3222568" y="2596529"/>
+              <a:ext cx="1060562" cy="1048301"/>
             </a:xfrm>
             <a:prstGeom prst="rect">
               <a:avLst/>
@@ -5760,6 +5544,133 @@
           </p:spPr>
         </p:pic>
       </p:grpSp>
+      <p:sp>
+        <p:nvSpPr>
+          <p:cNvPr id="3" name="TextBox 2">
+            <a:extLst>
+              <a:ext uri="{FF2B5EF4-FFF2-40B4-BE49-F238E27FC236}">
+                <a16:creationId xmlns:a16="http://schemas.microsoft.com/office/drawing/2014/main" id="{C92C7C90-DFC2-BD9A-5272-7E217D2F181B}"/>
+              </a:ext>
+            </a:extLst>
+          </p:cNvPr>
+          <p:cNvSpPr txBox="1"/>
+          <p:nvPr/>
+        </p:nvSpPr>
+        <p:spPr>
+          <a:xfrm>
+            <a:off x="506305" y="361539"/>
+            <a:ext cx="1987557" cy="369332"/>
+          </a:xfrm>
+          <a:prstGeom prst="rect">
+            <a:avLst/>
+          </a:prstGeom>
+          <a:noFill/>
+        </p:spPr>
+        <p:txBody>
+          <a:bodyPr wrap="square">
+            <a:spAutoFit/>
+          </a:bodyPr>
+          <a:lstStyle/>
+          <a:p>
+            <a:pPr algn="ctr"/>
+            <a:r>
+              <a:rPr lang="es-ES" dirty="0" err="1">
+                <a:solidFill>
+                  <a:schemeClr val="tx1"/>
+                </a:solidFill>
+              </a:rPr>
+              <a:t>dataplane</a:t>
+            </a:r>
+            <a:endParaRPr lang="es-ES" dirty="0">
+              <a:solidFill>
+                <a:schemeClr val="tx1"/>
+              </a:solidFill>
+            </a:endParaRPr>
+          </a:p>
+        </p:txBody>
+      </p:sp>
+    </p:spTree>
+    <p:extLst>
+      <p:ext uri="{BB962C8B-B14F-4D97-AF65-F5344CB8AC3E}">
+        <p14:creationId xmlns:p14="http://schemas.microsoft.com/office/powerpoint/2010/main" val="3613317327"/>
+      </p:ext>
+    </p:extLst>
+  </p:cSld>
+  <p:clrMapOvr>
+    <a:masterClrMapping/>
+  </p:clrMapOvr>
+</p:sld>
+</file>
+
+<file path=ppt/slides/slide5.xml><?xml version="1.0" encoding="utf-8"?>
+<p:sld xmlns:a="http://schemas.openxmlformats.org/drawingml/2006/main" xmlns:r="http://schemas.openxmlformats.org/officeDocument/2006/relationships" xmlns:p="http://schemas.openxmlformats.org/presentationml/2006/main">
+  <p:cSld>
+    <p:spTree>
+      <p:nvGrpSpPr>
+        <p:cNvPr id="1" name=""/>
+        <p:cNvGrpSpPr/>
+        <p:nvPr/>
+      </p:nvGrpSpPr>
+      <p:grpSpPr>
+        <a:xfrm>
+          <a:off x="0" y="0"/>
+          <a:ext cx="0" cy="0"/>
+          <a:chOff x="0" y="0"/>
+          <a:chExt cx="0" cy="0"/>
+        </a:xfrm>
+      </p:grpSpPr>
+      <p:sp>
+        <p:nvSpPr>
+          <p:cNvPr id="2" name="Rectangle: Rounded Corners 1">
+            <a:extLst>
+              <a:ext uri="{FF2B5EF4-FFF2-40B4-BE49-F238E27FC236}">
+                <a16:creationId xmlns:a16="http://schemas.microsoft.com/office/drawing/2014/main" id="{C1EABD0B-7717-097C-4B8C-20C9F64F5571}"/>
+              </a:ext>
+            </a:extLst>
+          </p:cNvPr>
+          <p:cNvSpPr/>
+          <p:nvPr/>
+        </p:nvSpPr>
+        <p:spPr>
+          <a:xfrm>
+            <a:off x="2512150" y="1239890"/>
+            <a:ext cx="6842162" cy="5236464"/>
+          </a:xfrm>
+          <a:prstGeom prst="roundRect">
+            <a:avLst>
+              <a:gd name="adj" fmla="val 4427"/>
+            </a:avLst>
+          </a:prstGeom>
+          <a:noFill/>
+          <a:ln>
+            <a:prstDash val="dash"/>
+          </a:ln>
+        </p:spPr>
+        <p:style>
+          <a:lnRef idx="2">
+            <a:schemeClr val="accent1">
+              <a:shade val="15000"/>
+            </a:schemeClr>
+          </a:lnRef>
+          <a:fillRef idx="1">
+            <a:schemeClr val="accent1"/>
+          </a:fillRef>
+          <a:effectRef idx="0">
+            <a:schemeClr val="accent1"/>
+          </a:effectRef>
+          <a:fontRef idx="minor">
+            <a:schemeClr val="lt1"/>
+          </a:fontRef>
+        </p:style>
+        <p:txBody>
+          <a:bodyPr rtlCol="0" anchor="ctr"/>
+          <a:lstStyle/>
+          <a:p>
+            <a:pPr algn="ctr"/>
+            <a:endParaRPr lang="es-ES"/>
+          </a:p>
+        </p:txBody>
+      </p:sp>
       <p:pic>
         <p:nvPicPr>
           <p:cNvPr id="9" name="Picture 2" descr="KubeCon Europe 2017 Impressions · Chris Hager">
@@ -5775,7 +5686,7 @@
           <p:nvPr/>
         </p:nvPicPr>
         <p:blipFill rotWithShape="1">
-          <a:blip r:embed="rId3">
+          <a:blip r:embed="rId2">
             <a:clrChange>
               <a:clrFrom>
                 <a:srgbClr val="000000">
@@ -5997,7 +5908,7 @@
           <p:nvPr/>
         </p:nvPicPr>
         <p:blipFill>
-          <a:blip r:embed="rId4">
+          <a:blip r:embed="rId3">
             <a:clrChange>
               <a:clrFrom>
                 <a:srgbClr val="FFFFFF"/>
@@ -6200,7 +6111,7 @@
                   <a:schemeClr val="tx1"/>
                 </a:solidFill>
               </a:rPr>
-              <a:t>Oberkorn-detail</a:t>
+              <a:t>architecture</a:t>
             </a:r>
             <a:endParaRPr lang="es-ES" dirty="0">
               <a:solidFill>
@@ -6460,7 +6371,7 @@
             <p:nvPr/>
           </p:nvPicPr>
           <p:blipFill>
-            <a:blip r:embed="rId4">
+            <a:blip r:embed="rId3">
               <a:clrChange>
                 <a:clrFrom>
                   <a:srgbClr val="FFFFFF"/>
@@ -6601,7 +6512,7 @@
             <p:nvPr/>
           </p:nvPicPr>
           <p:blipFill>
-            <a:blip r:embed="rId4">
+            <a:blip r:embed="rId3">
               <a:clrChange>
                 <a:clrFrom>
                   <a:srgbClr val="FFFFFF"/>
@@ -6963,7 +6874,7 @@
             <p:nvPr/>
           </p:nvPicPr>
           <p:blipFill>
-            <a:blip r:embed="rId5">
+            <a:blip r:embed="rId4">
               <a:extLst>
                 <a:ext uri="{28A0092B-C50C-407E-A947-70E740481C1C}">
                   <a14:useLocalDpi xmlns:a14="http://schemas.microsoft.com/office/drawing/2010/main" val="0"/>
@@ -7318,160 +7229,12 @@
           </a:p>
         </p:txBody>
       </p:sp>
-    </p:spTree>
-    <p:extLst>
-      <p:ext uri="{BB962C8B-B14F-4D97-AF65-F5344CB8AC3E}">
-        <p14:creationId xmlns:p14="http://schemas.microsoft.com/office/powerpoint/2010/main" val="1526622527"/>
-      </p:ext>
-    </p:extLst>
-  </p:cSld>
-  <p:clrMapOvr>
-    <a:masterClrMapping/>
-  </p:clrMapOvr>
-</p:sld>
-</file>
-
-<file path=ppt/slides/slide6.xml><?xml version="1.0" encoding="utf-8"?>
-<p:sld xmlns:a="http://schemas.openxmlformats.org/drawingml/2006/main" xmlns:r="http://schemas.openxmlformats.org/officeDocument/2006/relationships" xmlns:p="http://schemas.openxmlformats.org/presentationml/2006/main">
-  <p:cSld>
-    <p:spTree>
-      <p:nvGrpSpPr>
-        <p:cNvPr id="1" name=""/>
-        <p:cNvGrpSpPr/>
-        <p:nvPr/>
-      </p:nvGrpSpPr>
-      <p:grpSpPr>
-        <a:xfrm>
-          <a:off x="0" y="0"/>
-          <a:ext cx="0" cy="0"/>
-          <a:chOff x="0" y="0"/>
-          <a:chExt cx="0" cy="0"/>
-        </a:xfrm>
-      </p:grpSpPr>
-      <p:sp>
-        <p:nvSpPr>
-          <p:cNvPr id="2" name="TextBox 1">
-            <a:extLst>
-              <a:ext uri="{FF2B5EF4-FFF2-40B4-BE49-F238E27FC236}">
-                <a16:creationId xmlns:a16="http://schemas.microsoft.com/office/drawing/2014/main" id="{7EAD1172-547B-CC67-0049-901E08162E9F}"/>
-              </a:ext>
-            </a:extLst>
-          </p:cNvPr>
-          <p:cNvSpPr txBox="1"/>
-          <p:nvPr/>
-        </p:nvSpPr>
-        <p:spPr>
-          <a:xfrm>
-            <a:off x="5550408" y="3244334"/>
-            <a:ext cx="1080745" cy="369332"/>
-          </a:xfrm>
-          <a:prstGeom prst="rect">
-            <a:avLst/>
-          </a:prstGeom>
-          <a:noFill/>
-        </p:spPr>
-        <p:txBody>
-          <a:bodyPr wrap="none" rtlCol="0">
-            <a:spAutoFit/>
-          </a:bodyPr>
-          <a:lstStyle/>
-          <a:p>
-            <a:r>
-              <a:rPr lang="es-ES" dirty="0" err="1"/>
-              <a:t>Scenarios</a:t>
-            </a:r>
-            <a:endParaRPr lang="es-ES" dirty="0"/>
-          </a:p>
-        </p:txBody>
-      </p:sp>
-    </p:spTree>
-    <p:extLst>
-      <p:ext uri="{BB962C8B-B14F-4D97-AF65-F5344CB8AC3E}">
-        <p14:creationId xmlns:p14="http://schemas.microsoft.com/office/powerpoint/2010/main" val="3192717483"/>
-      </p:ext>
-    </p:extLst>
-  </p:cSld>
-  <p:clrMapOvr>
-    <a:masterClrMapping/>
-  </p:clrMapOvr>
-</p:sld>
-</file>
-
-<file path=ppt/slides/slide7.xml><?xml version="1.0" encoding="utf-8"?>
-<p:sld xmlns:a="http://schemas.openxmlformats.org/drawingml/2006/main" xmlns:r="http://schemas.openxmlformats.org/officeDocument/2006/relationships" xmlns:p="http://schemas.openxmlformats.org/presentationml/2006/main">
-  <p:cSld>
-    <p:spTree>
-      <p:nvGrpSpPr>
-        <p:cNvPr id="1" name=""/>
-        <p:cNvGrpSpPr/>
-        <p:nvPr/>
-      </p:nvGrpSpPr>
-      <p:grpSpPr>
-        <a:xfrm>
-          <a:off x="0" y="0"/>
-          <a:ext cx="0" cy="0"/>
-          <a:chOff x="0" y="0"/>
-          <a:chExt cx="0" cy="0"/>
-        </a:xfrm>
-      </p:grpSpPr>
-      <p:sp>
-        <p:nvSpPr>
-          <p:cNvPr id="2" name="Rectangle: Rounded Corners 1">
-            <a:extLst>
-              <a:ext uri="{FF2B5EF4-FFF2-40B4-BE49-F238E27FC236}">
-                <a16:creationId xmlns:a16="http://schemas.microsoft.com/office/drawing/2014/main" id="{39EA2E18-AFFA-593F-DA50-1FAE729004F0}"/>
-              </a:ext>
-            </a:extLst>
-          </p:cNvPr>
-          <p:cNvSpPr/>
-          <p:nvPr/>
-        </p:nvSpPr>
-        <p:spPr>
-          <a:xfrm>
-            <a:off x="3448051" y="2203704"/>
-            <a:ext cx="5430774" cy="3346704"/>
-          </a:xfrm>
-          <a:prstGeom prst="roundRect">
-            <a:avLst>
-              <a:gd name="adj" fmla="val 4427"/>
-            </a:avLst>
-          </a:prstGeom>
-          <a:noFill/>
-          <a:ln>
-            <a:prstDash val="dash"/>
-          </a:ln>
-        </p:spPr>
-        <p:style>
-          <a:lnRef idx="2">
-            <a:schemeClr val="accent1">
-              <a:shade val="15000"/>
-            </a:schemeClr>
-          </a:lnRef>
-          <a:fillRef idx="1">
-            <a:schemeClr val="accent1"/>
-          </a:fillRef>
-          <a:effectRef idx="0">
-            <a:schemeClr val="accent1"/>
-          </a:effectRef>
-          <a:fontRef idx="minor">
-            <a:schemeClr val="lt1"/>
-          </a:fontRef>
-        </p:style>
-        <p:txBody>
-          <a:bodyPr rtlCol="0" anchor="ctr"/>
-          <a:lstStyle/>
-          <a:p>
-            <a:pPr algn="ctr"/>
-            <a:endParaRPr lang="es-ES"/>
-          </a:p>
-        </p:txBody>
-      </p:sp>
       <p:grpSp>
         <p:nvGrpSpPr>
-          <p:cNvPr id="3" name="Group 2">
-            <a:extLst>
-              <a:ext uri="{FF2B5EF4-FFF2-40B4-BE49-F238E27FC236}">
-                <a16:creationId xmlns:a16="http://schemas.microsoft.com/office/drawing/2014/main" id="{90A73C92-8D85-4F2C-877F-5F275F4390B3}"/>
+          <p:cNvPr id="7" name="Group 6">
+            <a:extLst>
+              <a:ext uri="{FF2B5EF4-FFF2-40B4-BE49-F238E27FC236}">
+                <a16:creationId xmlns:a16="http://schemas.microsoft.com/office/drawing/2014/main" id="{19D24226-9B7C-D880-2754-5D1BB38B1E47}"/>
               </a:ext>
             </a:extLst>
           </p:cNvPr>
@@ -7480,18 +7243,18 @@
         </p:nvGrpSpPr>
         <p:grpSpPr>
           <a:xfrm>
-            <a:off x="2728912" y="2463456"/>
+            <a:off x="2134130" y="2887190"/>
             <a:ext cx="2047875" cy="1314450"/>
-            <a:chOff x="2424112" y="2314575"/>
+            <a:chOff x="2134130" y="2887190"/>
             <a:chExt cx="2047875" cy="1314450"/>
           </a:xfrm>
         </p:grpSpPr>
         <p:sp>
           <p:nvSpPr>
-            <p:cNvPr id="4" name="Rectangle: Rounded Corners 3">
+            <p:cNvPr id="5" name="Rectangle: Rounded Corners 4">
               <a:extLst>
                 <a:ext uri="{FF2B5EF4-FFF2-40B4-BE49-F238E27FC236}">
-                  <a16:creationId xmlns:a16="http://schemas.microsoft.com/office/drawing/2014/main" id="{4A21BE45-ED38-57E7-5ECC-B6D9188A12F2}"/>
+                  <a16:creationId xmlns:a16="http://schemas.microsoft.com/office/drawing/2014/main" id="{D893CDFD-7304-57AE-6C1D-EA2D450CBF73}"/>
                 </a:ext>
               </a:extLst>
             </p:cNvPr>
@@ -7500,7 +7263,7 @@
           </p:nvSpPr>
           <p:spPr>
             <a:xfrm>
-              <a:off x="2424112" y="2314575"/>
+              <a:off x="2134130" y="2887190"/>
               <a:ext cx="2047875" cy="1314450"/>
             </a:xfrm>
             <a:prstGeom prst="roundRect">
@@ -7539,10 +7302,10 @@
         </p:sp>
         <p:pic>
           <p:nvPicPr>
-            <p:cNvPr id="5" name="Picture 4">
+            <p:cNvPr id="4" name="Picture 3">
               <a:extLst>
                 <a:ext uri="{FF2B5EF4-FFF2-40B4-BE49-F238E27FC236}">
-                  <a16:creationId xmlns:a16="http://schemas.microsoft.com/office/drawing/2014/main" id="{D20EFBD1-74D7-1198-5369-DDA8821885DA}"/>
+                  <a16:creationId xmlns:a16="http://schemas.microsoft.com/office/drawing/2014/main" id="{33F415E6-E019-A0BB-D42C-4A3F3240CF44}"/>
                 </a:ext>
               </a:extLst>
             </p:cNvPr>
@@ -7552,26 +7315,15 @@
             <p:nvPr/>
           </p:nvPicPr>
           <p:blipFill>
-            <a:blip r:embed="rId2">
-              <a:clrChange>
-                <a:clrFrom>
-                  <a:srgbClr val="FFFFFF"/>
-                </a:clrFrom>
-                <a:clrTo>
-                  <a:srgbClr val="FFFFFF">
-                    <a:alpha val="0"/>
-                  </a:srgbClr>
-                </a:clrTo>
-              </a:clrChange>
-            </a:blip>
+            <a:blip r:embed="rId5"/>
             <a:stretch>
               <a:fillRect/>
             </a:stretch>
           </p:blipFill>
           <p:spPr>
             <a:xfrm>
-              <a:off x="2929999" y="2409825"/>
-              <a:ext cx="1036101" cy="1143000"/>
+              <a:off x="2627557" y="3020264"/>
+              <a:ext cx="1060562" cy="1048301"/>
             </a:xfrm>
             <a:prstGeom prst="rect">
               <a:avLst/>
@@ -7579,6 +7331,154 @@
           </p:spPr>
         </p:pic>
       </p:grpSp>
+    </p:spTree>
+    <p:extLst>
+      <p:ext uri="{BB962C8B-B14F-4D97-AF65-F5344CB8AC3E}">
+        <p14:creationId xmlns:p14="http://schemas.microsoft.com/office/powerpoint/2010/main" val="1526622527"/>
+      </p:ext>
+    </p:extLst>
+  </p:cSld>
+  <p:clrMapOvr>
+    <a:masterClrMapping/>
+  </p:clrMapOvr>
+</p:sld>
+</file>
+
+<file path=ppt/slides/slide6.xml><?xml version="1.0" encoding="utf-8"?>
+<p:sld xmlns:a="http://schemas.openxmlformats.org/drawingml/2006/main" xmlns:r="http://schemas.openxmlformats.org/officeDocument/2006/relationships" xmlns:p="http://schemas.openxmlformats.org/presentationml/2006/main">
+  <p:cSld>
+    <p:spTree>
+      <p:nvGrpSpPr>
+        <p:cNvPr id="1" name=""/>
+        <p:cNvGrpSpPr/>
+        <p:nvPr/>
+      </p:nvGrpSpPr>
+      <p:grpSpPr>
+        <a:xfrm>
+          <a:off x="0" y="0"/>
+          <a:ext cx="0" cy="0"/>
+          <a:chOff x="0" y="0"/>
+          <a:chExt cx="0" cy="0"/>
+        </a:xfrm>
+      </p:grpSpPr>
+      <p:sp>
+        <p:nvSpPr>
+          <p:cNvPr id="2" name="TextBox 1">
+            <a:extLst>
+              <a:ext uri="{FF2B5EF4-FFF2-40B4-BE49-F238E27FC236}">
+                <a16:creationId xmlns:a16="http://schemas.microsoft.com/office/drawing/2014/main" id="{7EAD1172-547B-CC67-0049-901E08162E9F}"/>
+              </a:ext>
+            </a:extLst>
+          </p:cNvPr>
+          <p:cNvSpPr txBox="1"/>
+          <p:nvPr/>
+        </p:nvSpPr>
+        <p:spPr>
+          <a:xfrm>
+            <a:off x="5550408" y="3244334"/>
+            <a:ext cx="1080745" cy="369332"/>
+          </a:xfrm>
+          <a:prstGeom prst="rect">
+            <a:avLst/>
+          </a:prstGeom>
+          <a:noFill/>
+        </p:spPr>
+        <p:txBody>
+          <a:bodyPr wrap="none" rtlCol="0">
+            <a:spAutoFit/>
+          </a:bodyPr>
+          <a:lstStyle/>
+          <a:p>
+            <a:r>
+              <a:rPr lang="es-ES" dirty="0" err="1"/>
+              <a:t>Scenarios</a:t>
+            </a:r>
+            <a:endParaRPr lang="es-ES" dirty="0"/>
+          </a:p>
+        </p:txBody>
+      </p:sp>
+    </p:spTree>
+    <p:extLst>
+      <p:ext uri="{BB962C8B-B14F-4D97-AF65-F5344CB8AC3E}">
+        <p14:creationId xmlns:p14="http://schemas.microsoft.com/office/powerpoint/2010/main" val="3192717483"/>
+      </p:ext>
+    </p:extLst>
+  </p:cSld>
+  <p:clrMapOvr>
+    <a:masterClrMapping/>
+  </p:clrMapOvr>
+</p:sld>
+</file>
+
+<file path=ppt/slides/slide7.xml><?xml version="1.0" encoding="utf-8"?>
+<p:sld xmlns:a="http://schemas.openxmlformats.org/drawingml/2006/main" xmlns:r="http://schemas.openxmlformats.org/officeDocument/2006/relationships" xmlns:p="http://schemas.openxmlformats.org/presentationml/2006/main">
+  <p:cSld>
+    <p:spTree>
+      <p:nvGrpSpPr>
+        <p:cNvPr id="1" name=""/>
+        <p:cNvGrpSpPr/>
+        <p:nvPr/>
+      </p:nvGrpSpPr>
+      <p:grpSpPr>
+        <a:xfrm>
+          <a:off x="0" y="0"/>
+          <a:ext cx="0" cy="0"/>
+          <a:chOff x="0" y="0"/>
+          <a:chExt cx="0" cy="0"/>
+        </a:xfrm>
+      </p:grpSpPr>
+      <p:sp>
+        <p:nvSpPr>
+          <p:cNvPr id="2" name="Rectangle: Rounded Corners 1">
+            <a:extLst>
+              <a:ext uri="{FF2B5EF4-FFF2-40B4-BE49-F238E27FC236}">
+                <a16:creationId xmlns:a16="http://schemas.microsoft.com/office/drawing/2014/main" id="{39EA2E18-AFFA-593F-DA50-1FAE729004F0}"/>
+              </a:ext>
+            </a:extLst>
+          </p:cNvPr>
+          <p:cNvSpPr/>
+          <p:nvPr/>
+        </p:nvSpPr>
+        <p:spPr>
+          <a:xfrm>
+            <a:off x="3448051" y="2203704"/>
+            <a:ext cx="5430774" cy="3346704"/>
+          </a:xfrm>
+          <a:prstGeom prst="roundRect">
+            <a:avLst>
+              <a:gd name="adj" fmla="val 4427"/>
+            </a:avLst>
+          </a:prstGeom>
+          <a:noFill/>
+          <a:ln>
+            <a:prstDash val="dash"/>
+          </a:ln>
+        </p:spPr>
+        <p:style>
+          <a:lnRef idx="2">
+            <a:schemeClr val="accent1">
+              <a:shade val="15000"/>
+            </a:schemeClr>
+          </a:lnRef>
+          <a:fillRef idx="1">
+            <a:schemeClr val="accent1"/>
+          </a:fillRef>
+          <a:effectRef idx="0">
+            <a:schemeClr val="accent1"/>
+          </a:effectRef>
+          <a:fontRef idx="minor">
+            <a:schemeClr val="lt1"/>
+          </a:fontRef>
+        </p:style>
+        <p:txBody>
+          <a:bodyPr rtlCol="0" anchor="ctr"/>
+          <a:lstStyle/>
+          <a:p>
+            <a:pPr algn="ctr"/>
+            <a:endParaRPr lang="es-ES"/>
+          </a:p>
+        </p:txBody>
+      </p:sp>
       <p:grpSp>
         <p:nvGrpSpPr>
           <p:cNvPr id="6" name="Group 5">
@@ -7665,7 +7565,7 @@
             <p:nvPr/>
           </p:nvPicPr>
           <p:blipFill>
-            <a:blip r:embed="rId3">
+            <a:blip r:embed="rId2">
               <a:clrChange>
                 <a:clrFrom>
                   <a:srgbClr val="FFFFFF"/>
@@ -7707,7 +7607,7 @@
           <p:nvPr/>
         </p:nvPicPr>
         <p:blipFill rotWithShape="1">
-          <a:blip r:embed="rId4">
+          <a:blip r:embed="rId3">
             <a:clrChange>
               <a:clrFrom>
                 <a:srgbClr val="000000">
@@ -7998,11 +7898,11 @@
           <p:nvPr/>
         </p:nvPicPr>
         <p:blipFill rotWithShape="1">
-          <a:blip r:embed="rId5">
+          <a:blip r:embed="rId4">
             <a:extLst>
               <a:ext uri="{BEBA8EAE-BF5A-486C-A8C5-ECC9F3942E4B}">
                 <a14:imgProps xmlns:a14="http://schemas.microsoft.com/office/drawing/2010/main">
-                  <a14:imgLayer r:embed="rId6">
+                  <a14:imgLayer r:embed="rId5">
                     <a14:imgEffect>
                       <a14:saturation sat="400000"/>
                     </a14:imgEffect>
@@ -8295,94 +8195,12 @@
           </a:fontRef>
         </p:style>
       </p:cxnSp>
-    </p:spTree>
-    <p:extLst>
-      <p:ext uri="{BB962C8B-B14F-4D97-AF65-F5344CB8AC3E}">
-        <p14:creationId xmlns:p14="http://schemas.microsoft.com/office/powerpoint/2010/main" val="2984650839"/>
-      </p:ext>
-    </p:extLst>
-  </p:cSld>
-  <p:clrMapOvr>
-    <a:masterClrMapping/>
-  </p:clrMapOvr>
-</p:sld>
-</file>
-
-<file path=ppt/slides/slide8.xml><?xml version="1.0" encoding="utf-8"?>
-<p:sld xmlns:a="http://schemas.openxmlformats.org/drawingml/2006/main" xmlns:r="http://schemas.openxmlformats.org/officeDocument/2006/relationships" xmlns:p="http://schemas.openxmlformats.org/presentationml/2006/main">
-  <p:cSld>
-    <p:spTree>
-      <p:nvGrpSpPr>
-        <p:cNvPr id="1" name=""/>
-        <p:cNvGrpSpPr/>
-        <p:nvPr/>
-      </p:nvGrpSpPr>
-      <p:grpSpPr>
-        <a:xfrm>
-          <a:off x="0" y="0"/>
-          <a:ext cx="0" cy="0"/>
-          <a:chOff x="0" y="0"/>
-          <a:chExt cx="0" cy="0"/>
-        </a:xfrm>
-      </p:grpSpPr>
-      <p:sp>
-        <p:nvSpPr>
-          <p:cNvPr id="2" name="Rectangle: Rounded Corners 1">
-            <a:extLst>
-              <a:ext uri="{FF2B5EF4-FFF2-40B4-BE49-F238E27FC236}">
-                <a16:creationId xmlns:a16="http://schemas.microsoft.com/office/drawing/2014/main" id="{39EA2E18-AFFA-593F-DA50-1FAE729004F0}"/>
-              </a:ext>
-            </a:extLst>
-          </p:cNvPr>
-          <p:cNvSpPr/>
-          <p:nvPr/>
-        </p:nvSpPr>
-        <p:spPr>
-          <a:xfrm>
-            <a:off x="3448050" y="1353312"/>
-            <a:ext cx="5724525" cy="4437888"/>
-          </a:xfrm>
-          <a:prstGeom prst="roundRect">
-            <a:avLst>
-              <a:gd name="adj" fmla="val 4427"/>
-            </a:avLst>
-          </a:prstGeom>
-          <a:noFill/>
-          <a:ln>
-            <a:prstDash val="dash"/>
-          </a:ln>
-        </p:spPr>
-        <p:style>
-          <a:lnRef idx="2">
-            <a:schemeClr val="accent1">
-              <a:shade val="15000"/>
-            </a:schemeClr>
-          </a:lnRef>
-          <a:fillRef idx="1">
-            <a:schemeClr val="accent1"/>
-          </a:fillRef>
-          <a:effectRef idx="0">
-            <a:schemeClr val="accent1"/>
-          </a:effectRef>
-          <a:fontRef idx="minor">
-            <a:schemeClr val="lt1"/>
-          </a:fontRef>
-        </p:style>
-        <p:txBody>
-          <a:bodyPr rtlCol="0" anchor="ctr"/>
-          <a:lstStyle/>
-          <a:p>
-            <a:pPr algn="ctr"/>
-            <a:endParaRPr lang="es-ES"/>
-          </a:p>
-        </p:txBody>
-      </p:sp>
       <p:grpSp>
         <p:nvGrpSpPr>
-          <p:cNvPr id="3" name="Group 2">
-            <a:extLst>
-              <a:ext uri="{FF2B5EF4-FFF2-40B4-BE49-F238E27FC236}">
-                <a16:creationId xmlns:a16="http://schemas.microsoft.com/office/drawing/2014/main" id="{90A73C92-8D85-4F2C-877F-5F275F4390B3}"/>
+          <p:cNvPr id="14" name="Group 13">
+            <a:extLst>
+              <a:ext uri="{FF2B5EF4-FFF2-40B4-BE49-F238E27FC236}">
+                <a16:creationId xmlns:a16="http://schemas.microsoft.com/office/drawing/2014/main" id="{7FDEF2C6-BA2C-B02C-8256-0524669DDCDE}"/>
               </a:ext>
             </a:extLst>
           </p:cNvPr>
@@ -8393,7 +8211,7 @@
           <a:xfrm>
             <a:off x="2728912" y="2463456"/>
             <a:ext cx="2047875" cy="1314450"/>
-            <a:chOff x="2424112" y="2314575"/>
+            <a:chOff x="2728912" y="2463456"/>
             <a:chExt cx="2047875" cy="1314450"/>
           </a:xfrm>
         </p:grpSpPr>
@@ -8411,7 +8229,7 @@
           </p:nvSpPr>
           <p:spPr>
             <a:xfrm>
-              <a:off x="2424112" y="2314575"/>
+              <a:off x="2728912" y="2463456"/>
               <a:ext cx="2047875" cy="1314450"/>
             </a:xfrm>
             <a:prstGeom prst="roundRect">
@@ -8450,10 +8268,10 @@
         </p:sp>
         <p:pic>
           <p:nvPicPr>
-            <p:cNvPr id="5" name="Picture 4">
+            <p:cNvPr id="12" name="Picture 11">
               <a:extLst>
                 <a:ext uri="{FF2B5EF4-FFF2-40B4-BE49-F238E27FC236}">
-                  <a16:creationId xmlns:a16="http://schemas.microsoft.com/office/drawing/2014/main" id="{D20EFBD1-74D7-1198-5369-DDA8821885DA}"/>
+                  <a16:creationId xmlns:a16="http://schemas.microsoft.com/office/drawing/2014/main" id="{A7B20B33-4C15-C61E-00C0-01EF3F8B608D}"/>
                 </a:ext>
               </a:extLst>
             </p:cNvPr>
@@ -8463,26 +8281,15 @@
             <p:nvPr/>
           </p:nvPicPr>
           <p:blipFill>
-            <a:blip r:embed="rId2">
-              <a:clrChange>
-                <a:clrFrom>
-                  <a:srgbClr val="FFFFFF"/>
-                </a:clrFrom>
-                <a:clrTo>
-                  <a:srgbClr val="FFFFFF">
-                    <a:alpha val="0"/>
-                  </a:srgbClr>
-                </a:clrTo>
-              </a:clrChange>
-            </a:blip>
+            <a:blip r:embed="rId6"/>
             <a:stretch>
               <a:fillRect/>
             </a:stretch>
           </p:blipFill>
           <p:spPr>
             <a:xfrm>
-              <a:off x="2929999" y="2409825"/>
-              <a:ext cx="1036101" cy="1143000"/>
+              <a:off x="3222568" y="2593849"/>
+              <a:ext cx="1060562" cy="1048301"/>
             </a:xfrm>
             <a:prstGeom prst="rect">
               <a:avLst/>
@@ -8490,6 +8297,88 @@
           </p:spPr>
         </p:pic>
       </p:grpSp>
+    </p:spTree>
+    <p:extLst>
+      <p:ext uri="{BB962C8B-B14F-4D97-AF65-F5344CB8AC3E}">
+        <p14:creationId xmlns:p14="http://schemas.microsoft.com/office/powerpoint/2010/main" val="2984650839"/>
+      </p:ext>
+    </p:extLst>
+  </p:cSld>
+  <p:clrMapOvr>
+    <a:masterClrMapping/>
+  </p:clrMapOvr>
+</p:sld>
+</file>
+
+<file path=ppt/slides/slide8.xml><?xml version="1.0" encoding="utf-8"?>
+<p:sld xmlns:a="http://schemas.openxmlformats.org/drawingml/2006/main" xmlns:r="http://schemas.openxmlformats.org/officeDocument/2006/relationships" xmlns:p="http://schemas.openxmlformats.org/presentationml/2006/main">
+  <p:cSld>
+    <p:spTree>
+      <p:nvGrpSpPr>
+        <p:cNvPr id="1" name=""/>
+        <p:cNvGrpSpPr/>
+        <p:nvPr/>
+      </p:nvGrpSpPr>
+      <p:grpSpPr>
+        <a:xfrm>
+          <a:off x="0" y="0"/>
+          <a:ext cx="0" cy="0"/>
+          <a:chOff x="0" y="0"/>
+          <a:chExt cx="0" cy="0"/>
+        </a:xfrm>
+      </p:grpSpPr>
+      <p:sp>
+        <p:nvSpPr>
+          <p:cNvPr id="2" name="Rectangle: Rounded Corners 1">
+            <a:extLst>
+              <a:ext uri="{FF2B5EF4-FFF2-40B4-BE49-F238E27FC236}">
+                <a16:creationId xmlns:a16="http://schemas.microsoft.com/office/drawing/2014/main" id="{39EA2E18-AFFA-593F-DA50-1FAE729004F0}"/>
+              </a:ext>
+            </a:extLst>
+          </p:cNvPr>
+          <p:cNvSpPr/>
+          <p:nvPr/>
+        </p:nvSpPr>
+        <p:spPr>
+          <a:xfrm>
+            <a:off x="3448050" y="1353312"/>
+            <a:ext cx="5724525" cy="4437888"/>
+          </a:xfrm>
+          <a:prstGeom prst="roundRect">
+            <a:avLst>
+              <a:gd name="adj" fmla="val 4427"/>
+            </a:avLst>
+          </a:prstGeom>
+          <a:noFill/>
+          <a:ln>
+            <a:prstDash val="dash"/>
+          </a:ln>
+        </p:spPr>
+        <p:style>
+          <a:lnRef idx="2">
+            <a:schemeClr val="accent1">
+              <a:shade val="15000"/>
+            </a:schemeClr>
+          </a:lnRef>
+          <a:fillRef idx="1">
+            <a:schemeClr val="accent1"/>
+          </a:fillRef>
+          <a:effectRef idx="0">
+            <a:schemeClr val="accent1"/>
+          </a:effectRef>
+          <a:fontRef idx="minor">
+            <a:schemeClr val="lt1"/>
+          </a:fontRef>
+        </p:style>
+        <p:txBody>
+          <a:bodyPr rtlCol="0" anchor="ctr"/>
+          <a:lstStyle/>
+          <a:p>
+            <a:pPr algn="ctr"/>
+            <a:endParaRPr lang="es-ES"/>
+          </a:p>
+        </p:txBody>
+      </p:sp>
       <p:grpSp>
         <p:nvGrpSpPr>
           <p:cNvPr id="6" name="Group 5">
@@ -8576,7 +8465,7 @@
             <p:nvPr/>
           </p:nvPicPr>
           <p:blipFill>
-            <a:blip r:embed="rId3">
+            <a:blip r:embed="rId2">
               <a:clrChange>
                 <a:clrFrom>
                   <a:srgbClr val="FFFFFF"/>
@@ -8618,7 +8507,7 @@
           <p:nvPr/>
         </p:nvPicPr>
         <p:blipFill rotWithShape="1">
-          <a:blip r:embed="rId4">
+          <a:blip r:embed="rId3">
             <a:clrChange>
               <a:clrFrom>
                 <a:srgbClr val="000000">
@@ -9112,11 +9001,11 @@
           <p:nvPr/>
         </p:nvPicPr>
         <p:blipFill rotWithShape="1">
-          <a:blip r:embed="rId5">
+          <a:blip r:embed="rId4">
             <a:extLst>
               <a:ext uri="{BEBA8EAE-BF5A-486C-A8C5-ECC9F3942E4B}">
                 <a14:imgProps xmlns:a14="http://schemas.microsoft.com/office/drawing/2010/main">
-                  <a14:imgLayer r:embed="rId6">
+                  <a14:imgLayer r:embed="rId5">
                     <a14:imgEffect>
                       <a14:saturation sat="400000"/>
                     </a14:imgEffect>
@@ -9338,10 +9227,194 @@
           </a:fontRef>
         </p:style>
       </p:cxnSp>
+      <p:grpSp>
+        <p:nvGrpSpPr>
+          <p:cNvPr id="22" name="Group 21">
+            <a:extLst>
+              <a:ext uri="{FF2B5EF4-FFF2-40B4-BE49-F238E27FC236}">
+                <a16:creationId xmlns:a16="http://schemas.microsoft.com/office/drawing/2014/main" id="{C40A0F95-088C-9C4A-EB51-24039DA064E8}"/>
+              </a:ext>
+            </a:extLst>
+          </p:cNvPr>
+          <p:cNvGrpSpPr/>
+          <p:nvPr/>
+        </p:nvGrpSpPr>
+        <p:grpSpPr>
+          <a:xfrm>
+            <a:off x="2728912" y="2463456"/>
+            <a:ext cx="2047875" cy="1314450"/>
+            <a:chOff x="2728912" y="2463456"/>
+            <a:chExt cx="2047875" cy="1314450"/>
+          </a:xfrm>
+        </p:grpSpPr>
+        <p:sp>
+          <p:nvSpPr>
+            <p:cNvPr id="4" name="Rectangle: Rounded Corners 3">
+              <a:extLst>
+                <a:ext uri="{FF2B5EF4-FFF2-40B4-BE49-F238E27FC236}">
+                  <a16:creationId xmlns:a16="http://schemas.microsoft.com/office/drawing/2014/main" id="{4A21BE45-ED38-57E7-5ECC-B6D9188A12F2}"/>
+                </a:ext>
+              </a:extLst>
+            </p:cNvPr>
+            <p:cNvSpPr/>
+            <p:nvPr/>
+          </p:nvSpPr>
+          <p:spPr>
+            <a:xfrm>
+              <a:off x="2728912" y="2463456"/>
+              <a:ext cx="2047875" cy="1314450"/>
+            </a:xfrm>
+            <a:prstGeom prst="roundRect">
+              <a:avLst>
+                <a:gd name="adj" fmla="val 11979"/>
+              </a:avLst>
+            </a:prstGeom>
+            <a:solidFill>
+              <a:schemeClr val="bg1"/>
+            </a:solidFill>
+          </p:spPr>
+          <p:style>
+            <a:lnRef idx="2">
+              <a:schemeClr val="accent1">
+                <a:shade val="15000"/>
+              </a:schemeClr>
+            </a:lnRef>
+            <a:fillRef idx="1">
+              <a:schemeClr val="accent1"/>
+            </a:fillRef>
+            <a:effectRef idx="0">
+              <a:schemeClr val="accent1"/>
+            </a:effectRef>
+            <a:fontRef idx="minor">
+              <a:schemeClr val="lt1"/>
+            </a:fontRef>
+          </p:style>
+          <p:txBody>
+            <a:bodyPr rtlCol="0" anchor="ctr"/>
+            <a:lstStyle/>
+            <a:p>
+              <a:pPr algn="ctr"/>
+              <a:endParaRPr lang="es-ES"/>
+            </a:p>
+          </p:txBody>
+        </p:sp>
+        <p:pic>
+          <p:nvPicPr>
+            <p:cNvPr id="20" name="Picture 19">
+              <a:extLst>
+                <a:ext uri="{FF2B5EF4-FFF2-40B4-BE49-F238E27FC236}">
+                  <a16:creationId xmlns:a16="http://schemas.microsoft.com/office/drawing/2014/main" id="{FF023EDA-03FD-0FC1-5543-E86FE92C7ABD}"/>
+                </a:ext>
+              </a:extLst>
+            </p:cNvPr>
+            <p:cNvPicPr>
+              <a:picLocks noChangeAspect="1"/>
+            </p:cNvPicPr>
+            <p:nvPr/>
+          </p:nvPicPr>
+          <p:blipFill>
+            <a:blip r:embed="rId6"/>
+            <a:stretch>
+              <a:fillRect/>
+            </a:stretch>
+          </p:blipFill>
+          <p:spPr>
+            <a:xfrm>
+              <a:off x="3227683" y="2600395"/>
+              <a:ext cx="1060562" cy="1048301"/>
+            </a:xfrm>
+            <a:prstGeom prst="rect">
+              <a:avLst/>
+            </a:prstGeom>
+          </p:spPr>
+        </p:pic>
+      </p:grpSp>
     </p:spTree>
     <p:extLst>
       <p:ext uri="{BB962C8B-B14F-4D97-AF65-F5344CB8AC3E}">
         <p14:creationId xmlns:p14="http://schemas.microsoft.com/office/powerpoint/2010/main" val="1091738206"/>
+      </p:ext>
+    </p:extLst>
+  </p:cSld>
+  <p:clrMapOvr>
+    <a:masterClrMapping/>
+  </p:clrMapOvr>
+</p:sld>
+</file>
+
+<file path=ppt/slides/slide9.xml><?xml version="1.0" encoding="utf-8"?>
+<p:sld xmlns:a="http://schemas.openxmlformats.org/drawingml/2006/main" xmlns:r="http://schemas.openxmlformats.org/officeDocument/2006/relationships" xmlns:p="http://schemas.openxmlformats.org/presentationml/2006/main">
+  <p:cSld>
+    <p:spTree>
+      <p:nvGrpSpPr>
+        <p:cNvPr id="1" name=""/>
+        <p:cNvGrpSpPr/>
+        <p:nvPr/>
+      </p:nvGrpSpPr>
+      <p:grpSpPr>
+        <a:xfrm>
+          <a:off x="0" y="0"/>
+          <a:ext cx="0" cy="0"/>
+          <a:chOff x="0" y="0"/>
+          <a:chExt cx="0" cy="0"/>
+        </a:xfrm>
+      </p:grpSpPr>
+      <p:sp>
+        <p:nvSpPr>
+          <p:cNvPr id="2" name="TextBox 1">
+            <a:extLst>
+              <a:ext uri="{FF2B5EF4-FFF2-40B4-BE49-F238E27FC236}">
+                <a16:creationId xmlns:a16="http://schemas.microsoft.com/office/drawing/2014/main" id="{C6A2A017-ABFA-ABB6-A770-8E15F5D94032}"/>
+              </a:ext>
+            </a:extLst>
+          </p:cNvPr>
+          <p:cNvSpPr txBox="1"/>
+          <p:nvPr/>
+        </p:nvSpPr>
+        <p:spPr>
+          <a:xfrm>
+            <a:off x="5550408" y="3244334"/>
+            <a:ext cx="2114425" cy="369332"/>
+          </a:xfrm>
+          <a:prstGeom prst="rect">
+            <a:avLst/>
+          </a:prstGeom>
+          <a:noFill/>
+        </p:spPr>
+        <p:txBody>
+          <a:bodyPr wrap="none" rtlCol="0">
+            <a:spAutoFit/>
+          </a:bodyPr>
+          <a:lstStyle/>
+          <a:p>
+            <a:r>
+              <a:rPr lang="es-ES" dirty="0" err="1"/>
+              <a:t>wip</a:t>
+            </a:r>
+            <a:r>
+              <a:rPr lang="es-ES" dirty="0"/>
+              <a:t> </a:t>
+            </a:r>
+            <a:r>
+              <a:rPr lang="es-ES" dirty="0" err="1"/>
+              <a:t>console</a:t>
+            </a:r>
+            <a:r>
+              <a:rPr lang="es-ES" dirty="0"/>
+              <a:t> </a:t>
+            </a:r>
+            <a:r>
+              <a:rPr lang="es-ES" dirty="0" err="1"/>
+              <a:t>diagram</a:t>
+            </a:r>
+            <a:endParaRPr lang="es-ES" dirty="0"/>
+          </a:p>
+        </p:txBody>
+      </p:sp>
+    </p:spTree>
+    <p:extLst>
+      <p:ext uri="{BB962C8B-B14F-4D97-AF65-F5344CB8AC3E}">
+        <p14:creationId xmlns:p14="http://schemas.microsoft.com/office/powerpoint/2010/main" val="3592114098"/>
       </p:ext>
     </p:extLst>
   </p:cSld>

--- a/docs/diagrams.pptx
+++ b/docs/diagrams.pptx
@@ -13,7 +13,7 @@
     <p:sldId id="265" r:id="rId7"/>
     <p:sldId id="263" r:id="rId8"/>
     <p:sldId id="262" r:id="rId9"/>
-    <p:sldId id="266" r:id="rId10"/>
+    <p:sldId id="267" r:id="rId10"/>
   </p:sldIdLst>
   <p:sldSz cx="12192000" cy="6858000"/>
   <p:notesSz cx="6858000" cy="9144000"/>
@@ -269,7 +269,7 @@
           <a:p>
             <a:fld id="{4AC07DEF-3650-42BF-8068-D2C0F3E6665F}" type="datetimeFigureOut">
               <a:rPr lang="es-ES" smtClean="0"/>
-              <a:t>04/05/2024</a:t>
+              <a:t>05/05/2024</a:t>
             </a:fld>
             <a:endParaRPr lang="es-ES"/>
           </a:p>
@@ -469,7 +469,7 @@
           <a:p>
             <a:fld id="{4AC07DEF-3650-42BF-8068-D2C0F3E6665F}" type="datetimeFigureOut">
               <a:rPr lang="es-ES" smtClean="0"/>
-              <a:t>04/05/2024</a:t>
+              <a:t>05/05/2024</a:t>
             </a:fld>
             <a:endParaRPr lang="es-ES"/>
           </a:p>
@@ -679,7 +679,7 @@
           <a:p>
             <a:fld id="{4AC07DEF-3650-42BF-8068-D2C0F3E6665F}" type="datetimeFigureOut">
               <a:rPr lang="es-ES" smtClean="0"/>
-              <a:t>04/05/2024</a:t>
+              <a:t>05/05/2024</a:t>
             </a:fld>
             <a:endParaRPr lang="es-ES"/>
           </a:p>
@@ -879,7 +879,7 @@
           <a:p>
             <a:fld id="{4AC07DEF-3650-42BF-8068-D2C0F3E6665F}" type="datetimeFigureOut">
               <a:rPr lang="es-ES" smtClean="0"/>
-              <a:t>04/05/2024</a:t>
+              <a:t>05/05/2024</a:t>
             </a:fld>
             <a:endParaRPr lang="es-ES"/>
           </a:p>
@@ -1155,7 +1155,7 @@
           <a:p>
             <a:fld id="{4AC07DEF-3650-42BF-8068-D2C0F3E6665F}" type="datetimeFigureOut">
               <a:rPr lang="es-ES" smtClean="0"/>
-              <a:t>04/05/2024</a:t>
+              <a:t>05/05/2024</a:t>
             </a:fld>
             <a:endParaRPr lang="es-ES"/>
           </a:p>
@@ -1423,7 +1423,7 @@
           <a:p>
             <a:fld id="{4AC07DEF-3650-42BF-8068-D2C0F3E6665F}" type="datetimeFigureOut">
               <a:rPr lang="es-ES" smtClean="0"/>
-              <a:t>04/05/2024</a:t>
+              <a:t>05/05/2024</a:t>
             </a:fld>
             <a:endParaRPr lang="es-ES"/>
           </a:p>
@@ -1838,7 +1838,7 @@
           <a:p>
             <a:fld id="{4AC07DEF-3650-42BF-8068-D2C0F3E6665F}" type="datetimeFigureOut">
               <a:rPr lang="es-ES" smtClean="0"/>
-              <a:t>04/05/2024</a:t>
+              <a:t>05/05/2024</a:t>
             </a:fld>
             <a:endParaRPr lang="es-ES"/>
           </a:p>
@@ -1980,7 +1980,7 @@
           <a:p>
             <a:fld id="{4AC07DEF-3650-42BF-8068-D2C0F3E6665F}" type="datetimeFigureOut">
               <a:rPr lang="es-ES" smtClean="0"/>
-              <a:t>04/05/2024</a:t>
+              <a:t>05/05/2024</a:t>
             </a:fld>
             <a:endParaRPr lang="es-ES"/>
           </a:p>
@@ -2093,7 +2093,7 @@
           <a:p>
             <a:fld id="{4AC07DEF-3650-42BF-8068-D2C0F3E6665F}" type="datetimeFigureOut">
               <a:rPr lang="es-ES" smtClean="0"/>
-              <a:t>04/05/2024</a:t>
+              <a:t>05/05/2024</a:t>
             </a:fld>
             <a:endParaRPr lang="es-ES"/>
           </a:p>
@@ -2406,7 +2406,7 @@
           <a:p>
             <a:fld id="{4AC07DEF-3650-42BF-8068-D2C0F3E6665F}" type="datetimeFigureOut">
               <a:rPr lang="es-ES" smtClean="0"/>
-              <a:t>04/05/2024</a:t>
+              <a:t>05/05/2024</a:t>
             </a:fld>
             <a:endParaRPr lang="es-ES"/>
           </a:p>
@@ -2695,7 +2695,7 @@
           <a:p>
             <a:fld id="{4AC07DEF-3650-42BF-8068-D2C0F3E6665F}" type="datetimeFigureOut">
               <a:rPr lang="es-ES" smtClean="0"/>
-              <a:t>04/05/2024</a:t>
+              <a:t>05/05/2024</a:t>
             </a:fld>
             <a:endParaRPr lang="es-ES"/>
           </a:p>
@@ -2938,7 +2938,7 @@
           <a:p>
             <a:fld id="{4AC07DEF-3650-42BF-8068-D2C0F3E6665F}" type="datetimeFigureOut">
               <a:rPr lang="es-ES" smtClean="0"/>
-              <a:t>04/05/2024</a:t>
+              <a:t>05/05/2024</a:t>
             </a:fld>
             <a:endParaRPr lang="es-ES"/>
           </a:p>
@@ -7331,6 +7331,55 @@
           </p:spPr>
         </p:pic>
       </p:grpSp>
+      <p:sp>
+        <p:nvSpPr>
+          <p:cNvPr id="3" name="TextBox 2">
+            <a:extLst>
+              <a:ext uri="{FF2B5EF4-FFF2-40B4-BE49-F238E27FC236}">
+                <a16:creationId xmlns:a16="http://schemas.microsoft.com/office/drawing/2014/main" id="{81AABD3B-E512-FFA4-08F8-50B921C16FDA}"/>
+              </a:ext>
+            </a:extLst>
+          </p:cNvPr>
+          <p:cNvSpPr txBox="1"/>
+          <p:nvPr/>
+        </p:nvSpPr>
+        <p:spPr>
+          <a:xfrm>
+            <a:off x="3242840" y="4953987"/>
+            <a:ext cx="998222" cy="461665"/>
+          </a:xfrm>
+          <a:prstGeom prst="rect">
+            <a:avLst/>
+          </a:prstGeom>
+          <a:noFill/>
+        </p:spPr>
+        <p:txBody>
+          <a:bodyPr wrap="none" rtlCol="0">
+            <a:spAutoFit/>
+          </a:bodyPr>
+          <a:lstStyle/>
+          <a:p>
+            <a:pPr algn="ctr"/>
+            <a:r>
+              <a:rPr lang="es-ES" sz="1200" dirty="0"/>
+              <a:t>Ask </a:t>
+            </a:r>
+            <a:r>
+              <a:rPr lang="es-ES" sz="1200" dirty="0" err="1"/>
+              <a:t>for</a:t>
+            </a:r>
+            <a:endParaRPr lang="es-ES" sz="1200" dirty="0"/>
+          </a:p>
+          <a:p>
+            <a:pPr algn="ctr"/>
+            <a:r>
+              <a:rPr lang="es-ES" sz="1200" dirty="0" err="1"/>
+              <a:t>authrizations</a:t>
+            </a:r>
+            <a:endParaRPr lang="es-ES" sz="1200" dirty="0"/>
+          </a:p>
+        </p:txBody>
+      </p:sp>
     </p:spTree>
     <p:extLst>
       <p:ext uri="{BB962C8B-B14F-4D97-AF65-F5344CB8AC3E}">
@@ -9361,10 +9410,239 @@
       </p:grpSpPr>
       <p:sp>
         <p:nvSpPr>
-          <p:cNvPr id="2" name="TextBox 1">
-            <a:extLst>
-              <a:ext uri="{FF2B5EF4-FFF2-40B4-BE49-F238E27FC236}">
-                <a16:creationId xmlns:a16="http://schemas.microsoft.com/office/drawing/2014/main" id="{C6A2A017-ABFA-ABB6-A770-8E15F5D94032}"/>
+          <p:cNvPr id="2" name="Rectangle: Rounded Corners 1">
+            <a:extLst>
+              <a:ext uri="{FF2B5EF4-FFF2-40B4-BE49-F238E27FC236}">
+                <a16:creationId xmlns:a16="http://schemas.microsoft.com/office/drawing/2014/main" id="{C1EABD0B-7717-097C-4B8C-20C9F64F5571}"/>
+              </a:ext>
+            </a:extLst>
+          </p:cNvPr>
+          <p:cNvSpPr/>
+          <p:nvPr/>
+        </p:nvSpPr>
+        <p:spPr>
+          <a:xfrm>
+            <a:off x="2581360" y="1104900"/>
+            <a:ext cx="8086640" cy="5187993"/>
+          </a:xfrm>
+          <a:prstGeom prst="roundRect">
+            <a:avLst>
+              <a:gd name="adj" fmla="val 1943"/>
+            </a:avLst>
+          </a:prstGeom>
+          <a:noFill/>
+          <a:ln>
+            <a:prstDash val="dash"/>
+          </a:ln>
+        </p:spPr>
+        <p:style>
+          <a:lnRef idx="2">
+            <a:schemeClr val="accent1">
+              <a:shade val="15000"/>
+            </a:schemeClr>
+          </a:lnRef>
+          <a:fillRef idx="1">
+            <a:schemeClr val="accent1"/>
+          </a:fillRef>
+          <a:effectRef idx="0">
+            <a:schemeClr val="accent1"/>
+          </a:effectRef>
+          <a:fontRef idx="minor">
+            <a:schemeClr val="lt1"/>
+          </a:fontRef>
+        </p:style>
+        <p:txBody>
+          <a:bodyPr rtlCol="0" anchor="ctr"/>
+          <a:lstStyle/>
+          <a:p>
+            <a:pPr algn="ctr"/>
+            <a:endParaRPr lang="es-ES"/>
+          </a:p>
+        </p:txBody>
+      </p:sp>
+      <p:pic>
+        <p:nvPicPr>
+          <p:cNvPr id="9" name="Picture 2" descr="KubeCon Europe 2017 Impressions · Chris Hager">
+            <a:extLst>
+              <a:ext uri="{FF2B5EF4-FFF2-40B4-BE49-F238E27FC236}">
+                <a16:creationId xmlns:a16="http://schemas.microsoft.com/office/drawing/2014/main" id="{B4F394AE-E3F0-7B4F-8712-75186A27F032}"/>
+              </a:ext>
+            </a:extLst>
+          </p:cNvPr>
+          <p:cNvPicPr>
+            <a:picLocks noChangeAspect="1" noChangeArrowheads="1"/>
+          </p:cNvPicPr>
+          <p:nvPr/>
+        </p:nvPicPr>
+        <p:blipFill rotWithShape="1">
+          <a:blip r:embed="rId2">
+            <a:clrChange>
+              <a:clrFrom>
+                <a:srgbClr val="000000">
+                  <a:alpha val="0"/>
+                </a:srgbClr>
+              </a:clrFrom>
+              <a:clrTo>
+                <a:srgbClr val="000000">
+                  <a:alpha val="0"/>
+                </a:srgbClr>
+              </a:clrTo>
+            </a:clrChange>
+            <a:extLst>
+              <a:ext uri="{28A0092B-C50C-407E-A947-70E740481C1C}">
+                <a14:useLocalDpi xmlns:a14="http://schemas.microsoft.com/office/drawing/2010/main" val="0"/>
+              </a:ext>
+            </a:extLst>
+          </a:blip>
+          <a:srcRect l="6237" t="6775" r="6520" b="7478"/>
+          <a:stretch/>
+        </p:blipFill>
+        <p:spPr bwMode="auto">
+          <a:xfrm>
+            <a:off x="10309231" y="5939958"/>
+            <a:ext cx="340297" cy="334463"/>
+          </a:xfrm>
+          <a:prstGeom prst="rect">
+            <a:avLst/>
+          </a:prstGeom>
+          <a:noFill/>
+          <a:extLst>
+            <a:ext uri="{909E8E84-426E-40DD-AFC4-6F175D3DCCD1}">
+              <a14:hiddenFill xmlns:a14="http://schemas.microsoft.com/office/drawing/2010/main">
+                <a:solidFill>
+                  <a:srgbClr val="FFFFFF"/>
+                </a:solidFill>
+              </a14:hiddenFill>
+            </a:ext>
+          </a:extLst>
+        </p:spPr>
+      </p:pic>
+      <p:sp>
+        <p:nvSpPr>
+          <p:cNvPr id="20" name="Rectangle: Rounded Corners 19">
+            <a:extLst>
+              <a:ext uri="{FF2B5EF4-FFF2-40B4-BE49-F238E27FC236}">
+                <a16:creationId xmlns:a16="http://schemas.microsoft.com/office/drawing/2014/main" id="{4153B1FA-82A0-7025-CA40-8D6B6ADBB708}"/>
+              </a:ext>
+            </a:extLst>
+          </p:cNvPr>
+          <p:cNvSpPr/>
+          <p:nvPr/>
+        </p:nvSpPr>
+        <p:spPr>
+          <a:xfrm>
+            <a:off x="5438967" y="3020264"/>
+            <a:ext cx="1880496" cy="1168905"/>
+          </a:xfrm>
+          <a:prstGeom prst="roundRect">
+            <a:avLst>
+              <a:gd name="adj" fmla="val 11979"/>
+            </a:avLst>
+          </a:prstGeom>
+          <a:solidFill>
+            <a:schemeClr val="bg1"/>
+          </a:solidFill>
+        </p:spPr>
+        <p:style>
+          <a:lnRef idx="2">
+            <a:schemeClr val="accent1">
+              <a:shade val="15000"/>
+            </a:schemeClr>
+          </a:lnRef>
+          <a:fillRef idx="1">
+            <a:schemeClr val="accent1"/>
+          </a:fillRef>
+          <a:effectRef idx="0">
+            <a:schemeClr val="accent1"/>
+          </a:effectRef>
+          <a:fontRef idx="minor">
+            <a:schemeClr val="lt1"/>
+          </a:fontRef>
+        </p:style>
+        <p:txBody>
+          <a:bodyPr rtlCol="0" anchor="t"/>
+          <a:lstStyle/>
+          <a:p>
+            <a:pPr algn="r"/>
+            <a:r>
+              <a:rPr lang="es-ES" sz="1600" dirty="0" err="1">
+                <a:solidFill>
+                  <a:schemeClr val="tx1"/>
+                </a:solidFill>
+              </a:rPr>
+              <a:t>Oberkorn</a:t>
+            </a:r>
+            <a:endParaRPr lang="es-ES" sz="1600" dirty="0">
+              <a:solidFill>
+                <a:schemeClr val="tx1"/>
+              </a:solidFill>
+            </a:endParaRPr>
+          </a:p>
+          <a:p>
+            <a:pPr algn="r"/>
+            <a:r>
+              <a:rPr lang="es-ES" sz="1600" dirty="0" err="1">
+                <a:solidFill>
+                  <a:schemeClr val="tx1"/>
+                </a:solidFill>
+              </a:rPr>
+              <a:t>Controller</a:t>
+            </a:r>
+            <a:endParaRPr lang="es-ES" sz="1600" dirty="0">
+              <a:solidFill>
+                <a:schemeClr val="tx1"/>
+              </a:solidFill>
+            </a:endParaRPr>
+          </a:p>
+        </p:txBody>
+      </p:sp>
+      <p:pic>
+        <p:nvPicPr>
+          <p:cNvPr id="10" name="Picture 9">
+            <a:extLst>
+              <a:ext uri="{FF2B5EF4-FFF2-40B4-BE49-F238E27FC236}">
+                <a16:creationId xmlns:a16="http://schemas.microsoft.com/office/drawing/2014/main" id="{A0F8D23E-B8F6-C835-04EC-5203FF579B92}"/>
+              </a:ext>
+            </a:extLst>
+          </p:cNvPr>
+          <p:cNvPicPr>
+            <a:picLocks noChangeAspect="1"/>
+          </p:cNvPicPr>
+          <p:nvPr/>
+        </p:nvPicPr>
+        <p:blipFill>
+          <a:blip r:embed="rId3">
+            <a:clrChange>
+              <a:clrFrom>
+                <a:srgbClr val="FFFFFF"/>
+              </a:clrFrom>
+              <a:clrTo>
+                <a:srgbClr val="FFFFFF">
+                  <a:alpha val="0"/>
+                </a:srgbClr>
+              </a:clrTo>
+            </a:clrChange>
+          </a:blip>
+          <a:stretch>
+            <a:fillRect/>
+          </a:stretch>
+        </p:blipFill>
+        <p:spPr>
+          <a:xfrm>
+            <a:off x="7091398" y="3956644"/>
+            <a:ext cx="433078" cy="448704"/>
+          </a:xfrm>
+          <a:prstGeom prst="rect">
+            <a:avLst/>
+          </a:prstGeom>
+        </p:spPr>
+      </p:pic>
+      <p:sp>
+        <p:nvSpPr>
+          <p:cNvPr id="18" name="TextBox 17">
+            <a:extLst>
+              <a:ext uri="{FF2B5EF4-FFF2-40B4-BE49-F238E27FC236}">
+                <a16:creationId xmlns:a16="http://schemas.microsoft.com/office/drawing/2014/main" id="{C43835C1-F196-3938-4348-5B554F4E1249}"/>
               </a:ext>
             </a:extLst>
           </p:cNvPr>
@@ -9373,8 +9651,8 @@
         </p:nvSpPr>
         <p:spPr>
           <a:xfrm>
-            <a:off x="5550408" y="3244334"/>
-            <a:ext cx="2114425" cy="369332"/>
+            <a:off x="6375819" y="4451366"/>
+            <a:ext cx="1198726" cy="461665"/>
           </a:xfrm>
           <a:prstGeom prst="rect">
             <a:avLst/>
@@ -9387,34 +9665,1627 @@
           </a:bodyPr>
           <a:lstStyle/>
           <a:p>
-            <a:r>
-              <a:rPr lang="es-ES" dirty="0" err="1"/>
-              <a:t>wip</a:t>
-            </a:r>
-            <a:r>
-              <a:rPr lang="es-ES" dirty="0"/>
+            <a:pPr algn="ctr"/>
+            <a:r>
+              <a:rPr lang="es-ES" sz="1200" dirty="0" err="1"/>
+              <a:t>Invoke</a:t>
+            </a:r>
+            <a:endParaRPr lang="es-ES" sz="1200" dirty="0"/>
+          </a:p>
+          <a:p>
+            <a:pPr algn="ctr"/>
+            <a:r>
+              <a:rPr lang="es-ES" sz="1200" dirty="0" err="1"/>
+              <a:t>authorizator</a:t>
+            </a:r>
+            <a:r>
+              <a:rPr lang="es-ES" sz="1200" dirty="0"/>
+              <a:t> API</a:t>
+            </a:r>
+          </a:p>
+        </p:txBody>
+      </p:sp>
+      <p:sp>
+        <p:nvSpPr>
+          <p:cNvPr id="11" name="TextBox 10">
+            <a:extLst>
+              <a:ext uri="{FF2B5EF4-FFF2-40B4-BE49-F238E27FC236}">
+                <a16:creationId xmlns:a16="http://schemas.microsoft.com/office/drawing/2014/main" id="{ADFC7033-6B51-B615-1E61-3AEF2FAB4F55}"/>
+              </a:ext>
+            </a:extLst>
+          </p:cNvPr>
+          <p:cNvSpPr txBox="1"/>
+          <p:nvPr/>
+        </p:nvSpPr>
+        <p:spPr>
+          <a:xfrm>
+            <a:off x="506305" y="361539"/>
+            <a:ext cx="1987557" cy="369332"/>
+          </a:xfrm>
+          <a:prstGeom prst="rect">
+            <a:avLst/>
+          </a:prstGeom>
+          <a:noFill/>
+        </p:spPr>
+        <p:txBody>
+          <a:bodyPr wrap="square">
+            <a:spAutoFit/>
+          </a:bodyPr>
+          <a:lstStyle/>
+          <a:p>
+            <a:pPr algn="ctr"/>
+            <a:r>
+              <a:rPr lang="es-ES" dirty="0">
+                <a:solidFill>
+                  <a:schemeClr val="tx1"/>
+                </a:solidFill>
+              </a:rPr>
+              <a:t>web </a:t>
+            </a:r>
+            <a:r>
+              <a:rPr lang="es-ES" dirty="0" err="1">
+                <a:solidFill>
+                  <a:schemeClr val="tx1"/>
+                </a:solidFill>
+              </a:rPr>
+              <a:t>console</a:t>
+            </a:r>
+            <a:endParaRPr lang="es-ES" dirty="0">
+              <a:solidFill>
+                <a:schemeClr val="tx1"/>
+              </a:solidFill>
+            </a:endParaRPr>
+          </a:p>
+        </p:txBody>
+      </p:sp>
+      <p:sp>
+        <p:nvSpPr>
+          <p:cNvPr id="12" name="Rectangle: Top Corners Snipped 11">
+            <a:extLst>
+              <a:ext uri="{FF2B5EF4-FFF2-40B4-BE49-F238E27FC236}">
+                <a16:creationId xmlns:a16="http://schemas.microsoft.com/office/drawing/2014/main" id="{B988186F-2B87-CD09-12BC-1BC0CE649EDB}"/>
+              </a:ext>
+            </a:extLst>
+          </p:cNvPr>
+          <p:cNvSpPr/>
+          <p:nvPr/>
+        </p:nvSpPr>
+        <p:spPr>
+          <a:xfrm rot="16200000">
+            <a:off x="7747454" y="4375830"/>
+            <a:ext cx="881062" cy="622952"/>
+          </a:xfrm>
+          <a:prstGeom prst="snip2SameRect">
+            <a:avLst/>
+          </a:prstGeom>
+        </p:spPr>
+        <p:style>
+          <a:lnRef idx="2">
+            <a:schemeClr val="accent1">
+              <a:shade val="15000"/>
+            </a:schemeClr>
+          </a:lnRef>
+          <a:fillRef idx="1">
+            <a:schemeClr val="accent1"/>
+          </a:fillRef>
+          <a:effectRef idx="0">
+            <a:schemeClr val="accent1"/>
+          </a:effectRef>
+          <a:fontRef idx="minor">
+            <a:schemeClr val="lt1"/>
+          </a:fontRef>
+        </p:style>
+        <p:txBody>
+          <a:bodyPr rtlCol="0" anchor="ctr"/>
+          <a:lstStyle/>
+          <a:p>
+            <a:pPr algn="ctr"/>
+            <a:r>
+              <a:rPr lang="es-ES" sz="1200" dirty="0" err="1"/>
+              <a:t>OberkornService</a:t>
+            </a:r>
+            <a:endParaRPr lang="es-ES" sz="1200" dirty="0"/>
+          </a:p>
+        </p:txBody>
+      </p:sp>
+      <p:cxnSp>
+        <p:nvCxnSpPr>
+          <p:cNvPr id="14" name="Connector: Elbow 15">
+            <a:extLst>
+              <a:ext uri="{FF2B5EF4-FFF2-40B4-BE49-F238E27FC236}">
+                <a16:creationId xmlns:a16="http://schemas.microsoft.com/office/drawing/2014/main" id="{02D591E6-C68A-8324-F4A7-15FCBC6B8E8A}"/>
+              </a:ext>
+            </a:extLst>
+          </p:cNvPr>
+          <p:cNvCxnSpPr>
+            <a:cxnSpLocks/>
+            <a:stCxn id="12" idx="1"/>
+            <a:endCxn id="13" idx="1"/>
+          </p:cNvCxnSpPr>
+          <p:nvPr/>
+        </p:nvCxnSpPr>
+        <p:spPr>
+          <a:xfrm>
+            <a:off x="8499461" y="4687306"/>
+            <a:ext cx="558654" cy="405833"/>
+          </a:xfrm>
+          <a:prstGeom prst="straightConnector1">
+            <a:avLst/>
+          </a:prstGeom>
+          <a:ln>
+            <a:tailEnd type="triangle"/>
+          </a:ln>
+        </p:spPr>
+        <p:style>
+          <a:lnRef idx="1">
+            <a:schemeClr val="accent1"/>
+          </a:lnRef>
+          <a:fillRef idx="0">
+            <a:schemeClr val="accent1"/>
+          </a:fillRef>
+          <a:effectRef idx="0">
+            <a:schemeClr val="accent1"/>
+          </a:effectRef>
+          <a:fontRef idx="minor">
+            <a:schemeClr val="tx1"/>
+          </a:fontRef>
+        </p:style>
+      </p:cxnSp>
+      <p:cxnSp>
+        <p:nvCxnSpPr>
+          <p:cNvPr id="16" name="Connector: Elbow 29">
+            <a:extLst>
+              <a:ext uri="{FF2B5EF4-FFF2-40B4-BE49-F238E27FC236}">
+                <a16:creationId xmlns:a16="http://schemas.microsoft.com/office/drawing/2014/main" id="{C51CB82D-18BC-EA7F-35BC-B65A5DACC218}"/>
+              </a:ext>
+            </a:extLst>
+          </p:cNvPr>
+          <p:cNvCxnSpPr>
+            <a:cxnSpLocks/>
+            <a:stCxn id="12" idx="1"/>
+            <a:endCxn id="27" idx="1"/>
+          </p:cNvCxnSpPr>
+          <p:nvPr/>
+        </p:nvCxnSpPr>
+        <p:spPr>
+          <a:xfrm flipV="1">
+            <a:off x="8499461" y="4248802"/>
+            <a:ext cx="553826" cy="438504"/>
+          </a:xfrm>
+          <a:prstGeom prst="straightConnector1">
+            <a:avLst/>
+          </a:prstGeom>
+          <a:ln>
+            <a:tailEnd type="triangle"/>
+          </a:ln>
+        </p:spPr>
+        <p:style>
+          <a:lnRef idx="1">
+            <a:schemeClr val="accent1"/>
+          </a:lnRef>
+          <a:fillRef idx="0">
+            <a:schemeClr val="accent1"/>
+          </a:fillRef>
+          <a:effectRef idx="0">
+            <a:schemeClr val="accent1"/>
+          </a:effectRef>
+          <a:fontRef idx="minor">
+            <a:schemeClr val="tx1"/>
+          </a:fontRef>
+        </p:style>
+      </p:cxnSp>
+      <p:grpSp>
+        <p:nvGrpSpPr>
+          <p:cNvPr id="21" name="Group 20">
+            <a:extLst>
+              <a:ext uri="{FF2B5EF4-FFF2-40B4-BE49-F238E27FC236}">
+                <a16:creationId xmlns:a16="http://schemas.microsoft.com/office/drawing/2014/main" id="{97F1B375-8881-336C-EFCD-0534B7BE8359}"/>
+              </a:ext>
+            </a:extLst>
+          </p:cNvPr>
+          <p:cNvGrpSpPr/>
+          <p:nvPr/>
+        </p:nvGrpSpPr>
+        <p:grpSpPr>
+          <a:xfrm>
+            <a:off x="9058115" y="4840974"/>
+            <a:ext cx="1311158" cy="749437"/>
+            <a:chOff x="5843261" y="5038329"/>
+            <a:chExt cx="1311158" cy="749437"/>
+          </a:xfrm>
+        </p:grpSpPr>
+        <p:sp>
+          <p:nvSpPr>
+            <p:cNvPr id="13" name="Rectangle: Rounded Corners 12">
+              <a:extLst>
+                <a:ext uri="{FF2B5EF4-FFF2-40B4-BE49-F238E27FC236}">
+                  <a16:creationId xmlns:a16="http://schemas.microsoft.com/office/drawing/2014/main" id="{29083DB7-E99E-A13A-47C2-230CE2109141}"/>
+                </a:ext>
+              </a:extLst>
+            </p:cNvPr>
+            <p:cNvSpPr/>
+            <p:nvPr/>
+          </p:nvSpPr>
+          <p:spPr>
+            <a:xfrm>
+              <a:off x="5843261" y="5038329"/>
+              <a:ext cx="982600" cy="504329"/>
+            </a:xfrm>
+            <a:prstGeom prst="roundRect">
+              <a:avLst>
+                <a:gd name="adj" fmla="val 11979"/>
+              </a:avLst>
+            </a:prstGeom>
+            <a:solidFill>
+              <a:schemeClr val="bg1"/>
+            </a:solidFill>
+          </p:spPr>
+          <p:style>
+            <a:lnRef idx="2">
+              <a:schemeClr val="accent1">
+                <a:shade val="15000"/>
+              </a:schemeClr>
+            </a:lnRef>
+            <a:fillRef idx="1">
+              <a:schemeClr val="accent1"/>
+            </a:fillRef>
+            <a:effectRef idx="0">
+              <a:schemeClr val="accent1"/>
+            </a:effectRef>
+            <a:fontRef idx="minor">
+              <a:schemeClr val="lt1"/>
+            </a:fontRef>
+          </p:style>
+          <p:txBody>
+            <a:bodyPr rtlCol="0" anchor="ctr"/>
+            <a:lstStyle/>
+            <a:p>
+              <a:pPr algn="ctr"/>
+              <a:r>
+                <a:rPr lang="es-ES" sz="1000" dirty="0" err="1">
+                  <a:solidFill>
+                    <a:schemeClr val="tx1"/>
+                  </a:solidFill>
+                </a:rPr>
+                <a:t>Any</a:t>
+              </a:r>
+              <a:r>
+                <a:rPr lang="es-ES" sz="1000" dirty="0">
+                  <a:solidFill>
+                    <a:schemeClr val="tx1"/>
+                  </a:solidFill>
+                </a:rPr>
+                <a:t> </a:t>
+              </a:r>
+              <a:r>
+                <a:rPr lang="es-ES" sz="1000" dirty="0" err="1">
+                  <a:solidFill>
+                    <a:schemeClr val="tx1"/>
+                  </a:solidFill>
+                </a:rPr>
+                <a:t>Oberkorn</a:t>
+              </a:r>
+              <a:r>
+                <a:rPr lang="es-ES" sz="1000" dirty="0">
+                  <a:solidFill>
+                    <a:schemeClr val="tx1"/>
+                  </a:solidFill>
+                </a:rPr>
+                <a:t> </a:t>
+              </a:r>
+              <a:r>
+                <a:rPr lang="es-ES" sz="1000" dirty="0" err="1">
+                  <a:solidFill>
+                    <a:schemeClr val="tx1"/>
+                  </a:solidFill>
+                </a:rPr>
+                <a:t>Authorizator</a:t>
+              </a:r>
+              <a:endParaRPr lang="es-ES" sz="1000" dirty="0">
+                <a:solidFill>
+                  <a:schemeClr val="tx1"/>
+                </a:solidFill>
+              </a:endParaRPr>
+            </a:p>
+          </p:txBody>
+        </p:sp>
+        <p:pic>
+          <p:nvPicPr>
+            <p:cNvPr id="19" name="Picture 18">
+              <a:extLst>
+                <a:ext uri="{FF2B5EF4-FFF2-40B4-BE49-F238E27FC236}">
+                  <a16:creationId xmlns:a16="http://schemas.microsoft.com/office/drawing/2014/main" id="{F6AF3DB9-927B-1385-BB21-6B4D9E8AE21B}"/>
+                </a:ext>
+              </a:extLst>
+            </p:cNvPr>
+            <p:cNvPicPr>
+              <a:picLocks noChangeAspect="1"/>
+            </p:cNvPicPr>
+            <p:nvPr/>
+          </p:nvPicPr>
+          <p:blipFill>
+            <a:blip r:embed="rId3">
+              <a:clrChange>
+                <a:clrFrom>
+                  <a:srgbClr val="FFFFFF"/>
+                </a:clrFrom>
+                <a:clrTo>
+                  <a:srgbClr val="FFFFFF">
+                    <a:alpha val="0"/>
+                  </a:srgbClr>
+                </a:clrTo>
+              </a:clrChange>
+            </a:blip>
+            <a:stretch>
+              <a:fillRect/>
+            </a:stretch>
+          </p:blipFill>
+          <p:spPr>
+            <a:xfrm>
+              <a:off x="6721341" y="5339062"/>
+              <a:ext cx="433078" cy="448704"/>
+            </a:xfrm>
+            <a:prstGeom prst="rect">
+              <a:avLst/>
+            </a:prstGeom>
+          </p:spPr>
+        </p:pic>
+      </p:grpSp>
+      <p:grpSp>
+        <p:nvGrpSpPr>
+          <p:cNvPr id="26" name="Group 25">
+            <a:extLst>
+              <a:ext uri="{FF2B5EF4-FFF2-40B4-BE49-F238E27FC236}">
+                <a16:creationId xmlns:a16="http://schemas.microsoft.com/office/drawing/2014/main" id="{4101EF72-E0AF-5AAF-C360-152C6D48E08A}"/>
+              </a:ext>
+            </a:extLst>
+          </p:cNvPr>
+          <p:cNvGrpSpPr/>
+          <p:nvPr/>
+        </p:nvGrpSpPr>
+        <p:grpSpPr>
+          <a:xfrm>
+            <a:off x="9053287" y="3996637"/>
+            <a:ext cx="1311545" cy="733280"/>
+            <a:chOff x="5843261" y="5038329"/>
+            <a:chExt cx="1311545" cy="733280"/>
+          </a:xfrm>
+        </p:grpSpPr>
+        <p:sp>
+          <p:nvSpPr>
+            <p:cNvPr id="27" name="Rectangle: Rounded Corners 26">
+              <a:extLst>
+                <a:ext uri="{FF2B5EF4-FFF2-40B4-BE49-F238E27FC236}">
+                  <a16:creationId xmlns:a16="http://schemas.microsoft.com/office/drawing/2014/main" id="{CF69AB64-086F-E28C-FE25-FDE82A03BBB3}"/>
+                </a:ext>
+              </a:extLst>
+            </p:cNvPr>
+            <p:cNvSpPr/>
+            <p:nvPr/>
+          </p:nvSpPr>
+          <p:spPr>
+            <a:xfrm>
+              <a:off x="5843261" y="5038329"/>
+              <a:ext cx="982600" cy="504329"/>
+            </a:xfrm>
+            <a:prstGeom prst="roundRect">
+              <a:avLst>
+                <a:gd name="adj" fmla="val 11979"/>
+              </a:avLst>
+            </a:prstGeom>
+            <a:solidFill>
+              <a:schemeClr val="bg1"/>
+            </a:solidFill>
+          </p:spPr>
+          <p:style>
+            <a:lnRef idx="2">
+              <a:schemeClr val="accent1">
+                <a:shade val="15000"/>
+              </a:schemeClr>
+            </a:lnRef>
+            <a:fillRef idx="1">
+              <a:schemeClr val="accent1"/>
+            </a:fillRef>
+            <a:effectRef idx="0">
+              <a:schemeClr val="accent1"/>
+            </a:effectRef>
+            <a:fontRef idx="minor">
+              <a:schemeClr val="lt1"/>
+            </a:fontRef>
+          </p:style>
+          <p:txBody>
+            <a:bodyPr rtlCol="0" anchor="ctr"/>
+            <a:lstStyle/>
+            <a:p>
+              <a:pPr algn="ctr"/>
+              <a:r>
+                <a:rPr lang="es-ES" sz="1000" dirty="0" err="1">
+                  <a:solidFill>
+                    <a:schemeClr val="tx1"/>
+                  </a:solidFill>
+                </a:rPr>
+                <a:t>Any</a:t>
+              </a:r>
+              <a:r>
+                <a:rPr lang="es-ES" sz="1000" dirty="0">
+                  <a:solidFill>
+                    <a:schemeClr val="tx1"/>
+                  </a:solidFill>
+                </a:rPr>
+                <a:t> </a:t>
+              </a:r>
+              <a:r>
+                <a:rPr lang="es-ES" sz="1000" dirty="0" err="1">
+                  <a:solidFill>
+                    <a:schemeClr val="tx1"/>
+                  </a:solidFill>
+                </a:rPr>
+                <a:t>Oberkorn</a:t>
+              </a:r>
+              <a:endParaRPr lang="es-ES" sz="1000" dirty="0">
+                <a:solidFill>
+                  <a:schemeClr val="tx1"/>
+                </a:solidFill>
+              </a:endParaRPr>
+            </a:p>
+            <a:p>
+              <a:pPr algn="ctr"/>
+              <a:r>
+                <a:rPr lang="es-ES" sz="1000" dirty="0" err="1">
+                  <a:solidFill>
+                    <a:schemeClr val="tx1"/>
+                  </a:solidFill>
+                </a:rPr>
+                <a:t>Authorizator</a:t>
+              </a:r>
+              <a:endParaRPr lang="es-ES" sz="1000" dirty="0">
+                <a:solidFill>
+                  <a:schemeClr val="tx1"/>
+                </a:solidFill>
+              </a:endParaRPr>
+            </a:p>
+          </p:txBody>
+        </p:sp>
+        <p:pic>
+          <p:nvPicPr>
+            <p:cNvPr id="28" name="Picture 27">
+              <a:extLst>
+                <a:ext uri="{FF2B5EF4-FFF2-40B4-BE49-F238E27FC236}">
+                  <a16:creationId xmlns:a16="http://schemas.microsoft.com/office/drawing/2014/main" id="{45902974-05C0-7F9E-6C71-B9B3EED534E2}"/>
+                </a:ext>
+              </a:extLst>
+            </p:cNvPr>
+            <p:cNvPicPr>
+              <a:picLocks noChangeAspect="1"/>
+            </p:cNvPicPr>
+            <p:nvPr/>
+          </p:nvPicPr>
+          <p:blipFill>
+            <a:blip r:embed="rId3">
+              <a:clrChange>
+                <a:clrFrom>
+                  <a:srgbClr val="FFFFFF"/>
+                </a:clrFrom>
+                <a:clrTo>
+                  <a:srgbClr val="FFFFFF">
+                    <a:alpha val="0"/>
+                  </a:srgbClr>
+                </a:clrTo>
+              </a:clrChange>
+            </a:blip>
+            <a:stretch>
+              <a:fillRect/>
+            </a:stretch>
+          </p:blipFill>
+          <p:spPr>
+            <a:xfrm>
+              <a:off x="6721728" y="5322905"/>
+              <a:ext cx="433078" cy="448704"/>
+            </a:xfrm>
+            <a:prstGeom prst="rect">
+              <a:avLst/>
+            </a:prstGeom>
+          </p:spPr>
+        </p:pic>
+      </p:grpSp>
+      <p:sp>
+        <p:nvSpPr>
+          <p:cNvPr id="32" name="Rectangle: Rounded Corners 31">
+            <a:extLst>
+              <a:ext uri="{FF2B5EF4-FFF2-40B4-BE49-F238E27FC236}">
+                <a16:creationId xmlns:a16="http://schemas.microsoft.com/office/drawing/2014/main" id="{3315CAD3-C648-DEF6-E470-CDECB96A5CFA}"/>
+              </a:ext>
+            </a:extLst>
+          </p:cNvPr>
+          <p:cNvSpPr/>
+          <p:nvPr/>
+        </p:nvSpPr>
+        <p:spPr>
+          <a:xfrm>
+            <a:off x="8864184" y="3755426"/>
+            <a:ext cx="1648332" cy="1920240"/>
+          </a:xfrm>
+          <a:prstGeom prst="roundRect">
+            <a:avLst>
+              <a:gd name="adj" fmla="val 4427"/>
+            </a:avLst>
+          </a:prstGeom>
+          <a:noFill/>
+          <a:ln>
+            <a:prstDash val="dash"/>
+          </a:ln>
+        </p:spPr>
+        <p:style>
+          <a:lnRef idx="2">
+            <a:schemeClr val="accent1">
+              <a:shade val="15000"/>
+            </a:schemeClr>
+          </a:lnRef>
+          <a:fillRef idx="1">
+            <a:schemeClr val="accent1"/>
+          </a:fillRef>
+          <a:effectRef idx="0">
+            <a:schemeClr val="accent1"/>
+          </a:effectRef>
+          <a:fontRef idx="minor">
+            <a:schemeClr val="lt1"/>
+          </a:fontRef>
+        </p:style>
+        <p:txBody>
+          <a:bodyPr rtlCol="0" anchor="ctr"/>
+          <a:lstStyle/>
+          <a:p>
+            <a:pPr algn="ctr"/>
+            <a:endParaRPr lang="es-ES"/>
+          </a:p>
+        </p:txBody>
+      </p:sp>
+      <p:sp>
+        <p:nvSpPr>
+          <p:cNvPr id="55" name="TextBox 54">
+            <a:extLst>
+              <a:ext uri="{FF2B5EF4-FFF2-40B4-BE49-F238E27FC236}">
+                <a16:creationId xmlns:a16="http://schemas.microsoft.com/office/drawing/2014/main" id="{5A809FCC-2B9C-C148-81C6-6940EBC339BC}"/>
+              </a:ext>
+            </a:extLst>
+          </p:cNvPr>
+          <p:cNvSpPr txBox="1"/>
+          <p:nvPr/>
+        </p:nvSpPr>
+        <p:spPr>
+          <a:xfrm>
+            <a:off x="8840815" y="3743547"/>
+            <a:ext cx="699230" cy="215444"/>
+          </a:xfrm>
+          <a:prstGeom prst="rect">
+            <a:avLst/>
+          </a:prstGeom>
+          <a:noFill/>
+        </p:spPr>
+        <p:txBody>
+          <a:bodyPr wrap="none" rtlCol="0">
+            <a:spAutoFit/>
+          </a:bodyPr>
+          <a:lstStyle/>
+          <a:p>
+            <a:pPr algn="ctr"/>
+            <a:r>
+              <a:rPr lang="es-ES" sz="800" dirty="0" err="1"/>
+              <a:t>Deployment</a:t>
+            </a:r>
+            <a:endParaRPr lang="es-ES" sz="800" dirty="0"/>
+          </a:p>
+        </p:txBody>
+      </p:sp>
+      <p:grpSp>
+        <p:nvGrpSpPr>
+          <p:cNvPr id="7" name="Group 6">
+            <a:extLst>
+              <a:ext uri="{FF2B5EF4-FFF2-40B4-BE49-F238E27FC236}">
+                <a16:creationId xmlns:a16="http://schemas.microsoft.com/office/drawing/2014/main" id="{19D24226-9B7C-D880-2754-5D1BB38B1E47}"/>
+              </a:ext>
+            </a:extLst>
+          </p:cNvPr>
+          <p:cNvGrpSpPr/>
+          <p:nvPr/>
+        </p:nvGrpSpPr>
+        <p:grpSpPr>
+          <a:xfrm>
+            <a:off x="2134130" y="2887190"/>
+            <a:ext cx="2047875" cy="1314450"/>
+            <a:chOff x="2134130" y="2887190"/>
+            <a:chExt cx="2047875" cy="1314450"/>
+          </a:xfrm>
+        </p:grpSpPr>
+        <p:sp>
+          <p:nvSpPr>
+            <p:cNvPr id="5" name="Rectangle: Rounded Corners 4">
+              <a:extLst>
+                <a:ext uri="{FF2B5EF4-FFF2-40B4-BE49-F238E27FC236}">
+                  <a16:creationId xmlns:a16="http://schemas.microsoft.com/office/drawing/2014/main" id="{D893CDFD-7304-57AE-6C1D-EA2D450CBF73}"/>
+                </a:ext>
+              </a:extLst>
+            </p:cNvPr>
+            <p:cNvSpPr/>
+            <p:nvPr/>
+          </p:nvSpPr>
+          <p:spPr>
+            <a:xfrm>
+              <a:off x="2134130" y="2887190"/>
+              <a:ext cx="2047875" cy="1314450"/>
+            </a:xfrm>
+            <a:prstGeom prst="roundRect">
+              <a:avLst>
+                <a:gd name="adj" fmla="val 11979"/>
+              </a:avLst>
+            </a:prstGeom>
+            <a:solidFill>
+              <a:schemeClr val="bg1"/>
+            </a:solidFill>
+          </p:spPr>
+          <p:style>
+            <a:lnRef idx="2">
+              <a:schemeClr val="accent1">
+                <a:shade val="15000"/>
+              </a:schemeClr>
+            </a:lnRef>
+            <a:fillRef idx="1">
+              <a:schemeClr val="accent1"/>
+            </a:fillRef>
+            <a:effectRef idx="0">
+              <a:schemeClr val="accent1"/>
+            </a:effectRef>
+            <a:fontRef idx="minor">
+              <a:schemeClr val="lt1"/>
+            </a:fontRef>
+          </p:style>
+          <p:txBody>
+            <a:bodyPr rtlCol="0" anchor="ctr"/>
+            <a:lstStyle/>
+            <a:p>
+              <a:pPr algn="ctr"/>
+              <a:endParaRPr lang="es-ES"/>
+            </a:p>
+          </p:txBody>
+        </p:sp>
+        <p:pic>
+          <p:nvPicPr>
+            <p:cNvPr id="4" name="Picture 3">
+              <a:extLst>
+                <a:ext uri="{FF2B5EF4-FFF2-40B4-BE49-F238E27FC236}">
+                  <a16:creationId xmlns:a16="http://schemas.microsoft.com/office/drawing/2014/main" id="{33F415E6-E019-A0BB-D42C-4A3F3240CF44}"/>
+                </a:ext>
+              </a:extLst>
+            </p:cNvPr>
+            <p:cNvPicPr>
+              <a:picLocks noChangeAspect="1"/>
+            </p:cNvPicPr>
+            <p:nvPr/>
+          </p:nvPicPr>
+          <p:blipFill>
+            <a:blip r:embed="rId4"/>
+            <a:stretch>
+              <a:fillRect/>
+            </a:stretch>
+          </p:blipFill>
+          <p:spPr>
+            <a:xfrm>
+              <a:off x="2627557" y="3020264"/>
+              <a:ext cx="1060562" cy="1048301"/>
+            </a:xfrm>
+            <a:prstGeom prst="rect">
+              <a:avLst/>
+            </a:prstGeom>
+          </p:spPr>
+        </p:pic>
+      </p:grpSp>
+      <p:pic>
+        <p:nvPicPr>
+          <p:cNvPr id="6" name="Picture 6" descr="Browser window, blank web page vector template By Microvector ...">
+            <a:extLst>
+              <a:ext uri="{FF2B5EF4-FFF2-40B4-BE49-F238E27FC236}">
+                <a16:creationId xmlns:a16="http://schemas.microsoft.com/office/drawing/2014/main" id="{9B4B1346-1FD1-CFC2-FCF8-22E3D59E9468}"/>
+              </a:ext>
+            </a:extLst>
+          </p:cNvPr>
+          <p:cNvPicPr>
+            <a:picLocks noChangeAspect="1" noChangeArrowheads="1"/>
+          </p:cNvPicPr>
+          <p:nvPr/>
+        </p:nvPicPr>
+        <p:blipFill rotWithShape="1">
+          <a:blip r:embed="rId5">
+            <a:extLst>
+              <a:ext uri="{BEBA8EAE-BF5A-486C-A8C5-ECC9F3942E4B}">
+                <a14:imgProps xmlns:a14="http://schemas.microsoft.com/office/drawing/2010/main">
+                  <a14:imgLayer r:embed="rId6">
+                    <a14:imgEffect>
+                      <a14:saturation sat="400000"/>
+                    </a14:imgEffect>
+                    <a14:imgEffect>
+                      <a14:brightnessContrast bright="-20000" contrast="40000"/>
+                    </a14:imgEffect>
+                  </a14:imgLayer>
+                </a14:imgProps>
+              </a:ext>
+              <a:ext uri="{28A0092B-C50C-407E-A947-70E740481C1C}">
+                <a14:useLocalDpi xmlns:a14="http://schemas.microsoft.com/office/drawing/2010/main" val="0"/>
+              </a:ext>
+            </a:extLst>
+          </a:blip>
+          <a:srcRect l="10207" t="19062" r="10174" b="20464"/>
+          <a:stretch/>
+        </p:blipFill>
+        <p:spPr bwMode="auto">
+          <a:xfrm>
+            <a:off x="486123" y="3969146"/>
+            <a:ext cx="1054700" cy="890180"/>
+          </a:xfrm>
+          <a:prstGeom prst="rect">
+            <a:avLst/>
+          </a:prstGeom>
+          <a:noFill/>
+          <a:extLst>
+            <a:ext uri="{909E8E84-426E-40DD-AFC4-6F175D3DCCD1}">
+              <a14:hiddenFill xmlns:a14="http://schemas.microsoft.com/office/drawing/2010/main">
+                <a:solidFill>
+                  <a:srgbClr val="FFFFFF"/>
+                </a:solidFill>
+              </a14:hiddenFill>
+            </a:ext>
+          </a:extLst>
+        </p:spPr>
+      </p:pic>
+      <p:pic>
+        <p:nvPicPr>
+          <p:cNvPr id="15" name="Picture 14">
+            <a:extLst>
+              <a:ext uri="{FF2B5EF4-FFF2-40B4-BE49-F238E27FC236}">
+                <a16:creationId xmlns:a16="http://schemas.microsoft.com/office/drawing/2014/main" id="{BE919630-1B02-14D1-E40E-B935ADD91F27}"/>
+              </a:ext>
+            </a:extLst>
+          </p:cNvPr>
+          <p:cNvPicPr>
+            <a:picLocks noChangeAspect="1"/>
+          </p:cNvPicPr>
+          <p:nvPr/>
+        </p:nvPicPr>
+        <p:blipFill>
+          <a:blip r:embed="rId7"/>
+          <a:stretch>
+            <a:fillRect/>
+          </a:stretch>
+        </p:blipFill>
+        <p:spPr>
+          <a:xfrm>
+            <a:off x="549391" y="4117798"/>
+            <a:ext cx="848842" cy="718889"/>
+          </a:xfrm>
+          <a:prstGeom prst="rect">
+            <a:avLst/>
+          </a:prstGeom>
+        </p:spPr>
+      </p:pic>
+      <p:cxnSp>
+        <p:nvCxnSpPr>
+          <p:cNvPr id="29" name="Connector: Elbow 28">
+            <a:extLst>
+              <a:ext uri="{FF2B5EF4-FFF2-40B4-BE49-F238E27FC236}">
+                <a16:creationId xmlns:a16="http://schemas.microsoft.com/office/drawing/2014/main" id="{FC8CEDED-CBD0-E5B2-C4A1-FE5D1B3F507B}"/>
+              </a:ext>
+            </a:extLst>
+          </p:cNvPr>
+          <p:cNvCxnSpPr>
+            <a:cxnSpLocks/>
+            <a:stCxn id="6" idx="0"/>
+            <a:endCxn id="5" idx="1"/>
+          </p:cNvCxnSpPr>
+          <p:nvPr/>
+        </p:nvCxnSpPr>
+        <p:spPr>
+          <a:xfrm rot="5400000" flipH="1" flipV="1">
+            <a:off x="1361436" y="3196453"/>
+            <a:ext cx="424731" cy="1120657"/>
+          </a:xfrm>
+          <a:prstGeom prst="bentConnector2">
+            <a:avLst/>
+          </a:prstGeom>
+          <a:ln>
+            <a:tailEnd type="triangle"/>
+          </a:ln>
+        </p:spPr>
+        <p:style>
+          <a:lnRef idx="1">
+            <a:schemeClr val="accent1"/>
+          </a:lnRef>
+          <a:fillRef idx="0">
+            <a:schemeClr val="accent1"/>
+          </a:fillRef>
+          <a:effectRef idx="0">
+            <a:schemeClr val="accent1"/>
+          </a:effectRef>
+          <a:fontRef idx="minor">
+            <a:schemeClr val="tx1"/>
+          </a:fontRef>
+        </p:style>
+      </p:cxnSp>
+      <p:sp>
+        <p:nvSpPr>
+          <p:cNvPr id="33" name="Rectangle: Top Corners Snipped 32">
+            <a:extLst>
+              <a:ext uri="{FF2B5EF4-FFF2-40B4-BE49-F238E27FC236}">
+                <a16:creationId xmlns:a16="http://schemas.microsoft.com/office/drawing/2014/main" id="{4E93D673-3AB1-5D34-CCDA-4A9F6B81D66A}"/>
+              </a:ext>
+            </a:extLst>
+          </p:cNvPr>
+          <p:cNvSpPr/>
+          <p:nvPr/>
+        </p:nvSpPr>
+        <p:spPr>
+          <a:xfrm rot="16200000">
+            <a:off x="4772172" y="1488391"/>
+            <a:ext cx="881062" cy="622952"/>
+          </a:xfrm>
+          <a:prstGeom prst="snip2SameRect">
+            <a:avLst/>
+          </a:prstGeom>
+        </p:spPr>
+        <p:style>
+          <a:lnRef idx="2">
+            <a:schemeClr val="accent1">
+              <a:shade val="15000"/>
+            </a:schemeClr>
+          </a:lnRef>
+          <a:fillRef idx="1">
+            <a:schemeClr val="accent1"/>
+          </a:fillRef>
+          <a:effectRef idx="0">
+            <a:schemeClr val="accent1"/>
+          </a:effectRef>
+          <a:fontRef idx="minor">
+            <a:schemeClr val="lt1"/>
+          </a:fontRef>
+        </p:style>
+        <p:txBody>
+          <a:bodyPr rtlCol="0" anchor="ctr"/>
+          <a:lstStyle/>
+          <a:p>
+            <a:pPr algn="ctr"/>
+            <a:r>
+              <a:rPr lang="es-ES" sz="1200" dirty="0" err="1"/>
+              <a:t>OberkornService</a:t>
+            </a:r>
+            <a:endParaRPr lang="es-ES" sz="1200" dirty="0"/>
+          </a:p>
+        </p:txBody>
+      </p:sp>
+      <p:cxnSp>
+        <p:nvCxnSpPr>
+          <p:cNvPr id="38" name="Connector: Elbow 29">
+            <a:extLst>
+              <a:ext uri="{FF2B5EF4-FFF2-40B4-BE49-F238E27FC236}">
+                <a16:creationId xmlns:a16="http://schemas.microsoft.com/office/drawing/2014/main" id="{73DAB56D-2188-4A64-AE19-648068C20E8D}"/>
+              </a:ext>
+            </a:extLst>
+          </p:cNvPr>
+          <p:cNvCxnSpPr>
+            <a:cxnSpLocks/>
+            <a:stCxn id="33" idx="1"/>
+            <a:endCxn id="48" idx="1"/>
+          </p:cNvCxnSpPr>
+          <p:nvPr/>
+        </p:nvCxnSpPr>
+        <p:spPr>
+          <a:xfrm flipV="1">
+            <a:off x="5524179" y="1799599"/>
+            <a:ext cx="652344" cy="268"/>
+          </a:xfrm>
+          <a:prstGeom prst="straightConnector1">
+            <a:avLst/>
+          </a:prstGeom>
+          <a:ln>
+            <a:tailEnd type="triangle"/>
+          </a:ln>
+        </p:spPr>
+        <p:style>
+          <a:lnRef idx="1">
+            <a:schemeClr val="accent1"/>
+          </a:lnRef>
+          <a:fillRef idx="0">
+            <a:schemeClr val="accent1"/>
+          </a:fillRef>
+          <a:effectRef idx="0">
+            <a:schemeClr val="accent1"/>
+          </a:effectRef>
+          <a:fontRef idx="minor">
+            <a:schemeClr val="tx1"/>
+          </a:fontRef>
+        </p:style>
+      </p:cxnSp>
+      <p:grpSp>
+        <p:nvGrpSpPr>
+          <p:cNvPr id="47" name="Group 46">
+            <a:extLst>
+              <a:ext uri="{FF2B5EF4-FFF2-40B4-BE49-F238E27FC236}">
+                <a16:creationId xmlns:a16="http://schemas.microsoft.com/office/drawing/2014/main" id="{AC896FD7-CD6A-F133-1DDE-39206036C43A}"/>
+              </a:ext>
+            </a:extLst>
+          </p:cNvPr>
+          <p:cNvGrpSpPr/>
+          <p:nvPr/>
+        </p:nvGrpSpPr>
+        <p:grpSpPr>
+          <a:xfrm>
+            <a:off x="6176523" y="1547434"/>
+            <a:ext cx="1307354" cy="728682"/>
+            <a:chOff x="5784195" y="5055352"/>
+            <a:chExt cx="1307354" cy="728682"/>
+          </a:xfrm>
+        </p:grpSpPr>
+        <p:sp>
+          <p:nvSpPr>
+            <p:cNvPr id="48" name="Rectangle: Rounded Corners 47">
+              <a:extLst>
+                <a:ext uri="{FF2B5EF4-FFF2-40B4-BE49-F238E27FC236}">
+                  <a16:creationId xmlns:a16="http://schemas.microsoft.com/office/drawing/2014/main" id="{F64BB09B-B684-BC79-1BF1-40ACA6712649}"/>
+                </a:ext>
+              </a:extLst>
+            </p:cNvPr>
+            <p:cNvSpPr/>
+            <p:nvPr/>
+          </p:nvSpPr>
+          <p:spPr>
+            <a:xfrm>
+              <a:off x="5784195" y="5055352"/>
+              <a:ext cx="982600" cy="504329"/>
+            </a:xfrm>
+            <a:prstGeom prst="roundRect">
+              <a:avLst>
+                <a:gd name="adj" fmla="val 11979"/>
+              </a:avLst>
+            </a:prstGeom>
+            <a:solidFill>
+              <a:schemeClr val="bg1"/>
+            </a:solidFill>
+          </p:spPr>
+          <p:style>
+            <a:lnRef idx="2">
+              <a:schemeClr val="accent1">
+                <a:shade val="15000"/>
+              </a:schemeClr>
+            </a:lnRef>
+            <a:fillRef idx="1">
+              <a:schemeClr val="accent1"/>
+            </a:fillRef>
+            <a:effectRef idx="0">
+              <a:schemeClr val="accent1"/>
+            </a:effectRef>
+            <a:fontRef idx="minor">
+              <a:schemeClr val="lt1"/>
+            </a:fontRef>
+          </p:style>
+          <p:txBody>
+            <a:bodyPr rtlCol="0" anchor="ctr"/>
+            <a:lstStyle/>
+            <a:p>
+              <a:pPr algn="ctr"/>
+              <a:r>
+                <a:rPr lang="es-ES" sz="1050" dirty="0" err="1">
+                  <a:solidFill>
+                    <a:schemeClr val="tx1"/>
+                  </a:solidFill>
+                </a:rPr>
+                <a:t>Oberkorn</a:t>
+              </a:r>
+              <a:endParaRPr lang="es-ES" sz="1050" dirty="0">
+                <a:solidFill>
+                  <a:schemeClr val="tx1"/>
+                </a:solidFill>
+              </a:endParaRPr>
+            </a:p>
+            <a:p>
+              <a:pPr algn="ctr"/>
+              <a:r>
+                <a:rPr lang="es-ES" sz="1050" dirty="0" err="1">
+                  <a:solidFill>
+                    <a:schemeClr val="tx1"/>
+                  </a:solidFill>
+                </a:rPr>
+                <a:t>Console</a:t>
+              </a:r>
+              <a:endParaRPr lang="es-ES" sz="1050" dirty="0">
+                <a:solidFill>
+                  <a:schemeClr val="tx1"/>
+                </a:solidFill>
+              </a:endParaRPr>
+            </a:p>
+            <a:p>
+              <a:pPr algn="ctr"/>
+              <a:r>
+                <a:rPr lang="es-ES" sz="1050" dirty="0" err="1">
+                  <a:solidFill>
+                    <a:schemeClr val="tx1"/>
+                  </a:solidFill>
+                </a:rPr>
+                <a:t>Authorizator</a:t>
+              </a:r>
+              <a:endParaRPr lang="es-ES" sz="1050" dirty="0">
+                <a:solidFill>
+                  <a:schemeClr val="tx1"/>
+                </a:solidFill>
+              </a:endParaRPr>
+            </a:p>
+          </p:txBody>
+        </p:sp>
+        <p:pic>
+          <p:nvPicPr>
+            <p:cNvPr id="49" name="Picture 48">
+              <a:extLst>
+                <a:ext uri="{FF2B5EF4-FFF2-40B4-BE49-F238E27FC236}">
+                  <a16:creationId xmlns:a16="http://schemas.microsoft.com/office/drawing/2014/main" id="{77E0A57D-5617-A2A7-2A89-43F33DC54009}"/>
+                </a:ext>
+              </a:extLst>
+            </p:cNvPr>
+            <p:cNvPicPr>
+              <a:picLocks noChangeAspect="1"/>
+            </p:cNvPicPr>
+            <p:nvPr/>
+          </p:nvPicPr>
+          <p:blipFill>
+            <a:blip r:embed="rId3">
+              <a:clrChange>
+                <a:clrFrom>
+                  <a:srgbClr val="FFFFFF"/>
+                </a:clrFrom>
+                <a:clrTo>
+                  <a:srgbClr val="FFFFFF">
+                    <a:alpha val="0"/>
+                  </a:srgbClr>
+                </a:clrTo>
+              </a:clrChange>
+            </a:blip>
+            <a:stretch>
+              <a:fillRect/>
+            </a:stretch>
+          </p:blipFill>
+          <p:spPr>
+            <a:xfrm>
+              <a:off x="6658471" y="5335330"/>
+              <a:ext cx="433078" cy="448704"/>
+            </a:xfrm>
+            <a:prstGeom prst="rect">
+              <a:avLst/>
+            </a:prstGeom>
+          </p:spPr>
+        </p:pic>
+      </p:grpSp>
+      <p:cxnSp>
+        <p:nvCxnSpPr>
+          <p:cNvPr id="60" name="Connector: Elbow 59">
+            <a:extLst>
+              <a:ext uri="{FF2B5EF4-FFF2-40B4-BE49-F238E27FC236}">
+                <a16:creationId xmlns:a16="http://schemas.microsoft.com/office/drawing/2014/main" id="{94A3A303-BEAB-6307-1C93-D0DE41FA49BE}"/>
+              </a:ext>
+            </a:extLst>
+          </p:cNvPr>
+          <p:cNvCxnSpPr>
+            <a:cxnSpLocks/>
+            <a:stCxn id="20" idx="2"/>
+            <a:endCxn id="12" idx="3"/>
+          </p:cNvCxnSpPr>
+          <p:nvPr/>
+        </p:nvCxnSpPr>
+        <p:spPr>
+          <a:xfrm rot="16200000" flipH="1">
+            <a:off x="6878794" y="3689590"/>
+            <a:ext cx="498137" cy="1497294"/>
+          </a:xfrm>
+          <a:prstGeom prst="bentConnector2">
+            <a:avLst/>
+          </a:prstGeom>
+          <a:ln>
+            <a:prstDash val="solid"/>
+            <a:headEnd type="none" w="med" len="med"/>
+            <a:tailEnd type="triangle" w="med" len="med"/>
+          </a:ln>
+        </p:spPr>
+        <p:style>
+          <a:lnRef idx="1">
+            <a:schemeClr val="accent1"/>
+          </a:lnRef>
+          <a:fillRef idx="0">
+            <a:schemeClr val="accent1"/>
+          </a:fillRef>
+          <a:effectRef idx="0">
+            <a:schemeClr val="accent1"/>
+          </a:effectRef>
+          <a:fontRef idx="minor">
+            <a:schemeClr val="tx1"/>
+          </a:fontRef>
+        </p:style>
+      </p:cxnSp>
+      <p:sp>
+        <p:nvSpPr>
+          <p:cNvPr id="1025" name="Flowchart: Magnetic Disk 1024">
+            <a:extLst>
+              <a:ext uri="{FF2B5EF4-FFF2-40B4-BE49-F238E27FC236}">
+                <a16:creationId xmlns:a16="http://schemas.microsoft.com/office/drawing/2014/main" id="{3C979FDB-4C79-1F43-C107-D88525449548}"/>
+              </a:ext>
+            </a:extLst>
+          </p:cNvPr>
+          <p:cNvSpPr/>
+          <p:nvPr/>
+        </p:nvSpPr>
+        <p:spPr>
+          <a:xfrm>
+            <a:off x="5624564" y="3119974"/>
+            <a:ext cx="423068" cy="448291"/>
+          </a:xfrm>
+          <a:prstGeom prst="flowChartMagneticDisk">
+            <a:avLst/>
+          </a:prstGeom>
+        </p:spPr>
+        <p:style>
+          <a:lnRef idx="2">
+            <a:schemeClr val="accent1">
+              <a:shade val="15000"/>
+            </a:schemeClr>
+          </a:lnRef>
+          <a:fillRef idx="1">
+            <a:schemeClr val="accent1"/>
+          </a:fillRef>
+          <a:effectRef idx="0">
+            <a:schemeClr val="accent1"/>
+          </a:effectRef>
+          <a:fontRef idx="minor">
+            <a:schemeClr val="lt1"/>
+          </a:fontRef>
+        </p:style>
+        <p:txBody>
+          <a:bodyPr lIns="0" tIns="0" rIns="0" bIns="0" rtlCol="0" anchor="ctr"/>
+          <a:lstStyle/>
+          <a:p>
+            <a:pPr algn="ctr"/>
+            <a:r>
+              <a:rPr lang="es-ES" sz="800" b="1" dirty="0" err="1"/>
+              <a:t>Console</a:t>
+            </a:r>
+            <a:endParaRPr lang="es-ES" sz="800" b="1" dirty="0"/>
+          </a:p>
+          <a:p>
+            <a:pPr algn="ctr"/>
+            <a:r>
+              <a:rPr lang="es-ES" sz="800" b="1" dirty="0"/>
+              <a:t>(SPA)</a:t>
+            </a:r>
+          </a:p>
+        </p:txBody>
+      </p:sp>
+      <p:sp>
+        <p:nvSpPr>
+          <p:cNvPr id="1026" name="Rectangle: Top Corners Snipped 1025">
+            <a:extLst>
+              <a:ext uri="{FF2B5EF4-FFF2-40B4-BE49-F238E27FC236}">
+                <a16:creationId xmlns:a16="http://schemas.microsoft.com/office/drawing/2014/main" id="{FC69C859-8117-91BE-16D1-C67345B9A973}"/>
+              </a:ext>
+            </a:extLst>
+          </p:cNvPr>
+          <p:cNvSpPr/>
+          <p:nvPr/>
+        </p:nvSpPr>
+        <p:spPr>
+          <a:xfrm rot="16200000">
+            <a:off x="5081899" y="3686641"/>
+            <a:ext cx="375731" cy="338404"/>
+          </a:xfrm>
+          <a:prstGeom prst="snip2SameRect">
+            <a:avLst/>
+          </a:prstGeom>
+        </p:spPr>
+        <p:style>
+          <a:lnRef idx="2">
+            <a:schemeClr val="accent1">
+              <a:shade val="15000"/>
+            </a:schemeClr>
+          </a:lnRef>
+          <a:fillRef idx="1">
+            <a:schemeClr val="accent1"/>
+          </a:fillRef>
+          <a:effectRef idx="0">
+            <a:schemeClr val="accent1"/>
+          </a:effectRef>
+          <a:fontRef idx="minor">
+            <a:schemeClr val="lt1"/>
+          </a:fontRef>
+        </p:style>
+        <p:txBody>
+          <a:bodyPr vert="vert" rtlCol="0" anchor="ctr"/>
+          <a:lstStyle/>
+          <a:p>
+            <a:pPr algn="ctr"/>
+            <a:r>
+              <a:rPr lang="es-ES" sz="800" b="1" dirty="0"/>
+              <a:t>API</a:t>
+            </a:r>
+          </a:p>
+        </p:txBody>
+      </p:sp>
+      <p:sp>
+        <p:nvSpPr>
+          <p:cNvPr id="1027" name="Rectangle: Top Corners Snipped 1026">
+            <a:extLst>
+              <a:ext uri="{FF2B5EF4-FFF2-40B4-BE49-F238E27FC236}">
+                <a16:creationId xmlns:a16="http://schemas.microsoft.com/office/drawing/2014/main" id="{2ACD6735-F229-26A9-F9EB-C4BF63C3CA03}"/>
+              </a:ext>
+            </a:extLst>
+          </p:cNvPr>
+          <p:cNvSpPr/>
+          <p:nvPr/>
+        </p:nvSpPr>
+        <p:spPr>
+          <a:xfrm rot="16200000">
+            <a:off x="5081899" y="3174918"/>
+            <a:ext cx="375731" cy="338404"/>
+          </a:xfrm>
+          <a:prstGeom prst="snip2SameRect">
+            <a:avLst/>
+          </a:prstGeom>
+        </p:spPr>
+        <p:style>
+          <a:lnRef idx="2">
+            <a:schemeClr val="accent1">
+              <a:shade val="15000"/>
+            </a:schemeClr>
+          </a:lnRef>
+          <a:fillRef idx="1">
+            <a:schemeClr val="accent1"/>
+          </a:fillRef>
+          <a:effectRef idx="0">
+            <a:schemeClr val="accent1"/>
+          </a:effectRef>
+          <a:fontRef idx="minor">
+            <a:schemeClr val="lt1"/>
+          </a:fontRef>
+        </p:style>
+        <p:txBody>
+          <a:bodyPr vert="vert" rtlCol="0" anchor="ctr"/>
+          <a:lstStyle/>
+          <a:p>
+            <a:pPr algn="ctr"/>
+            <a:r>
+              <a:rPr lang="es-ES" sz="800" b="1" dirty="0"/>
+              <a:t>web</a:t>
+            </a:r>
+          </a:p>
+        </p:txBody>
+      </p:sp>
+      <p:cxnSp>
+        <p:nvCxnSpPr>
+          <p:cNvPr id="1029" name="Connector: Elbow 29">
+            <a:extLst>
+              <a:ext uri="{FF2B5EF4-FFF2-40B4-BE49-F238E27FC236}">
+                <a16:creationId xmlns:a16="http://schemas.microsoft.com/office/drawing/2014/main" id="{333A9950-BB06-BAA7-29FA-FAD880E1C78F}"/>
+              </a:ext>
+            </a:extLst>
+          </p:cNvPr>
+          <p:cNvCxnSpPr>
+            <a:cxnSpLocks/>
+            <a:stCxn id="1027" idx="1"/>
+            <a:endCxn id="1025" idx="2"/>
+          </p:cNvCxnSpPr>
+          <p:nvPr/>
+        </p:nvCxnSpPr>
+        <p:spPr>
+          <a:xfrm>
+            <a:off x="5438967" y="3344120"/>
+            <a:ext cx="185597" cy="0"/>
+          </a:xfrm>
+          <a:prstGeom prst="straightConnector1">
+            <a:avLst/>
+          </a:prstGeom>
+          <a:ln>
+            <a:tailEnd type="triangle"/>
+          </a:ln>
+        </p:spPr>
+        <p:style>
+          <a:lnRef idx="1">
+            <a:schemeClr val="accent1"/>
+          </a:lnRef>
+          <a:fillRef idx="0">
+            <a:schemeClr val="accent1"/>
+          </a:fillRef>
+          <a:effectRef idx="0">
+            <a:schemeClr val="accent1"/>
+          </a:effectRef>
+          <a:fontRef idx="minor">
+            <a:schemeClr val="tx1"/>
+          </a:fontRef>
+        </p:style>
+      </p:cxnSp>
+      <p:cxnSp>
+        <p:nvCxnSpPr>
+          <p:cNvPr id="1034" name="Connector: Elbow 29">
+            <a:extLst>
+              <a:ext uri="{FF2B5EF4-FFF2-40B4-BE49-F238E27FC236}">
+                <a16:creationId xmlns:a16="http://schemas.microsoft.com/office/drawing/2014/main" id="{0FF56261-12ED-3CAF-C45D-750DB5C94738}"/>
+              </a:ext>
+            </a:extLst>
+          </p:cNvPr>
+          <p:cNvCxnSpPr>
+            <a:cxnSpLocks/>
+            <a:stCxn id="5" idx="3"/>
+            <a:endCxn id="1026" idx="3"/>
+          </p:cNvCxnSpPr>
+          <p:nvPr/>
+        </p:nvCxnSpPr>
+        <p:spPr>
+          <a:xfrm>
+            <a:off x="4182005" y="3544415"/>
+            <a:ext cx="918558" cy="311428"/>
+          </a:xfrm>
+          <a:prstGeom prst="straightConnector1">
+            <a:avLst/>
+          </a:prstGeom>
+          <a:ln>
+            <a:tailEnd type="triangle"/>
+          </a:ln>
+        </p:spPr>
+        <p:style>
+          <a:lnRef idx="1">
+            <a:schemeClr val="accent1"/>
+          </a:lnRef>
+          <a:fillRef idx="0">
+            <a:schemeClr val="accent1"/>
+          </a:fillRef>
+          <a:effectRef idx="0">
+            <a:schemeClr val="accent1"/>
+          </a:effectRef>
+          <a:fontRef idx="minor">
+            <a:schemeClr val="tx1"/>
+          </a:fontRef>
+        </p:style>
+      </p:cxnSp>
+      <p:cxnSp>
+        <p:nvCxnSpPr>
+          <p:cNvPr id="1037" name="Connector: Elbow 29">
+            <a:extLst>
+              <a:ext uri="{FF2B5EF4-FFF2-40B4-BE49-F238E27FC236}">
+                <a16:creationId xmlns:a16="http://schemas.microsoft.com/office/drawing/2014/main" id="{001CB8C6-6B2F-E897-BE51-818B8B2D21EF}"/>
+              </a:ext>
+            </a:extLst>
+          </p:cNvPr>
+          <p:cNvCxnSpPr>
+            <a:cxnSpLocks/>
+            <a:stCxn id="5" idx="3"/>
+            <a:endCxn id="1027" idx="3"/>
+          </p:cNvCxnSpPr>
+          <p:nvPr/>
+        </p:nvCxnSpPr>
+        <p:spPr>
+          <a:xfrm flipV="1">
+            <a:off x="4182005" y="3344120"/>
+            <a:ext cx="918558" cy="200295"/>
+          </a:xfrm>
+          <a:prstGeom prst="straightConnector1">
+            <a:avLst/>
+          </a:prstGeom>
+          <a:ln>
+            <a:tailEnd type="triangle"/>
+          </a:ln>
+        </p:spPr>
+        <p:style>
+          <a:lnRef idx="1">
+            <a:schemeClr val="accent1"/>
+          </a:lnRef>
+          <a:fillRef idx="0">
+            <a:schemeClr val="accent1"/>
+          </a:fillRef>
+          <a:effectRef idx="0">
+            <a:schemeClr val="accent1"/>
+          </a:effectRef>
+          <a:fontRef idx="minor">
+            <a:schemeClr val="tx1"/>
+          </a:fontRef>
+        </p:style>
+      </p:cxnSp>
+      <p:cxnSp>
+        <p:nvCxnSpPr>
+          <p:cNvPr id="1047" name="Connector: Elbow 1046">
+            <a:extLst>
+              <a:ext uri="{FF2B5EF4-FFF2-40B4-BE49-F238E27FC236}">
+                <a16:creationId xmlns:a16="http://schemas.microsoft.com/office/drawing/2014/main" id="{B01B6929-F78C-27F4-EBB1-0BD9A505DD6E}"/>
+              </a:ext>
+            </a:extLst>
+          </p:cNvPr>
+          <p:cNvCxnSpPr>
+            <a:cxnSpLocks/>
+            <a:stCxn id="5" idx="0"/>
+            <a:endCxn id="33" idx="3"/>
+          </p:cNvCxnSpPr>
+          <p:nvPr/>
+        </p:nvCxnSpPr>
+        <p:spPr>
+          <a:xfrm rot="5400000" flipH="1" flipV="1">
+            <a:off x="3485986" y="1471950"/>
+            <a:ext cx="1087323" cy="1743159"/>
+          </a:xfrm>
+          <a:prstGeom prst="bentConnector2">
+            <a:avLst/>
+          </a:prstGeom>
+          <a:ln>
+            <a:prstDash val="solid"/>
+            <a:headEnd type="none" w="med" len="med"/>
+            <a:tailEnd type="triangle" w="med" len="med"/>
+          </a:ln>
+        </p:spPr>
+        <p:style>
+          <a:lnRef idx="1">
+            <a:schemeClr val="accent1"/>
+          </a:lnRef>
+          <a:fillRef idx="0">
+            <a:schemeClr val="accent1"/>
+          </a:fillRef>
+          <a:effectRef idx="0">
+            <a:schemeClr val="accent1"/>
+          </a:effectRef>
+          <a:fontRef idx="minor">
+            <a:schemeClr val="tx1"/>
+          </a:fontRef>
+        </p:style>
+      </p:cxnSp>
+      <p:sp>
+        <p:nvSpPr>
+          <p:cNvPr id="1050" name="TextBox 1049">
+            <a:extLst>
+              <a:ext uri="{FF2B5EF4-FFF2-40B4-BE49-F238E27FC236}">
+                <a16:creationId xmlns:a16="http://schemas.microsoft.com/office/drawing/2014/main" id="{044F6180-9DC5-597F-0BA7-2FA510DCC42B}"/>
+              </a:ext>
+            </a:extLst>
+          </p:cNvPr>
+          <p:cNvSpPr txBox="1"/>
+          <p:nvPr/>
+        </p:nvSpPr>
+        <p:spPr>
+          <a:xfrm>
+            <a:off x="3353074" y="1562821"/>
+            <a:ext cx="1105110" cy="461665"/>
+          </a:xfrm>
+          <a:prstGeom prst="rect">
+            <a:avLst/>
+          </a:prstGeom>
+          <a:noFill/>
+        </p:spPr>
+        <p:txBody>
+          <a:bodyPr wrap="none" rtlCol="0">
+            <a:spAutoFit/>
+          </a:bodyPr>
+          <a:lstStyle/>
+          <a:p>
+            <a:pPr algn="ctr"/>
+            <a:r>
+              <a:rPr lang="es-ES" sz="1200" dirty="0" err="1"/>
+              <a:t>Validate</a:t>
+            </a:r>
+            <a:endParaRPr lang="es-ES" sz="1200" dirty="0"/>
+          </a:p>
+          <a:p>
+            <a:pPr algn="ctr"/>
+            <a:r>
+              <a:rPr lang="es-ES" sz="1200" dirty="0" err="1"/>
+              <a:t>console</a:t>
+            </a:r>
+            <a:r>
+              <a:rPr lang="es-ES" sz="1200" dirty="0"/>
               <a:t> </a:t>
             </a:r>
             <a:r>
-              <a:rPr lang="es-ES" dirty="0" err="1"/>
-              <a:t>console</a:t>
-            </a:r>
-            <a:r>
-              <a:rPr lang="es-ES" dirty="0"/>
-              <a:t> </a:t>
-            </a:r>
-            <a:r>
-              <a:rPr lang="es-ES" dirty="0" err="1"/>
-              <a:t>diagram</a:t>
-            </a:r>
-            <a:endParaRPr lang="es-ES" dirty="0"/>
+              <a:rPr lang="es-ES" sz="1200" dirty="0" err="1"/>
+              <a:t>access</a:t>
+            </a:r>
+            <a:endParaRPr lang="es-ES" sz="1200" dirty="0"/>
+          </a:p>
+        </p:txBody>
+      </p:sp>
+      <p:cxnSp>
+        <p:nvCxnSpPr>
+          <p:cNvPr id="3" name="Connector: Elbow 2">
+            <a:extLst>
+              <a:ext uri="{FF2B5EF4-FFF2-40B4-BE49-F238E27FC236}">
+                <a16:creationId xmlns:a16="http://schemas.microsoft.com/office/drawing/2014/main" id="{9A1712DD-5557-8DD6-888F-1211855827FB}"/>
+              </a:ext>
+            </a:extLst>
+          </p:cNvPr>
+          <p:cNvCxnSpPr>
+            <a:cxnSpLocks/>
+            <a:stCxn id="1026" idx="1"/>
+            <a:endCxn id="20" idx="2"/>
+          </p:cNvCxnSpPr>
+          <p:nvPr/>
+        </p:nvCxnSpPr>
+        <p:spPr>
+          <a:xfrm>
+            <a:off x="5438967" y="3855843"/>
+            <a:ext cx="940248" cy="333326"/>
+          </a:xfrm>
+          <a:prstGeom prst="bentConnector4">
+            <a:avLst>
+              <a:gd name="adj1" fmla="val 99832"/>
+              <a:gd name="adj2" fmla="val 36906"/>
+            </a:avLst>
+          </a:prstGeom>
+          <a:ln>
+            <a:prstDash val="dash"/>
+            <a:headEnd type="none" w="med" len="med"/>
+            <a:tailEnd type="triangle" w="med" len="med"/>
+          </a:ln>
+        </p:spPr>
+        <p:style>
+          <a:lnRef idx="1">
+            <a:schemeClr val="accent1"/>
+          </a:lnRef>
+          <a:fillRef idx="0">
+            <a:schemeClr val="accent1"/>
+          </a:fillRef>
+          <a:effectRef idx="0">
+            <a:schemeClr val="accent1"/>
+          </a:effectRef>
+          <a:fontRef idx="minor">
+            <a:schemeClr val="tx1"/>
+          </a:fontRef>
+        </p:style>
+      </p:cxnSp>
+      <p:sp>
+        <p:nvSpPr>
+          <p:cNvPr id="34" name="TextBox 33">
+            <a:extLst>
+              <a:ext uri="{FF2B5EF4-FFF2-40B4-BE49-F238E27FC236}">
+                <a16:creationId xmlns:a16="http://schemas.microsoft.com/office/drawing/2014/main" id="{B8861400-B0D9-8F82-54C7-9E26D8332401}"/>
+              </a:ext>
+            </a:extLst>
+          </p:cNvPr>
+          <p:cNvSpPr txBox="1"/>
+          <p:nvPr/>
+        </p:nvSpPr>
+        <p:spPr>
+          <a:xfrm>
+            <a:off x="5419306" y="3689670"/>
+            <a:ext cx="705642" cy="338554"/>
+          </a:xfrm>
+          <a:prstGeom prst="rect">
+            <a:avLst/>
+          </a:prstGeom>
+          <a:noFill/>
+        </p:spPr>
+        <p:txBody>
+          <a:bodyPr wrap="none" rtlCol="0">
+            <a:spAutoFit/>
+          </a:bodyPr>
+          <a:lstStyle/>
+          <a:p>
+            <a:pPr algn="ctr"/>
+            <a:r>
+              <a:rPr lang="es-ES" sz="800" dirty="0"/>
+              <a:t>Proxy</a:t>
+            </a:r>
+          </a:p>
+          <a:p>
+            <a:pPr algn="ctr"/>
+            <a:r>
+              <a:rPr lang="es-ES" sz="800" dirty="0"/>
+              <a:t>API </a:t>
+            </a:r>
+            <a:r>
+              <a:rPr lang="es-ES" sz="800" dirty="0" err="1"/>
+              <a:t>requests</a:t>
+            </a:r>
+            <a:endParaRPr lang="es-ES" sz="800" dirty="0"/>
           </a:p>
         </p:txBody>
       </p:sp>
     </p:spTree>
     <p:extLst>
       <p:ext uri="{BB962C8B-B14F-4D97-AF65-F5344CB8AC3E}">
-        <p14:creationId xmlns:p14="http://schemas.microsoft.com/office/powerpoint/2010/main" val="3592114098"/>
+        <p14:creationId xmlns:p14="http://schemas.microsoft.com/office/powerpoint/2010/main" val="1740531344"/>
       </p:ext>
     </p:extLst>
   </p:cSld>

--- a/docs/diagrams.pptx
+++ b/docs/diagrams.pptx
@@ -9435,23 +9435,22 @@
           </p:cNvPr>
           <p:cNvCxnSpPr>
             <a:cxnSpLocks/>
+            <a:stCxn id="44" idx="2"/>
             <a:endCxn id="5" idx="3"/>
           </p:cNvCxnSpPr>
           <p:nvPr/>
         </p:nvCxnSpPr>
         <p:spPr>
-          <a:xfrm rot="10800000" flipV="1">
-            <a:off x="4182006" y="3255479"/>
-            <a:ext cx="4083063" cy="288935"/>
-          </a:xfrm>
-          <a:prstGeom prst="bentConnector3">
-            <a:avLst>
-              <a:gd name="adj1" fmla="val -15"/>
-            </a:avLst>
+          <a:xfrm rot="5400000">
+            <a:off x="5908205" y="1522599"/>
+            <a:ext cx="295617" cy="3748015"/>
+          </a:xfrm>
+          <a:prstGeom prst="bentConnector2">
+            <a:avLst/>
           </a:prstGeom>
           <a:ln>
             <a:solidFill>
-              <a:schemeClr val="accent6"/>
+              <a:srgbClr val="00B050"/>
             </a:solidFill>
             <a:tailEnd type="triangle"/>
           </a:ln>
@@ -9482,24 +9481,24 @@
           </p:cNvPr>
           <p:cNvCxnSpPr>
             <a:cxnSpLocks/>
-            <a:endCxn id="12" idx="2"/>
+            <a:stCxn id="44" idx="2"/>
+            <a:endCxn id="12" idx="0"/>
           </p:cNvCxnSpPr>
           <p:nvPr/>
         </p:nvCxnSpPr>
         <p:spPr>
-          <a:xfrm rot="10800000" flipV="1">
-            <a:off x="4897674" y="3245537"/>
-            <a:ext cx="3367399" cy="2390380"/>
-          </a:xfrm>
-          <a:prstGeom prst="bentConnector4">
+          <a:xfrm rot="5400000">
+            <a:off x="5660819" y="2485653"/>
+            <a:ext cx="1506057" cy="3032347"/>
+          </a:xfrm>
+          <a:prstGeom prst="bentConnector3">
             <a:avLst>
-              <a:gd name="adj1" fmla="val 12"/>
-              <a:gd name="adj2" fmla="val 130941"/>
+              <a:gd name="adj1" fmla="val 36845"/>
             </a:avLst>
           </a:prstGeom>
           <a:ln>
             <a:solidFill>
-              <a:schemeClr val="accent6"/>
+              <a:srgbClr val="00B050"/>
             </a:solidFill>
             <a:tailEnd type="triangle"/>
           </a:ln>
@@ -9533,7 +9532,7 @@
         </p:nvSpPr>
         <p:spPr>
           <a:xfrm>
-            <a:off x="4495134" y="3316737"/>
+            <a:off x="4495134" y="3353313"/>
             <a:ext cx="1000594" cy="230832"/>
           </a:xfrm>
           <a:prstGeom prst="rect">
@@ -9574,7 +9573,7 @@
         </p:nvSpPr>
         <p:spPr>
           <a:xfrm>
-            <a:off x="3990277" y="5813014"/>
+            <a:off x="4005473" y="3878544"/>
             <a:ext cx="970137" cy="507831"/>
           </a:xfrm>
           <a:prstGeom prst="rect">
@@ -10290,21 +10289,22 @@
           </p:cNvPr>
           <p:cNvCxnSpPr>
             <a:cxnSpLocks/>
+            <a:stCxn id="44" idx="2"/>
             <a:endCxn id="32" idx="3"/>
           </p:cNvCxnSpPr>
           <p:nvPr/>
         </p:nvCxnSpPr>
         <p:spPr>
           <a:xfrm rot="5400000">
-            <a:off x="6763466" y="3813464"/>
-            <a:ext cx="2059400" cy="943804"/>
+            <a:off x="6592508" y="3977554"/>
+            <a:ext cx="2066268" cy="608756"/>
           </a:xfrm>
           <a:prstGeom prst="bentConnector2">
             <a:avLst/>
           </a:prstGeom>
           <a:ln>
             <a:solidFill>
-              <a:schemeClr val="accent6"/>
+              <a:srgbClr val="00B050"/>
             </a:solidFill>
             <a:tailEnd type="triangle"/>
           </a:ln>
@@ -10338,7 +10338,7 @@
         </p:nvSpPr>
         <p:spPr>
           <a:xfrm>
-            <a:off x="8210582" y="4042756"/>
+            <a:off x="7008997" y="3898384"/>
             <a:ext cx="970137" cy="507831"/>
           </a:xfrm>
           <a:prstGeom prst="rect">
@@ -10352,6 +10352,7 @@
           </a:bodyPr>
           <a:lstStyle/>
           <a:p>
+            <a:pPr algn="r"/>
             <a:r>
               <a:rPr lang="es-ES" sz="900" dirty="0" err="1"/>
               <a:t>Create</a:t>
@@ -10359,6 +10360,7 @@
             <a:endParaRPr lang="es-ES" sz="900" dirty="0"/>
           </a:p>
           <a:p>
+            <a:pPr algn="r"/>
             <a:r>
               <a:rPr lang="es-ES" sz="900" dirty="0" err="1"/>
               <a:t>ObkAuthorizator</a:t>
@@ -10366,6 +10368,7 @@
             <a:endParaRPr lang="es-ES" sz="900" dirty="0"/>
           </a:p>
           <a:p>
+            <a:pPr algn="r"/>
             <a:r>
               <a:rPr lang="es-ES" sz="900" dirty="0" err="1"/>
               <a:t>Deployment</a:t>
@@ -10931,7 +10934,7 @@
         </p:nvSpPr>
         <p:spPr>
           <a:xfrm>
-            <a:off x="3312185" y="5007327"/>
+            <a:off x="3312185" y="4998183"/>
             <a:ext cx="859531" cy="369332"/>
           </a:xfrm>
           <a:prstGeom prst="rect">
@@ -11686,19 +11689,17 @@
           <p:cNvCxnSpPr>
             <a:cxnSpLocks/>
             <a:stCxn id="48" idx="1"/>
-            <a:endCxn id="44" idx="2"/>
           </p:cNvCxnSpPr>
           <p:nvPr/>
         </p:nvCxnSpPr>
         <p:spPr>
           <a:xfrm>
             <a:off x="6989772" y="2915472"/>
-            <a:ext cx="940248" cy="333326"/>
-          </a:xfrm>
-          <a:prstGeom prst="bentConnector4">
+            <a:ext cx="1477092" cy="333325"/>
+          </a:xfrm>
+          <a:prstGeom prst="bentConnector3">
             <a:avLst>
-              <a:gd name="adj1" fmla="val 99832"/>
-              <a:gd name="adj2" fmla="val 36906"/>
+              <a:gd name="adj1" fmla="val 100137"/>
             </a:avLst>
           </a:prstGeom>
           <a:ln>
@@ -11884,7 +11885,7 @@
         </p:nvSpPr>
         <p:spPr>
           <a:xfrm>
-            <a:off x="3440011" y="2415092"/>
+            <a:off x="3440011" y="2424236"/>
             <a:ext cx="792204" cy="369332"/>
           </a:xfrm>
           <a:prstGeom prst="rect">
@@ -11929,25 +11930,26 @@
           </p:cNvPr>
           <p:cNvCxnSpPr>
             <a:cxnSpLocks/>
-            <a:stCxn id="44" idx="2"/>
-            <a:endCxn id="32" idx="0"/>
+            <a:endCxn id="12" idx="2"/>
           </p:cNvCxnSpPr>
           <p:nvPr/>
         </p:nvCxnSpPr>
         <p:spPr>
-          <a:xfrm rot="5400000">
-            <a:off x="6660485" y="3085411"/>
-            <a:ext cx="1106148" cy="1432922"/>
-          </a:xfrm>
-          <a:prstGeom prst="bentConnector3">
+          <a:xfrm rot="10800000" flipV="1">
+            <a:off x="4897674" y="3245537"/>
+            <a:ext cx="3569191" cy="2390380"/>
+          </a:xfrm>
+          <a:prstGeom prst="bentConnector4">
             <a:avLst>
-              <a:gd name="adj1" fmla="val 50000"/>
+              <a:gd name="adj1" fmla="val -4"/>
+              <a:gd name="adj2" fmla="val 135404"/>
             </a:avLst>
           </a:prstGeom>
           <a:ln>
             <a:solidFill>
               <a:srgbClr val="00B050"/>
             </a:solidFill>
+            <a:prstDash val="dash"/>
             <a:tailEnd type="triangle"/>
           </a:ln>
         </p:spPr>
@@ -12209,6 +12211,54 @@
             <a:r>
               <a:rPr lang="es-ES" sz="900" dirty="0"/>
               <a:t>Control Plane</a:t>
+            </a:r>
+          </a:p>
+        </p:txBody>
+      </p:sp>
+      <p:sp>
+        <p:nvSpPr>
+          <p:cNvPr id="6" name="TextBox 5">
+            <a:extLst>
+              <a:ext uri="{FF2B5EF4-FFF2-40B4-BE49-F238E27FC236}">
+                <a16:creationId xmlns:a16="http://schemas.microsoft.com/office/drawing/2014/main" id="{6F665BA1-BFDE-3DD1-C444-7899C381174F}"/>
+              </a:ext>
+            </a:extLst>
+          </p:cNvPr>
+          <p:cNvSpPr txBox="1"/>
+          <p:nvPr/>
+        </p:nvSpPr>
+        <p:spPr>
+          <a:xfrm>
+            <a:off x="7610211" y="6293877"/>
+            <a:ext cx="878767" cy="369332"/>
+          </a:xfrm>
+          <a:prstGeom prst="rect">
+            <a:avLst/>
+          </a:prstGeom>
+          <a:noFill/>
+        </p:spPr>
+        <p:txBody>
+          <a:bodyPr wrap="none" rtlCol="0">
+            <a:spAutoFit/>
+          </a:bodyPr>
+          <a:lstStyle/>
+          <a:p>
+            <a:pPr algn="ctr"/>
+            <a:r>
+              <a:rPr lang="es-ES" sz="900" dirty="0"/>
+              <a:t>API </a:t>
+            </a:r>
+            <a:r>
+              <a:rPr lang="es-ES" sz="900" dirty="0" err="1"/>
+              <a:t>requests</a:t>
+            </a:r>
+            <a:endParaRPr lang="es-ES" sz="900" dirty="0"/>
+          </a:p>
+          <a:p>
+            <a:pPr algn="ctr"/>
+            <a:r>
+              <a:rPr lang="es-ES" sz="900" dirty="0"/>
+              <a:t>(control plane)</a:t>
             </a:r>
           </a:p>
         </p:txBody>
